--- a/jugbi-fp-20141119/20141119_FP.pptx
+++ b/jugbi-fp-20141119/20141119_FP.pptx
@@ -5,7 +5,7 @@
     <p:sldMasterId id="2147484370" r:id="rId1"/>
   </p:sldMasterIdLst>
   <p:notesMasterIdLst>
-    <p:notesMasterId r:id="rId26"/>
+    <p:notesMasterId r:id="rId35"/>
   </p:notesMasterIdLst>
   <p:sldIdLst>
     <p:sldId id="258" r:id="rId2"/>
@@ -22,16 +22,25 @@
     <p:sldId id="272" r:id="rId13"/>
     <p:sldId id="273" r:id="rId14"/>
     <p:sldId id="274" r:id="rId15"/>
-    <p:sldId id="271" r:id="rId16"/>
-    <p:sldId id="278" r:id="rId17"/>
-    <p:sldId id="281" r:id="rId18"/>
-    <p:sldId id="282" r:id="rId19"/>
-    <p:sldId id="279" r:id="rId20"/>
-    <p:sldId id="283" r:id="rId21"/>
-    <p:sldId id="284" r:id="rId22"/>
-    <p:sldId id="285" r:id="rId23"/>
-    <p:sldId id="280" r:id="rId24"/>
-    <p:sldId id="276" r:id="rId25"/>
+    <p:sldId id="286" r:id="rId16"/>
+    <p:sldId id="271" r:id="rId17"/>
+    <p:sldId id="278" r:id="rId18"/>
+    <p:sldId id="281" r:id="rId19"/>
+    <p:sldId id="282" r:id="rId20"/>
+    <p:sldId id="287" r:id="rId21"/>
+    <p:sldId id="279" r:id="rId22"/>
+    <p:sldId id="289" r:id="rId23"/>
+    <p:sldId id="290" r:id="rId24"/>
+    <p:sldId id="291" r:id="rId25"/>
+    <p:sldId id="293" r:id="rId26"/>
+    <p:sldId id="294" r:id="rId27"/>
+    <p:sldId id="292" r:id="rId28"/>
+    <p:sldId id="295" r:id="rId29"/>
+    <p:sldId id="288" r:id="rId30"/>
+    <p:sldId id="284" r:id="rId31"/>
+    <p:sldId id="285" r:id="rId32"/>
+    <p:sldId id="280" r:id="rId33"/>
+    <p:sldId id="276" r:id="rId34"/>
   </p:sldIdLst>
   <p:sldSz cx="9144000" cy="6858000" type="screen4x3"/>
   <p:notesSz cx="6858000" cy="9144000"/>
@@ -215,7 +224,7 @@
           <a:p>
             <a:fld id="{1DF38FE3-EF05-CC4E-900C-CB5EA517D9F1}" type="datetimeFigureOut">
               <a:rPr lang="de-DE" smtClean="0"/>
-              <a:t>07.11.14</a:t>
+              <a:t>11.11.14</a:t>
             </a:fld>
             <a:endParaRPr lang="de-DE"/>
           </a:p>
@@ -619,6 +628,394 @@
           <a:bodyPr/>
           <a:lstStyle/>
           <a:p>
+            <a:r>
+              <a:rPr lang="de-DE" dirty="0" smtClean="0"/>
+              <a:t>Syntax </a:t>
+            </a:r>
+            <a:r>
+              <a:rPr lang="de-DE" dirty="0" err="1" smtClean="0"/>
+              <a:t>based</a:t>
+            </a:r>
+            <a:r>
+              <a:rPr lang="de-DE" dirty="0" smtClean="0"/>
+              <a:t> on S-</a:t>
+            </a:r>
+            <a:r>
+              <a:rPr lang="de-DE" dirty="0" err="1" smtClean="0"/>
+              <a:t>Expressions</a:t>
+            </a:r>
+            <a:endParaRPr lang="de-DE" dirty="0" smtClean="0"/>
+          </a:p>
+          <a:p>
+            <a:r>
+              <a:rPr lang="de-DE" dirty="0" smtClean="0"/>
+              <a:t>S-</a:t>
+            </a:r>
+            <a:r>
+              <a:rPr lang="de-DE" dirty="0" err="1" smtClean="0"/>
+              <a:t>Expressions</a:t>
+            </a:r>
+            <a:r>
+              <a:rPr lang="de-DE" dirty="0" smtClean="0"/>
+              <a:t> </a:t>
+            </a:r>
+            <a:r>
+              <a:rPr lang="de-DE" dirty="0" err="1" smtClean="0"/>
+              <a:t>are</a:t>
+            </a:r>
+            <a:r>
+              <a:rPr lang="de-DE" dirty="0" smtClean="0"/>
+              <a:t> </a:t>
+            </a:r>
+            <a:r>
+              <a:rPr lang="de-DE" dirty="0" err="1" smtClean="0"/>
+              <a:t>parsed</a:t>
+            </a:r>
+            <a:r>
+              <a:rPr lang="de-DE" dirty="0" smtClean="0"/>
+              <a:t> </a:t>
+            </a:r>
+            <a:r>
+              <a:rPr lang="de-DE" dirty="0" err="1" smtClean="0"/>
+              <a:t>by</a:t>
+            </a:r>
+            <a:r>
+              <a:rPr lang="de-DE" dirty="0" smtClean="0"/>
+              <a:t> </a:t>
+            </a:r>
+            <a:r>
+              <a:rPr lang="de-DE" dirty="0" err="1" smtClean="0"/>
+              <a:t>the</a:t>
+            </a:r>
+            <a:r>
+              <a:rPr lang="de-DE" dirty="0" smtClean="0"/>
+              <a:t> Reader </a:t>
+            </a:r>
+            <a:r>
+              <a:rPr lang="de-DE" dirty="0" err="1" smtClean="0"/>
+              <a:t>into</a:t>
+            </a:r>
+            <a:r>
+              <a:rPr lang="de-DE" dirty="0" smtClean="0"/>
+              <a:t> </a:t>
+            </a:r>
+            <a:r>
+              <a:rPr lang="de-DE" dirty="0" err="1" smtClean="0"/>
+              <a:t>data</a:t>
+            </a:r>
+            <a:r>
+              <a:rPr lang="de-DE" dirty="0" smtClean="0"/>
+              <a:t> </a:t>
+            </a:r>
+            <a:r>
+              <a:rPr lang="de-DE" dirty="0" err="1" smtClean="0"/>
+              <a:t>structures</a:t>
+            </a:r>
+            <a:r>
+              <a:rPr lang="de-DE" dirty="0" smtClean="0"/>
+              <a:t> </a:t>
+            </a:r>
+            <a:r>
+              <a:rPr lang="de-DE" dirty="0" err="1" smtClean="0"/>
+              <a:t>before</a:t>
+            </a:r>
+            <a:r>
+              <a:rPr lang="de-DE" dirty="0" smtClean="0"/>
+              <a:t> </a:t>
+            </a:r>
+            <a:r>
+              <a:rPr lang="de-DE" dirty="0" err="1" smtClean="0"/>
+              <a:t>being</a:t>
+            </a:r>
+            <a:r>
+              <a:rPr lang="de-DE" dirty="0" smtClean="0"/>
+              <a:t> </a:t>
+            </a:r>
+            <a:r>
+              <a:rPr lang="de-DE" dirty="0" err="1" smtClean="0"/>
+              <a:t>executed</a:t>
+            </a:r>
+            <a:endParaRPr lang="de-DE" dirty="0" smtClean="0"/>
+          </a:p>
+          <a:p>
+            <a:endParaRPr lang="de-DE" dirty="0"/>
+          </a:p>
+        </p:txBody>
+      </p:sp>
+      <p:sp>
+        <p:nvSpPr>
+          <p:cNvPr id="4" name="Foliennummernplatzhalter 3"/>
+          <p:cNvSpPr>
+            <a:spLocks noGrp="1"/>
+          </p:cNvSpPr>
+          <p:nvPr>
+            <p:ph type="sldNum" sz="quarter" idx="10"/>
+          </p:nvPr>
+        </p:nvSpPr>
+        <p:spPr/>
+        <p:txBody>
+          <a:bodyPr/>
+          <a:lstStyle/>
+          <a:p>
+            <a:fld id="{F8A39296-B31D-DC45-87B0-E02527FDCF1A}" type="slidenum">
+              <a:rPr lang="de-DE" smtClean="0"/>
+              <a:t>22</a:t>
+            </a:fld>
+            <a:endParaRPr lang="de-DE"/>
+          </a:p>
+        </p:txBody>
+      </p:sp>
+    </p:spTree>
+    <p:extLst>
+      <p:ext uri="{BB962C8B-B14F-4D97-AF65-F5344CB8AC3E}">
+        <p14:creationId xmlns:p14="http://schemas.microsoft.com/office/powerpoint/2010/main" val="3277319441"/>
+      </p:ext>
+    </p:extLst>
+  </p:cSld>
+  <p:clrMapOvr>
+    <a:masterClrMapping/>
+  </p:clrMapOvr>
+</p:notes>
+</file>
+
+<file path=ppt/notesSlides/notesSlide11.xml><?xml version="1.0" encoding="utf-8"?>
+<p:notes xmlns:a="http://schemas.openxmlformats.org/drawingml/2006/main" xmlns:r="http://schemas.openxmlformats.org/officeDocument/2006/relationships" xmlns:p="http://schemas.openxmlformats.org/presentationml/2006/main">
+  <p:cSld>
+    <p:spTree>
+      <p:nvGrpSpPr>
+        <p:cNvPr id="1" name=""/>
+        <p:cNvGrpSpPr/>
+        <p:nvPr/>
+      </p:nvGrpSpPr>
+      <p:grpSpPr>
+        <a:xfrm>
+          <a:off x="0" y="0"/>
+          <a:ext cx="0" cy="0"/>
+          <a:chOff x="0" y="0"/>
+          <a:chExt cx="0" cy="0"/>
+        </a:xfrm>
+      </p:grpSpPr>
+      <p:sp>
+        <p:nvSpPr>
+          <p:cNvPr id="2" name="Folienbildplatzhalter 1"/>
+          <p:cNvSpPr>
+            <a:spLocks noGrp="1" noRot="1" noChangeAspect="1"/>
+          </p:cNvSpPr>
+          <p:nvPr>
+            <p:ph type="sldImg"/>
+          </p:nvPr>
+        </p:nvSpPr>
+        <p:spPr/>
+      </p:sp>
+      <p:sp>
+        <p:nvSpPr>
+          <p:cNvPr id="3" name="Notizenplatzhalter 2"/>
+          <p:cNvSpPr>
+            <a:spLocks noGrp="1"/>
+          </p:cNvSpPr>
+          <p:nvPr>
+            <p:ph type="body" idx="1"/>
+          </p:nvPr>
+        </p:nvSpPr>
+        <p:spPr/>
+        <p:txBody>
+          <a:bodyPr/>
+          <a:lstStyle/>
+          <a:p>
+            <a:r>
+              <a:rPr lang="de-DE" dirty="0" smtClean="0"/>
+              <a:t>Syntax </a:t>
+            </a:r>
+            <a:r>
+              <a:rPr lang="de-DE" dirty="0" err="1" smtClean="0"/>
+              <a:t>based</a:t>
+            </a:r>
+            <a:r>
+              <a:rPr lang="de-DE" dirty="0" smtClean="0"/>
+              <a:t> on S-</a:t>
+            </a:r>
+            <a:r>
+              <a:rPr lang="de-DE" dirty="0" err="1" smtClean="0"/>
+              <a:t>Expressions</a:t>
+            </a:r>
+            <a:endParaRPr lang="de-DE" dirty="0" smtClean="0"/>
+          </a:p>
+          <a:p>
+            <a:r>
+              <a:rPr lang="de-DE" dirty="0" smtClean="0"/>
+              <a:t>S-</a:t>
+            </a:r>
+            <a:r>
+              <a:rPr lang="de-DE" dirty="0" err="1" smtClean="0"/>
+              <a:t>Expressions</a:t>
+            </a:r>
+            <a:r>
+              <a:rPr lang="de-DE" dirty="0" smtClean="0"/>
+              <a:t> </a:t>
+            </a:r>
+            <a:r>
+              <a:rPr lang="de-DE" dirty="0" err="1" smtClean="0"/>
+              <a:t>are</a:t>
+            </a:r>
+            <a:r>
+              <a:rPr lang="de-DE" dirty="0" smtClean="0"/>
+              <a:t> </a:t>
+            </a:r>
+            <a:r>
+              <a:rPr lang="de-DE" dirty="0" err="1" smtClean="0"/>
+              <a:t>parsed</a:t>
+            </a:r>
+            <a:r>
+              <a:rPr lang="de-DE" dirty="0" smtClean="0"/>
+              <a:t> </a:t>
+            </a:r>
+            <a:r>
+              <a:rPr lang="de-DE" dirty="0" err="1" smtClean="0"/>
+              <a:t>by</a:t>
+            </a:r>
+            <a:r>
+              <a:rPr lang="de-DE" dirty="0" smtClean="0"/>
+              <a:t> </a:t>
+            </a:r>
+            <a:r>
+              <a:rPr lang="de-DE" dirty="0" err="1" smtClean="0"/>
+              <a:t>the</a:t>
+            </a:r>
+            <a:r>
+              <a:rPr lang="de-DE" dirty="0" smtClean="0"/>
+              <a:t> Reader </a:t>
+            </a:r>
+            <a:r>
+              <a:rPr lang="de-DE" dirty="0" err="1" smtClean="0"/>
+              <a:t>into</a:t>
+            </a:r>
+            <a:r>
+              <a:rPr lang="de-DE" dirty="0" smtClean="0"/>
+              <a:t> </a:t>
+            </a:r>
+            <a:r>
+              <a:rPr lang="de-DE" dirty="0" err="1" smtClean="0"/>
+              <a:t>data</a:t>
+            </a:r>
+            <a:r>
+              <a:rPr lang="de-DE" dirty="0" smtClean="0"/>
+              <a:t> </a:t>
+            </a:r>
+            <a:r>
+              <a:rPr lang="de-DE" dirty="0" err="1" smtClean="0"/>
+              <a:t>structures</a:t>
+            </a:r>
+            <a:r>
+              <a:rPr lang="de-DE" dirty="0" smtClean="0"/>
+              <a:t> </a:t>
+            </a:r>
+            <a:r>
+              <a:rPr lang="de-DE" dirty="0" err="1" smtClean="0"/>
+              <a:t>before</a:t>
+            </a:r>
+            <a:r>
+              <a:rPr lang="de-DE" dirty="0" smtClean="0"/>
+              <a:t> </a:t>
+            </a:r>
+            <a:r>
+              <a:rPr lang="de-DE" dirty="0" err="1" smtClean="0"/>
+              <a:t>being</a:t>
+            </a:r>
+            <a:r>
+              <a:rPr lang="de-DE" dirty="0" smtClean="0"/>
+              <a:t> </a:t>
+            </a:r>
+            <a:r>
+              <a:rPr lang="de-DE" dirty="0" err="1" smtClean="0"/>
+              <a:t>executed</a:t>
+            </a:r>
+            <a:endParaRPr lang="de-DE" dirty="0" smtClean="0"/>
+          </a:p>
+          <a:p>
+            <a:endParaRPr lang="de-DE" dirty="0"/>
+          </a:p>
+        </p:txBody>
+      </p:sp>
+      <p:sp>
+        <p:nvSpPr>
+          <p:cNvPr id="4" name="Foliennummernplatzhalter 3"/>
+          <p:cNvSpPr>
+            <a:spLocks noGrp="1"/>
+          </p:cNvSpPr>
+          <p:nvPr>
+            <p:ph type="sldNum" sz="quarter" idx="10"/>
+          </p:nvPr>
+        </p:nvSpPr>
+        <p:spPr/>
+        <p:txBody>
+          <a:bodyPr/>
+          <a:lstStyle/>
+          <a:p>
+            <a:fld id="{F8A39296-B31D-DC45-87B0-E02527FDCF1A}" type="slidenum">
+              <a:rPr lang="de-DE" smtClean="0"/>
+              <a:t>26</a:t>
+            </a:fld>
+            <a:endParaRPr lang="de-DE"/>
+          </a:p>
+        </p:txBody>
+      </p:sp>
+    </p:spTree>
+    <p:extLst>
+      <p:ext uri="{BB962C8B-B14F-4D97-AF65-F5344CB8AC3E}">
+        <p14:creationId xmlns:p14="http://schemas.microsoft.com/office/powerpoint/2010/main" val="3277319441"/>
+      </p:ext>
+    </p:extLst>
+  </p:cSld>
+  <p:clrMapOvr>
+    <a:masterClrMapping/>
+  </p:clrMapOvr>
+</p:notes>
+</file>
+
+<file path=ppt/notesSlides/notesSlide12.xml><?xml version="1.0" encoding="utf-8"?>
+<p:notes xmlns:a="http://schemas.openxmlformats.org/drawingml/2006/main" xmlns:r="http://schemas.openxmlformats.org/officeDocument/2006/relationships" xmlns:p="http://schemas.openxmlformats.org/presentationml/2006/main">
+  <p:cSld>
+    <p:spTree>
+      <p:nvGrpSpPr>
+        <p:cNvPr id="1" name=""/>
+        <p:cNvGrpSpPr/>
+        <p:nvPr/>
+      </p:nvGrpSpPr>
+      <p:grpSpPr>
+        <a:xfrm>
+          <a:off x="0" y="0"/>
+          <a:ext cx="0" cy="0"/>
+          <a:chOff x="0" y="0"/>
+          <a:chExt cx="0" cy="0"/>
+        </a:xfrm>
+      </p:grpSpPr>
+      <p:sp>
+        <p:nvSpPr>
+          <p:cNvPr id="2" name="Folienbildplatzhalter 1"/>
+          <p:cNvSpPr>
+            <a:spLocks noGrp="1" noRot="1" noChangeAspect="1"/>
+          </p:cNvSpPr>
+          <p:nvPr>
+            <p:ph type="sldImg"/>
+          </p:nvPr>
+        </p:nvSpPr>
+        <p:spPr/>
+      </p:sp>
+      <p:sp>
+        <p:nvSpPr>
+          <p:cNvPr id="3" name="Notizenplatzhalter 2"/>
+          <p:cNvSpPr>
+            <a:spLocks noGrp="1"/>
+          </p:cNvSpPr>
+          <p:nvPr>
+            <p:ph type="body" idx="1"/>
+          </p:nvPr>
+        </p:nvSpPr>
+        <p:spPr/>
+        <p:txBody>
+          <a:bodyPr/>
+          <a:lstStyle/>
+          <a:p>
             <a:pPr marL="228600" indent="-228600">
               <a:buAutoNum type="arabicPeriod"/>
             </a:pPr>
@@ -673,7 +1070,7 @@
           <a:p>
             <a:fld id="{F8A39296-B31D-DC45-87B0-E02527FDCF1A}" type="slidenum">
               <a:rPr lang="de-DE" smtClean="0"/>
-              <a:t>23</a:t>
+              <a:t>32</a:t>
             </a:fld>
             <a:endParaRPr lang="de-DE"/>
           </a:p>
@@ -1255,7 +1652,7 @@
           <a:p>
             <a:fld id="{F8A39296-B31D-DC45-87B0-E02527FDCF1A}" type="slidenum">
               <a:rPr lang="de-DE" smtClean="0"/>
-              <a:t>16</a:t>
+              <a:t>17</a:t>
             </a:fld>
             <a:endParaRPr lang="de-DE"/>
           </a:p>
@@ -1367,7 +1764,7 @@
           <a:p>
             <a:fld id="{F8A39296-B31D-DC45-87B0-E02527FDCF1A}" type="slidenum">
               <a:rPr lang="de-DE" smtClean="0"/>
-              <a:t>17</a:t>
+              <a:t>18</a:t>
             </a:fld>
             <a:endParaRPr lang="de-DE"/>
           </a:p>
@@ -1479,7 +1876,7 @@
           <a:p>
             <a:fld id="{F8A39296-B31D-DC45-87B0-E02527FDCF1A}" type="slidenum">
               <a:rPr lang="de-DE" smtClean="0"/>
-              <a:t>18</a:t>
+              <a:t>19</a:t>
             </a:fld>
             <a:endParaRPr lang="de-DE"/>
           </a:p>
@@ -1673,7 +2070,7 @@
           <a:p>
             <a:fld id="{F8A39296-B31D-DC45-87B0-E02527FDCF1A}" type="slidenum">
               <a:rPr lang="de-DE" smtClean="0"/>
-              <a:t>19</a:t>
+              <a:t>21</a:t>
             </a:fld>
             <a:endParaRPr lang="de-DE"/>
           </a:p>
@@ -1881,7 +2278,7 @@
             <a:fld id="{2233D26B-DFC2-4248-8ED0-AD3E108CBDD7}" type="datetime1">
               <a:rPr lang="en-US" smtClean="0"/>
               <a:pPr/>
-              <a:t>07.11.14</a:t>
+              <a:t>11.11.14</a:t>
             </a:fld>
             <a:endParaRPr lang="en-US"/>
           </a:p>
@@ -2482,7 +2879,7 @@
           <a:p>
             <a:fld id="{7220A3EC-2DA0-1A40-BB12-41AF591B4C83}" type="datetimeFigureOut">
               <a:rPr lang="de-DE" smtClean="0"/>
-              <a:t>07.11.14</a:t>
+              <a:t>11.11.14</a:t>
             </a:fld>
             <a:endParaRPr lang="de-DE"/>
           </a:p>
@@ -2630,7 +3027,7 @@
           <a:p>
             <a:fld id="{7220A3EC-2DA0-1A40-BB12-41AF591B4C83}" type="datetimeFigureOut">
               <a:rPr lang="de-DE" smtClean="0"/>
-              <a:t>07.11.14</a:t>
+              <a:t>11.11.14</a:t>
             </a:fld>
             <a:endParaRPr lang="de-DE"/>
           </a:p>
@@ -2720,7 +3117,7 @@
           <a:p>
             <a:fld id="{7220A3EC-2DA0-1A40-BB12-41AF591B4C83}" type="datetimeFigureOut">
               <a:rPr lang="de-DE" smtClean="0"/>
-              <a:t>07.11.14</a:t>
+              <a:t>11.11.14</a:t>
             </a:fld>
             <a:endParaRPr lang="de-DE"/>
           </a:p>
@@ -2994,7 +3391,7 @@
           <a:p>
             <a:fld id="{7220A3EC-2DA0-1A40-BB12-41AF591B4C83}" type="datetimeFigureOut">
               <a:rPr lang="de-DE" smtClean="0"/>
-              <a:t>07.11.14</a:t>
+              <a:t>11.11.14</a:t>
             </a:fld>
             <a:endParaRPr lang="de-DE"/>
           </a:p>
@@ -3305,7 +3702,7 @@
           <a:p>
             <a:fld id="{7220A3EC-2DA0-1A40-BB12-41AF591B4C83}" type="datetimeFigureOut">
               <a:rPr lang="de-DE" smtClean="0"/>
-              <a:t>07.11.14</a:t>
+              <a:t>11.11.14</a:t>
             </a:fld>
             <a:endParaRPr lang="de-DE"/>
           </a:p>
@@ -3470,7 +3867,7 @@
           <a:p>
             <a:fld id="{7220A3EC-2DA0-1A40-BB12-41AF591B4C83}" type="datetimeFigureOut">
               <a:rPr lang="de-DE" smtClean="0"/>
-              <a:t>07.11.14</a:t>
+              <a:t>11.11.14</a:t>
             </a:fld>
             <a:endParaRPr lang="de-DE"/>
           </a:p>
@@ -3645,7 +4042,7 @@
           <a:p>
             <a:fld id="{7220A3EC-2DA0-1A40-BB12-41AF591B4C83}" type="datetimeFigureOut">
               <a:rPr lang="de-DE" smtClean="0"/>
-              <a:t>07.11.14</a:t>
+              <a:t>11.11.14</a:t>
             </a:fld>
             <a:endParaRPr lang="de-DE"/>
           </a:p>
@@ -3997,7 +4394,7 @@
           <a:p>
             <a:fld id="{7220A3EC-2DA0-1A40-BB12-41AF591B4C83}" type="datetimeFigureOut">
               <a:rPr lang="de-DE" smtClean="0"/>
-              <a:t>07.11.14</a:t>
+              <a:t>11.11.14</a:t>
             </a:fld>
             <a:endParaRPr lang="de-DE"/>
           </a:p>
@@ -4246,7 +4643,7 @@
             <a:fld id="{79C96367-2F2B-4F6E-ACF4-15FA13738E10}" type="datetime1">
               <a:rPr lang="en-US" smtClean="0"/>
               <a:pPr/>
-              <a:t>07.11.14</a:t>
+              <a:t>11.11.14</a:t>
             </a:fld>
             <a:endParaRPr lang="en-US"/>
           </a:p>
@@ -4564,7 +4961,7 @@
           <a:p>
             <a:fld id="{7220A3EC-2DA0-1A40-BB12-41AF591B4C83}" type="datetimeFigureOut">
               <a:rPr lang="de-DE" smtClean="0"/>
-              <a:t>07.11.14</a:t>
+              <a:t>11.11.14</a:t>
             </a:fld>
             <a:endParaRPr lang="de-DE"/>
           </a:p>
@@ -4862,7 +5259,7 @@
           <a:p>
             <a:fld id="{7220A3EC-2DA0-1A40-BB12-41AF591B4C83}" type="datetimeFigureOut">
               <a:rPr lang="de-DE" smtClean="0"/>
-              <a:t>07.11.14</a:t>
+              <a:t>11.11.14</a:t>
             </a:fld>
             <a:endParaRPr lang="de-DE"/>
           </a:p>
@@ -5550,11 +5947,6 @@
               </a:rPr>
               <a:t>Sascha Koch</a:t>
             </a:r>
-            <a:endParaRPr lang="de-DE" sz="1800" dirty="0" smtClean="0">
-              <a:solidFill>
-                <a:schemeClr val="tx2"/>
-              </a:solidFill>
-            </a:endParaRPr>
           </a:p>
           <a:p>
             <a:r>
@@ -5565,11 +5957,6 @@
               </a:rPr>
               <a:t>JUG Bielefeld</a:t>
             </a:r>
-            <a:endParaRPr lang="de-DE" sz="1800" dirty="0" smtClean="0">
-              <a:solidFill>
-                <a:schemeClr val="tx2"/>
-              </a:solidFill>
-            </a:endParaRPr>
           </a:p>
           <a:p>
             <a:r>
@@ -6600,6 +6987,337 @@
           <a:p>
             <a:r>
               <a:rPr lang="de-DE" dirty="0" smtClean="0"/>
+              <a:t>Unterschiede zu imperativen Sprachen</a:t>
+            </a:r>
+            <a:endParaRPr lang="de-DE" dirty="0"/>
+          </a:p>
+        </p:txBody>
+      </p:sp>
+      <p:graphicFrame>
+        <p:nvGraphicFramePr>
+          <p:cNvPr id="4" name="Inhaltsplatzhalter 3"/>
+          <p:cNvGraphicFramePr>
+            <a:graphicFrameLocks noGrp="1"/>
+          </p:cNvGraphicFramePr>
+          <p:nvPr>
+            <p:ph idx="1"/>
+            <p:extLst>
+              <p:ext uri="{D42A27DB-BD31-4B8C-83A1-F6EECF244321}">
+                <p14:modId xmlns:p14="http://schemas.microsoft.com/office/powerpoint/2010/main" val="2696560916"/>
+              </p:ext>
+            </p:extLst>
+          </p:nvPr>
+        </p:nvGraphicFramePr>
+        <p:xfrm>
+          <a:off x="457200" y="1600200"/>
+          <a:ext cx="8229600" cy="2494280"/>
+        </p:xfrm>
+        <a:graphic>
+          <a:graphicData uri="http://schemas.openxmlformats.org/drawingml/2006/table">
+            <a:tbl>
+              <a:tblPr firstRow="1" bandRow="1">
+                <a:tableStyleId>{284E427A-3D55-4303-BF80-6455036E1DE7}</a:tableStyleId>
+              </a:tblPr>
+              <a:tblGrid>
+                <a:gridCol w="2743200"/>
+                <a:gridCol w="2743200"/>
+                <a:gridCol w="2743200"/>
+              </a:tblGrid>
+              <a:tr h="370840">
+                <a:tc>
+                  <a:txBody>
+                    <a:bodyPr/>
+                    <a:lstStyle/>
+                    <a:p>
+                      <a:endParaRPr lang="de-DE" dirty="0"/>
+                    </a:p>
+                  </a:txBody>
+                  <a:tcPr/>
+                </a:tc>
+                <a:tc>
+                  <a:txBody>
+                    <a:bodyPr/>
+                    <a:lstStyle/>
+                    <a:p>
+                      <a:r>
+                        <a:rPr lang="de-DE" dirty="0" smtClean="0"/>
+                        <a:t>Funktionale Sprachen</a:t>
+                      </a:r>
+                      <a:endParaRPr lang="de-DE" dirty="0"/>
+                    </a:p>
+                  </a:txBody>
+                  <a:tcPr/>
+                </a:tc>
+                <a:tc>
+                  <a:txBody>
+                    <a:bodyPr/>
+                    <a:lstStyle/>
+                    <a:p>
+                      <a:r>
+                        <a:rPr lang="de-DE" dirty="0" smtClean="0"/>
+                        <a:t>Imperative Sprachen</a:t>
+                      </a:r>
+                      <a:endParaRPr lang="de-DE" dirty="0"/>
+                    </a:p>
+                  </a:txBody>
+                  <a:tcPr/>
+                </a:tc>
+              </a:tr>
+              <a:tr h="370840">
+                <a:tc>
+                  <a:txBody>
+                    <a:bodyPr/>
+                    <a:lstStyle/>
+                    <a:p>
+                      <a:r>
+                        <a:rPr lang="de-DE" dirty="0" err="1" smtClean="0"/>
+                        <a:t>Building</a:t>
+                      </a:r>
+                      <a:r>
+                        <a:rPr lang="de-DE" dirty="0" smtClean="0"/>
+                        <a:t> Blocks</a:t>
+                      </a:r>
+                      <a:endParaRPr lang="de-DE" dirty="0"/>
+                    </a:p>
+                  </a:txBody>
+                  <a:tcPr/>
+                </a:tc>
+                <a:tc>
+                  <a:txBody>
+                    <a:bodyPr/>
+                    <a:lstStyle/>
+                    <a:p>
+                      <a:r>
+                        <a:rPr lang="de-DE" dirty="0" smtClean="0"/>
+                        <a:t>Funktionen</a:t>
+                      </a:r>
+                      <a:endParaRPr lang="de-DE" dirty="0"/>
+                    </a:p>
+                  </a:txBody>
+                  <a:tcPr/>
+                </a:tc>
+                <a:tc>
+                  <a:txBody>
+                    <a:bodyPr/>
+                    <a:lstStyle/>
+                    <a:p>
+                      <a:r>
+                        <a:rPr lang="de-DE" dirty="0" smtClean="0"/>
+                        <a:t>Instruktionen</a:t>
+                      </a:r>
+                      <a:endParaRPr lang="de-DE" dirty="0"/>
+                    </a:p>
+                  </a:txBody>
+                  <a:tcPr/>
+                </a:tc>
+              </a:tr>
+              <a:tr h="370840">
+                <a:tc>
+                  <a:txBody>
+                    <a:bodyPr/>
+                    <a:lstStyle/>
+                    <a:p>
+                      <a:r>
+                        <a:rPr lang="de-DE" dirty="0" smtClean="0"/>
+                        <a:t>Zustand</a:t>
+                      </a:r>
+                      <a:endParaRPr lang="de-DE" dirty="0"/>
+                    </a:p>
+                  </a:txBody>
+                  <a:tcPr/>
+                </a:tc>
+                <a:tc>
+                  <a:txBody>
+                    <a:bodyPr/>
+                    <a:lstStyle/>
+                    <a:p>
+                      <a:endParaRPr lang="de-DE" dirty="0"/>
+                    </a:p>
+                  </a:txBody>
+                  <a:tcPr/>
+                </a:tc>
+                <a:tc>
+                  <a:txBody>
+                    <a:bodyPr/>
+                    <a:lstStyle/>
+                    <a:p>
+                      <a:r>
+                        <a:rPr lang="de-DE" baseline="0" dirty="0" smtClean="0"/>
+                        <a:t>wird modifiziert</a:t>
+                      </a:r>
+                      <a:endParaRPr lang="de-DE" dirty="0"/>
+                    </a:p>
+                  </a:txBody>
+                  <a:tcPr/>
+                </a:tc>
+              </a:tr>
+              <a:tr h="370840">
+                <a:tc>
+                  <a:txBody>
+                    <a:bodyPr/>
+                    <a:lstStyle/>
+                    <a:p>
+                      <a:r>
+                        <a:rPr lang="de-DE" dirty="0" smtClean="0"/>
+                        <a:t>Variablen</a:t>
+                      </a:r>
+                      <a:endParaRPr lang="de-DE" dirty="0"/>
+                    </a:p>
+                  </a:txBody>
+                  <a:tcPr/>
+                </a:tc>
+                <a:tc>
+                  <a:txBody>
+                    <a:bodyPr/>
+                    <a:lstStyle/>
+                    <a:p>
+                      <a:endParaRPr lang="de-DE" dirty="0"/>
+                    </a:p>
+                  </a:txBody>
+                  <a:tcPr/>
+                </a:tc>
+                <a:tc>
+                  <a:txBody>
+                    <a:bodyPr/>
+                    <a:lstStyle/>
+                    <a:p>
+                      <a:r>
+                        <a:rPr lang="de-DE" dirty="0" smtClean="0"/>
+                        <a:t>Speicheradresse</a:t>
+                      </a:r>
+                      <a:endParaRPr lang="de-DE" dirty="0"/>
+                    </a:p>
+                  </a:txBody>
+                  <a:tcPr/>
+                </a:tc>
+              </a:tr>
+              <a:tr h="370840">
+                <a:tc>
+                  <a:txBody>
+                    <a:bodyPr/>
+                    <a:lstStyle/>
+                    <a:p>
+                      <a:r>
+                        <a:rPr lang="de-DE" dirty="0" smtClean="0"/>
+                        <a:t>Programmablauf</a:t>
+                      </a:r>
+                      <a:endParaRPr lang="de-DE" dirty="0"/>
+                    </a:p>
+                  </a:txBody>
+                  <a:tcPr/>
+                </a:tc>
+                <a:tc>
+                  <a:txBody>
+                    <a:bodyPr/>
+                    <a:lstStyle/>
+                    <a:p>
+                      <a:r>
+                        <a:rPr lang="de-DE" dirty="0" smtClean="0"/>
+                        <a:t>Ausdrücke werden ausgewertet</a:t>
+                      </a:r>
+                      <a:endParaRPr lang="de-DE" dirty="0"/>
+                    </a:p>
+                  </a:txBody>
+                  <a:tcPr/>
+                </a:tc>
+                <a:tc>
+                  <a:txBody>
+                    <a:bodyPr/>
+                    <a:lstStyle/>
+                    <a:p>
+                      <a:r>
+                        <a:rPr lang="de-DE" dirty="0" smtClean="0"/>
+                        <a:t>Führt eine Menge von Instruktionen aus</a:t>
+                      </a:r>
+                      <a:endParaRPr lang="de-DE" dirty="0"/>
+                    </a:p>
+                  </a:txBody>
+                  <a:tcPr/>
+                </a:tc>
+              </a:tr>
+              <a:tr h="370840">
+                <a:tc>
+                  <a:txBody>
+                    <a:bodyPr/>
+                    <a:lstStyle/>
+                    <a:p>
+                      <a:endParaRPr lang="de-DE"/>
+                    </a:p>
+                  </a:txBody>
+                  <a:tcPr/>
+                </a:tc>
+                <a:tc>
+                  <a:txBody>
+                    <a:bodyPr/>
+                    <a:lstStyle/>
+                    <a:p>
+                      <a:endParaRPr lang="de-DE"/>
+                    </a:p>
+                  </a:txBody>
+                  <a:tcPr/>
+                </a:tc>
+                <a:tc>
+                  <a:txBody>
+                    <a:bodyPr/>
+                    <a:lstStyle/>
+                    <a:p>
+                      <a:endParaRPr lang="de-DE" dirty="0"/>
+                    </a:p>
+                  </a:txBody>
+                  <a:tcPr/>
+                </a:tc>
+              </a:tr>
+            </a:tbl>
+          </a:graphicData>
+        </a:graphic>
+      </p:graphicFrame>
+    </p:spTree>
+    <p:extLst>
+      <p:ext uri="{BB962C8B-B14F-4D97-AF65-F5344CB8AC3E}">
+        <p14:creationId xmlns:p14="http://schemas.microsoft.com/office/powerpoint/2010/main" val="3292855157"/>
+      </p:ext>
+    </p:extLst>
+  </p:cSld>
+  <p:clrMapOvr>
+    <a:masterClrMapping/>
+  </p:clrMapOvr>
+</p:sld>
+</file>
+
+<file path=ppt/slides/slide16.xml><?xml version="1.0" encoding="utf-8"?>
+<p:sld xmlns:a="http://schemas.openxmlformats.org/drawingml/2006/main" xmlns:r="http://schemas.openxmlformats.org/officeDocument/2006/relationships" xmlns:p="http://schemas.openxmlformats.org/presentationml/2006/main">
+  <p:cSld>
+    <p:spTree>
+      <p:nvGrpSpPr>
+        <p:cNvPr id="1" name=""/>
+        <p:cNvGrpSpPr/>
+        <p:nvPr/>
+      </p:nvGrpSpPr>
+      <p:grpSpPr>
+        <a:xfrm>
+          <a:off x="0" y="0"/>
+          <a:ext cx="0" cy="0"/>
+          <a:chOff x="0" y="0"/>
+          <a:chExt cx="0" cy="0"/>
+        </a:xfrm>
+      </p:grpSpPr>
+      <p:sp>
+        <p:nvSpPr>
+          <p:cNvPr id="2" name="Titel 1"/>
+          <p:cNvSpPr>
+            <a:spLocks noGrp="1"/>
+          </p:cNvSpPr>
+          <p:nvPr>
+            <p:ph type="title"/>
+          </p:nvPr>
+        </p:nvSpPr>
+        <p:spPr/>
+        <p:txBody>
+          <a:bodyPr/>
+          <a:lstStyle/>
+          <a:p>
+            <a:r>
+              <a:rPr lang="de-DE" dirty="0" smtClean="0"/>
               <a:t>Agenda</a:t>
             </a:r>
             <a:endParaRPr lang="de-DE" dirty="0"/>
@@ -6726,7 +7444,7 @@
 </p:sld>
 </file>
 
-<file path=ppt/slides/slide16.xml><?xml version="1.0" encoding="utf-8"?>
+<file path=ppt/slides/slide17.xml><?xml version="1.0" encoding="utf-8"?>
 <p:sld xmlns:a="http://schemas.openxmlformats.org/drawingml/2006/main" xmlns:r="http://schemas.openxmlformats.org/officeDocument/2006/relationships" xmlns:p="http://schemas.openxmlformats.org/presentationml/2006/main">
   <p:cSld>
     <p:spTree>
@@ -6841,190 +7559,13 @@
   <p:clrMapOvr>
     <a:masterClrMapping/>
   </p:clrMapOvr>
-</p:sld>
-</file>
-
-<file path=ppt/slides/slide17.xml><?xml version="1.0" encoding="utf-8"?>
-<p:sld xmlns:a="http://schemas.openxmlformats.org/drawingml/2006/main" xmlns:r="http://schemas.openxmlformats.org/officeDocument/2006/relationships" xmlns:p="http://schemas.openxmlformats.org/presentationml/2006/main">
-  <p:cSld>
-    <p:spTree>
-      <p:nvGrpSpPr>
-        <p:cNvPr id="1" name=""/>
-        <p:cNvGrpSpPr/>
-        <p:nvPr/>
-      </p:nvGrpSpPr>
-      <p:grpSpPr>
-        <a:xfrm>
-          <a:off x="0" y="0"/>
-          <a:ext cx="0" cy="0"/>
-          <a:chOff x="0" y="0"/>
-          <a:chExt cx="0" cy="0"/>
-        </a:xfrm>
-      </p:grpSpPr>
-      <p:sp>
-        <p:nvSpPr>
-          <p:cNvPr id="2" name="Titel 1"/>
-          <p:cNvSpPr>
-            <a:spLocks noGrp="1"/>
-          </p:cNvSpPr>
-          <p:nvPr>
-            <p:ph type="title"/>
-          </p:nvPr>
-        </p:nvSpPr>
-        <p:spPr/>
-        <p:txBody>
-          <a:bodyPr/>
-          <a:lstStyle/>
-          <a:p>
-            <a:r>
-              <a:rPr lang="de-DE" dirty="0" smtClean="0"/>
-              <a:t>Installation</a:t>
-            </a:r>
-            <a:endParaRPr lang="de-DE" dirty="0"/>
-          </a:p>
-        </p:txBody>
-      </p:sp>
-      <p:sp>
-        <p:nvSpPr>
-          <p:cNvPr id="3" name="Inhaltsplatzhalter 2"/>
-          <p:cNvSpPr>
-            <a:spLocks noGrp="1"/>
-          </p:cNvSpPr>
-          <p:nvPr>
-            <p:ph idx="1"/>
-          </p:nvPr>
-        </p:nvSpPr>
-        <p:spPr/>
-        <p:txBody>
-          <a:bodyPr/>
-          <a:lstStyle/>
-          <a:p>
-            <a:r>
-              <a:rPr lang="de-DE" dirty="0" smtClean="0"/>
-              <a:t>Download </a:t>
-            </a:r>
-            <a:r>
-              <a:rPr lang="de-DE" dirty="0" err="1" smtClean="0"/>
-              <a:t>latest</a:t>
-            </a:r>
-            <a:r>
-              <a:rPr lang="de-DE" dirty="0" smtClean="0"/>
-              <a:t> </a:t>
-            </a:r>
-            <a:r>
-              <a:rPr lang="de-DE" dirty="0" err="1" smtClean="0"/>
-              <a:t>clojure.jar</a:t>
-            </a:r>
-            <a:r>
-              <a:rPr lang="de-DE" dirty="0" smtClean="0"/>
-              <a:t> (</a:t>
-            </a:r>
-            <a:r>
-              <a:rPr lang="de-DE" dirty="0" smtClean="0">
-                <a:hlinkClick r:id="rId3"/>
-              </a:rPr>
-              <a:t>http</a:t>
-            </a:r>
-            <a:r>
-              <a:rPr lang="de-DE" dirty="0">
-                <a:hlinkClick r:id="rId3"/>
-              </a:rPr>
-              <a:t>://clojure.org/</a:t>
-            </a:r>
-            <a:r>
-              <a:rPr lang="de-DE" dirty="0" smtClean="0">
-                <a:hlinkClick r:id="rId3"/>
-              </a:rPr>
-              <a:t>downloads</a:t>
-            </a:r>
-            <a:r>
-              <a:rPr lang="de-DE" dirty="0" smtClean="0"/>
-              <a:t>)</a:t>
-            </a:r>
-          </a:p>
-          <a:p>
-            <a:endParaRPr lang="de-DE" dirty="0" smtClean="0"/>
-          </a:p>
-          <a:p>
-            <a:r>
-              <a:rPr lang="de-DE" dirty="0" err="1" smtClean="0"/>
-              <a:t>To</a:t>
-            </a:r>
-            <a:r>
-              <a:rPr lang="de-DE" dirty="0" smtClean="0"/>
-              <a:t> </a:t>
-            </a:r>
-            <a:r>
-              <a:rPr lang="de-DE" dirty="0" err="1" smtClean="0"/>
-              <a:t>start</a:t>
-            </a:r>
-            <a:r>
-              <a:rPr lang="de-DE" dirty="0" smtClean="0"/>
-              <a:t> </a:t>
-            </a:r>
-            <a:r>
-              <a:rPr lang="de-DE" dirty="0" err="1" smtClean="0"/>
-              <a:t>the</a:t>
-            </a:r>
-            <a:r>
-              <a:rPr lang="de-DE" dirty="0" smtClean="0"/>
-              <a:t> REPL: </a:t>
-            </a:r>
-            <a:br>
-              <a:rPr lang="de-DE" dirty="0" smtClean="0"/>
-            </a:br>
-            <a:r>
-              <a:rPr lang="de-DE" dirty="0" smtClean="0"/>
-              <a:t>$ </a:t>
-            </a:r>
-            <a:r>
-              <a:rPr lang="de-DE" dirty="0" err="1" smtClean="0"/>
-              <a:t>rlwrap</a:t>
-            </a:r>
-            <a:r>
-              <a:rPr lang="de-DE" dirty="0" smtClean="0"/>
-              <a:t> </a:t>
-            </a:r>
-            <a:r>
-              <a:rPr lang="de-DE" dirty="0" err="1" smtClean="0"/>
-              <a:t>java</a:t>
-            </a:r>
-            <a:r>
-              <a:rPr lang="de-DE" dirty="0" smtClean="0"/>
-              <a:t> –</a:t>
-            </a:r>
-            <a:r>
-              <a:rPr lang="de-DE" dirty="0" err="1" smtClean="0"/>
-              <a:t>jar</a:t>
-            </a:r>
-            <a:r>
-              <a:rPr lang="de-DE" dirty="0" smtClean="0"/>
-              <a:t> </a:t>
-            </a:r>
-            <a:r>
-              <a:rPr lang="de-DE" dirty="0" err="1" smtClean="0"/>
-              <a:t>clojure-x.y.z.jar</a:t>
-            </a:r>
-            <a:endParaRPr lang="de-DE" dirty="0" smtClean="0"/>
-          </a:p>
-          <a:p>
-            <a:pPr marL="0" indent="0">
-              <a:buNone/>
-            </a:pPr>
-            <a:endParaRPr lang="de-DE" dirty="0" smtClean="0"/>
-          </a:p>
-        </p:txBody>
-      </p:sp>
-    </p:spTree>
-    <p:extLst>
-      <p:ext uri="{BB962C8B-B14F-4D97-AF65-F5344CB8AC3E}">
-        <p14:creationId xmlns:p14="http://schemas.microsoft.com/office/powerpoint/2010/main" val="1145430169"/>
-      </p:ext>
-    </p:extLst>
-  </p:cSld>
-  <p:clrMapOvr>
-    <a:masterClrMapping/>
-  </p:clrMapOvr>
+  <p:timing>
+    <p:tnLst>
+      <p:par>
+        <p:cTn xmlns:p14="http://schemas.microsoft.com/office/powerpoint/2010/main" id="1" dur="indefinite" restart="never" nodeType="tmRoot"/>
+      </p:par>
+    </p:tnLst>
+  </p:timing>
 </p:sld>
 </file>
 
@@ -7083,9 +7624,17 @@
           <a:bodyPr/>
           <a:lstStyle/>
           <a:p>
-            <a:r>
-              <a:rPr lang="de-DE" dirty="0" err="1" smtClean="0"/>
-              <a:t>Install</a:t>
+            <a:pPr marL="457200" indent="-457200">
+              <a:buFont typeface="+mj-lt"/>
+              <a:buAutoNum type="arabicPeriod"/>
+            </a:pPr>
+            <a:r>
+              <a:rPr lang="de-DE" dirty="0" smtClean="0"/>
+              <a:t>Download </a:t>
+            </a:r>
+            <a:r>
+              <a:rPr lang="de-DE" dirty="0" err="1" smtClean="0"/>
+              <a:t>latest</a:t>
             </a:r>
             <a:r>
               <a:rPr lang="de-DE" dirty="0" smtClean="0"/>
@@ -7093,15 +7642,7 @@
             </a:r>
             <a:r>
               <a:rPr lang="de-DE" dirty="0" err="1" smtClean="0"/>
-              <a:t>latest</a:t>
-            </a:r>
-            <a:r>
-              <a:rPr lang="de-DE" dirty="0" smtClean="0"/>
-              <a:t> </a:t>
-            </a:r>
-            <a:r>
-              <a:rPr lang="de-DE" dirty="0" err="1" smtClean="0"/>
-              <a:t>Leiningen</a:t>
+              <a:t>clojure.jar</a:t>
             </a:r>
             <a:r>
               <a:rPr lang="de-DE" dirty="0" smtClean="0"/>
@@ -7117,309 +7658,225 @@
               <a:rPr lang="de-DE" dirty="0">
                 <a:hlinkClick r:id="rId3"/>
               </a:rPr>
-              <a:t>:/</a:t>
+              <a:t>://clojure.org/</a:t>
             </a:r>
             <a:r>
               <a:rPr lang="de-DE" dirty="0" smtClean="0">
                 <a:hlinkClick r:id="rId3"/>
               </a:rPr>
-              <a:t>/leiningen.org</a:t>
+              <a:t>downloads</a:t>
             </a:r>
             <a:r>
               <a:rPr lang="de-DE" dirty="0" smtClean="0"/>
               <a:t>)</a:t>
             </a:r>
+          </a:p>
+          <a:p>
+            <a:pPr marL="457200" indent="-457200">
+              <a:buFont typeface="+mj-lt"/>
+              <a:buAutoNum type="arabicPeriod"/>
+            </a:pPr>
+            <a:r>
+              <a:rPr lang="de-DE" dirty="0" err="1" smtClean="0"/>
+              <a:t>Clone</a:t>
+            </a:r>
+            <a:r>
+              <a:rPr lang="de-DE" dirty="0" smtClean="0"/>
+              <a:t> </a:t>
+            </a:r>
+            <a:r>
+              <a:rPr lang="de-DE" dirty="0" err="1" smtClean="0"/>
+              <a:t>and</a:t>
+            </a:r>
+            <a:r>
+              <a:rPr lang="de-DE" dirty="0" smtClean="0"/>
+              <a:t> </a:t>
+            </a:r>
+            <a:r>
+              <a:rPr lang="de-DE" dirty="0" err="1" smtClean="0"/>
+              <a:t>build</a:t>
+            </a:r>
+            <a:r>
+              <a:rPr lang="de-DE" dirty="0" smtClean="0"/>
+              <a:t> </a:t>
+            </a:r>
+            <a:r>
+              <a:rPr lang="de-DE" dirty="0" err="1" smtClean="0"/>
+              <a:t>from</a:t>
+            </a:r>
+            <a:r>
+              <a:rPr lang="de-DE" dirty="0" smtClean="0"/>
+              <a:t> </a:t>
+            </a:r>
+            <a:r>
+              <a:rPr lang="de-DE" dirty="0" err="1" smtClean="0"/>
+              <a:t>GitHub</a:t>
+            </a:r>
+            <a:r>
+              <a:rPr lang="de-DE" dirty="0" smtClean="0"/>
+              <a:t/>
+            </a:r>
             <a:br>
               <a:rPr lang="de-DE" dirty="0" smtClean="0"/>
             </a:br>
+            <a:r>
+              <a:rPr lang="de-DE" dirty="0" smtClean="0"/>
+              <a:t>$ </a:t>
+            </a:r>
+            <a:r>
+              <a:rPr lang="de-DE" dirty="0" err="1" smtClean="0"/>
+              <a:t>git</a:t>
+            </a:r>
+            <a:r>
+              <a:rPr lang="de-DE" dirty="0" smtClean="0"/>
+              <a:t> </a:t>
+            </a:r>
+            <a:r>
+              <a:rPr lang="de-DE" dirty="0" err="1" smtClean="0"/>
+              <a:t>clone</a:t>
+            </a:r>
+            <a:r>
+              <a:rPr lang="de-DE" dirty="0"/>
+              <a:t> https://</a:t>
+            </a:r>
+            <a:r>
+              <a:rPr lang="de-DE" dirty="0" err="1"/>
+              <a:t>github.com</a:t>
+            </a:r>
+            <a:r>
+              <a:rPr lang="de-DE" dirty="0"/>
+              <a:t>/</a:t>
+            </a:r>
+            <a:r>
+              <a:rPr lang="de-DE" dirty="0" err="1"/>
+              <a:t>clojure</a:t>
+            </a:r>
+            <a:r>
+              <a:rPr lang="de-DE" dirty="0"/>
+              <a:t>/</a:t>
+            </a:r>
+            <a:r>
+              <a:rPr lang="de-DE" dirty="0" err="1" smtClean="0"/>
+              <a:t>clojure</a:t>
+            </a:r>
+            <a:r>
+              <a:rPr lang="de-DE" dirty="0" smtClean="0"/>
+              <a:t/>
+            </a:r>
+            <a:br>
+              <a:rPr lang="de-DE" dirty="0" smtClean="0"/>
+            </a:br>
+            <a:r>
+              <a:rPr lang="de-DE" dirty="0" smtClean="0"/>
+              <a:t>$ </a:t>
+            </a:r>
+            <a:r>
+              <a:rPr lang="de-DE" dirty="0" err="1" smtClean="0"/>
+              <a:t>mvn</a:t>
+            </a:r>
+            <a:r>
+              <a:rPr lang="de-DE" dirty="0" smtClean="0"/>
+              <a:t> clean </a:t>
+            </a:r>
+            <a:r>
+              <a:rPr lang="de-DE" dirty="0" err="1" smtClean="0"/>
+              <a:t>install</a:t>
+            </a:r>
+            <a:endParaRPr lang="de-DE" dirty="0" smtClean="0"/>
+          </a:p>
+          <a:p>
+            <a:endParaRPr lang="de-DE" dirty="0" smtClean="0"/>
+          </a:p>
+          <a:p>
+            <a:endParaRPr lang="de-DE" dirty="0" smtClean="0"/>
+          </a:p>
+          <a:p>
+            <a:r>
+              <a:rPr lang="de-DE" dirty="0" err="1" smtClean="0"/>
+              <a:t>To</a:t>
+            </a:r>
+            <a:r>
+              <a:rPr lang="de-DE" dirty="0" smtClean="0"/>
+              <a:t> </a:t>
+            </a:r>
+            <a:r>
+              <a:rPr lang="de-DE" dirty="0" err="1" smtClean="0"/>
+              <a:t>start</a:t>
+            </a:r>
+            <a:r>
+              <a:rPr lang="de-DE" dirty="0" smtClean="0"/>
+              <a:t> </a:t>
+            </a:r>
+            <a:r>
+              <a:rPr lang="de-DE" dirty="0" err="1" smtClean="0"/>
+              <a:t>the</a:t>
+            </a:r>
+            <a:r>
+              <a:rPr lang="de-DE" dirty="0" smtClean="0"/>
+              <a:t> REPL: </a:t>
+            </a:r>
+            <a:br>
+              <a:rPr lang="de-DE" dirty="0" smtClean="0"/>
+            </a:br>
+            <a:r>
+              <a:rPr lang="de-DE" dirty="0" smtClean="0"/>
+              <a:t>$ </a:t>
+            </a:r>
+            <a:r>
+              <a:rPr lang="de-DE" dirty="0" err="1" smtClean="0"/>
+              <a:t>rlwrap</a:t>
+            </a:r>
+            <a:r>
+              <a:rPr lang="de-DE" dirty="0" smtClean="0"/>
+              <a:t> </a:t>
+            </a:r>
+            <a:r>
+              <a:rPr lang="de-DE" dirty="0" err="1" smtClean="0"/>
+              <a:t>java</a:t>
+            </a:r>
+            <a:r>
+              <a:rPr lang="de-DE" dirty="0" smtClean="0"/>
+              <a:t> –</a:t>
+            </a:r>
+            <a:r>
+              <a:rPr lang="de-DE" dirty="0" err="1" smtClean="0"/>
+              <a:t>jar</a:t>
+            </a:r>
+            <a:r>
+              <a:rPr lang="de-DE" dirty="0" smtClean="0"/>
+              <a:t> </a:t>
+            </a:r>
+            <a:r>
+              <a:rPr lang="de-DE" dirty="0" err="1" smtClean="0"/>
+              <a:t>clojure-x.y.z.jar</a:t>
+            </a:r>
             <a:endParaRPr lang="de-DE" dirty="0" smtClean="0"/>
           </a:p>
           <a:p>
             <a:pPr marL="0" indent="0">
               <a:buNone/>
             </a:pPr>
-            <a:r>
-              <a:rPr lang="de-DE" sz="2000" dirty="0" smtClean="0">
-                <a:latin typeface="Consolas"/>
-                <a:cs typeface="Consolas"/>
-              </a:rPr>
-              <a:t>$ lein </a:t>
-            </a:r>
-            <a:r>
-              <a:rPr lang="de-DE" sz="2000" dirty="0" err="1" smtClean="0">
-                <a:latin typeface="Consolas"/>
-                <a:cs typeface="Consolas"/>
-              </a:rPr>
-              <a:t>repl</a:t>
-            </a:r>
-            <a:r>
-              <a:rPr lang="de-DE" sz="2000" dirty="0" smtClean="0">
-                <a:latin typeface="Consolas"/>
-                <a:cs typeface="Consolas"/>
-              </a:rPr>
-              <a:t/>
-            </a:r>
-            <a:br>
-              <a:rPr lang="de-DE" sz="2000" dirty="0" smtClean="0">
-                <a:latin typeface="Consolas"/>
-                <a:cs typeface="Consolas"/>
-              </a:rPr>
-            </a:br>
-            <a:r>
-              <a:rPr lang="de-DE" sz="2000" dirty="0" smtClean="0">
-                <a:latin typeface="Consolas"/>
-                <a:cs typeface="Consolas"/>
-              </a:rPr>
-              <a:t>$ lein </a:t>
-            </a:r>
-            <a:r>
-              <a:rPr lang="de-DE" sz="2000" dirty="0" err="1" smtClean="0">
-                <a:latin typeface="Consolas"/>
-                <a:cs typeface="Consolas"/>
-              </a:rPr>
-              <a:t>new</a:t>
-            </a:r>
-            <a:r>
-              <a:rPr lang="de-DE" sz="2000" dirty="0" smtClean="0">
-                <a:latin typeface="Consolas"/>
-                <a:cs typeface="Consolas"/>
-              </a:rPr>
-              <a:t> </a:t>
-            </a:r>
-            <a:r>
-              <a:rPr lang="de-DE" sz="2000" dirty="0" err="1" smtClean="0">
-                <a:latin typeface="Consolas"/>
-                <a:cs typeface="Consolas"/>
-              </a:rPr>
-              <a:t>project</a:t>
-            </a:r>
-            <a:r>
-              <a:rPr lang="de-DE" sz="2000" dirty="0" smtClean="0">
-                <a:latin typeface="Consolas"/>
-                <a:cs typeface="Consolas"/>
-              </a:rPr>
-              <a:t/>
-            </a:r>
-            <a:br>
-              <a:rPr lang="de-DE" sz="2000" dirty="0" smtClean="0">
-                <a:latin typeface="Consolas"/>
-                <a:cs typeface="Consolas"/>
-              </a:rPr>
-            </a:br>
-            <a:r>
-              <a:rPr lang="de-DE" sz="2000" dirty="0" smtClean="0">
-                <a:latin typeface="Consolas"/>
-                <a:cs typeface="Consolas"/>
-              </a:rPr>
-              <a:t>$ lein </a:t>
-            </a:r>
-            <a:r>
-              <a:rPr lang="de-DE" sz="2000" dirty="0" err="1" smtClean="0">
-                <a:latin typeface="Consolas"/>
-                <a:cs typeface="Consolas"/>
-              </a:rPr>
-              <a:t>test</a:t>
-            </a:r>
-            <a:r>
-              <a:rPr lang="de-DE" sz="2000" dirty="0" smtClean="0">
-                <a:latin typeface="Consolas"/>
-                <a:cs typeface="Consolas"/>
-              </a:rPr>
-              <a:t/>
-            </a:r>
-            <a:br>
-              <a:rPr lang="de-DE" sz="2000" dirty="0" smtClean="0">
-                <a:latin typeface="Consolas"/>
-                <a:cs typeface="Consolas"/>
-              </a:rPr>
-            </a:br>
-            <a:r>
-              <a:rPr lang="de-DE" sz="2000" dirty="0" smtClean="0">
-                <a:latin typeface="Consolas"/>
-                <a:cs typeface="Consolas"/>
-              </a:rPr>
-              <a:t>$ lein </a:t>
-            </a:r>
-            <a:r>
-              <a:rPr lang="de-DE" sz="2000" dirty="0" err="1" smtClean="0">
-                <a:latin typeface="Consolas"/>
-                <a:cs typeface="Consolas"/>
-              </a:rPr>
-              <a:t>run</a:t>
-            </a:r>
-            <a:r>
-              <a:rPr lang="de-DE" sz="2000" dirty="0" smtClean="0">
-                <a:latin typeface="Consolas"/>
-                <a:cs typeface="Consolas"/>
-              </a:rPr>
-              <a:t/>
-            </a:r>
-            <a:br>
-              <a:rPr lang="de-DE" sz="2000" dirty="0" smtClean="0">
-                <a:latin typeface="Consolas"/>
-                <a:cs typeface="Consolas"/>
-              </a:rPr>
-            </a:br>
-            <a:r>
-              <a:rPr lang="de-DE" sz="2000" dirty="0" smtClean="0">
-                <a:latin typeface="Consolas"/>
-                <a:cs typeface="Consolas"/>
-              </a:rPr>
-              <a:t>$ lein </a:t>
-            </a:r>
-            <a:r>
-              <a:rPr lang="de-DE" sz="2000" dirty="0" err="1" smtClean="0">
-                <a:latin typeface="Consolas"/>
-                <a:cs typeface="Consolas"/>
-              </a:rPr>
-              <a:t>jar</a:t>
-            </a:r>
-            <a:r>
-              <a:rPr lang="de-DE" sz="2000" dirty="0" smtClean="0">
-                <a:latin typeface="Consolas"/>
-                <a:cs typeface="Consolas"/>
-              </a:rPr>
-              <a:t/>
-            </a:r>
-            <a:br>
-              <a:rPr lang="de-DE" sz="2000" dirty="0" smtClean="0">
-                <a:latin typeface="Consolas"/>
-                <a:cs typeface="Consolas"/>
-              </a:rPr>
-            </a:br>
-            <a:r>
-              <a:rPr lang="de-DE" sz="2000" dirty="0" smtClean="0">
-                <a:latin typeface="Consolas"/>
-                <a:cs typeface="Consolas"/>
-              </a:rPr>
-              <a:t>$ lein </a:t>
-            </a:r>
-            <a:r>
-              <a:rPr lang="de-DE" sz="2000" dirty="0" err="1" smtClean="0">
-                <a:latin typeface="Consolas"/>
-                <a:cs typeface="Consolas"/>
-              </a:rPr>
-              <a:t>uberjar</a:t>
-            </a:r>
-            <a:r>
-              <a:rPr lang="de-DE" sz="2000" dirty="0" smtClean="0">
-                <a:latin typeface="Consolas"/>
-                <a:cs typeface="Consolas"/>
-              </a:rPr>
-              <a:t/>
-            </a:r>
-            <a:br>
-              <a:rPr lang="de-DE" sz="2000" dirty="0" smtClean="0">
-                <a:latin typeface="Consolas"/>
-                <a:cs typeface="Consolas"/>
-              </a:rPr>
-            </a:br>
-            <a:r>
-              <a:rPr lang="de-DE" sz="2000" dirty="0" smtClean="0">
-                <a:latin typeface="Consolas"/>
-                <a:cs typeface="Consolas"/>
-              </a:rPr>
-              <a:t>$ lein </a:t>
-            </a:r>
-            <a:r>
-              <a:rPr lang="de-DE" sz="2000" dirty="0" err="1" smtClean="0">
-                <a:latin typeface="Consolas"/>
-                <a:cs typeface="Consolas"/>
-              </a:rPr>
-              <a:t>deploy</a:t>
-            </a:r>
-            <a:r>
-              <a:rPr lang="de-DE" sz="2000" dirty="0" smtClean="0">
-                <a:latin typeface="Consolas"/>
-                <a:cs typeface="Consolas"/>
-              </a:rPr>
-              <a:t> </a:t>
-            </a:r>
-            <a:r>
-              <a:rPr lang="de-DE" sz="2000" dirty="0" err="1" smtClean="0">
-                <a:latin typeface="Consolas"/>
-                <a:cs typeface="Consolas"/>
-              </a:rPr>
-              <a:t>clojars</a:t>
-            </a:r>
-            <a:r>
-              <a:rPr lang="de-DE" dirty="0" smtClean="0"/>
-              <a:t>	</a:t>
-            </a:r>
-            <a:r>
-              <a:rPr lang="de-DE" dirty="0" smtClean="0">
-                <a:solidFill>
-                  <a:schemeClr val="accent2"/>
-                </a:solidFill>
-              </a:rPr>
-              <a:t>(</a:t>
-            </a:r>
-            <a:r>
-              <a:rPr lang="de-DE" dirty="0" err="1" smtClean="0">
-                <a:solidFill>
-                  <a:schemeClr val="accent2"/>
-                </a:solidFill>
-              </a:rPr>
-              <a:t>requires</a:t>
-            </a:r>
-            <a:r>
-              <a:rPr lang="de-DE" dirty="0" smtClean="0">
-                <a:solidFill>
-                  <a:schemeClr val="accent2"/>
-                </a:solidFill>
-              </a:rPr>
-              <a:t> </a:t>
-            </a:r>
-            <a:r>
-              <a:rPr lang="de-DE" dirty="0" err="1" smtClean="0">
-                <a:solidFill>
-                  <a:schemeClr val="accent2"/>
-                </a:solidFill>
-              </a:rPr>
-              <a:t>clojars.org</a:t>
-            </a:r>
-            <a:r>
-              <a:rPr lang="de-DE" dirty="0" smtClean="0">
-                <a:solidFill>
-                  <a:schemeClr val="accent2"/>
-                </a:solidFill>
-              </a:rPr>
-              <a:t> </a:t>
-            </a:r>
-            <a:r>
-              <a:rPr lang="de-DE" dirty="0" err="1" smtClean="0">
-                <a:solidFill>
-                  <a:schemeClr val="accent2"/>
-                </a:solidFill>
-              </a:rPr>
-              <a:t>account</a:t>
-            </a:r>
-            <a:r>
-              <a:rPr lang="de-DE" dirty="0" smtClean="0">
-                <a:solidFill>
-                  <a:schemeClr val="accent2"/>
-                </a:solidFill>
-              </a:rPr>
-              <a:t>)</a:t>
-            </a:r>
-            <a:endParaRPr lang="de-DE" dirty="0">
-              <a:solidFill>
-                <a:schemeClr val="accent2"/>
-              </a:solidFill>
-            </a:endParaRPr>
+            <a:endParaRPr lang="de-DE" dirty="0" smtClean="0"/>
           </a:p>
         </p:txBody>
       </p:sp>
     </p:spTree>
     <p:extLst>
       <p:ext uri="{BB962C8B-B14F-4D97-AF65-F5344CB8AC3E}">
-        <p14:creationId xmlns:p14="http://schemas.microsoft.com/office/powerpoint/2010/main" val="1937409284"/>
+        <p14:creationId xmlns:p14="http://schemas.microsoft.com/office/powerpoint/2010/main" val="1145430169"/>
       </p:ext>
     </p:extLst>
   </p:cSld>
   <p:clrMapOvr>
     <a:masterClrMapping/>
   </p:clrMapOvr>
+  <p:timing>
+    <p:tnLst>
+      <p:par>
+        <p:cTn xmlns:p14="http://schemas.microsoft.com/office/powerpoint/2010/main" id="1" dur="indefinite" restart="never" nodeType="tmRoot"/>
+      </p:par>
+    </p:tnLst>
+  </p:timing>
 </p:sld>
 </file>
 
@@ -7442,113 +7899,364 @@
       </p:grpSpPr>
       <p:sp>
         <p:nvSpPr>
-          <p:cNvPr id="2" name="Textfeld 1"/>
-          <p:cNvSpPr txBox="1"/>
-          <p:nvPr/>
-        </p:nvSpPr>
-        <p:spPr>
-          <a:xfrm>
-            <a:off x="930095" y="107545"/>
-            <a:ext cx="905216" cy="2000548"/>
-          </a:xfrm>
-          <a:prstGeom prst="rect">
-            <a:avLst/>
-          </a:prstGeom>
-          <a:noFill/>
-        </p:spPr>
-        <p:txBody>
-          <a:bodyPr wrap="none" rtlCol="0">
-            <a:spAutoFit/>
-          </a:bodyPr>
-          <a:lstStyle/>
-          <a:p>
-            <a:r>
-              <a:rPr lang="de-DE" sz="12400" dirty="0" smtClean="0">
-                <a:solidFill>
-                  <a:schemeClr val="bg1"/>
-                </a:solidFill>
-              </a:rPr>
-              <a:t>3</a:t>
-            </a:r>
-            <a:endParaRPr lang="de-DE" sz="12400" dirty="0">
+          <p:cNvPr id="2" name="Titel 1"/>
+          <p:cNvSpPr>
+            <a:spLocks noGrp="1"/>
+          </p:cNvSpPr>
+          <p:nvPr>
+            <p:ph type="title"/>
+          </p:nvPr>
+        </p:nvSpPr>
+        <p:spPr/>
+        <p:txBody>
+          <a:bodyPr/>
+          <a:lstStyle/>
+          <a:p>
+            <a:r>
+              <a:rPr lang="de-DE" dirty="0" smtClean="0"/>
+              <a:t>Installation</a:t>
+            </a:r>
+            <a:endParaRPr lang="de-DE" dirty="0"/>
+          </a:p>
+        </p:txBody>
+      </p:sp>
+      <p:sp>
+        <p:nvSpPr>
+          <p:cNvPr id="3" name="Inhaltsplatzhalter 2"/>
+          <p:cNvSpPr>
+            <a:spLocks noGrp="1"/>
+          </p:cNvSpPr>
+          <p:nvPr>
+            <p:ph idx="1"/>
+          </p:nvPr>
+        </p:nvSpPr>
+        <p:spPr/>
+        <p:txBody>
+          <a:bodyPr/>
+          <a:lstStyle/>
+          <a:p>
+            <a:r>
+              <a:rPr lang="de-DE" dirty="0" err="1" smtClean="0"/>
+              <a:t>Install</a:t>
+            </a:r>
+            <a:r>
+              <a:rPr lang="de-DE" dirty="0" smtClean="0"/>
+              <a:t> </a:t>
+            </a:r>
+            <a:r>
+              <a:rPr lang="de-DE" dirty="0" err="1" smtClean="0"/>
+              <a:t>latest</a:t>
+            </a:r>
+            <a:r>
+              <a:rPr lang="de-DE" dirty="0" smtClean="0"/>
+              <a:t> </a:t>
+            </a:r>
+            <a:r>
+              <a:rPr lang="de-DE" dirty="0" err="1" smtClean="0"/>
+              <a:t>Leiningen</a:t>
+            </a:r>
+            <a:r>
+              <a:rPr lang="de-DE" dirty="0" smtClean="0"/>
+              <a:t> (</a:t>
+            </a:r>
+            <a:r>
+              <a:rPr lang="de-DE" dirty="0" smtClean="0">
+                <a:hlinkClick r:id="rId3"/>
+              </a:rPr>
+              <a:t>http</a:t>
+            </a:r>
+            <a:r>
+              <a:rPr lang="de-DE" dirty="0">
+                <a:hlinkClick r:id="rId3"/>
+              </a:rPr>
+              <a:t>:/</a:t>
+            </a:r>
+            <a:r>
+              <a:rPr lang="de-DE" dirty="0" smtClean="0">
+                <a:hlinkClick r:id="rId3"/>
+              </a:rPr>
+              <a:t>/leiningen.org</a:t>
+            </a:r>
+            <a:r>
+              <a:rPr lang="de-DE" dirty="0" smtClean="0"/>
+              <a:t>)</a:t>
+            </a:r>
+            <a:br>
+              <a:rPr lang="de-DE" dirty="0" smtClean="0"/>
+            </a:br>
+            <a:endParaRPr lang="de-DE" dirty="0" smtClean="0"/>
+          </a:p>
+          <a:p>
+            <a:pPr marL="0" indent="0">
+              <a:buNone/>
+            </a:pPr>
+            <a:r>
+              <a:rPr lang="de-DE" sz="2000" dirty="0" smtClean="0">
+                <a:latin typeface="Consolas"/>
+                <a:cs typeface="Consolas"/>
+              </a:rPr>
+              <a:t>$ lein </a:t>
+            </a:r>
+            <a:r>
+              <a:rPr lang="de-DE" sz="2000" dirty="0" err="1" smtClean="0">
+                <a:latin typeface="Consolas"/>
+                <a:cs typeface="Consolas"/>
+              </a:rPr>
+              <a:t>repl</a:t>
+            </a:r>
+            <a:r>
+              <a:rPr lang="de-DE" sz="2000" dirty="0" smtClean="0">
+                <a:latin typeface="Consolas"/>
+                <a:cs typeface="Consolas"/>
+              </a:rPr>
+              <a:t/>
+            </a:r>
+            <a:br>
+              <a:rPr lang="de-DE" sz="2000" dirty="0" smtClean="0">
+                <a:latin typeface="Consolas"/>
+                <a:cs typeface="Consolas"/>
+              </a:rPr>
+            </a:br>
+            <a:r>
+              <a:rPr lang="de-DE" sz="2000" dirty="0" smtClean="0">
+                <a:latin typeface="Consolas"/>
+                <a:cs typeface="Consolas"/>
+              </a:rPr>
+              <a:t>$ lein </a:t>
+            </a:r>
+            <a:r>
+              <a:rPr lang="de-DE" sz="2000" dirty="0" err="1" smtClean="0">
+                <a:latin typeface="Consolas"/>
+                <a:cs typeface="Consolas"/>
+              </a:rPr>
+              <a:t>new</a:t>
+            </a:r>
+            <a:r>
+              <a:rPr lang="de-DE" sz="2000" dirty="0" smtClean="0">
+                <a:latin typeface="Consolas"/>
+                <a:cs typeface="Consolas"/>
+              </a:rPr>
+              <a:t> </a:t>
+            </a:r>
+            <a:r>
+              <a:rPr lang="de-DE" sz="2000" dirty="0" err="1" smtClean="0">
+                <a:latin typeface="Consolas"/>
+                <a:cs typeface="Consolas"/>
+              </a:rPr>
+              <a:t>project</a:t>
+            </a:r>
+            <a:r>
+              <a:rPr lang="de-DE" sz="2000" dirty="0" smtClean="0">
+                <a:latin typeface="Consolas"/>
+                <a:cs typeface="Consolas"/>
+              </a:rPr>
+              <a:t/>
+            </a:r>
+            <a:br>
+              <a:rPr lang="de-DE" sz="2000" dirty="0" smtClean="0">
+                <a:latin typeface="Consolas"/>
+                <a:cs typeface="Consolas"/>
+              </a:rPr>
+            </a:br>
+            <a:r>
+              <a:rPr lang="de-DE" sz="2000" dirty="0" smtClean="0">
+                <a:latin typeface="Consolas"/>
+                <a:cs typeface="Consolas"/>
+              </a:rPr>
+              <a:t>$ lein </a:t>
+            </a:r>
+            <a:r>
+              <a:rPr lang="de-DE" sz="2000" dirty="0" err="1" smtClean="0">
+                <a:latin typeface="Consolas"/>
+                <a:cs typeface="Consolas"/>
+              </a:rPr>
+              <a:t>test</a:t>
+            </a:r>
+            <a:r>
+              <a:rPr lang="de-DE" sz="2000" dirty="0" smtClean="0">
+                <a:latin typeface="Consolas"/>
+                <a:cs typeface="Consolas"/>
+              </a:rPr>
+              <a:t/>
+            </a:r>
+            <a:br>
+              <a:rPr lang="de-DE" sz="2000" dirty="0" smtClean="0">
+                <a:latin typeface="Consolas"/>
+                <a:cs typeface="Consolas"/>
+              </a:rPr>
+            </a:br>
+            <a:r>
+              <a:rPr lang="de-DE" sz="2000" dirty="0" smtClean="0">
+                <a:latin typeface="Consolas"/>
+                <a:cs typeface="Consolas"/>
+              </a:rPr>
+              <a:t>$ lein </a:t>
+            </a:r>
+            <a:r>
+              <a:rPr lang="de-DE" sz="2000" dirty="0" err="1" smtClean="0">
+                <a:latin typeface="Consolas"/>
+                <a:cs typeface="Consolas"/>
+              </a:rPr>
+              <a:t>run</a:t>
+            </a:r>
+            <a:r>
+              <a:rPr lang="de-DE" sz="2000" dirty="0" smtClean="0">
+                <a:latin typeface="Consolas"/>
+                <a:cs typeface="Consolas"/>
+              </a:rPr>
+              <a:t/>
+            </a:r>
+            <a:br>
+              <a:rPr lang="de-DE" sz="2000" dirty="0" smtClean="0">
+                <a:latin typeface="Consolas"/>
+                <a:cs typeface="Consolas"/>
+              </a:rPr>
+            </a:br>
+            <a:r>
+              <a:rPr lang="de-DE" sz="2000" dirty="0" smtClean="0">
+                <a:latin typeface="Consolas"/>
+                <a:cs typeface="Consolas"/>
+              </a:rPr>
+              <a:t>$ lein </a:t>
+            </a:r>
+            <a:r>
+              <a:rPr lang="de-DE" sz="2000" dirty="0" err="1" smtClean="0">
+                <a:latin typeface="Consolas"/>
+                <a:cs typeface="Consolas"/>
+              </a:rPr>
+              <a:t>jar</a:t>
+            </a:r>
+            <a:r>
+              <a:rPr lang="de-DE" sz="2000" dirty="0" smtClean="0">
+                <a:latin typeface="Consolas"/>
+                <a:cs typeface="Consolas"/>
+              </a:rPr>
+              <a:t/>
+            </a:r>
+            <a:br>
+              <a:rPr lang="de-DE" sz="2000" dirty="0" smtClean="0">
+                <a:latin typeface="Consolas"/>
+                <a:cs typeface="Consolas"/>
+              </a:rPr>
+            </a:br>
+            <a:r>
+              <a:rPr lang="de-DE" sz="2000" dirty="0" smtClean="0">
+                <a:latin typeface="Consolas"/>
+                <a:cs typeface="Consolas"/>
+              </a:rPr>
+              <a:t>$ lein </a:t>
+            </a:r>
+            <a:r>
+              <a:rPr lang="de-DE" sz="2000" dirty="0" err="1" smtClean="0">
+                <a:latin typeface="Consolas"/>
+                <a:cs typeface="Consolas"/>
+              </a:rPr>
+              <a:t>uberjar</a:t>
+            </a:r>
+            <a:r>
+              <a:rPr lang="de-DE" sz="2000" dirty="0" smtClean="0">
+                <a:latin typeface="Consolas"/>
+                <a:cs typeface="Consolas"/>
+              </a:rPr>
+              <a:t/>
+            </a:r>
+            <a:br>
+              <a:rPr lang="de-DE" sz="2000" dirty="0" smtClean="0">
+                <a:latin typeface="Consolas"/>
+                <a:cs typeface="Consolas"/>
+              </a:rPr>
+            </a:br>
+            <a:r>
+              <a:rPr lang="de-DE" sz="2000" dirty="0" smtClean="0">
+                <a:latin typeface="Consolas"/>
+                <a:cs typeface="Consolas"/>
+              </a:rPr>
+              <a:t>$ lein </a:t>
+            </a:r>
+            <a:r>
+              <a:rPr lang="de-DE" sz="2000" dirty="0" err="1" smtClean="0">
+                <a:latin typeface="Consolas"/>
+                <a:cs typeface="Consolas"/>
+              </a:rPr>
+              <a:t>deploy</a:t>
+            </a:r>
+            <a:r>
+              <a:rPr lang="de-DE" sz="2000" dirty="0" smtClean="0">
+                <a:latin typeface="Consolas"/>
+                <a:cs typeface="Consolas"/>
+              </a:rPr>
+              <a:t> </a:t>
+            </a:r>
+            <a:r>
+              <a:rPr lang="de-DE" sz="2000" dirty="0" err="1" smtClean="0">
+                <a:latin typeface="Consolas"/>
+                <a:cs typeface="Consolas"/>
+              </a:rPr>
+              <a:t>clojars</a:t>
+            </a:r>
+            <a:r>
+              <a:rPr lang="de-DE" dirty="0" smtClean="0"/>
+              <a:t>	</a:t>
+            </a:r>
+            <a:r>
+              <a:rPr lang="de-DE" dirty="0" smtClean="0">
+                <a:solidFill>
+                  <a:schemeClr val="accent2"/>
+                </a:solidFill>
+              </a:rPr>
+              <a:t>(</a:t>
+            </a:r>
+            <a:r>
+              <a:rPr lang="de-DE" dirty="0" err="1" smtClean="0">
+                <a:solidFill>
+                  <a:schemeClr val="accent2"/>
+                </a:solidFill>
+              </a:rPr>
+              <a:t>requires</a:t>
+            </a:r>
+            <a:r>
+              <a:rPr lang="de-DE" dirty="0" smtClean="0">
+                <a:solidFill>
+                  <a:schemeClr val="accent2"/>
+                </a:solidFill>
+              </a:rPr>
+              <a:t> </a:t>
+            </a:r>
+            <a:r>
+              <a:rPr lang="de-DE" dirty="0" err="1" smtClean="0">
+                <a:solidFill>
+                  <a:schemeClr val="accent2"/>
+                </a:solidFill>
+              </a:rPr>
+              <a:t>clojars.org</a:t>
+            </a:r>
+            <a:r>
+              <a:rPr lang="de-DE" dirty="0" smtClean="0">
+                <a:solidFill>
+                  <a:schemeClr val="accent2"/>
+                </a:solidFill>
+              </a:rPr>
+              <a:t> </a:t>
+            </a:r>
+            <a:r>
+              <a:rPr lang="de-DE" dirty="0" err="1" smtClean="0">
+                <a:solidFill>
+                  <a:schemeClr val="accent2"/>
+                </a:solidFill>
+              </a:rPr>
+              <a:t>account</a:t>
+            </a:r>
+            <a:r>
+              <a:rPr lang="de-DE" dirty="0" smtClean="0">
+                <a:solidFill>
+                  <a:schemeClr val="accent2"/>
+                </a:solidFill>
+              </a:rPr>
+              <a:t>)</a:t>
+            </a:r>
+            <a:endParaRPr lang="de-DE" dirty="0">
               <a:solidFill>
-                <a:schemeClr val="bg1"/>
-              </a:solidFill>
-            </a:endParaRPr>
-          </a:p>
-        </p:txBody>
-      </p:sp>
-      <p:sp>
-        <p:nvSpPr>
-          <p:cNvPr id="3" name="Textfeld 2"/>
-          <p:cNvSpPr txBox="1"/>
-          <p:nvPr/>
-        </p:nvSpPr>
-        <p:spPr>
-          <a:xfrm>
-            <a:off x="930095" y="1982173"/>
-            <a:ext cx="4031222" cy="2000548"/>
-          </a:xfrm>
-          <a:prstGeom prst="rect">
-            <a:avLst/>
-          </a:prstGeom>
-          <a:noFill/>
-        </p:spPr>
-        <p:txBody>
-          <a:bodyPr wrap="none" rtlCol="0">
-            <a:spAutoFit/>
-          </a:bodyPr>
-          <a:lstStyle/>
-          <a:p>
-            <a:r>
-              <a:rPr lang="de-DE" sz="12400" dirty="0" smtClean="0">
-                <a:solidFill>
-                  <a:schemeClr val="bg1"/>
-                </a:solidFill>
-              </a:rPr>
-              <a:t>(+ 3 3)</a:t>
-            </a:r>
-            <a:endParaRPr lang="de-DE" sz="12400" dirty="0">
-              <a:solidFill>
-                <a:schemeClr val="bg1"/>
-              </a:solidFill>
-            </a:endParaRPr>
-          </a:p>
-        </p:txBody>
-      </p:sp>
-      <p:sp>
-        <p:nvSpPr>
-          <p:cNvPr id="4" name="Textfeld 3"/>
-          <p:cNvSpPr txBox="1"/>
-          <p:nvPr/>
-        </p:nvSpPr>
-        <p:spPr>
-          <a:xfrm>
-            <a:off x="930095" y="4199681"/>
-            <a:ext cx="7288448" cy="2000548"/>
-          </a:xfrm>
-          <a:prstGeom prst="rect">
-            <a:avLst/>
-          </a:prstGeom>
-          <a:noFill/>
-        </p:spPr>
-        <p:txBody>
-          <a:bodyPr wrap="none" rtlCol="0">
-            <a:spAutoFit/>
-          </a:bodyPr>
-          <a:lstStyle/>
-          <a:p>
-            <a:r>
-              <a:rPr lang="de-DE" sz="12400" dirty="0" smtClean="0">
-                <a:solidFill>
-                  <a:schemeClr val="bg1"/>
-                </a:solidFill>
-              </a:rPr>
-              <a:t>(* 2 (+ 3 3))</a:t>
-            </a:r>
-            <a:endParaRPr lang="de-DE" sz="12400" dirty="0">
-              <a:solidFill>
-                <a:schemeClr val="bg1"/>
+                <a:schemeClr val="accent2"/>
               </a:solidFill>
             </a:endParaRPr>
           </a:p>
@@ -7557,13 +8265,20 @@
     </p:spTree>
     <p:extLst>
       <p:ext uri="{BB962C8B-B14F-4D97-AF65-F5344CB8AC3E}">
-        <p14:creationId xmlns:p14="http://schemas.microsoft.com/office/powerpoint/2010/main" val="1667670172"/>
+        <p14:creationId xmlns:p14="http://schemas.microsoft.com/office/powerpoint/2010/main" val="1937409284"/>
       </p:ext>
     </p:extLst>
   </p:cSld>
   <p:clrMapOvr>
     <a:masterClrMapping/>
   </p:clrMapOvr>
+  <p:timing>
+    <p:tnLst>
+      <p:par>
+        <p:cTn xmlns:p14="http://schemas.microsoft.com/office/powerpoint/2010/main" id="1" dur="indefinite" restart="never" nodeType="tmRoot"/>
+      </p:par>
+    </p:tnLst>
+  </p:timing>
 </p:sld>
 </file>
 
@@ -7736,231 +8451,153 @@
           <a:lstStyle/>
           <a:p>
             <a:r>
-              <a:rPr lang="de-DE" dirty="0" err="1" smtClean="0"/>
-              <a:t>Use</a:t>
-            </a:r>
-            <a:r>
-              <a:rPr lang="de-DE" dirty="0" smtClean="0"/>
-              <a:t> Java in </a:t>
-            </a:r>
+              <a:rPr lang="de-DE" dirty="0" smtClean="0"/>
+              <a:t>S-</a:t>
+            </a:r>
+            <a:r>
+              <a:rPr lang="de-DE" dirty="0" err="1" smtClean="0"/>
+              <a:t>Expressions</a:t>
+            </a:r>
+            <a:r>
+              <a:rPr lang="de-DE" dirty="0" smtClean="0"/>
+              <a:t>, Reader </a:t>
+            </a:r>
+            <a:r>
+              <a:rPr lang="de-DE" dirty="0" err="1" smtClean="0"/>
+              <a:t>Macros</a:t>
+            </a:r>
+            <a:r>
+              <a:rPr lang="de-DE" dirty="0" smtClean="0"/>
+              <a:t>, ...</a:t>
+            </a:r>
+            <a:endParaRPr lang="de-DE" dirty="0"/>
+          </a:p>
+        </p:txBody>
+      </p:sp>
+      <p:sp>
+        <p:nvSpPr>
+          <p:cNvPr id="3" name="Inhaltsplatzhalter 2"/>
+          <p:cNvSpPr>
+            <a:spLocks noGrp="1"/>
+          </p:cNvSpPr>
+          <p:nvPr>
+            <p:ph idx="1"/>
+          </p:nvPr>
+        </p:nvSpPr>
+        <p:spPr/>
+        <p:txBody>
+          <a:bodyPr/>
+          <a:lstStyle/>
+          <a:p>
             <a:r>
               <a:rPr lang="de-DE" dirty="0" err="1" smtClean="0"/>
               <a:t>Clojure</a:t>
             </a:r>
+            <a:r>
+              <a:rPr lang="de-DE" dirty="0" smtClean="0"/>
+              <a:t> </a:t>
+            </a:r>
+            <a:r>
+              <a:rPr lang="de-DE" dirty="0" err="1" smtClean="0"/>
+              <a:t>syntax</a:t>
+            </a:r>
+            <a:r>
+              <a:rPr lang="de-DE" dirty="0" smtClean="0"/>
+              <a:t> </a:t>
+            </a:r>
+            <a:r>
+              <a:rPr lang="de-DE" dirty="0" err="1" smtClean="0"/>
+              <a:t>is</a:t>
+            </a:r>
+            <a:r>
+              <a:rPr lang="de-DE" dirty="0" smtClean="0"/>
+              <a:t> </a:t>
+            </a:r>
+            <a:r>
+              <a:rPr lang="de-DE" dirty="0" err="1" smtClean="0"/>
+              <a:t>based</a:t>
+            </a:r>
+            <a:r>
+              <a:rPr lang="de-DE" dirty="0" smtClean="0"/>
+              <a:t> on S-</a:t>
+            </a:r>
+            <a:r>
+              <a:rPr lang="de-DE" dirty="0" err="1" smtClean="0"/>
+              <a:t>Expressions</a:t>
+            </a:r>
+            <a:endParaRPr lang="de-DE" dirty="0" smtClean="0"/>
+          </a:p>
+          <a:p>
             <a:endParaRPr lang="de-DE" dirty="0"/>
           </a:p>
-        </p:txBody>
-      </p:sp>
-      <p:sp>
-        <p:nvSpPr>
-          <p:cNvPr id="3" name="Inhaltsplatzhalter 2"/>
-          <p:cNvSpPr>
-            <a:spLocks noGrp="1"/>
-          </p:cNvSpPr>
-          <p:nvPr>
-            <p:ph idx="1"/>
-          </p:nvPr>
-        </p:nvSpPr>
-        <p:spPr/>
-        <p:txBody>
-          <a:bodyPr/>
-          <a:lstStyle/>
-          <a:p>
-            <a:r>
-              <a:rPr lang="de-DE" dirty="0" err="1" smtClean="0"/>
-              <a:t>Very</a:t>
-            </a:r>
-            <a:r>
-              <a:rPr lang="de-DE" dirty="0" smtClean="0"/>
-              <a:t> Easy:</a:t>
-            </a:r>
-            <a:br>
-              <a:rPr lang="de-DE" dirty="0" smtClean="0"/>
-            </a:br>
-            <a:r>
-              <a:rPr lang="de-DE" dirty="0"/>
-              <a:t/>
-            </a:r>
-            <a:br>
-              <a:rPr lang="de-DE" dirty="0"/>
-            </a:br>
-            <a:r>
-              <a:rPr lang="de-DE" sz="2000" dirty="0">
-                <a:latin typeface="Consolas"/>
-                <a:cs typeface="Consolas"/>
-              </a:rPr>
-              <a:t>(</a:t>
-            </a:r>
-            <a:r>
-              <a:rPr lang="de-DE" sz="2000" dirty="0" err="1">
-                <a:latin typeface="Consolas"/>
-                <a:cs typeface="Consolas"/>
-              </a:rPr>
-              <a:t>def</a:t>
-            </a:r>
-            <a:r>
-              <a:rPr lang="de-DE" sz="2000" dirty="0">
-                <a:latin typeface="Consolas"/>
-                <a:cs typeface="Consolas"/>
-              </a:rPr>
-              <a:t> cal (</a:t>
-            </a:r>
-            <a:r>
-              <a:rPr lang="de-DE" sz="2000" dirty="0" err="1">
-                <a:latin typeface="Consolas"/>
-                <a:cs typeface="Consolas"/>
-              </a:rPr>
-              <a:t>java.util.Calendar</a:t>
-            </a:r>
-            <a:r>
-              <a:rPr lang="de-DE" sz="2000" dirty="0">
-                <a:latin typeface="Consolas"/>
-                <a:cs typeface="Consolas"/>
-              </a:rPr>
-              <a:t>/</a:t>
-            </a:r>
-            <a:r>
-              <a:rPr lang="de-DE" sz="2000" dirty="0" err="1">
-                <a:latin typeface="Consolas"/>
-                <a:cs typeface="Consolas"/>
-              </a:rPr>
-              <a:t>getInstance</a:t>
-            </a:r>
-            <a:r>
-              <a:rPr lang="de-DE" sz="2000" dirty="0">
-                <a:latin typeface="Consolas"/>
-                <a:cs typeface="Consolas"/>
-              </a:rPr>
-              <a:t>)</a:t>
-            </a:r>
-            <a:r>
-              <a:rPr lang="de-DE" sz="2000" dirty="0" smtClean="0">
-                <a:latin typeface="Consolas"/>
-                <a:cs typeface="Consolas"/>
-              </a:rPr>
-              <a:t>)</a:t>
-            </a:r>
-            <a:br>
-              <a:rPr lang="de-DE" sz="2000" dirty="0" smtClean="0">
-                <a:latin typeface="Consolas"/>
-                <a:cs typeface="Consolas"/>
-              </a:rPr>
-            </a:br>
-            <a:r>
-              <a:rPr lang="de-DE" sz="2000" dirty="0" smtClean="0">
-                <a:latin typeface="Consolas"/>
-                <a:cs typeface="Consolas"/>
-              </a:rPr>
-              <a:t>#</a:t>
-            </a:r>
-            <a:r>
-              <a:rPr lang="de-DE" sz="2000" dirty="0">
-                <a:latin typeface="Consolas"/>
-                <a:cs typeface="Consolas"/>
-              </a:rPr>
-              <a:t>'</a:t>
-            </a:r>
-            <a:r>
-              <a:rPr lang="de-DE" sz="2000" dirty="0" err="1">
-                <a:latin typeface="Consolas"/>
-                <a:cs typeface="Consolas"/>
-              </a:rPr>
-              <a:t>binomial.core</a:t>
-            </a:r>
-            <a:r>
-              <a:rPr lang="de-DE" sz="2000" dirty="0">
-                <a:latin typeface="Consolas"/>
-                <a:cs typeface="Consolas"/>
-              </a:rPr>
-              <a:t>/cal</a:t>
-            </a:r>
-            <a:r>
-              <a:rPr lang="hr-HR" sz="2000" dirty="0" smtClean="0">
-                <a:latin typeface="Consolas"/>
-                <a:cs typeface="Consolas"/>
-              </a:rPr>
-              <a:t/>
-            </a:r>
-            <a:br>
-              <a:rPr lang="hr-HR" sz="2000" dirty="0" smtClean="0">
-                <a:latin typeface="Consolas"/>
-                <a:cs typeface="Consolas"/>
-              </a:rPr>
-            </a:br>
-            <a:r>
-              <a:rPr lang="hr-HR" sz="2000" dirty="0" smtClean="0">
-                <a:latin typeface="Consolas"/>
-                <a:cs typeface="Consolas"/>
-              </a:rPr>
-              <a:t/>
-            </a:r>
-            <a:br>
-              <a:rPr lang="hr-HR" sz="2000" dirty="0" smtClean="0">
-                <a:latin typeface="Consolas"/>
-                <a:cs typeface="Consolas"/>
-              </a:rPr>
-            </a:br>
-            <a:r>
-              <a:rPr lang="fi-FI" sz="2000" dirty="0">
-                <a:latin typeface="Consolas"/>
-                <a:cs typeface="Consolas"/>
-              </a:rPr>
-              <a:t>(.</a:t>
-            </a:r>
-            <a:r>
-              <a:rPr lang="fi-FI" sz="2000" dirty="0" err="1">
-                <a:latin typeface="Consolas"/>
-                <a:cs typeface="Consolas"/>
-              </a:rPr>
-              <a:t>getTimeInMillis</a:t>
-            </a:r>
-            <a:r>
-              <a:rPr lang="fi-FI" sz="2000" dirty="0">
-                <a:latin typeface="Consolas"/>
-                <a:cs typeface="Consolas"/>
-              </a:rPr>
+          <a:p>
+            <a:r>
+              <a:rPr lang="de-DE" dirty="0" smtClean="0"/>
+              <a:t>S-</a:t>
+            </a:r>
+            <a:r>
+              <a:rPr lang="de-DE" dirty="0" err="1" smtClean="0"/>
+              <a:t>Expressions</a:t>
+            </a:r>
+            <a:r>
+              <a:rPr lang="de-DE" dirty="0" smtClean="0"/>
               <a:t> </a:t>
             </a:r>
             <a:r>
-              <a:rPr lang="fi-FI" sz="2000" dirty="0" err="1">
-                <a:latin typeface="Consolas"/>
-                <a:cs typeface="Consolas"/>
-              </a:rPr>
-              <a:t>cal</a:t>
-            </a:r>
-            <a:r>
-              <a:rPr lang="fi-FI" sz="2000" dirty="0" smtClean="0">
-                <a:latin typeface="Consolas"/>
-                <a:cs typeface="Consolas"/>
-              </a:rPr>
-              <a:t>)</a:t>
-            </a:r>
-            <a:br>
-              <a:rPr lang="fi-FI" sz="2000" dirty="0" smtClean="0">
-                <a:latin typeface="Consolas"/>
-                <a:cs typeface="Consolas"/>
-              </a:rPr>
-            </a:br>
-            <a:r>
-              <a:rPr lang="fi-FI" sz="2000" dirty="0" smtClean="0">
-                <a:latin typeface="Consolas"/>
-                <a:cs typeface="Consolas"/>
-              </a:rPr>
-              <a:t>1415399321833</a:t>
-            </a:r>
-            <a:br>
-              <a:rPr lang="fi-FI" sz="2000" dirty="0" smtClean="0">
-                <a:latin typeface="Consolas"/>
-                <a:cs typeface="Consolas"/>
-              </a:rPr>
-            </a:br>
-            <a:r>
-              <a:rPr lang="fi-FI" dirty="0" smtClean="0"/>
-              <a:t/>
-            </a:r>
-            <a:br>
-              <a:rPr lang="fi-FI" dirty="0" smtClean="0"/>
-            </a:br>
+              <a:rPr lang="de-DE" dirty="0" err="1" smtClean="0"/>
+              <a:t>are</a:t>
+            </a:r>
+            <a:r>
+              <a:rPr lang="de-DE" dirty="0" smtClean="0"/>
+              <a:t> </a:t>
+            </a:r>
+            <a:r>
+              <a:rPr lang="de-DE" dirty="0" err="1" smtClean="0"/>
+              <a:t>parsed</a:t>
+            </a:r>
+            <a:r>
+              <a:rPr lang="de-DE" dirty="0" smtClean="0"/>
+              <a:t> </a:t>
+            </a:r>
+            <a:r>
+              <a:rPr lang="de-DE" dirty="0" err="1" smtClean="0"/>
+              <a:t>by</a:t>
+            </a:r>
+            <a:r>
+              <a:rPr lang="de-DE" dirty="0" smtClean="0"/>
+              <a:t> </a:t>
+            </a:r>
+            <a:r>
+              <a:rPr lang="de-DE" dirty="0" err="1" smtClean="0"/>
+              <a:t>the</a:t>
+            </a:r>
+            <a:r>
+              <a:rPr lang="de-DE" dirty="0" smtClean="0"/>
+              <a:t> Reader </a:t>
+            </a:r>
+            <a:r>
+              <a:rPr lang="de-DE" dirty="0" err="1" smtClean="0"/>
+              <a:t>into</a:t>
+            </a:r>
+            <a:r>
+              <a:rPr lang="de-DE" dirty="0" smtClean="0"/>
+              <a:t> </a:t>
+            </a:r>
+            <a:r>
+              <a:rPr lang="de-DE" dirty="0" err="1" smtClean="0"/>
+              <a:t>data</a:t>
+            </a:r>
+            <a:r>
+              <a:rPr lang="de-DE" dirty="0" smtClean="0"/>
+              <a:t> </a:t>
+            </a:r>
+            <a:r>
+              <a:rPr lang="de-DE" dirty="0" err="1" smtClean="0"/>
+              <a:t>structures</a:t>
+            </a:r>
+            <a:endParaRPr lang="de-DE" dirty="0" smtClean="0"/>
+          </a:p>
+          <a:p>
             <a:endParaRPr lang="de-DE" dirty="0"/>
           </a:p>
         </p:txBody>
@@ -7968,7 +8605,7 @@
     </p:spTree>
     <p:extLst>
       <p:ext uri="{BB962C8B-B14F-4D97-AF65-F5344CB8AC3E}">
-        <p14:creationId xmlns:p14="http://schemas.microsoft.com/office/powerpoint/2010/main" val="1521195424"/>
+        <p14:creationId xmlns:p14="http://schemas.microsoft.com/office/powerpoint/2010/main" val="676450961"/>
       </p:ext>
     </p:extLst>
   </p:cSld>
@@ -7997,659 +8634,218 @@
       </p:grpSpPr>
       <p:sp>
         <p:nvSpPr>
-          <p:cNvPr id="2" name="Titel 1"/>
-          <p:cNvSpPr>
-            <a:spLocks noGrp="1"/>
-          </p:cNvSpPr>
-          <p:nvPr>
-            <p:ph type="title"/>
-          </p:nvPr>
-        </p:nvSpPr>
-        <p:spPr/>
-        <p:txBody>
-          <a:bodyPr/>
-          <a:lstStyle/>
-          <a:p>
-            <a:r>
-              <a:rPr lang="de-DE" dirty="0" err="1" smtClean="0"/>
-              <a:t>Use</a:t>
-            </a:r>
-            <a:r>
-              <a:rPr lang="de-DE" dirty="0" smtClean="0"/>
+          <p:cNvPr id="2" name="Textfeld 1"/>
+          <p:cNvSpPr txBox="1"/>
+          <p:nvPr/>
+        </p:nvSpPr>
+        <p:spPr>
+          <a:xfrm>
+            <a:off x="616967" y="107545"/>
+            <a:ext cx="905216" cy="2000548"/>
+          </a:xfrm>
+          <a:prstGeom prst="rect">
+            <a:avLst/>
+          </a:prstGeom>
+          <a:noFill/>
+        </p:spPr>
+        <p:txBody>
+          <a:bodyPr wrap="none" rtlCol="0">
+            <a:spAutoFit/>
+          </a:bodyPr>
+          <a:lstStyle/>
+          <a:p>
+            <a:r>
+              <a:rPr lang="de-DE" sz="12400" dirty="0" smtClean="0">
+                <a:solidFill>
+                  <a:schemeClr val="bg1"/>
+                </a:solidFill>
+              </a:rPr>
+              <a:t>3</a:t>
+            </a:r>
+            <a:endParaRPr lang="de-DE" sz="12400" dirty="0">
+              <a:solidFill>
+                <a:schemeClr val="bg1"/>
+              </a:solidFill>
+            </a:endParaRPr>
+          </a:p>
+        </p:txBody>
+      </p:sp>
+      <p:sp>
+        <p:nvSpPr>
+          <p:cNvPr id="3" name="Textfeld 2"/>
+          <p:cNvSpPr txBox="1"/>
+          <p:nvPr/>
+        </p:nvSpPr>
+        <p:spPr>
+          <a:xfrm>
+            <a:off x="564779" y="2156123"/>
+            <a:ext cx="4973837" cy="2000548"/>
+          </a:xfrm>
+          <a:prstGeom prst="rect">
+            <a:avLst/>
+          </a:prstGeom>
+          <a:noFill/>
+        </p:spPr>
+        <p:txBody>
+          <a:bodyPr wrap="none" rtlCol="0">
+            <a:spAutoFit/>
+          </a:bodyPr>
+          <a:lstStyle/>
+          <a:p>
+            <a:r>
+              <a:rPr lang="de-DE" sz="12400" dirty="0" smtClean="0">
+                <a:solidFill>
+                  <a:schemeClr val="bg1"/>
+                </a:solidFill>
+              </a:rPr>
+              <a:t>(</a:t>
+            </a:r>
+            <a:r>
+              <a:rPr lang="de-DE" sz="12400" dirty="0" err="1" smtClean="0">
+                <a:solidFill>
+                  <a:schemeClr val="bg1"/>
+                </a:solidFill>
+              </a:rPr>
+              <a:t>let</a:t>
+            </a:r>
+            <a:r>
+              <a:rPr lang="de-DE" sz="12400" dirty="0" smtClean="0">
+                <a:solidFill>
+                  <a:schemeClr val="bg1"/>
+                </a:solidFill>
+              </a:rPr>
               <a:t> </a:t>
             </a:r>
             <a:r>
-              <a:rPr lang="de-DE" dirty="0" err="1" smtClean="0"/>
-              <a:t>Clojure</a:t>
-            </a:r>
-            <a:r>
-              <a:rPr lang="de-DE" dirty="0" smtClean="0"/>
-              <a:t> in Java</a:t>
-            </a:r>
-            <a:endParaRPr lang="de-DE" dirty="0"/>
-          </a:p>
-        </p:txBody>
-      </p:sp>
-      <p:sp>
-        <p:nvSpPr>
-          <p:cNvPr id="3" name="Inhaltsplatzhalter 2"/>
-          <p:cNvSpPr>
-            <a:spLocks noGrp="1"/>
-          </p:cNvSpPr>
-          <p:nvPr>
-            <p:ph idx="1"/>
-          </p:nvPr>
-        </p:nvSpPr>
-        <p:spPr/>
-        <p:txBody>
-          <a:bodyPr>
-            <a:normAutofit/>
+              <a:rPr lang="de-DE" sz="12400" dirty="0">
+                <a:solidFill>
+                  <a:schemeClr val="bg1"/>
+                </a:solidFill>
+              </a:rPr>
+              <a:t>x</a:t>
+            </a:r>
+            <a:r>
+              <a:rPr lang="de-DE" sz="12400" dirty="0" smtClean="0">
+                <a:solidFill>
+                  <a:schemeClr val="bg1"/>
+                </a:solidFill>
+              </a:rPr>
+              <a:t> </a:t>
+            </a:r>
+            <a:r>
+              <a:rPr lang="de-DE" sz="12400" dirty="0">
+                <a:solidFill>
+                  <a:schemeClr val="bg1"/>
+                </a:solidFill>
+              </a:rPr>
+              <a:t>5</a:t>
+            </a:r>
+            <a:r>
+              <a:rPr lang="de-DE" sz="12400" dirty="0" smtClean="0">
+                <a:solidFill>
+                  <a:schemeClr val="bg1"/>
+                </a:solidFill>
+              </a:rPr>
+              <a:t>)</a:t>
+            </a:r>
+            <a:endParaRPr lang="de-DE" sz="12400" dirty="0">
+              <a:solidFill>
+                <a:schemeClr val="bg1"/>
+              </a:solidFill>
+            </a:endParaRPr>
+          </a:p>
+        </p:txBody>
+      </p:sp>
+      <p:sp>
+        <p:nvSpPr>
+          <p:cNvPr id="4" name="Textfeld 3"/>
+          <p:cNvSpPr txBox="1"/>
+          <p:nvPr/>
+        </p:nvSpPr>
+        <p:spPr>
+          <a:xfrm>
+            <a:off x="529987" y="4199681"/>
+            <a:ext cx="8409649" cy="2000548"/>
+          </a:xfrm>
+          <a:prstGeom prst="rect">
+            <a:avLst/>
+          </a:prstGeom>
+          <a:noFill/>
+        </p:spPr>
+        <p:txBody>
+          <a:bodyPr wrap="none" rtlCol="0">
+            <a:spAutoFit/>
           </a:bodyPr>
           <a:lstStyle/>
           <a:p>
             <a:r>
-              <a:rPr lang="de-DE" dirty="0" err="1" smtClean="0"/>
-              <a:t>Generate</a:t>
-            </a:r>
-            <a:r>
-              <a:rPr lang="de-DE" dirty="0" smtClean="0"/>
+              <a:rPr lang="de-DE" sz="12400" dirty="0" smtClean="0">
+                <a:solidFill>
+                  <a:schemeClr val="bg1"/>
+                </a:solidFill>
+              </a:rPr>
+              <a:t>(</a:t>
+            </a:r>
+            <a:r>
+              <a:rPr lang="de-DE" sz="12400" dirty="0" err="1" smtClean="0">
+                <a:solidFill>
+                  <a:schemeClr val="bg1"/>
+                </a:solidFill>
+              </a:rPr>
+              <a:t>var</a:t>
+            </a:r>
+            <a:r>
+              <a:rPr lang="de-DE" sz="12400" dirty="0" smtClean="0">
+                <a:solidFill>
+                  <a:schemeClr val="bg1"/>
+                </a:solidFill>
+              </a:rPr>
               <a:t> </a:t>
             </a:r>
             <a:r>
-              <a:rPr lang="de-DE" dirty="0" err="1" smtClean="0"/>
-              <a:t>classes</a:t>
-            </a:r>
-            <a:r>
-              <a:rPr lang="de-DE" dirty="0" smtClean="0"/>
+              <a:rPr lang="de-DE" sz="12400" dirty="0" err="1" smtClean="0">
+                <a:solidFill>
+                  <a:schemeClr val="bg1"/>
+                </a:solidFill>
+              </a:rPr>
+              <a:t>y</a:t>
+            </a:r>
+            <a:r>
+              <a:rPr lang="de-DE" sz="12400" dirty="0" smtClean="0">
+                <a:solidFill>
+                  <a:schemeClr val="bg1"/>
+                </a:solidFill>
+              </a:rPr>
               <a:t> </a:t>
             </a:r>
             <a:r>
-              <a:rPr lang="de-DE" dirty="0" err="1" smtClean="0"/>
-              <a:t>for</a:t>
-            </a:r>
-            <a:r>
-              <a:rPr lang="de-DE" dirty="0" smtClean="0"/>
-              <a:t> Java (</a:t>
-            </a:r>
-            <a:r>
-              <a:rPr lang="de-DE" dirty="0" err="1" smtClean="0"/>
-              <a:t>outdated</a:t>
-            </a:r>
-            <a:r>
-              <a:rPr lang="de-DE" dirty="0"/>
+              <a:rPr lang="de-DE" sz="12400" dirty="0" smtClean="0">
+                <a:solidFill>
+                  <a:schemeClr val="bg1"/>
+                </a:solidFill>
+              </a:rPr>
+              <a:t>(+ </a:t>
+            </a:r>
+            <a:r>
+              <a:rPr lang="de-DE" sz="12400" dirty="0" smtClean="0">
+                <a:solidFill>
+                  <a:schemeClr val="bg1"/>
+                </a:solidFill>
+              </a:rPr>
+              <a:t>3 x)</a:t>
+            </a:r>
+            <a:r>
+              <a:rPr lang="de-DE" sz="12400" dirty="0" smtClean="0">
+                <a:solidFill>
+                  <a:schemeClr val="bg1"/>
+                </a:solidFill>
+              </a:rPr>
               <a:t>)</a:t>
             </a:r>
-            <a:br>
-              <a:rPr lang="de-DE" dirty="0"/>
-            </a:br>
-            <a:r>
-              <a:rPr lang="de-DE" dirty="0"/>
-              <a:t/>
-            </a:r>
-            <a:br>
-              <a:rPr lang="de-DE" dirty="0"/>
-            </a:br>
-            <a:r>
-              <a:rPr lang="de-DE" sz="2000" dirty="0" smtClean="0">
-                <a:latin typeface="Consolas"/>
-                <a:cs typeface="Consolas"/>
-              </a:rPr>
-              <a:t>(</a:t>
-            </a:r>
-            <a:r>
-              <a:rPr lang="de-DE" sz="2000" dirty="0" err="1" smtClean="0">
-                <a:latin typeface="Consolas"/>
-                <a:cs typeface="Consolas"/>
-              </a:rPr>
-              <a:t>ns</a:t>
-            </a:r>
-            <a:r>
-              <a:rPr lang="de-DE" sz="2000" dirty="0" smtClean="0">
-                <a:latin typeface="Consolas"/>
-                <a:cs typeface="Consolas"/>
-              </a:rPr>
-              <a:t> </a:t>
-            </a:r>
-            <a:r>
-              <a:rPr lang="de-DE" sz="2000" dirty="0" err="1">
-                <a:latin typeface="Consolas"/>
-                <a:cs typeface="Consolas"/>
-              </a:rPr>
-              <a:t>com.domain.tiny</a:t>
-            </a:r>
-            <a:r>
-              <a:rPr lang="de-DE" sz="2000" dirty="0">
-                <a:latin typeface="Consolas"/>
-                <a:cs typeface="Consolas"/>
-              </a:rPr>
-              <a:t> </a:t>
-            </a:r>
-            <a:r>
-              <a:rPr lang="de-DE" sz="2000" dirty="0" smtClean="0">
-                <a:latin typeface="Consolas"/>
-                <a:cs typeface="Consolas"/>
-              </a:rPr>
-              <a:t/>
-            </a:r>
-            <a:br>
-              <a:rPr lang="de-DE" sz="2000" dirty="0" smtClean="0">
-                <a:latin typeface="Consolas"/>
-                <a:cs typeface="Consolas"/>
-              </a:rPr>
-            </a:br>
-            <a:r>
-              <a:rPr lang="de-DE" sz="2000" dirty="0" smtClean="0">
-                <a:latin typeface="Consolas"/>
-                <a:cs typeface="Consolas"/>
-              </a:rPr>
-              <a:t>  (:</a:t>
-            </a:r>
-            <a:r>
-              <a:rPr lang="de-DE" sz="2000" dirty="0">
-                <a:latin typeface="Consolas"/>
-                <a:cs typeface="Consolas"/>
-              </a:rPr>
-              <a:t>gen-</a:t>
-            </a:r>
-            <a:r>
-              <a:rPr lang="de-DE" sz="2000" dirty="0" err="1">
-                <a:latin typeface="Consolas"/>
-                <a:cs typeface="Consolas"/>
-              </a:rPr>
-              <a:t>class</a:t>
-            </a:r>
-            <a:r>
-              <a:rPr lang="de-DE" sz="2000" dirty="0">
-                <a:latin typeface="Consolas"/>
-                <a:cs typeface="Consolas"/>
-              </a:rPr>
-              <a:t> :</a:t>
-            </a:r>
-            <a:r>
-              <a:rPr lang="de-DE" sz="2000" dirty="0" err="1">
-                <a:latin typeface="Consolas"/>
-                <a:cs typeface="Consolas"/>
-              </a:rPr>
-              <a:t>name</a:t>
-            </a:r>
-            <a:r>
-              <a:rPr lang="de-DE" sz="2000" dirty="0">
-                <a:latin typeface="Consolas"/>
-                <a:cs typeface="Consolas"/>
-              </a:rPr>
-              <a:t> </a:t>
-            </a:r>
-            <a:r>
-              <a:rPr lang="de-DE" sz="2000" dirty="0" err="1" smtClean="0">
-                <a:latin typeface="Consolas"/>
-                <a:cs typeface="Consolas"/>
-              </a:rPr>
-              <a:t>de.coruco.Binomial</a:t>
-            </a:r>
-            <a:r>
-              <a:rPr lang="de-DE" sz="2000" dirty="0" smtClean="0">
-                <a:latin typeface="Consolas"/>
-                <a:cs typeface="Consolas"/>
-              </a:rPr>
-              <a:t/>
-            </a:r>
-            <a:br>
-              <a:rPr lang="de-DE" sz="2000" dirty="0" smtClean="0">
-                <a:latin typeface="Consolas"/>
-                <a:cs typeface="Consolas"/>
-              </a:rPr>
-            </a:br>
-            <a:r>
-              <a:rPr lang="de-DE" sz="2000" dirty="0" smtClean="0">
-                <a:latin typeface="Consolas"/>
-                <a:cs typeface="Consolas"/>
-              </a:rPr>
-              <a:t>   :</a:t>
-            </a:r>
-            <a:r>
-              <a:rPr lang="de-DE" sz="2000" dirty="0" err="1" smtClean="0">
-                <a:latin typeface="Consolas"/>
-                <a:cs typeface="Consolas"/>
-              </a:rPr>
-              <a:t>methods</a:t>
-            </a:r>
-            <a:r>
-              <a:rPr lang="de-DE" sz="2000" dirty="0" smtClean="0">
-                <a:latin typeface="Consolas"/>
-                <a:cs typeface="Consolas"/>
-              </a:rPr>
-              <a:t> </a:t>
-            </a:r>
-            <a:r>
-              <a:rPr lang="de-DE" sz="2000" dirty="0">
-                <a:latin typeface="Consolas"/>
-                <a:cs typeface="Consolas"/>
-              </a:rPr>
-              <a:t>[#^{:</a:t>
-            </a:r>
-            <a:r>
-              <a:rPr lang="de-DE" sz="2000" dirty="0" err="1">
-                <a:latin typeface="Consolas"/>
-                <a:cs typeface="Consolas"/>
-              </a:rPr>
-              <a:t>static</a:t>
-            </a:r>
-            <a:r>
-              <a:rPr lang="de-DE" sz="2000" dirty="0">
-                <a:latin typeface="Consolas"/>
-                <a:cs typeface="Consolas"/>
-              </a:rPr>
-              <a:t> </a:t>
-            </a:r>
-            <a:r>
-              <a:rPr lang="de-DE" sz="2000" dirty="0" err="1">
-                <a:latin typeface="Consolas"/>
-                <a:cs typeface="Consolas"/>
-              </a:rPr>
-              <a:t>true</a:t>
-            </a:r>
-            <a:r>
-              <a:rPr lang="de-DE" sz="2000" dirty="0">
-                <a:latin typeface="Consolas"/>
-                <a:cs typeface="Consolas"/>
-              </a:rPr>
-              <a:t>} [</a:t>
-            </a:r>
-            <a:r>
-              <a:rPr lang="de-DE" sz="2000" dirty="0" err="1">
-                <a:latin typeface="Consolas"/>
-                <a:cs typeface="Consolas"/>
-              </a:rPr>
-              <a:t>binomial</a:t>
-            </a:r>
-            <a:r>
-              <a:rPr lang="de-DE" sz="2000" dirty="0">
-                <a:latin typeface="Consolas"/>
-                <a:cs typeface="Consolas"/>
-              </a:rPr>
-              <a:t> [</a:t>
-            </a:r>
-            <a:r>
-              <a:rPr lang="de-DE" sz="2000" dirty="0" err="1">
-                <a:latin typeface="Consolas"/>
-                <a:cs typeface="Consolas"/>
-              </a:rPr>
-              <a:t>int</a:t>
-            </a:r>
-            <a:r>
-              <a:rPr lang="de-DE" sz="2000" dirty="0">
-                <a:latin typeface="Consolas"/>
-                <a:cs typeface="Consolas"/>
-              </a:rPr>
-              <a:t> </a:t>
-            </a:r>
-            <a:r>
-              <a:rPr lang="de-DE" sz="2000" dirty="0" err="1">
-                <a:latin typeface="Consolas"/>
-                <a:cs typeface="Consolas"/>
-              </a:rPr>
-              <a:t>int</a:t>
-            </a:r>
-            <a:r>
-              <a:rPr lang="de-DE" sz="2000" dirty="0">
-                <a:latin typeface="Consolas"/>
-                <a:cs typeface="Consolas"/>
-              </a:rPr>
-              <a:t>] double]])</a:t>
-            </a:r>
-            <a:r>
-              <a:rPr lang="de-DE" sz="2000" dirty="0" smtClean="0">
-                <a:latin typeface="Consolas"/>
-                <a:cs typeface="Consolas"/>
-              </a:rPr>
-              <a:t>)</a:t>
-            </a:r>
-            <a:br>
-              <a:rPr lang="de-DE" sz="2000" dirty="0" smtClean="0">
-                <a:latin typeface="Consolas"/>
-                <a:cs typeface="Consolas"/>
-              </a:rPr>
-            </a:br>
-            <a:r>
-              <a:rPr lang="de-DE" sz="2000" dirty="0" smtClean="0">
-                <a:latin typeface="Consolas"/>
-                <a:cs typeface="Consolas"/>
-              </a:rPr>
-              <a:t/>
-            </a:r>
-            <a:br>
-              <a:rPr lang="de-DE" sz="2000" dirty="0" smtClean="0">
-                <a:latin typeface="Consolas"/>
-                <a:cs typeface="Consolas"/>
-              </a:rPr>
-            </a:br>
-            <a:r>
-              <a:rPr lang="de-DE" sz="2000" dirty="0" smtClean="0">
-                <a:latin typeface="Consolas"/>
-                <a:cs typeface="Consolas"/>
-              </a:rPr>
-              <a:t>(</a:t>
-            </a:r>
-            <a:r>
-              <a:rPr lang="de-DE" sz="2000" dirty="0" err="1" smtClean="0">
-                <a:latin typeface="Consolas"/>
-                <a:cs typeface="Consolas"/>
-              </a:rPr>
-              <a:t>defn</a:t>
-            </a:r>
-            <a:r>
-              <a:rPr lang="de-DE" sz="2000" dirty="0" smtClean="0">
-                <a:latin typeface="Consolas"/>
-                <a:cs typeface="Consolas"/>
-              </a:rPr>
-              <a:t> </a:t>
-            </a:r>
-            <a:r>
-              <a:rPr lang="de-DE" sz="2000" dirty="0" err="1" smtClean="0">
-                <a:latin typeface="Consolas"/>
-                <a:cs typeface="Consolas"/>
-              </a:rPr>
-              <a:t>binomial</a:t>
-            </a:r>
-            <a:r>
-              <a:rPr lang="de-DE" sz="2000" dirty="0">
-                <a:latin typeface="Consolas"/>
-                <a:cs typeface="Consolas"/>
-              </a:rPr>
-              <a:t> ...)</a:t>
-            </a:r>
-            <a:br>
-              <a:rPr lang="de-DE" sz="2000" dirty="0">
-                <a:latin typeface="Consolas"/>
-                <a:cs typeface="Consolas"/>
-              </a:rPr>
-            </a:br>
-            <a:r>
-              <a:rPr lang="de-DE" sz="2000" dirty="0">
-                <a:latin typeface="Consolas"/>
-                <a:cs typeface="Consolas"/>
-              </a:rPr>
-              <a:t/>
-            </a:r>
-            <a:br>
-              <a:rPr lang="de-DE" sz="2000" dirty="0">
-                <a:latin typeface="Consolas"/>
-                <a:cs typeface="Consolas"/>
-              </a:rPr>
-            </a:br>
-            <a:r>
-              <a:rPr lang="de-DE" sz="2000" dirty="0" smtClean="0">
-                <a:latin typeface="Consolas"/>
-                <a:cs typeface="Consolas"/>
-              </a:rPr>
-              <a:t>(</a:t>
-            </a:r>
-            <a:r>
-              <a:rPr lang="de-DE" sz="2000" dirty="0" err="1" smtClean="0">
-                <a:latin typeface="Consolas"/>
-                <a:cs typeface="Consolas"/>
-              </a:rPr>
-              <a:t>defn</a:t>
-            </a:r>
-            <a:r>
-              <a:rPr lang="de-DE" sz="2000" dirty="0" smtClean="0">
-                <a:latin typeface="Consolas"/>
-                <a:cs typeface="Consolas"/>
-              </a:rPr>
-              <a:t> </a:t>
-            </a:r>
-            <a:r>
-              <a:rPr lang="de-DE" sz="2000" dirty="0">
-                <a:latin typeface="Consolas"/>
-                <a:cs typeface="Consolas"/>
-              </a:rPr>
-              <a:t>-</a:t>
-            </a:r>
-            <a:r>
-              <a:rPr lang="de-DE" sz="2000" dirty="0" err="1">
-                <a:latin typeface="Consolas"/>
-                <a:cs typeface="Consolas"/>
-              </a:rPr>
-              <a:t>binomial</a:t>
-            </a:r>
-            <a:r>
-              <a:rPr lang="de-DE" sz="2000" dirty="0">
-                <a:latin typeface="Consolas"/>
-                <a:cs typeface="Consolas"/>
-              </a:rPr>
-              <a:t> </a:t>
-            </a:r>
-            <a:r>
-              <a:rPr lang="de-DE" sz="2000" dirty="0" smtClean="0">
-                <a:latin typeface="Consolas"/>
-                <a:cs typeface="Consolas"/>
-              </a:rPr>
-              <a:t/>
-            </a:r>
-            <a:br>
-              <a:rPr lang="de-DE" sz="2000" dirty="0" smtClean="0">
-                <a:latin typeface="Consolas"/>
-                <a:cs typeface="Consolas"/>
-              </a:rPr>
-            </a:br>
-            <a:r>
-              <a:rPr lang="de-DE" sz="2000" dirty="0" smtClean="0">
-                <a:latin typeface="Consolas"/>
-                <a:cs typeface="Consolas"/>
-              </a:rPr>
-              <a:t>  "</a:t>
-            </a:r>
-            <a:r>
-              <a:rPr lang="de-DE" sz="2000" dirty="0">
-                <a:latin typeface="Consolas"/>
-                <a:cs typeface="Consolas"/>
-              </a:rPr>
-              <a:t>A Java-</a:t>
-            </a:r>
-            <a:r>
-              <a:rPr lang="de-DE" sz="2000" dirty="0" err="1">
-                <a:latin typeface="Consolas"/>
-                <a:cs typeface="Consolas"/>
-              </a:rPr>
-              <a:t>callable</a:t>
-            </a:r>
-            <a:r>
-              <a:rPr lang="de-DE" sz="2000" dirty="0">
-                <a:latin typeface="Consolas"/>
-                <a:cs typeface="Consolas"/>
-              </a:rPr>
-              <a:t> </a:t>
-            </a:r>
-            <a:r>
-              <a:rPr lang="de-DE" sz="2000" dirty="0" err="1">
-                <a:latin typeface="Consolas"/>
-                <a:cs typeface="Consolas"/>
-              </a:rPr>
-              <a:t>wrapper</a:t>
-            </a:r>
-            <a:r>
-              <a:rPr lang="de-DE" sz="2000" dirty="0">
-                <a:latin typeface="Consolas"/>
-                <a:cs typeface="Consolas"/>
-              </a:rPr>
-              <a:t> </a:t>
-            </a:r>
-            <a:r>
-              <a:rPr lang="de-DE" sz="2000" dirty="0" err="1">
-                <a:latin typeface="Consolas"/>
-                <a:cs typeface="Consolas"/>
-              </a:rPr>
-              <a:t>around</a:t>
-            </a:r>
-            <a:r>
-              <a:rPr lang="de-DE" sz="2000" dirty="0">
-                <a:latin typeface="Consolas"/>
-                <a:cs typeface="Consolas"/>
-              </a:rPr>
-              <a:t> </a:t>
-            </a:r>
-            <a:r>
-              <a:rPr lang="de-DE" sz="2000" dirty="0" err="1">
-                <a:latin typeface="Consolas"/>
-                <a:cs typeface="Consolas"/>
-              </a:rPr>
-              <a:t>the</a:t>
-            </a:r>
-            <a:r>
-              <a:rPr lang="de-DE" sz="2000" dirty="0">
-                <a:latin typeface="Consolas"/>
-                <a:cs typeface="Consolas"/>
-              </a:rPr>
-              <a:t> '</a:t>
-            </a:r>
-            <a:r>
-              <a:rPr lang="de-DE" sz="2000" dirty="0" err="1">
-                <a:latin typeface="Consolas"/>
-                <a:cs typeface="Consolas"/>
-              </a:rPr>
-              <a:t>binomial</a:t>
-            </a:r>
-            <a:r>
-              <a:rPr lang="de-DE" sz="2000" dirty="0">
-                <a:latin typeface="Consolas"/>
-                <a:cs typeface="Consolas"/>
-              </a:rPr>
-              <a:t>' </a:t>
-            </a:r>
-            <a:r>
-              <a:rPr lang="de-DE" sz="2000" dirty="0" err="1">
-                <a:latin typeface="Consolas"/>
-                <a:cs typeface="Consolas"/>
-              </a:rPr>
-              <a:t>function</a:t>
-            </a:r>
-            <a:r>
-              <a:rPr lang="de-DE" sz="2000" dirty="0">
-                <a:latin typeface="Consolas"/>
-                <a:cs typeface="Consolas"/>
-              </a:rPr>
-              <a:t>." </a:t>
-            </a:r>
-            <a:r>
-              <a:rPr lang="de-DE" sz="2000" dirty="0" smtClean="0">
-                <a:latin typeface="Consolas"/>
-                <a:cs typeface="Consolas"/>
-              </a:rPr>
-              <a:t/>
-            </a:r>
-            <a:br>
-              <a:rPr lang="de-DE" sz="2000" dirty="0" smtClean="0">
-                <a:latin typeface="Consolas"/>
-                <a:cs typeface="Consolas"/>
-              </a:rPr>
-            </a:br>
-            <a:r>
-              <a:rPr lang="de-DE" sz="2000" dirty="0" smtClean="0">
-                <a:latin typeface="Consolas"/>
-                <a:cs typeface="Consolas"/>
-              </a:rPr>
-              <a:t>  [</a:t>
-            </a:r>
-            <a:r>
-              <a:rPr lang="de-DE" sz="2000" dirty="0" err="1">
-                <a:latin typeface="Consolas"/>
-                <a:cs typeface="Consolas"/>
-              </a:rPr>
-              <a:t>n</a:t>
-            </a:r>
-            <a:r>
-              <a:rPr lang="de-DE" sz="2000" dirty="0">
-                <a:latin typeface="Consolas"/>
-                <a:cs typeface="Consolas"/>
-              </a:rPr>
-              <a:t> </a:t>
-            </a:r>
-            <a:r>
-              <a:rPr lang="de-DE" sz="2000" dirty="0" err="1">
-                <a:latin typeface="Consolas"/>
-                <a:cs typeface="Consolas"/>
-              </a:rPr>
-              <a:t>k</a:t>
-            </a:r>
-            <a:r>
-              <a:rPr lang="de-DE" sz="2000" dirty="0">
-                <a:latin typeface="Consolas"/>
-                <a:cs typeface="Consolas"/>
-              </a:rPr>
-              <a:t>] </a:t>
-            </a:r>
-            <a:r>
-              <a:rPr lang="de-DE" sz="2000" dirty="0" smtClean="0">
-                <a:latin typeface="Consolas"/>
-                <a:cs typeface="Consolas"/>
-              </a:rPr>
-              <a:t/>
-            </a:r>
-            <a:br>
-              <a:rPr lang="de-DE" sz="2000" dirty="0" smtClean="0">
-                <a:latin typeface="Consolas"/>
-                <a:cs typeface="Consolas"/>
-              </a:rPr>
-            </a:br>
-            <a:r>
-              <a:rPr lang="de-DE" sz="2000" dirty="0" smtClean="0">
-                <a:latin typeface="Consolas"/>
-                <a:cs typeface="Consolas"/>
-              </a:rPr>
-              <a:t>  (</a:t>
-            </a:r>
-            <a:r>
-              <a:rPr lang="de-DE" sz="2000" dirty="0" err="1">
-                <a:latin typeface="Consolas"/>
-                <a:cs typeface="Consolas"/>
-              </a:rPr>
-              <a:t>binomial</a:t>
-            </a:r>
-            <a:r>
-              <a:rPr lang="de-DE" sz="2000" dirty="0">
-                <a:latin typeface="Consolas"/>
-                <a:cs typeface="Consolas"/>
-              </a:rPr>
-              <a:t> </a:t>
-            </a:r>
-            <a:r>
-              <a:rPr lang="de-DE" sz="2000" dirty="0" err="1">
-                <a:latin typeface="Consolas"/>
-                <a:cs typeface="Consolas"/>
-              </a:rPr>
-              <a:t>n</a:t>
-            </a:r>
-            <a:r>
-              <a:rPr lang="de-DE" sz="2000" dirty="0">
-                <a:latin typeface="Consolas"/>
-                <a:cs typeface="Consolas"/>
-              </a:rPr>
-              <a:t> </a:t>
-            </a:r>
-            <a:r>
-              <a:rPr lang="de-DE" sz="2000" dirty="0" err="1">
-                <a:latin typeface="Consolas"/>
-                <a:cs typeface="Consolas"/>
-              </a:rPr>
-              <a:t>k</a:t>
-            </a:r>
-            <a:r>
-              <a:rPr lang="de-DE" sz="2000" dirty="0">
-                <a:latin typeface="Consolas"/>
-                <a:cs typeface="Consolas"/>
-              </a:rPr>
-              <a:t>)</a:t>
-            </a:r>
-            <a:r>
-              <a:rPr lang="de-DE" sz="2000" dirty="0" smtClean="0">
-                <a:latin typeface="Consolas"/>
-                <a:cs typeface="Consolas"/>
-              </a:rPr>
-              <a:t>)</a:t>
-            </a:r>
-            <a:endParaRPr lang="de-DE" sz="2000" dirty="0">
-              <a:latin typeface="Consolas"/>
-              <a:cs typeface="Consolas"/>
+            <a:endParaRPr lang="de-DE" sz="12400" dirty="0">
+              <a:solidFill>
+                <a:schemeClr val="bg1"/>
+              </a:solidFill>
             </a:endParaRPr>
           </a:p>
         </p:txBody>
@@ -8657,13 +8853,20 @@
     </p:spTree>
     <p:extLst>
       <p:ext uri="{BB962C8B-B14F-4D97-AF65-F5344CB8AC3E}">
-        <p14:creationId xmlns:p14="http://schemas.microsoft.com/office/powerpoint/2010/main" val="2285099617"/>
+        <p14:creationId xmlns:p14="http://schemas.microsoft.com/office/powerpoint/2010/main" val="1667670172"/>
       </p:ext>
     </p:extLst>
   </p:cSld>
   <p:clrMapOvr>
     <a:masterClrMapping/>
   </p:clrMapOvr>
+  <p:timing>
+    <p:tnLst>
+      <p:par>
+        <p:cTn xmlns:p14="http://schemas.microsoft.com/office/powerpoint/2010/main" id="1" dur="indefinite" restart="never" nodeType="tmRoot"/>
+      </p:par>
+    </p:tnLst>
+  </p:timing>
 </p:sld>
 </file>
 
@@ -8686,516 +8889,151 @@
       </p:grpSpPr>
       <p:sp>
         <p:nvSpPr>
-          <p:cNvPr id="2" name="Titel 1"/>
-          <p:cNvSpPr>
-            <a:spLocks noGrp="1"/>
-          </p:cNvSpPr>
-          <p:nvPr>
-            <p:ph type="title"/>
-          </p:nvPr>
-        </p:nvSpPr>
-        <p:spPr/>
-        <p:txBody>
-          <a:bodyPr/>
-          <a:lstStyle/>
-          <a:p>
-            <a:r>
-              <a:rPr lang="de-DE" dirty="0" err="1" smtClean="0"/>
-              <a:t>Use</a:t>
-            </a:r>
-            <a:r>
-              <a:rPr lang="de-DE" dirty="0" smtClean="0"/>
-              <a:t> </a:t>
-            </a:r>
-            <a:r>
-              <a:rPr lang="de-DE" dirty="0" err="1" smtClean="0"/>
-              <a:t>Clojure</a:t>
-            </a:r>
-            <a:r>
-              <a:rPr lang="de-DE" dirty="0" smtClean="0"/>
-              <a:t> in Java</a:t>
-            </a:r>
-            <a:endParaRPr lang="de-DE" dirty="0"/>
-          </a:p>
-        </p:txBody>
-      </p:sp>
-      <p:sp>
-        <p:nvSpPr>
-          <p:cNvPr id="3" name="Inhaltsplatzhalter 2"/>
-          <p:cNvSpPr>
-            <a:spLocks noGrp="1"/>
-          </p:cNvSpPr>
-          <p:nvPr>
-            <p:ph idx="1"/>
-          </p:nvPr>
-        </p:nvSpPr>
-        <p:spPr/>
-        <p:txBody>
-          <a:bodyPr>
-            <a:normAutofit/>
+          <p:cNvPr id="2" name="Textfeld 1"/>
+          <p:cNvSpPr txBox="1"/>
+          <p:nvPr/>
+        </p:nvSpPr>
+        <p:spPr>
+          <a:xfrm>
+            <a:off x="616967" y="107545"/>
+            <a:ext cx="5126799" cy="2000548"/>
+          </a:xfrm>
+          <a:prstGeom prst="rect">
+            <a:avLst/>
+          </a:prstGeom>
+          <a:noFill/>
+        </p:spPr>
+        <p:txBody>
+          <a:bodyPr wrap="none" rtlCol="0">
+            <a:spAutoFit/>
           </a:bodyPr>
           <a:lstStyle/>
           <a:p>
             <a:r>
-              <a:rPr lang="de-DE" dirty="0" smtClean="0"/>
-              <a:t>As </a:t>
-            </a:r>
-            <a:r>
-              <a:rPr lang="de-DE" dirty="0" err="1" smtClean="0"/>
-              <a:t>of</a:t>
-            </a:r>
-            <a:r>
-              <a:rPr lang="de-DE" dirty="0" smtClean="0"/>
-              <a:t> </a:t>
-            </a:r>
-            <a:r>
-              <a:rPr lang="de-DE" dirty="0" err="1" smtClean="0"/>
-              <a:t>Clojure</a:t>
-            </a:r>
-            <a:r>
-              <a:rPr lang="de-DE" dirty="0" smtClean="0"/>
-              <a:t> 1.6.0 </a:t>
-            </a:r>
-            <a:r>
-              <a:rPr lang="de-DE" dirty="0" err="1" smtClean="0"/>
-              <a:t>use</a:t>
-            </a:r>
-            <a:r>
-              <a:rPr lang="de-DE" dirty="0" smtClean="0"/>
-              <a:t> </a:t>
-            </a:r>
-            <a:r>
-              <a:rPr lang="de-DE" dirty="0" err="1" smtClean="0"/>
-              <a:t>new</a:t>
-            </a:r>
-            <a:r>
-              <a:rPr lang="de-DE" dirty="0" smtClean="0"/>
-              <a:t> </a:t>
-            </a:r>
-            <a:r>
-              <a:rPr lang="de-DE" dirty="0" err="1" smtClean="0"/>
-              <a:t>mechanism</a:t>
-            </a:r>
-            <a:r>
-              <a:rPr lang="de-DE" dirty="0" smtClean="0"/>
-              <a:t> </a:t>
-            </a:r>
-            <a:r>
-              <a:rPr lang="de-DE" dirty="0" err="1" smtClean="0"/>
-              <a:t>to</a:t>
-            </a:r>
-            <a:r>
-              <a:rPr lang="de-DE" dirty="0" smtClean="0"/>
-              <a:t> </a:t>
-            </a:r>
-            <a:r>
-              <a:rPr lang="de-DE" dirty="0" err="1" smtClean="0"/>
-              <a:t>avoid</a:t>
-            </a:r>
-            <a:r>
-              <a:rPr lang="de-DE" dirty="0" smtClean="0"/>
-              <a:t> gen-</a:t>
-            </a:r>
-            <a:r>
-              <a:rPr lang="de-DE" dirty="0" err="1" smtClean="0"/>
-              <a:t>class</a:t>
-            </a:r>
-            <a:r>
-              <a:rPr lang="de-DE" dirty="0"/>
-              <a:t/>
-            </a:r>
-            <a:br>
-              <a:rPr lang="de-DE" dirty="0"/>
-            </a:br>
-            <a:r>
-              <a:rPr lang="de-DE" dirty="0"/>
-              <a:t/>
-            </a:r>
-            <a:br>
-              <a:rPr lang="de-DE" dirty="0"/>
-            </a:br>
-            <a:r>
-              <a:rPr lang="de-DE" sz="2000" dirty="0" err="1" smtClean="0">
-                <a:latin typeface="Consolas"/>
-                <a:cs typeface="Consolas"/>
-              </a:rPr>
-              <a:t>import</a:t>
-            </a:r>
-            <a:r>
-              <a:rPr lang="de-DE" sz="2000" dirty="0" smtClean="0">
-                <a:latin typeface="Consolas"/>
-                <a:cs typeface="Consolas"/>
-              </a:rPr>
-              <a:t> </a:t>
-            </a:r>
-            <a:r>
-              <a:rPr lang="de-DE" sz="2000" dirty="0" err="1" smtClean="0">
-                <a:latin typeface="Consolas"/>
-                <a:cs typeface="Consolas"/>
-              </a:rPr>
-              <a:t>clojure.java.api.Clojure</a:t>
-            </a:r>
-            <a:r>
-              <a:rPr lang="de-DE" sz="2000" dirty="0" smtClean="0">
-                <a:latin typeface="Consolas"/>
-                <a:cs typeface="Consolas"/>
-              </a:rPr>
-              <a:t>;</a:t>
-            </a:r>
-            <a:br>
-              <a:rPr lang="de-DE" sz="2000" dirty="0" smtClean="0">
-                <a:latin typeface="Consolas"/>
-                <a:cs typeface="Consolas"/>
-              </a:rPr>
-            </a:br>
-            <a:r>
-              <a:rPr lang="de-DE" sz="2000" dirty="0" err="1" smtClean="0">
-                <a:latin typeface="Consolas"/>
-                <a:cs typeface="Consolas"/>
-              </a:rPr>
-              <a:t>import</a:t>
-            </a:r>
-            <a:r>
-              <a:rPr lang="de-DE" sz="2000" dirty="0" smtClean="0">
-                <a:latin typeface="Consolas"/>
-                <a:cs typeface="Consolas"/>
-              </a:rPr>
-              <a:t> </a:t>
-            </a:r>
-            <a:r>
-              <a:rPr lang="de-DE" sz="2000" dirty="0" err="1" smtClean="0">
-                <a:latin typeface="Consolas"/>
-                <a:cs typeface="Consolas"/>
-              </a:rPr>
-              <a:t>clojure.lang.Ifn</a:t>
-            </a:r>
-            <a:r>
-              <a:rPr lang="de-DE" sz="2000" dirty="0" smtClean="0">
-                <a:latin typeface="Consolas"/>
-                <a:cs typeface="Consolas"/>
-              </a:rPr>
-              <a:t>;</a:t>
-            </a:r>
-            <a:br>
-              <a:rPr lang="de-DE" sz="2000" dirty="0" smtClean="0">
-                <a:latin typeface="Consolas"/>
-                <a:cs typeface="Consolas"/>
-              </a:rPr>
-            </a:br>
-            <a:r>
-              <a:rPr lang="de-DE" sz="2000" dirty="0" smtClean="0">
-                <a:latin typeface="Consolas"/>
-                <a:cs typeface="Consolas"/>
-              </a:rPr>
-              <a:t/>
-            </a:r>
-            <a:br>
-              <a:rPr lang="de-DE" sz="2000" dirty="0" smtClean="0">
-                <a:latin typeface="Consolas"/>
-                <a:cs typeface="Consolas"/>
-              </a:rPr>
-            </a:br>
-            <a:r>
-              <a:rPr lang="de-DE" sz="2000" dirty="0" smtClean="0">
-                <a:latin typeface="Consolas"/>
-                <a:cs typeface="Consolas"/>
-              </a:rPr>
-              <a:t>...</a:t>
-            </a:r>
-            <a:br>
-              <a:rPr lang="de-DE" sz="2000" dirty="0" smtClean="0">
-                <a:latin typeface="Consolas"/>
-                <a:cs typeface="Consolas"/>
-              </a:rPr>
-            </a:br>
-            <a:r>
-              <a:rPr lang="de-DE" sz="2000" dirty="0" smtClean="0">
-                <a:latin typeface="Consolas"/>
-                <a:cs typeface="Consolas"/>
-              </a:rPr>
-              <a:t/>
-            </a:r>
-            <a:br>
-              <a:rPr lang="de-DE" sz="2000" dirty="0" smtClean="0">
-                <a:latin typeface="Consolas"/>
-                <a:cs typeface="Consolas"/>
-              </a:rPr>
-            </a:br>
-            <a:r>
-              <a:rPr lang="de-DE" sz="2000" dirty="0" err="1" smtClean="0">
-                <a:latin typeface="Consolas"/>
-                <a:cs typeface="Consolas"/>
-              </a:rPr>
-              <a:t>Ifn</a:t>
-            </a:r>
-            <a:r>
-              <a:rPr lang="de-DE" sz="2000" dirty="0" smtClean="0">
-                <a:latin typeface="Consolas"/>
-                <a:cs typeface="Consolas"/>
-              </a:rPr>
-              <a:t> </a:t>
-            </a:r>
-            <a:r>
-              <a:rPr lang="de-DE" sz="2000" dirty="0" err="1" smtClean="0">
-                <a:latin typeface="Consolas"/>
-                <a:cs typeface="Consolas"/>
-              </a:rPr>
-              <a:t>require</a:t>
-            </a:r>
-            <a:r>
-              <a:rPr lang="de-DE" sz="2000" dirty="0" smtClean="0">
-                <a:latin typeface="Consolas"/>
-                <a:cs typeface="Consolas"/>
-              </a:rPr>
-              <a:t> = </a:t>
-            </a:r>
-            <a:r>
-              <a:rPr lang="de-DE" sz="2000" dirty="0" err="1" smtClean="0">
-                <a:latin typeface="Consolas"/>
-                <a:cs typeface="Consolas"/>
-              </a:rPr>
-              <a:t>Clojure.var</a:t>
-            </a:r>
-            <a:r>
-              <a:rPr lang="de-DE" sz="2000" dirty="0" smtClean="0">
-                <a:latin typeface="Consolas"/>
-                <a:cs typeface="Consolas"/>
-              </a:rPr>
-              <a:t>( „</a:t>
-            </a:r>
-            <a:r>
-              <a:rPr lang="de-DE" sz="2000" dirty="0" err="1" smtClean="0">
-                <a:latin typeface="Consolas"/>
-                <a:cs typeface="Consolas"/>
-              </a:rPr>
-              <a:t>clojure.core</a:t>
-            </a:r>
-            <a:r>
-              <a:rPr lang="de-DE" sz="2000" dirty="0" smtClean="0">
-                <a:latin typeface="Consolas"/>
-                <a:cs typeface="Consolas"/>
-              </a:rPr>
-              <a:t>“, „</a:t>
-            </a:r>
-            <a:r>
-              <a:rPr lang="de-DE" sz="2000" dirty="0" err="1" smtClean="0">
-                <a:latin typeface="Consolas"/>
-                <a:cs typeface="Consolas"/>
-              </a:rPr>
-              <a:t>require</a:t>
-            </a:r>
-            <a:r>
-              <a:rPr lang="de-DE" sz="2000" dirty="0" smtClean="0">
-                <a:latin typeface="Consolas"/>
-                <a:cs typeface="Consolas"/>
-              </a:rPr>
-              <a:t>“ );</a:t>
-            </a:r>
-            <a:br>
-              <a:rPr lang="de-DE" sz="2000" dirty="0" smtClean="0">
-                <a:latin typeface="Consolas"/>
-                <a:cs typeface="Consolas"/>
-              </a:rPr>
-            </a:br>
-            <a:r>
-              <a:rPr lang="de-DE" sz="2000" dirty="0" err="1" smtClean="0">
-                <a:latin typeface="Consolas"/>
-                <a:cs typeface="Consolas"/>
-              </a:rPr>
-              <a:t>require.invoke</a:t>
-            </a:r>
-            <a:r>
-              <a:rPr lang="de-DE" sz="2000" dirty="0" smtClean="0">
-                <a:latin typeface="Consolas"/>
-                <a:cs typeface="Consolas"/>
-              </a:rPr>
-              <a:t>( </a:t>
-            </a:r>
-            <a:r>
-              <a:rPr lang="de-DE" sz="2000" dirty="0" err="1" smtClean="0">
-                <a:latin typeface="Consolas"/>
-                <a:cs typeface="Consolas"/>
-              </a:rPr>
-              <a:t>Clojure.read</a:t>
-            </a:r>
-            <a:r>
-              <a:rPr lang="de-DE" sz="2000" dirty="0" smtClean="0">
-                <a:latin typeface="Consolas"/>
-                <a:cs typeface="Consolas"/>
-              </a:rPr>
-              <a:t>( „</a:t>
-            </a:r>
-            <a:r>
-              <a:rPr lang="de-DE" sz="2000" dirty="0" err="1" smtClean="0">
-                <a:latin typeface="Consolas"/>
-                <a:cs typeface="Consolas"/>
-              </a:rPr>
-              <a:t>binomial.core</a:t>
-            </a:r>
-            <a:r>
-              <a:rPr lang="de-DE" sz="2000" dirty="0" smtClean="0">
-                <a:latin typeface="Consolas"/>
-                <a:cs typeface="Consolas"/>
-              </a:rPr>
-              <a:t>“ ) );</a:t>
-            </a:r>
-            <a:br>
-              <a:rPr lang="de-DE" sz="2000" dirty="0" smtClean="0">
-                <a:latin typeface="Consolas"/>
-                <a:cs typeface="Consolas"/>
-              </a:rPr>
-            </a:br>
-            <a:r>
-              <a:rPr lang="de-DE" sz="2000" dirty="0" smtClean="0">
-                <a:latin typeface="Consolas"/>
-                <a:cs typeface="Consolas"/>
-              </a:rPr>
-              <a:t/>
-            </a:r>
-            <a:br>
-              <a:rPr lang="de-DE" sz="2000" dirty="0" smtClean="0">
-                <a:latin typeface="Consolas"/>
-                <a:cs typeface="Consolas"/>
-              </a:rPr>
-            </a:br>
-            <a:r>
-              <a:rPr lang="de-DE" sz="2000" dirty="0" err="1" smtClean="0">
-                <a:latin typeface="Consolas"/>
-                <a:cs typeface="Consolas"/>
-              </a:rPr>
-              <a:t>Ifn</a:t>
-            </a:r>
-            <a:r>
-              <a:rPr lang="de-DE" sz="2000" dirty="0" smtClean="0">
-                <a:latin typeface="Consolas"/>
-                <a:cs typeface="Consolas"/>
-              </a:rPr>
-              <a:t> </a:t>
-            </a:r>
-            <a:r>
-              <a:rPr lang="de-DE" sz="2000" dirty="0" err="1" smtClean="0">
-                <a:latin typeface="Consolas"/>
-                <a:cs typeface="Consolas"/>
-              </a:rPr>
-              <a:t>binomi</a:t>
-            </a:r>
-            <a:r>
-              <a:rPr lang="de-DE" sz="2000" dirty="0" smtClean="0">
-                <a:latin typeface="Consolas"/>
-                <a:cs typeface="Consolas"/>
-              </a:rPr>
-              <a:t> = </a:t>
-            </a:r>
-            <a:r>
-              <a:rPr lang="de-DE" sz="2000" dirty="0" err="1" smtClean="0">
-                <a:latin typeface="Consolas"/>
-                <a:cs typeface="Consolas"/>
-              </a:rPr>
-              <a:t>Clojure.var</a:t>
-            </a:r>
-            <a:r>
-              <a:rPr lang="de-DE" sz="2000" dirty="0" smtClean="0">
-                <a:latin typeface="Consolas"/>
-                <a:cs typeface="Consolas"/>
-              </a:rPr>
-              <a:t>( „</a:t>
-            </a:r>
-            <a:r>
-              <a:rPr lang="de-DE" sz="2000" dirty="0" err="1" smtClean="0">
-                <a:latin typeface="Consolas"/>
-                <a:cs typeface="Consolas"/>
-              </a:rPr>
-              <a:t>binomial.core</a:t>
-            </a:r>
-            <a:r>
-              <a:rPr lang="de-DE" sz="2000" dirty="0" smtClean="0">
-                <a:latin typeface="Consolas"/>
-                <a:cs typeface="Consolas"/>
-              </a:rPr>
-              <a:t>“, „</a:t>
-            </a:r>
-            <a:r>
-              <a:rPr lang="de-DE" sz="2000" dirty="0" err="1" smtClean="0">
-                <a:latin typeface="Consolas"/>
-                <a:cs typeface="Consolas"/>
-              </a:rPr>
-              <a:t>binomial</a:t>
-            </a:r>
-            <a:r>
-              <a:rPr lang="de-DE" sz="2000" dirty="0" smtClean="0">
-                <a:latin typeface="Consolas"/>
-                <a:cs typeface="Consolas"/>
-              </a:rPr>
-              <a:t>“ );</a:t>
-            </a:r>
-            <a:r>
-              <a:rPr lang="de-DE" sz="2000" dirty="0">
-                <a:latin typeface="Consolas"/>
-                <a:cs typeface="Consolas"/>
-              </a:rPr>
-              <a:t/>
-            </a:r>
-            <a:br>
-              <a:rPr lang="de-DE" sz="2000" dirty="0">
-                <a:latin typeface="Consolas"/>
-                <a:cs typeface="Consolas"/>
-              </a:rPr>
-            </a:br>
-            <a:r>
-              <a:rPr lang="de-DE" sz="2000" dirty="0" err="1" smtClean="0">
-                <a:latin typeface="Consolas"/>
-                <a:cs typeface="Consolas"/>
-              </a:rPr>
-              <a:t>Object</a:t>
-            </a:r>
-            <a:r>
-              <a:rPr lang="de-DE" sz="2000" dirty="0" smtClean="0">
-                <a:latin typeface="Consolas"/>
-                <a:cs typeface="Consolas"/>
-              </a:rPr>
-              <a:t> </a:t>
-            </a:r>
-            <a:r>
-              <a:rPr lang="de-DE" sz="2000" dirty="0" err="1" smtClean="0">
-                <a:latin typeface="Consolas"/>
-                <a:cs typeface="Consolas"/>
-              </a:rPr>
-              <a:t>result</a:t>
-            </a:r>
-            <a:r>
-              <a:rPr lang="de-DE" sz="2000" dirty="0" smtClean="0">
-                <a:latin typeface="Consolas"/>
-                <a:cs typeface="Consolas"/>
-              </a:rPr>
-              <a:t> = </a:t>
-            </a:r>
-            <a:r>
-              <a:rPr lang="de-DE" sz="2000" dirty="0" err="1" smtClean="0">
-                <a:latin typeface="Consolas"/>
-                <a:cs typeface="Consolas"/>
-              </a:rPr>
-              <a:t>binomi.invoke</a:t>
-            </a:r>
-            <a:r>
-              <a:rPr lang="de-DE" sz="2000" dirty="0" smtClean="0">
-                <a:latin typeface="Consolas"/>
-                <a:cs typeface="Consolas"/>
-              </a:rPr>
-              <a:t>( 7, 6 );</a:t>
-            </a:r>
+              <a:rPr lang="de-DE" sz="12400" dirty="0" smtClean="0">
+                <a:solidFill>
+                  <a:schemeClr val="bg1"/>
+                </a:solidFill>
+              </a:rPr>
+              <a:t>(type 3)</a:t>
+            </a:r>
+            <a:endParaRPr lang="de-DE" sz="12400" dirty="0">
+              <a:solidFill>
+                <a:schemeClr val="bg1"/>
+              </a:solidFill>
+            </a:endParaRPr>
+          </a:p>
+        </p:txBody>
+      </p:sp>
+      <p:sp>
+        <p:nvSpPr>
+          <p:cNvPr id="3" name="Textfeld 2"/>
+          <p:cNvSpPr txBox="1"/>
+          <p:nvPr/>
+        </p:nvSpPr>
+        <p:spPr>
+          <a:xfrm>
+            <a:off x="564779" y="2156123"/>
+            <a:ext cx="4637633" cy="2000548"/>
+          </a:xfrm>
+          <a:prstGeom prst="rect">
+            <a:avLst/>
+          </a:prstGeom>
+          <a:noFill/>
+        </p:spPr>
+        <p:txBody>
+          <a:bodyPr wrap="none" rtlCol="0">
+            <a:spAutoFit/>
+          </a:bodyPr>
+          <a:lstStyle/>
+          <a:p>
+            <a:r>
+              <a:rPr lang="de-DE" sz="12400" dirty="0" smtClean="0">
+                <a:solidFill>
+                  <a:schemeClr val="bg1"/>
+                </a:solidFill>
+              </a:rPr>
+              <a:t>(</a:t>
+            </a:r>
+            <a:r>
+              <a:rPr lang="de-DE" sz="12400" dirty="0" err="1" smtClean="0">
+                <a:solidFill>
+                  <a:schemeClr val="bg1"/>
+                </a:solidFill>
+              </a:rPr>
+              <a:t>doc</a:t>
+            </a:r>
+            <a:r>
+              <a:rPr lang="de-DE" sz="12400" dirty="0" smtClean="0">
+                <a:solidFill>
+                  <a:schemeClr val="bg1"/>
+                </a:solidFill>
+              </a:rPr>
+              <a:t> +)</a:t>
+            </a:r>
+            <a:endParaRPr lang="de-DE" sz="12400" dirty="0">
+              <a:solidFill>
+                <a:schemeClr val="bg1"/>
+              </a:solidFill>
+            </a:endParaRPr>
+          </a:p>
+        </p:txBody>
+      </p:sp>
+      <p:sp>
+        <p:nvSpPr>
+          <p:cNvPr id="4" name="Textfeld 3"/>
+          <p:cNvSpPr txBox="1"/>
+          <p:nvPr/>
+        </p:nvSpPr>
+        <p:spPr>
+          <a:xfrm>
+            <a:off x="529987" y="4199681"/>
+            <a:ext cx="1138152" cy="2000548"/>
+          </a:xfrm>
+          <a:prstGeom prst="rect">
+            <a:avLst/>
+          </a:prstGeom>
+          <a:noFill/>
+        </p:spPr>
+        <p:txBody>
+          <a:bodyPr wrap="none" rtlCol="0">
+            <a:spAutoFit/>
+          </a:bodyPr>
+          <a:lstStyle/>
+          <a:p>
+            <a:r>
+              <a:rPr lang="de-DE" sz="12400" dirty="0" smtClean="0">
+                <a:solidFill>
+                  <a:schemeClr val="bg1"/>
+                </a:solidFill>
+              </a:rPr>
+              <a:t>()</a:t>
+            </a:r>
+            <a:endParaRPr lang="de-DE" sz="12400" dirty="0">
+              <a:solidFill>
+                <a:schemeClr val="bg1"/>
+              </a:solidFill>
+            </a:endParaRPr>
           </a:p>
         </p:txBody>
       </p:sp>
     </p:spTree>
     <p:extLst>
       <p:ext uri="{BB962C8B-B14F-4D97-AF65-F5344CB8AC3E}">
-        <p14:creationId xmlns:p14="http://schemas.microsoft.com/office/powerpoint/2010/main" val="1278712096"/>
+        <p14:creationId xmlns:p14="http://schemas.microsoft.com/office/powerpoint/2010/main" val="1055211385"/>
       </p:ext>
     </p:extLst>
   </p:cSld>
   <p:clrMapOvr>
     <a:masterClrMapping/>
   </p:clrMapOvr>
+  <p:timing>
+    <p:tnLst>
+      <p:par>
+        <p:cTn xmlns:p14="http://schemas.microsoft.com/office/powerpoint/2010/main" id="1" dur="indefinite" restart="never" nodeType="tmRoot"/>
+      </p:par>
+    </p:tnLst>
+  </p:timing>
 </p:sld>
 </file>
 
@@ -9228,133 +9066,73 @@
         </p:nvSpPr>
         <p:spPr/>
         <p:txBody>
-          <a:bodyPr>
-            <a:normAutofit fontScale="90000"/>
-          </a:bodyPr>
-          <a:lstStyle/>
-          <a:p>
-            <a:r>
-              <a:rPr lang="de-DE" dirty="0" smtClean="0"/>
-              <a:t>Sechs Regeln der </a:t>
-            </a:r>
+          <a:bodyPr/>
+          <a:lstStyle/>
+          <a:p>
+            <a:r>
+              <a:rPr lang="de-DE" dirty="0" smtClean="0"/>
+              <a:t>Der Reader</a:t>
+            </a:r>
+            <a:endParaRPr lang="de-DE" dirty="0"/>
+          </a:p>
+        </p:txBody>
+      </p:sp>
+      <p:sp>
+        <p:nvSpPr>
+          <p:cNvPr id="3" name="Inhaltsplatzhalter 2"/>
+          <p:cNvSpPr>
+            <a:spLocks noGrp="1"/>
+          </p:cNvSpPr>
+          <p:nvPr>
+            <p:ph idx="1"/>
+          </p:nvPr>
+        </p:nvSpPr>
+        <p:spPr/>
+        <p:txBody>
+          <a:bodyPr/>
+          <a:lstStyle/>
+          <a:p>
             <a:r>
               <a:rPr lang="de-DE" dirty="0" err="1" smtClean="0"/>
               <a:t>Clojure</a:t>
             </a:r>
             <a:r>
               <a:rPr lang="de-DE" dirty="0" smtClean="0"/>
-              <a:t> Programmierung</a:t>
-            </a:r>
+              <a:t> ist </a:t>
+            </a:r>
+            <a:r>
+              <a:rPr lang="de-DE" dirty="0" err="1" smtClean="0"/>
+              <a:t>homoiconic</a:t>
+            </a:r>
+            <a:endParaRPr lang="de-DE" dirty="0" smtClean="0"/>
+          </a:p>
+          <a:p>
+            <a:pPr marL="0" indent="0">
+              <a:buNone/>
+            </a:pPr>
             <a:endParaRPr lang="de-DE" dirty="0"/>
           </a:p>
-        </p:txBody>
-      </p:sp>
-      <p:sp>
-        <p:nvSpPr>
-          <p:cNvPr id="3" name="Inhaltsplatzhalter 2"/>
-          <p:cNvSpPr>
-            <a:spLocks noGrp="1"/>
-          </p:cNvSpPr>
-          <p:nvPr>
-            <p:ph idx="1"/>
-          </p:nvPr>
-        </p:nvSpPr>
-        <p:spPr/>
-        <p:txBody>
-          <a:bodyPr/>
-          <a:lstStyle/>
-          <a:p>
-            <a:pPr marL="457200" indent="-457200">
-              <a:buFont typeface="+mj-lt"/>
-              <a:buAutoNum type="arabicPeriod"/>
-            </a:pPr>
-            <a:r>
-              <a:rPr lang="de-DE" dirty="0" smtClean="0"/>
-              <a:t>Vermeide direkte Rekursion</a:t>
-            </a:r>
-          </a:p>
-          <a:p>
-            <a:pPr marL="457200" indent="-457200">
-              <a:buFont typeface="+mj-lt"/>
-              <a:buAutoNum type="arabicPeriod"/>
-            </a:pPr>
-            <a:r>
-              <a:rPr lang="de-DE" dirty="0" smtClean="0"/>
-              <a:t>Benutze </a:t>
-            </a:r>
-            <a:r>
-              <a:rPr lang="de-DE" dirty="0" err="1" smtClean="0">
-                <a:latin typeface="Consolas"/>
-                <a:cs typeface="Consolas"/>
-              </a:rPr>
-              <a:t>recur</a:t>
-            </a:r>
-            <a:r>
-              <a:rPr lang="de-DE" dirty="0" smtClean="0"/>
-              <a:t> um Skalare oder  kurze Sequenzen zu verarbeiten</a:t>
-            </a:r>
-          </a:p>
-          <a:p>
-            <a:pPr marL="457200" indent="-457200">
-              <a:buFont typeface="+mj-lt"/>
-              <a:buAutoNum type="arabicPeriod"/>
-            </a:pPr>
-            <a:r>
-              <a:rPr lang="de-DE" dirty="0" smtClean="0"/>
-              <a:t>Verwende </a:t>
-            </a:r>
-            <a:r>
-              <a:rPr lang="de-DE" dirty="0" err="1" smtClean="0"/>
-              <a:t>lazy</a:t>
-            </a:r>
-            <a:r>
-              <a:rPr lang="de-DE" dirty="0" smtClean="0"/>
-              <a:t> Sequenzen um lange Sequenzen zu verarbeiten</a:t>
-            </a:r>
-          </a:p>
-          <a:p>
-            <a:pPr marL="457200" indent="-457200">
-              <a:buFont typeface="+mj-lt"/>
-              <a:buAutoNum type="arabicPeriod"/>
-            </a:pPr>
-            <a:r>
-              <a:rPr lang="de-DE" dirty="0" smtClean="0"/>
-              <a:t>Erzeuge nicht unnötige Teile einer </a:t>
-            </a:r>
-            <a:r>
-              <a:rPr lang="de-DE" dirty="0" err="1" smtClean="0"/>
-              <a:t>lazy</a:t>
-            </a:r>
-            <a:r>
-              <a:rPr lang="de-DE" dirty="0" smtClean="0"/>
-              <a:t> Sequenz</a:t>
-            </a:r>
-          </a:p>
-          <a:p>
-            <a:pPr marL="457200" indent="-457200">
-              <a:buFont typeface="+mj-lt"/>
-              <a:buAutoNum type="arabicPeriod"/>
-            </a:pPr>
-            <a:r>
-              <a:rPr lang="de-DE" dirty="0" smtClean="0"/>
-              <a:t>Lernen Du musst die Funktionen von Sequenzen</a:t>
-            </a:r>
-          </a:p>
-          <a:p>
-            <a:pPr marL="457200" indent="-457200">
-              <a:buFont typeface="+mj-lt"/>
-              <a:buAutoNum type="arabicPeriod"/>
-            </a:pPr>
-            <a:r>
-              <a:rPr lang="de-DE" dirty="0" smtClean="0"/>
-              <a:t>Zerteile selbst einfache Probleme in triviale Probleme und Du wirst eine Lösung in der Standard-Bibliothek finden (Teile und Herrsche)</a:t>
-            </a:r>
-          </a:p>
-          <a:p>
-            <a:pPr marL="457200" indent="-457200">
-              <a:buFont typeface="+mj-lt"/>
-              <a:buAutoNum type="arabicPeriod"/>
-            </a:pPr>
+          <a:p>
+            <a:r>
+              <a:rPr lang="de-DE" dirty="0" smtClean="0"/>
+              <a:t>Weitere Informationen: http</a:t>
+            </a:r>
+            <a:r>
+              <a:rPr lang="de-DE" dirty="0"/>
+              <a:t>://</a:t>
+            </a:r>
+            <a:r>
+              <a:rPr lang="de-DE" dirty="0" err="1"/>
+              <a:t>clojure.org</a:t>
+            </a:r>
+            <a:r>
+              <a:rPr lang="de-DE" dirty="0"/>
+              <a:t>/</a:t>
+            </a:r>
+            <a:r>
+              <a:rPr lang="de-DE" dirty="0" err="1"/>
+              <a:t>reader</a:t>
+            </a:r>
             <a:endParaRPr lang="de-DE" dirty="0"/>
           </a:p>
         </p:txBody>
@@ -9362,7 +9140,7 @@
     </p:spTree>
     <p:extLst>
       <p:ext uri="{BB962C8B-B14F-4D97-AF65-F5344CB8AC3E}">
-        <p14:creationId xmlns:p14="http://schemas.microsoft.com/office/powerpoint/2010/main" val="2871621972"/>
+        <p14:creationId xmlns:p14="http://schemas.microsoft.com/office/powerpoint/2010/main" val="3962356383"/>
       </p:ext>
     </p:extLst>
   </p:cSld>
@@ -9406,7 +9184,7 @@
           <a:p>
             <a:r>
               <a:rPr lang="de-DE" dirty="0" smtClean="0"/>
-              <a:t>Agenda</a:t>
+              <a:t>Reader Forms</a:t>
             </a:r>
             <a:endParaRPr lang="de-DE" dirty="0"/>
           </a:p>
@@ -9424,137 +9202,301 @@
         </p:nvSpPr>
         <p:spPr/>
         <p:txBody>
-          <a:bodyPr/>
-          <a:lstStyle/>
-          <a:p>
-            <a:r>
-              <a:rPr lang="de-DE" dirty="0" smtClean="0">
-                <a:solidFill>
-                  <a:schemeClr val="tx1">
-                    <a:lumMod val="25000"/>
-                    <a:lumOff val="75000"/>
-                  </a:schemeClr>
-                </a:solidFill>
-              </a:rPr>
-              <a:t>Einführung in die funktionale Programmierung </a:t>
-            </a:r>
-            <a:r>
-              <a:rPr lang="de-DE" dirty="0">
-                <a:solidFill>
-                  <a:schemeClr val="accent1"/>
-                </a:solidFill>
-                <a:latin typeface="Zapf Dingbats"/>
-                <a:ea typeface="Zapf Dingbats"/>
-                <a:cs typeface="Zapf Dingbats"/>
-                <a:sym typeface="Zapf Dingbats"/>
-              </a:rPr>
-              <a:t>✔</a:t>
-            </a:r>
-            <a:endParaRPr lang="de-DE" dirty="0" smtClean="0">
-              <a:solidFill>
-                <a:schemeClr val="tx1">
-                  <a:lumMod val="25000"/>
-                  <a:lumOff val="75000"/>
-                </a:schemeClr>
-              </a:solidFill>
-            </a:endParaRPr>
-          </a:p>
-          <a:p>
-            <a:r>
-              <a:rPr lang="de-DE" dirty="0" smtClean="0">
-                <a:solidFill>
-                  <a:schemeClr val="tx1">
-                    <a:lumMod val="25000"/>
-                    <a:lumOff val="75000"/>
-                  </a:schemeClr>
-                </a:solidFill>
-              </a:rPr>
-              <a:t>Reine FP in der JVM an Hand von </a:t>
-            </a:r>
-            <a:r>
-              <a:rPr lang="de-DE" dirty="0" err="1" smtClean="0">
-                <a:solidFill>
-                  <a:schemeClr val="tx1">
-                    <a:lumMod val="25000"/>
-                    <a:lumOff val="75000"/>
-                  </a:schemeClr>
-                </a:solidFill>
-              </a:rPr>
-              <a:t>Clojure</a:t>
-            </a:r>
-            <a:r>
-              <a:rPr lang="de-DE" dirty="0" smtClean="0">
-                <a:solidFill>
-                  <a:schemeClr val="tx1">
-                    <a:lumMod val="25000"/>
-                    <a:lumOff val="75000"/>
-                  </a:schemeClr>
-                </a:solidFill>
-              </a:rPr>
+          <a:bodyPr>
+            <a:normAutofit lnSpcReduction="10000"/>
+          </a:bodyPr>
+          <a:lstStyle/>
+          <a:p>
+            <a:r>
+              <a:rPr lang="de-DE" dirty="0" smtClean="0"/>
+              <a:t>Symbols (</a:t>
+            </a:r>
+            <a:r>
+              <a:rPr lang="de-DE" dirty="0" err="1" smtClean="0"/>
+              <a:t>alphanumeric</a:t>
+            </a:r>
+            <a:r>
+              <a:rPr lang="de-DE" dirty="0" smtClean="0"/>
               <a:t> </a:t>
             </a:r>
             <a:r>
-              <a:rPr lang="de-DE" dirty="0">
-                <a:solidFill>
-                  <a:schemeClr val="accent1"/>
-                </a:solidFill>
-                <a:latin typeface="Zapf Dingbats"/>
-                <a:ea typeface="Zapf Dingbats"/>
-                <a:cs typeface="Zapf Dingbats"/>
-                <a:sym typeface="Zapf Dingbats"/>
-              </a:rPr>
-              <a:t>✔</a:t>
-            </a:r>
-            <a:endParaRPr lang="de-DE" dirty="0" smtClean="0">
-              <a:solidFill>
-                <a:schemeClr val="tx1">
-                  <a:lumMod val="25000"/>
-                  <a:lumOff val="75000"/>
-                </a:schemeClr>
-              </a:solidFill>
-            </a:endParaRPr>
-          </a:p>
-          <a:p>
+              <a:rPr lang="de-DE" dirty="0" err="1" smtClean="0"/>
+              <a:t>characters</a:t>
+            </a:r>
+            <a:r>
+              <a:rPr lang="de-DE" dirty="0" smtClean="0"/>
+              <a:t>, </a:t>
+            </a:r>
+            <a:r>
+              <a:rPr lang="de-DE" dirty="0" err="1" smtClean="0"/>
+              <a:t>start</a:t>
+            </a:r>
+            <a:r>
+              <a:rPr lang="de-DE" dirty="0" smtClean="0"/>
+              <a:t> </a:t>
+            </a:r>
+            <a:r>
+              <a:rPr lang="de-DE" dirty="0" err="1" smtClean="0"/>
+              <a:t>with</a:t>
+            </a:r>
+            <a:r>
+              <a:rPr lang="de-DE" dirty="0" smtClean="0"/>
+              <a:t> non </a:t>
+            </a:r>
+            <a:r>
+              <a:rPr lang="de-DE" dirty="0" err="1" smtClean="0"/>
+              <a:t>numeric</a:t>
+            </a:r>
+            <a:r>
+              <a:rPr lang="de-DE" dirty="0" smtClean="0"/>
+              <a:t>)</a:t>
+            </a:r>
+          </a:p>
+          <a:p>
+            <a:r>
+              <a:rPr lang="de-DE" dirty="0" err="1" smtClean="0"/>
+              <a:t>Literals</a:t>
+            </a:r>
             <a:endParaRPr lang="de-DE" dirty="0"/>
           </a:p>
           <a:p>
-            <a:r>
-              <a:rPr lang="de-DE" dirty="0" err="1" smtClean="0"/>
-              <a:t>Semi</a:t>
-            </a:r>
-            <a:r>
-              <a:rPr lang="de-DE" dirty="0" smtClean="0"/>
-              <a:t> / </a:t>
-            </a:r>
-            <a:r>
-              <a:rPr lang="de-DE" dirty="0" err="1" smtClean="0"/>
-              <a:t>Practical</a:t>
-            </a:r>
-            <a:r>
-              <a:rPr lang="de-DE" dirty="0" smtClean="0"/>
-              <a:t> FP an Hand von </a:t>
-            </a:r>
-            <a:r>
-              <a:rPr lang="de-DE" dirty="0" err="1" smtClean="0"/>
-              <a:t>Guava</a:t>
+            <a:pPr lvl="1"/>
+            <a:r>
+              <a:rPr lang="de-DE" dirty="0" smtClean="0"/>
+              <a:t>Strings</a:t>
+            </a:r>
+          </a:p>
+          <a:p>
+            <a:pPr lvl="1"/>
+            <a:r>
+              <a:rPr lang="de-DE" dirty="0" smtClean="0"/>
+              <a:t>Numbers</a:t>
+            </a:r>
+          </a:p>
+          <a:p>
+            <a:pPr lvl="1"/>
+            <a:r>
+              <a:rPr lang="de-DE" dirty="0" err="1" smtClean="0"/>
+              <a:t>Character</a:t>
             </a:r>
             <a:endParaRPr lang="de-DE" dirty="0" smtClean="0"/>
           </a:p>
           <a:p>
-            <a:r>
-              <a:rPr lang="de-DE" dirty="0" err="1" smtClean="0"/>
-              <a:t>Closures</a:t>
-            </a:r>
-            <a:r>
-              <a:rPr lang="de-DE" dirty="0" smtClean="0"/>
-              <a:t> in Java 8</a:t>
-            </a:r>
-          </a:p>
-          <a:p>
-            <a:r>
-              <a:rPr lang="de-DE" dirty="0" smtClean="0"/>
-              <a:t>Ausblick</a:t>
-            </a:r>
+            <a:pPr lvl="1"/>
+            <a:r>
+              <a:rPr lang="de-DE" dirty="0" smtClean="0"/>
+              <a:t> </a:t>
+            </a:r>
+            <a:r>
+              <a:rPr lang="de-DE" dirty="0" err="1" smtClean="0"/>
+              <a:t>nil</a:t>
+            </a:r>
+            <a:endParaRPr lang="de-DE" dirty="0"/>
+          </a:p>
+          <a:p>
+            <a:pPr lvl="1"/>
+            <a:r>
+              <a:rPr lang="de-DE" dirty="0" err="1" smtClean="0"/>
+              <a:t>Booleans</a:t>
+            </a:r>
+            <a:endParaRPr lang="de-DE" dirty="0"/>
+          </a:p>
+          <a:p>
+            <a:pPr lvl="1"/>
+            <a:r>
+              <a:rPr lang="de-DE" dirty="0" err="1" smtClean="0"/>
+              <a:t>keywords</a:t>
+            </a:r>
+            <a:r>
+              <a:rPr lang="de-DE" dirty="0" smtClean="0"/>
+              <a:t> – </a:t>
+            </a:r>
+            <a:r>
+              <a:rPr lang="de-DE" dirty="0" err="1" smtClean="0"/>
+              <a:t>symbols</a:t>
+            </a:r>
+            <a:r>
+              <a:rPr lang="de-DE" dirty="0" smtClean="0"/>
+              <a:t> </a:t>
+            </a:r>
+            <a:r>
+              <a:rPr lang="de-DE" dirty="0" err="1" smtClean="0"/>
+              <a:t>with</a:t>
+            </a:r>
+            <a:r>
+              <a:rPr lang="de-DE" dirty="0" smtClean="0"/>
+              <a:t> </a:t>
+            </a:r>
+            <a:r>
+              <a:rPr lang="de-DE" dirty="0" err="1" smtClean="0"/>
+              <a:t>colon</a:t>
+            </a:r>
+            <a:endParaRPr lang="de-DE" dirty="0" smtClean="0"/>
+          </a:p>
+          <a:p>
+            <a:r>
+              <a:rPr lang="de-DE" dirty="0" smtClean="0"/>
+              <a:t>Lists (</a:t>
+            </a:r>
+            <a:r>
+              <a:rPr lang="de-DE" dirty="0" err="1" smtClean="0"/>
+              <a:t>enconclosed</a:t>
+            </a:r>
+            <a:r>
+              <a:rPr lang="de-DE" dirty="0" smtClean="0"/>
+              <a:t> in </a:t>
+            </a:r>
+            <a:r>
+              <a:rPr lang="de-DE" dirty="0" err="1" smtClean="0"/>
+              <a:t>paranthesis</a:t>
+            </a:r>
+            <a:r>
+              <a:rPr lang="de-DE" dirty="0" smtClean="0"/>
+              <a:t>)</a:t>
+            </a:r>
+          </a:p>
+          <a:p>
+            <a:r>
+              <a:rPr lang="de-DE" dirty="0" err="1" smtClean="0"/>
+              <a:t>Vectors</a:t>
+            </a:r>
+            <a:r>
+              <a:rPr lang="de-DE" dirty="0" smtClean="0"/>
+              <a:t> (</a:t>
+            </a:r>
+            <a:r>
+              <a:rPr lang="de-DE" dirty="0" err="1" smtClean="0"/>
+              <a:t>enclosed</a:t>
+            </a:r>
+            <a:r>
+              <a:rPr lang="de-DE" dirty="0" smtClean="0"/>
+              <a:t> in </a:t>
+            </a:r>
+            <a:r>
+              <a:rPr lang="de-DE" dirty="0" err="1" smtClean="0"/>
+              <a:t>square</a:t>
+            </a:r>
+            <a:r>
+              <a:rPr lang="de-DE" dirty="0" smtClean="0"/>
+              <a:t> </a:t>
+            </a:r>
+            <a:r>
+              <a:rPr lang="de-DE" dirty="0" err="1" smtClean="0"/>
+              <a:t>brackets</a:t>
+            </a:r>
+            <a:r>
+              <a:rPr lang="de-DE" dirty="0" smtClean="0"/>
+              <a:t>)</a:t>
+            </a:r>
+          </a:p>
+          <a:p>
+            <a:r>
+              <a:rPr lang="de-DE" dirty="0" err="1" smtClean="0"/>
+              <a:t>Maps</a:t>
+            </a:r>
+            <a:r>
+              <a:rPr lang="de-DE" dirty="0" smtClean="0"/>
+              <a:t> (</a:t>
+            </a:r>
+            <a:r>
+              <a:rPr lang="de-DE" dirty="0" err="1" smtClean="0"/>
+              <a:t>enclosed</a:t>
+            </a:r>
+            <a:r>
+              <a:rPr lang="de-DE" dirty="0" smtClean="0"/>
+              <a:t> in </a:t>
+            </a:r>
+            <a:r>
+              <a:rPr lang="de-DE" dirty="0" err="1" smtClean="0"/>
+              <a:t>braces</a:t>
+            </a:r>
+            <a:r>
+              <a:rPr lang="de-DE" dirty="0" smtClean="0"/>
+              <a:t>)</a:t>
+            </a:r>
+          </a:p>
+          <a:p>
+            <a:r>
+              <a:rPr lang="de-DE" dirty="0" smtClean="0"/>
+              <a:t>Sets (</a:t>
+            </a:r>
+            <a:r>
+              <a:rPr lang="de-DE" dirty="0" err="1" smtClean="0"/>
+              <a:t>enclosed</a:t>
+            </a:r>
+            <a:r>
+              <a:rPr lang="de-DE" dirty="0" smtClean="0"/>
+              <a:t> in </a:t>
+            </a:r>
+            <a:r>
+              <a:rPr lang="de-DE" dirty="0" err="1" smtClean="0"/>
+              <a:t>braces</a:t>
+            </a:r>
+            <a:r>
+              <a:rPr lang="de-DE" dirty="0" smtClean="0"/>
+              <a:t>, </a:t>
+            </a:r>
+            <a:r>
+              <a:rPr lang="de-DE" dirty="0" err="1" smtClean="0"/>
+              <a:t>preceded</a:t>
+            </a:r>
+            <a:r>
+              <a:rPr lang="de-DE" dirty="0" smtClean="0"/>
+              <a:t> </a:t>
+            </a:r>
+            <a:r>
+              <a:rPr lang="de-DE" dirty="0" err="1" smtClean="0"/>
+              <a:t>by</a:t>
+            </a:r>
+            <a:r>
+              <a:rPr lang="de-DE" dirty="0" smtClean="0"/>
+              <a:t> #)</a:t>
+            </a:r>
+          </a:p>
+          <a:p>
+            <a:r>
+              <a:rPr lang="de-DE" dirty="0" err="1"/>
+              <a:t>d</a:t>
+            </a:r>
+            <a:r>
+              <a:rPr lang="de-DE" dirty="0" err="1" smtClean="0"/>
+              <a:t>eftype</a:t>
+            </a:r>
+            <a:r>
+              <a:rPr lang="de-DE" dirty="0" smtClean="0"/>
+              <a:t>, </a:t>
+            </a:r>
+            <a:r>
+              <a:rPr lang="de-DE" dirty="0" err="1" smtClean="0"/>
+              <a:t>defrecord</a:t>
+            </a:r>
+            <a:r>
+              <a:rPr lang="de-DE" dirty="0"/>
+              <a:t> </a:t>
+            </a:r>
+            <a:r>
+              <a:rPr lang="de-DE" dirty="0" err="1" smtClean="0"/>
+              <a:t>and</a:t>
+            </a:r>
+            <a:r>
+              <a:rPr lang="de-DE" dirty="0" smtClean="0"/>
+              <a:t> </a:t>
+            </a:r>
+            <a:r>
+              <a:rPr lang="de-DE" dirty="0" err="1" smtClean="0"/>
+              <a:t>constructor</a:t>
+            </a:r>
+            <a:r>
+              <a:rPr lang="de-DE" dirty="0" smtClean="0"/>
+              <a:t> </a:t>
+            </a:r>
+            <a:r>
+              <a:rPr lang="de-DE" dirty="0" err="1" smtClean="0"/>
+              <a:t>calls</a:t>
+            </a:r>
+            <a:endParaRPr lang="de-DE" dirty="0" smtClean="0"/>
+          </a:p>
+          <a:p>
             <a:endParaRPr lang="de-DE" dirty="0"/>
           </a:p>
         </p:txBody>
@@ -9562,7 +9504,1042 @@
     </p:spTree>
     <p:extLst>
       <p:ext uri="{BB962C8B-B14F-4D97-AF65-F5344CB8AC3E}">
-        <p14:creationId xmlns:p14="http://schemas.microsoft.com/office/powerpoint/2010/main" val="3309263823"/>
+        <p14:creationId xmlns:p14="http://schemas.microsoft.com/office/powerpoint/2010/main" val="1428227649"/>
+      </p:ext>
+    </p:extLst>
+  </p:cSld>
+  <p:clrMapOvr>
+    <a:masterClrMapping/>
+  </p:clrMapOvr>
+</p:sld>
+</file>
+
+<file path=ppt/slides/slide25.xml><?xml version="1.0" encoding="utf-8"?>
+<p:sld xmlns:a="http://schemas.openxmlformats.org/drawingml/2006/main" xmlns:r="http://schemas.openxmlformats.org/officeDocument/2006/relationships" xmlns:p="http://schemas.openxmlformats.org/presentationml/2006/main">
+  <p:cSld>
+    <p:spTree>
+      <p:nvGrpSpPr>
+        <p:cNvPr id="1" name=""/>
+        <p:cNvGrpSpPr/>
+        <p:nvPr/>
+      </p:nvGrpSpPr>
+      <p:grpSpPr>
+        <a:xfrm>
+          <a:off x="0" y="0"/>
+          <a:ext cx="0" cy="0"/>
+          <a:chOff x="0" y="0"/>
+          <a:chExt cx="0" cy="0"/>
+        </a:xfrm>
+      </p:grpSpPr>
+      <p:sp>
+        <p:nvSpPr>
+          <p:cNvPr id="2" name="Titel 1"/>
+          <p:cNvSpPr>
+            <a:spLocks noGrp="1"/>
+          </p:cNvSpPr>
+          <p:nvPr>
+            <p:ph type="title"/>
+          </p:nvPr>
+        </p:nvSpPr>
+        <p:spPr/>
+        <p:txBody>
+          <a:bodyPr/>
+          <a:lstStyle/>
+          <a:p>
+            <a:r>
+              <a:rPr lang="de-DE" dirty="0" smtClean="0"/>
+              <a:t>Reader </a:t>
+            </a:r>
+            <a:r>
+              <a:rPr lang="de-DE" dirty="0" err="1" smtClean="0"/>
+              <a:t>Macro</a:t>
+            </a:r>
+            <a:r>
+              <a:rPr lang="de-DE" dirty="0" smtClean="0"/>
+              <a:t> </a:t>
+            </a:r>
+            <a:r>
+              <a:rPr lang="de-DE" dirty="0" err="1" smtClean="0"/>
+              <a:t>Characters</a:t>
+            </a:r>
+            <a:endParaRPr lang="de-DE" dirty="0"/>
+          </a:p>
+        </p:txBody>
+      </p:sp>
+      <p:sp>
+        <p:nvSpPr>
+          <p:cNvPr id="3" name="Inhaltsplatzhalter 2"/>
+          <p:cNvSpPr>
+            <a:spLocks noGrp="1"/>
+          </p:cNvSpPr>
+          <p:nvPr>
+            <p:ph idx="1"/>
+          </p:nvPr>
+        </p:nvSpPr>
+        <p:spPr/>
+        <p:txBody>
+          <a:bodyPr>
+            <a:normAutofit/>
+          </a:bodyPr>
+          <a:lstStyle/>
+          <a:p>
+            <a:r>
+              <a:rPr lang="de-DE" dirty="0" smtClean="0"/>
+              <a:t>Quote (‘)</a:t>
+            </a:r>
+          </a:p>
+          <a:p>
+            <a:r>
+              <a:rPr lang="de-DE" dirty="0" smtClean="0"/>
+              <a:t> </a:t>
+            </a:r>
+            <a:r>
+              <a:rPr lang="de-DE" dirty="0" err="1" smtClean="0"/>
+              <a:t>Character</a:t>
+            </a:r>
+            <a:r>
+              <a:rPr lang="de-DE" dirty="0" smtClean="0"/>
+              <a:t> (\)</a:t>
+            </a:r>
+          </a:p>
+          <a:p>
+            <a:r>
+              <a:rPr lang="de-DE" dirty="0" smtClean="0"/>
+              <a:t>Comment (;)</a:t>
+            </a:r>
+          </a:p>
+          <a:p>
+            <a:r>
+              <a:rPr lang="de-DE" dirty="0" err="1" smtClean="0"/>
+              <a:t>Deref</a:t>
+            </a:r>
+            <a:r>
+              <a:rPr lang="de-DE" dirty="0" smtClean="0"/>
+              <a:t> (@)</a:t>
+            </a:r>
+          </a:p>
+          <a:p>
+            <a:r>
+              <a:rPr lang="de-DE" dirty="0" err="1" smtClean="0"/>
+              <a:t>Metadata</a:t>
+            </a:r>
+            <a:r>
+              <a:rPr lang="de-DE" dirty="0" smtClean="0"/>
+              <a:t> (</a:t>
+            </a:r>
+            <a:r>
+              <a:rPr lang="de-DE" dirty="0" smtClean="0"/>
+              <a:t>^)</a:t>
+            </a:r>
+          </a:p>
+          <a:p>
+            <a:r>
+              <a:rPr lang="de-DE" dirty="0" err="1" smtClean="0"/>
+              <a:t>Dispatch</a:t>
+            </a:r>
+            <a:r>
+              <a:rPr lang="de-DE" dirty="0" smtClean="0"/>
+              <a:t> (#)</a:t>
+            </a:r>
+          </a:p>
+          <a:p>
+            <a:pPr lvl="1"/>
+            <a:r>
+              <a:rPr lang="de-DE" dirty="0" err="1" smtClean="0"/>
+              <a:t>Regex</a:t>
+            </a:r>
+            <a:r>
+              <a:rPr lang="de-DE" dirty="0" smtClean="0"/>
+              <a:t> </a:t>
+            </a:r>
+            <a:r>
+              <a:rPr lang="de-DE" dirty="0" err="1" smtClean="0"/>
+              <a:t>patterns</a:t>
+            </a:r>
+            <a:r>
+              <a:rPr lang="de-DE" dirty="0" smtClean="0"/>
+              <a:t> (#“</a:t>
+            </a:r>
+            <a:r>
+              <a:rPr lang="de-DE" dirty="0" err="1" smtClean="0"/>
+              <a:t>pattern</a:t>
+            </a:r>
+            <a:r>
+              <a:rPr lang="de-DE" dirty="0" smtClean="0"/>
+              <a:t>“)</a:t>
+            </a:r>
+          </a:p>
+          <a:p>
+            <a:pPr lvl="1"/>
+            <a:r>
+              <a:rPr lang="de-DE" dirty="0" err="1" smtClean="0"/>
+              <a:t>Var</a:t>
+            </a:r>
+            <a:r>
+              <a:rPr lang="de-DE" dirty="0" smtClean="0"/>
+              <a:t>-quote (#‘)</a:t>
+            </a:r>
+          </a:p>
+          <a:p>
+            <a:pPr lvl="1"/>
+            <a:r>
+              <a:rPr lang="de-DE" dirty="0" smtClean="0"/>
+              <a:t>Anonymous </a:t>
+            </a:r>
+            <a:r>
+              <a:rPr lang="de-DE" dirty="0" err="1" smtClean="0"/>
+              <a:t>function</a:t>
+            </a:r>
+            <a:r>
+              <a:rPr lang="de-DE" dirty="0" smtClean="0"/>
+              <a:t> (#())</a:t>
+            </a:r>
+          </a:p>
+          <a:p>
+            <a:r>
+              <a:rPr lang="de-DE" dirty="0" smtClean="0"/>
+              <a:t>Syntax-quote (</a:t>
+            </a:r>
+            <a:r>
+              <a:rPr lang="de-DE" dirty="0" smtClean="0"/>
+              <a:t>`), </a:t>
+            </a:r>
+            <a:r>
+              <a:rPr lang="de-DE" dirty="0" err="1" smtClean="0"/>
+              <a:t>Unquote</a:t>
+            </a:r>
+            <a:r>
+              <a:rPr lang="de-DE" dirty="0" smtClean="0"/>
+              <a:t> (~), </a:t>
+            </a:r>
+            <a:r>
+              <a:rPr lang="de-DE" dirty="0" err="1" smtClean="0"/>
+              <a:t>Unquote-splicing</a:t>
+            </a:r>
+            <a:r>
+              <a:rPr lang="de-DE" dirty="0" smtClean="0"/>
+              <a:t> (~@)</a:t>
+            </a:r>
+            <a:endParaRPr lang="de-DE" dirty="0" smtClean="0"/>
+          </a:p>
+          <a:p>
+            <a:endParaRPr lang="de-DE" dirty="0"/>
+          </a:p>
+        </p:txBody>
+      </p:sp>
+    </p:spTree>
+    <p:extLst>
+      <p:ext uri="{BB962C8B-B14F-4D97-AF65-F5344CB8AC3E}">
+        <p14:creationId xmlns:p14="http://schemas.microsoft.com/office/powerpoint/2010/main" val="3768548668"/>
+      </p:ext>
+    </p:extLst>
+  </p:cSld>
+  <p:clrMapOvr>
+    <a:masterClrMapping/>
+  </p:clrMapOvr>
+</p:sld>
+</file>
+
+<file path=ppt/slides/slide26.xml><?xml version="1.0" encoding="utf-8"?>
+<p:sld xmlns:a="http://schemas.openxmlformats.org/drawingml/2006/main" xmlns:r="http://schemas.openxmlformats.org/officeDocument/2006/relationships" xmlns:p="http://schemas.openxmlformats.org/presentationml/2006/main">
+  <p:cSld>
+    <p:spTree>
+      <p:nvGrpSpPr>
+        <p:cNvPr id="1" name=""/>
+        <p:cNvGrpSpPr/>
+        <p:nvPr/>
+      </p:nvGrpSpPr>
+      <p:grpSpPr>
+        <a:xfrm>
+          <a:off x="0" y="0"/>
+          <a:ext cx="0" cy="0"/>
+          <a:chOff x="0" y="0"/>
+          <a:chExt cx="0" cy="0"/>
+        </a:xfrm>
+      </p:grpSpPr>
+      <p:sp>
+        <p:nvSpPr>
+          <p:cNvPr id="2" name="Textfeld 1"/>
+          <p:cNvSpPr txBox="1"/>
+          <p:nvPr/>
+        </p:nvSpPr>
+        <p:spPr>
+          <a:xfrm>
+            <a:off x="616967" y="107545"/>
+            <a:ext cx="5241715" cy="2000548"/>
+          </a:xfrm>
+          <a:prstGeom prst="rect">
+            <a:avLst/>
+          </a:prstGeom>
+          <a:noFill/>
+        </p:spPr>
+        <p:txBody>
+          <a:bodyPr wrap="none" rtlCol="0">
+            <a:spAutoFit/>
+          </a:bodyPr>
+          <a:lstStyle/>
+          <a:p>
+            <a:r>
+              <a:rPr lang="de-DE" sz="12400" dirty="0" smtClean="0">
+                <a:solidFill>
+                  <a:schemeClr val="bg1"/>
+                </a:solidFill>
+              </a:rPr>
+              <a:t>(</a:t>
+            </a:r>
+            <a:r>
+              <a:rPr lang="de-DE" sz="12400" dirty="0" err="1" smtClean="0">
+                <a:solidFill>
+                  <a:schemeClr val="bg1"/>
+                </a:solidFill>
+              </a:rPr>
+              <a:t>var</a:t>
+            </a:r>
+            <a:r>
+              <a:rPr lang="de-DE" sz="12400" dirty="0" smtClean="0">
+                <a:solidFill>
+                  <a:schemeClr val="bg1"/>
+                </a:solidFill>
+              </a:rPr>
+              <a:t> x 3)</a:t>
+            </a:r>
+            <a:endParaRPr lang="de-DE" sz="12400" dirty="0">
+              <a:solidFill>
+                <a:schemeClr val="bg1"/>
+              </a:solidFill>
+            </a:endParaRPr>
+          </a:p>
+        </p:txBody>
+      </p:sp>
+      <p:sp>
+        <p:nvSpPr>
+          <p:cNvPr id="3" name="Textfeld 2"/>
+          <p:cNvSpPr txBox="1"/>
+          <p:nvPr/>
+        </p:nvSpPr>
+        <p:spPr>
+          <a:xfrm>
+            <a:off x="564779" y="2156123"/>
+            <a:ext cx="4294440" cy="2000548"/>
+          </a:xfrm>
+          <a:prstGeom prst="rect">
+            <a:avLst/>
+          </a:prstGeom>
+          <a:noFill/>
+        </p:spPr>
+        <p:txBody>
+          <a:bodyPr wrap="none" rtlCol="0">
+            <a:spAutoFit/>
+          </a:bodyPr>
+          <a:lstStyle/>
+          <a:p>
+            <a:r>
+              <a:rPr lang="de-DE" sz="12400" dirty="0" smtClean="0">
+                <a:solidFill>
+                  <a:schemeClr val="bg1"/>
+                </a:solidFill>
+              </a:rPr>
+              <a:t>(</a:t>
+            </a:r>
+            <a:r>
+              <a:rPr lang="de-DE" sz="12400" dirty="0" err="1" smtClean="0">
+                <a:solidFill>
+                  <a:schemeClr val="bg1"/>
+                </a:solidFill>
+              </a:rPr>
+              <a:t>var</a:t>
+            </a:r>
+            <a:r>
+              <a:rPr lang="de-DE" sz="12400" dirty="0" smtClean="0">
+                <a:solidFill>
+                  <a:schemeClr val="bg1"/>
+                </a:solidFill>
+              </a:rPr>
+              <a:t> +)</a:t>
+            </a:r>
+            <a:endParaRPr lang="de-DE" sz="12400" dirty="0">
+              <a:solidFill>
+                <a:schemeClr val="bg1"/>
+              </a:solidFill>
+            </a:endParaRPr>
+          </a:p>
+        </p:txBody>
+      </p:sp>
+      <p:sp>
+        <p:nvSpPr>
+          <p:cNvPr id="4" name="Textfeld 3"/>
+          <p:cNvSpPr txBox="1"/>
+          <p:nvPr/>
+        </p:nvSpPr>
+        <p:spPr>
+          <a:xfrm>
+            <a:off x="529987" y="4199681"/>
+            <a:ext cx="1138152" cy="2000548"/>
+          </a:xfrm>
+          <a:prstGeom prst="rect">
+            <a:avLst/>
+          </a:prstGeom>
+          <a:noFill/>
+        </p:spPr>
+        <p:txBody>
+          <a:bodyPr wrap="none" rtlCol="0">
+            <a:spAutoFit/>
+          </a:bodyPr>
+          <a:lstStyle/>
+          <a:p>
+            <a:r>
+              <a:rPr lang="de-DE" sz="12400" dirty="0" smtClean="0">
+                <a:solidFill>
+                  <a:schemeClr val="bg1"/>
+                </a:solidFill>
+              </a:rPr>
+              <a:t>()</a:t>
+            </a:r>
+            <a:endParaRPr lang="de-DE" sz="12400" dirty="0">
+              <a:solidFill>
+                <a:schemeClr val="bg1"/>
+              </a:solidFill>
+            </a:endParaRPr>
+          </a:p>
+        </p:txBody>
+      </p:sp>
+    </p:spTree>
+    <p:extLst>
+      <p:ext uri="{BB962C8B-B14F-4D97-AF65-F5344CB8AC3E}">
+        <p14:creationId xmlns:p14="http://schemas.microsoft.com/office/powerpoint/2010/main" val="583558998"/>
+      </p:ext>
+    </p:extLst>
+  </p:cSld>
+  <p:clrMapOvr>
+    <a:masterClrMapping/>
+  </p:clrMapOvr>
+  <p:timing>
+    <p:tnLst>
+      <p:par>
+        <p:cTn xmlns:p14="http://schemas.microsoft.com/office/powerpoint/2010/main" id="1" dur="indefinite" restart="never" nodeType="tmRoot"/>
+      </p:par>
+    </p:tnLst>
+  </p:timing>
+</p:sld>
+</file>
+
+<file path=ppt/slides/slide27.xml><?xml version="1.0" encoding="utf-8"?>
+<p:sld xmlns:a="http://schemas.openxmlformats.org/drawingml/2006/main" xmlns:r="http://schemas.openxmlformats.org/officeDocument/2006/relationships" xmlns:p="http://schemas.openxmlformats.org/presentationml/2006/main">
+  <p:cSld>
+    <p:spTree>
+      <p:nvGrpSpPr>
+        <p:cNvPr id="1" name=""/>
+        <p:cNvGrpSpPr/>
+        <p:nvPr/>
+      </p:nvGrpSpPr>
+      <p:grpSpPr>
+        <a:xfrm>
+          <a:off x="0" y="0"/>
+          <a:ext cx="0" cy="0"/>
+          <a:chOff x="0" y="0"/>
+          <a:chExt cx="0" cy="0"/>
+        </a:xfrm>
+      </p:grpSpPr>
+      <p:sp>
+        <p:nvSpPr>
+          <p:cNvPr id="2" name="Titel 1"/>
+          <p:cNvSpPr>
+            <a:spLocks noGrp="1"/>
+          </p:cNvSpPr>
+          <p:nvPr>
+            <p:ph type="title"/>
+          </p:nvPr>
+        </p:nvSpPr>
+        <p:spPr/>
+        <p:txBody>
+          <a:bodyPr/>
+          <a:lstStyle/>
+          <a:p>
+            <a:r>
+              <a:rPr lang="de-DE" dirty="0" err="1" smtClean="0"/>
+              <a:t>Macros</a:t>
+            </a:r>
+            <a:endParaRPr lang="de-DE" dirty="0"/>
+          </a:p>
+        </p:txBody>
+      </p:sp>
+      <p:sp>
+        <p:nvSpPr>
+          <p:cNvPr id="3" name="Inhaltsplatzhalter 2"/>
+          <p:cNvSpPr>
+            <a:spLocks noGrp="1"/>
+          </p:cNvSpPr>
+          <p:nvPr>
+            <p:ph idx="1"/>
+          </p:nvPr>
+        </p:nvSpPr>
+        <p:spPr/>
+        <p:txBody>
+          <a:bodyPr/>
+          <a:lstStyle/>
+          <a:p>
+            <a:r>
+              <a:rPr lang="de-DE" dirty="0" err="1" smtClean="0"/>
+              <a:t>defmacro</a:t>
+            </a:r>
+            <a:endParaRPr lang="de-DE" dirty="0" smtClean="0"/>
+          </a:p>
+          <a:p>
+            <a:endParaRPr lang="de-DE" dirty="0" smtClean="0"/>
+          </a:p>
+          <a:p>
+            <a:r>
+              <a:rPr lang="de-DE" dirty="0" err="1" smtClean="0"/>
+              <a:t>macroexpand</a:t>
+            </a:r>
+            <a:r>
+              <a:rPr lang="de-DE" dirty="0" smtClean="0"/>
+              <a:t> </a:t>
+            </a:r>
+          </a:p>
+          <a:p>
+            <a:pPr marL="0" indent="0">
+              <a:buNone/>
+            </a:pPr>
+            <a:endParaRPr lang="de-DE" dirty="0"/>
+          </a:p>
+          <a:p>
+            <a:r>
+              <a:rPr lang="de-DE" dirty="0" smtClean="0"/>
+              <a:t>Weitere Informationen</a:t>
+            </a:r>
+            <a:r>
+              <a:rPr lang="de-DE" dirty="0"/>
+              <a:t>: http://</a:t>
+            </a:r>
+            <a:r>
+              <a:rPr lang="de-DE" dirty="0" err="1"/>
+              <a:t>clojure.org</a:t>
+            </a:r>
+            <a:r>
+              <a:rPr lang="de-DE" dirty="0"/>
+              <a:t>/</a:t>
+            </a:r>
+            <a:r>
+              <a:rPr lang="de-DE" dirty="0" err="1"/>
+              <a:t>macros</a:t>
+            </a:r>
+            <a:endParaRPr lang="de-DE" dirty="0"/>
+          </a:p>
+        </p:txBody>
+      </p:sp>
+    </p:spTree>
+    <p:extLst>
+      <p:ext uri="{BB962C8B-B14F-4D97-AF65-F5344CB8AC3E}">
+        <p14:creationId xmlns:p14="http://schemas.microsoft.com/office/powerpoint/2010/main" val="184561787"/>
+      </p:ext>
+    </p:extLst>
+  </p:cSld>
+  <p:clrMapOvr>
+    <a:masterClrMapping/>
+  </p:clrMapOvr>
+</p:sld>
+</file>
+
+<file path=ppt/slides/slide28.xml><?xml version="1.0" encoding="utf-8"?>
+<p:sld xmlns:a="http://schemas.openxmlformats.org/drawingml/2006/main" xmlns:r="http://schemas.openxmlformats.org/officeDocument/2006/relationships" xmlns:p="http://schemas.openxmlformats.org/presentationml/2006/main">
+  <p:cSld>
+    <p:spTree>
+      <p:nvGrpSpPr>
+        <p:cNvPr id="1" name=""/>
+        <p:cNvGrpSpPr/>
+        <p:nvPr/>
+      </p:nvGrpSpPr>
+      <p:grpSpPr>
+        <a:xfrm>
+          <a:off x="0" y="0"/>
+          <a:ext cx="0" cy="0"/>
+          <a:chOff x="0" y="0"/>
+          <a:chExt cx="0" cy="0"/>
+        </a:xfrm>
+      </p:grpSpPr>
+      <p:sp>
+        <p:nvSpPr>
+          <p:cNvPr id="2" name="Titel 1"/>
+          <p:cNvSpPr>
+            <a:spLocks noGrp="1"/>
+          </p:cNvSpPr>
+          <p:nvPr>
+            <p:ph type="title"/>
+          </p:nvPr>
+        </p:nvSpPr>
+        <p:spPr/>
+        <p:txBody>
+          <a:bodyPr/>
+          <a:lstStyle/>
+          <a:p>
+            <a:r>
+              <a:rPr lang="de-DE" dirty="0" err="1" smtClean="0"/>
+              <a:t>Finally</a:t>
+            </a:r>
+            <a:r>
+              <a:rPr lang="de-DE" dirty="0" smtClean="0"/>
+              <a:t> </a:t>
+            </a:r>
+            <a:r>
+              <a:rPr lang="de-DE" dirty="0" err="1" smtClean="0"/>
+              <a:t>Functions</a:t>
+            </a:r>
+            <a:r>
+              <a:rPr lang="de-DE" dirty="0" smtClean="0"/>
+              <a:t> </a:t>
+            </a:r>
+            <a:endParaRPr lang="de-DE" dirty="0"/>
+          </a:p>
+        </p:txBody>
+      </p:sp>
+      <p:sp>
+        <p:nvSpPr>
+          <p:cNvPr id="3" name="Inhaltsplatzhalter 2"/>
+          <p:cNvSpPr>
+            <a:spLocks noGrp="1"/>
+          </p:cNvSpPr>
+          <p:nvPr>
+            <p:ph idx="1"/>
+          </p:nvPr>
+        </p:nvSpPr>
+        <p:spPr/>
+        <p:txBody>
+          <a:bodyPr/>
+          <a:lstStyle/>
+          <a:p>
+            <a:r>
+              <a:rPr lang="de-DE" dirty="0" err="1" smtClean="0"/>
+              <a:t>Hello</a:t>
+            </a:r>
+            <a:r>
+              <a:rPr lang="de-DE" dirty="0" smtClean="0"/>
+              <a:t> </a:t>
+            </a:r>
+            <a:r>
+              <a:rPr lang="de-DE" dirty="0" err="1" smtClean="0"/>
+              <a:t>world</a:t>
+            </a:r>
+            <a:r>
+              <a:rPr lang="de-DE" dirty="0" smtClean="0"/>
+              <a:t> </a:t>
+            </a:r>
+            <a:r>
+              <a:rPr lang="de-DE" dirty="0" err="1" smtClean="0"/>
+              <a:t>equivalent</a:t>
+            </a:r>
+            <a:r>
+              <a:rPr lang="de-DE" dirty="0" smtClean="0"/>
+              <a:t>: </a:t>
+            </a:r>
+            <a:r>
+              <a:rPr lang="de-DE" dirty="0" err="1" smtClean="0"/>
+              <a:t>factorial</a:t>
+            </a:r>
+            <a:endParaRPr lang="de-DE" dirty="0" smtClean="0"/>
+          </a:p>
+          <a:p>
+            <a:endParaRPr lang="de-DE" dirty="0"/>
+          </a:p>
+          <a:p>
+            <a:r>
+              <a:rPr lang="de-DE" dirty="0" err="1" smtClean="0"/>
+              <a:t>Several</a:t>
+            </a:r>
+            <a:r>
+              <a:rPr lang="de-DE" dirty="0" smtClean="0"/>
+              <a:t> </a:t>
+            </a:r>
+            <a:r>
+              <a:rPr lang="de-DE" dirty="0" err="1" smtClean="0"/>
+              <a:t>versions</a:t>
+            </a:r>
+            <a:endParaRPr lang="de-DE" dirty="0" smtClean="0"/>
+          </a:p>
+          <a:p>
+            <a:pPr marL="731520" lvl="1" indent="-457200">
+              <a:buFont typeface="+mj-lt"/>
+              <a:buAutoNum type="arabicPeriod"/>
+            </a:pPr>
+            <a:r>
+              <a:rPr lang="de-DE" dirty="0" smtClean="0"/>
+              <a:t>Simple </a:t>
+            </a:r>
+            <a:r>
+              <a:rPr lang="de-DE" dirty="0" err="1" smtClean="0"/>
+              <a:t>approach</a:t>
+            </a:r>
+            <a:endParaRPr lang="de-DE" dirty="0" smtClean="0"/>
+          </a:p>
+          <a:p>
+            <a:pPr marL="731520" lvl="1" indent="-457200">
+              <a:buFont typeface="+mj-lt"/>
+              <a:buAutoNum type="arabicPeriod"/>
+            </a:pPr>
+            <a:r>
+              <a:rPr lang="de-DE" dirty="0" smtClean="0"/>
+              <a:t>Extended </a:t>
+            </a:r>
+            <a:r>
+              <a:rPr lang="de-DE" dirty="0" err="1" smtClean="0"/>
+              <a:t>multiplication</a:t>
+            </a:r>
+            <a:r>
+              <a:rPr lang="de-DE" dirty="0" smtClean="0"/>
+              <a:t> </a:t>
+            </a:r>
+            <a:r>
+              <a:rPr lang="de-DE" dirty="0" err="1" smtClean="0"/>
+              <a:t>operator</a:t>
+            </a:r>
+            <a:r>
+              <a:rPr lang="de-DE" dirty="0" smtClean="0"/>
+              <a:t>: *‘</a:t>
+            </a:r>
+          </a:p>
+          <a:p>
+            <a:pPr marL="731520" lvl="1" indent="-457200">
+              <a:buFont typeface="+mj-lt"/>
+              <a:buAutoNum type="arabicPeriod"/>
+            </a:pPr>
+            <a:r>
+              <a:rPr lang="de-DE" dirty="0" smtClean="0"/>
+              <a:t>Loop-</a:t>
+            </a:r>
+            <a:r>
+              <a:rPr lang="de-DE" dirty="0" err="1" smtClean="0"/>
+              <a:t>Recur</a:t>
+            </a:r>
+            <a:r>
+              <a:rPr lang="de-DE" dirty="0" smtClean="0"/>
+              <a:t>-Pattern</a:t>
+            </a:r>
+            <a:endParaRPr lang="de-DE" dirty="0"/>
+          </a:p>
+        </p:txBody>
+      </p:sp>
+    </p:spTree>
+    <p:extLst>
+      <p:ext uri="{BB962C8B-B14F-4D97-AF65-F5344CB8AC3E}">
+        <p14:creationId xmlns:p14="http://schemas.microsoft.com/office/powerpoint/2010/main" val="1247605478"/>
+      </p:ext>
+    </p:extLst>
+  </p:cSld>
+  <p:clrMapOvr>
+    <a:masterClrMapping/>
+  </p:clrMapOvr>
+</p:sld>
+</file>
+
+<file path=ppt/slides/slide29.xml><?xml version="1.0" encoding="utf-8"?>
+<p:sld xmlns:a="http://schemas.openxmlformats.org/drawingml/2006/main" xmlns:r="http://schemas.openxmlformats.org/officeDocument/2006/relationships" xmlns:p="http://schemas.openxmlformats.org/presentationml/2006/main">
+  <p:cSld>
+    <p:spTree>
+      <p:nvGrpSpPr>
+        <p:cNvPr id="1" name=""/>
+        <p:cNvGrpSpPr/>
+        <p:nvPr/>
+      </p:nvGrpSpPr>
+      <p:grpSpPr>
+        <a:xfrm>
+          <a:off x="0" y="0"/>
+          <a:ext cx="0" cy="0"/>
+          <a:chOff x="0" y="0"/>
+          <a:chExt cx="0" cy="0"/>
+        </a:xfrm>
+      </p:grpSpPr>
+      <p:sp>
+        <p:nvSpPr>
+          <p:cNvPr id="2" name="Titel 1"/>
+          <p:cNvSpPr>
+            <a:spLocks noGrp="1"/>
+          </p:cNvSpPr>
+          <p:nvPr>
+            <p:ph type="title"/>
+          </p:nvPr>
+        </p:nvSpPr>
+        <p:spPr/>
+        <p:txBody>
+          <a:bodyPr/>
+          <a:lstStyle/>
+          <a:p>
+            <a:r>
+              <a:rPr lang="de-DE" dirty="0" smtClean="0"/>
+              <a:t>Java </a:t>
+            </a:r>
+            <a:r>
+              <a:rPr lang="de-DE" dirty="0" smtClean="0"/>
+              <a:t>in </a:t>
+            </a:r>
+            <a:r>
+              <a:rPr lang="de-DE" dirty="0" err="1" smtClean="0"/>
+              <a:t>Clojure</a:t>
+            </a:r>
+            <a:endParaRPr lang="de-DE" dirty="0"/>
+          </a:p>
+        </p:txBody>
+      </p:sp>
+      <p:sp>
+        <p:nvSpPr>
+          <p:cNvPr id="3" name="Inhaltsplatzhalter 2"/>
+          <p:cNvSpPr>
+            <a:spLocks noGrp="1"/>
+          </p:cNvSpPr>
+          <p:nvPr>
+            <p:ph idx="1"/>
+          </p:nvPr>
+        </p:nvSpPr>
+        <p:spPr/>
+        <p:txBody>
+          <a:bodyPr/>
+          <a:lstStyle/>
+          <a:p>
+            <a:r>
+              <a:rPr lang="de-DE" dirty="0" smtClean="0"/>
+              <a:t>Sehr einfach:</a:t>
+            </a:r>
+            <a:r>
+              <a:rPr lang="de-DE" dirty="0" smtClean="0"/>
+              <a:t/>
+            </a:r>
+            <a:br>
+              <a:rPr lang="de-DE" dirty="0" smtClean="0"/>
+            </a:br>
+            <a:r>
+              <a:rPr lang="de-DE" dirty="0"/>
+              <a:t/>
+            </a:r>
+            <a:br>
+              <a:rPr lang="de-DE" dirty="0"/>
+            </a:br>
+            <a:r>
+              <a:rPr lang="de-DE" sz="2000" dirty="0">
+                <a:latin typeface="Consolas"/>
+                <a:cs typeface="Consolas"/>
+              </a:rPr>
+              <a:t>(</a:t>
+            </a:r>
+            <a:r>
+              <a:rPr lang="de-DE" sz="2000" dirty="0" err="1">
+                <a:latin typeface="Consolas"/>
+                <a:cs typeface="Consolas"/>
+              </a:rPr>
+              <a:t>def</a:t>
+            </a:r>
+            <a:r>
+              <a:rPr lang="de-DE" sz="2000" dirty="0">
+                <a:latin typeface="Consolas"/>
+                <a:cs typeface="Consolas"/>
+              </a:rPr>
+              <a:t> cal (</a:t>
+            </a:r>
+            <a:r>
+              <a:rPr lang="de-DE" sz="2000" dirty="0" err="1">
+                <a:latin typeface="Consolas"/>
+                <a:cs typeface="Consolas"/>
+              </a:rPr>
+              <a:t>java.util.Calendar</a:t>
+            </a:r>
+            <a:r>
+              <a:rPr lang="de-DE" sz="2000" dirty="0">
+                <a:latin typeface="Consolas"/>
+                <a:cs typeface="Consolas"/>
+              </a:rPr>
+              <a:t>/</a:t>
+            </a:r>
+            <a:r>
+              <a:rPr lang="de-DE" sz="2000" dirty="0" err="1">
+                <a:latin typeface="Consolas"/>
+                <a:cs typeface="Consolas"/>
+              </a:rPr>
+              <a:t>getInstance</a:t>
+            </a:r>
+            <a:r>
+              <a:rPr lang="de-DE" sz="2000" dirty="0">
+                <a:latin typeface="Consolas"/>
+                <a:cs typeface="Consolas"/>
+              </a:rPr>
+              <a:t>)</a:t>
+            </a:r>
+            <a:r>
+              <a:rPr lang="de-DE" sz="2000" dirty="0" smtClean="0">
+                <a:latin typeface="Consolas"/>
+                <a:cs typeface="Consolas"/>
+              </a:rPr>
+              <a:t>)</a:t>
+            </a:r>
+            <a:br>
+              <a:rPr lang="de-DE" sz="2000" dirty="0" smtClean="0">
+                <a:latin typeface="Consolas"/>
+                <a:cs typeface="Consolas"/>
+              </a:rPr>
+            </a:br>
+            <a:r>
+              <a:rPr lang="de-DE" sz="2000" dirty="0" smtClean="0">
+                <a:latin typeface="Consolas"/>
+                <a:cs typeface="Consolas"/>
+              </a:rPr>
+              <a:t>#‘</a:t>
+            </a:r>
+            <a:r>
+              <a:rPr lang="de-DE" sz="2000" dirty="0" err="1" smtClean="0">
+                <a:latin typeface="Consolas"/>
+                <a:cs typeface="Consolas"/>
+              </a:rPr>
+              <a:t>user</a:t>
+            </a:r>
+            <a:r>
+              <a:rPr lang="de-DE" sz="2000" dirty="0" smtClean="0">
+                <a:latin typeface="Consolas"/>
+                <a:cs typeface="Consolas"/>
+              </a:rPr>
+              <a:t>/</a:t>
+            </a:r>
+            <a:r>
+              <a:rPr lang="de-DE" sz="2000" dirty="0">
+                <a:latin typeface="Consolas"/>
+                <a:cs typeface="Consolas"/>
+              </a:rPr>
+              <a:t>cal</a:t>
+            </a:r>
+            <a:r>
+              <a:rPr lang="hr-HR" sz="2000" dirty="0" smtClean="0">
+                <a:latin typeface="Consolas"/>
+                <a:cs typeface="Consolas"/>
+              </a:rPr>
+              <a:t/>
+            </a:r>
+            <a:br>
+              <a:rPr lang="hr-HR" sz="2000" dirty="0" smtClean="0">
+                <a:latin typeface="Consolas"/>
+                <a:cs typeface="Consolas"/>
+              </a:rPr>
+            </a:br>
+            <a:r>
+              <a:rPr lang="hr-HR" sz="2000" dirty="0" smtClean="0">
+                <a:latin typeface="Consolas"/>
+                <a:cs typeface="Consolas"/>
+              </a:rPr>
+              <a:t/>
+            </a:r>
+            <a:br>
+              <a:rPr lang="hr-HR" sz="2000" dirty="0" smtClean="0">
+                <a:latin typeface="Consolas"/>
+                <a:cs typeface="Consolas"/>
+              </a:rPr>
+            </a:br>
+            <a:r>
+              <a:rPr lang="fi-FI" sz="2000" dirty="0">
+                <a:latin typeface="Consolas"/>
+                <a:cs typeface="Consolas"/>
+              </a:rPr>
+              <a:t>(.</a:t>
+            </a:r>
+            <a:r>
+              <a:rPr lang="fi-FI" sz="2000" dirty="0" err="1">
+                <a:latin typeface="Consolas"/>
+                <a:cs typeface="Consolas"/>
+              </a:rPr>
+              <a:t>getTimeInMillis</a:t>
+            </a:r>
+            <a:r>
+              <a:rPr lang="fi-FI" sz="2000" dirty="0">
+                <a:latin typeface="Consolas"/>
+                <a:cs typeface="Consolas"/>
+              </a:rPr>
+              <a:t> </a:t>
+            </a:r>
+            <a:r>
+              <a:rPr lang="fi-FI" sz="2000" dirty="0" err="1">
+                <a:latin typeface="Consolas"/>
+                <a:cs typeface="Consolas"/>
+              </a:rPr>
+              <a:t>cal</a:t>
+            </a:r>
+            <a:r>
+              <a:rPr lang="fi-FI" sz="2000" dirty="0" smtClean="0">
+                <a:latin typeface="Consolas"/>
+                <a:cs typeface="Consolas"/>
+              </a:rPr>
+              <a:t>)</a:t>
+            </a:r>
+            <a:br>
+              <a:rPr lang="fi-FI" sz="2000" dirty="0" smtClean="0">
+                <a:latin typeface="Consolas"/>
+                <a:cs typeface="Consolas"/>
+              </a:rPr>
+            </a:br>
+            <a:r>
+              <a:rPr lang="fi-FI" sz="2000" dirty="0" smtClean="0">
+                <a:latin typeface="Consolas"/>
+                <a:cs typeface="Consolas"/>
+              </a:rPr>
+              <a:t>1415399321833</a:t>
+            </a:r>
+            <a:br>
+              <a:rPr lang="fi-FI" sz="2000" dirty="0" smtClean="0">
+                <a:latin typeface="Consolas"/>
+                <a:cs typeface="Consolas"/>
+              </a:rPr>
+            </a:br>
+            <a:r>
+              <a:rPr lang="fi-FI" sz="2000" dirty="0" smtClean="0">
+                <a:latin typeface="Consolas"/>
+                <a:cs typeface="Consolas"/>
+              </a:rPr>
+              <a:t/>
+            </a:r>
+            <a:br>
+              <a:rPr lang="fi-FI" sz="2000" dirty="0" smtClean="0">
+                <a:latin typeface="Consolas"/>
+                <a:cs typeface="Consolas"/>
+              </a:rPr>
+            </a:br>
+            <a:r>
+              <a:rPr lang="fi-FI" sz="2000" dirty="0" smtClean="0">
+                <a:latin typeface="Consolas"/>
+                <a:cs typeface="Consolas"/>
+              </a:rPr>
+              <a:t>(</a:t>
+            </a:r>
+            <a:r>
+              <a:rPr lang="fi-FI" sz="2000" dirty="0" err="1" smtClean="0">
+                <a:latin typeface="Consolas"/>
+                <a:cs typeface="Consolas"/>
+              </a:rPr>
+              <a:t>System/currentTimeMillis</a:t>
+            </a:r>
+            <a:r>
+              <a:rPr lang="fi-FI" sz="2000" dirty="0" smtClean="0">
+                <a:latin typeface="Consolas"/>
+                <a:cs typeface="Consolas"/>
+              </a:rPr>
+              <a:t>)</a:t>
+            </a:r>
+            <a:br>
+              <a:rPr lang="fi-FI" sz="2000" dirty="0" smtClean="0">
+                <a:latin typeface="Consolas"/>
+                <a:cs typeface="Consolas"/>
+              </a:rPr>
+            </a:br>
+            <a:r>
+              <a:rPr lang="fi-FI" sz="2000" dirty="0" smtClean="0">
+                <a:latin typeface="Consolas"/>
+                <a:cs typeface="Consolas"/>
+              </a:rPr>
+              <a:t>1415703691973</a:t>
+            </a:r>
+            <a:endParaRPr lang="de-DE" sz="2000" dirty="0">
+              <a:latin typeface="Consolas"/>
+              <a:cs typeface="Consolas"/>
+            </a:endParaRPr>
+          </a:p>
+        </p:txBody>
+      </p:sp>
+    </p:spTree>
+    <p:extLst>
+      <p:ext uri="{BB962C8B-B14F-4D97-AF65-F5344CB8AC3E}">
+        <p14:creationId xmlns:p14="http://schemas.microsoft.com/office/powerpoint/2010/main" val="3226257409"/>
       </p:ext>
     </p:extLst>
   </p:cSld>
@@ -9638,6 +10615,1186 @@
     <p:extLst>
       <p:ext uri="{BB962C8B-B14F-4D97-AF65-F5344CB8AC3E}">
         <p14:creationId xmlns:p14="http://schemas.microsoft.com/office/powerpoint/2010/main" val="1155128068"/>
+      </p:ext>
+    </p:extLst>
+  </p:cSld>
+  <p:clrMapOvr>
+    <a:masterClrMapping/>
+  </p:clrMapOvr>
+  <p:timing>
+    <p:tnLst>
+      <p:par>
+        <p:cTn xmlns:p14="http://schemas.microsoft.com/office/powerpoint/2010/main" id="1" dur="indefinite" restart="never" nodeType="tmRoot"/>
+      </p:par>
+    </p:tnLst>
+  </p:timing>
+</p:sld>
+</file>
+
+<file path=ppt/slides/slide30.xml><?xml version="1.0" encoding="utf-8"?>
+<p:sld xmlns:a="http://schemas.openxmlformats.org/drawingml/2006/main" xmlns:r="http://schemas.openxmlformats.org/officeDocument/2006/relationships" xmlns:p="http://schemas.openxmlformats.org/presentationml/2006/main">
+  <p:cSld>
+    <p:spTree>
+      <p:nvGrpSpPr>
+        <p:cNvPr id="1" name=""/>
+        <p:cNvGrpSpPr/>
+        <p:nvPr/>
+      </p:nvGrpSpPr>
+      <p:grpSpPr>
+        <a:xfrm>
+          <a:off x="0" y="0"/>
+          <a:ext cx="0" cy="0"/>
+          <a:chOff x="0" y="0"/>
+          <a:chExt cx="0" cy="0"/>
+        </a:xfrm>
+      </p:grpSpPr>
+      <p:sp>
+        <p:nvSpPr>
+          <p:cNvPr id="2" name="Titel 1"/>
+          <p:cNvSpPr>
+            <a:spLocks noGrp="1"/>
+          </p:cNvSpPr>
+          <p:nvPr>
+            <p:ph type="title"/>
+          </p:nvPr>
+        </p:nvSpPr>
+        <p:spPr/>
+        <p:txBody>
+          <a:bodyPr/>
+          <a:lstStyle/>
+          <a:p>
+            <a:r>
+              <a:rPr lang="de-DE" dirty="0" err="1" smtClean="0"/>
+              <a:t>Clojure</a:t>
+            </a:r>
+            <a:r>
+              <a:rPr lang="de-DE" dirty="0" smtClean="0"/>
+              <a:t> </a:t>
+            </a:r>
+            <a:r>
+              <a:rPr lang="de-DE" dirty="0" smtClean="0"/>
+              <a:t>in Java</a:t>
+            </a:r>
+            <a:endParaRPr lang="de-DE" dirty="0"/>
+          </a:p>
+        </p:txBody>
+      </p:sp>
+      <p:sp>
+        <p:nvSpPr>
+          <p:cNvPr id="3" name="Inhaltsplatzhalter 2"/>
+          <p:cNvSpPr>
+            <a:spLocks noGrp="1"/>
+          </p:cNvSpPr>
+          <p:nvPr>
+            <p:ph idx="1"/>
+          </p:nvPr>
+        </p:nvSpPr>
+        <p:spPr/>
+        <p:txBody>
+          <a:bodyPr>
+            <a:normAutofit/>
+          </a:bodyPr>
+          <a:lstStyle/>
+          <a:p>
+            <a:r>
+              <a:rPr lang="de-DE" dirty="0" err="1" smtClean="0"/>
+              <a:t>Generate</a:t>
+            </a:r>
+            <a:r>
+              <a:rPr lang="de-DE" dirty="0" smtClean="0"/>
+              <a:t> </a:t>
+            </a:r>
+            <a:r>
+              <a:rPr lang="de-DE" dirty="0" err="1" smtClean="0"/>
+              <a:t>classes</a:t>
+            </a:r>
+            <a:r>
+              <a:rPr lang="de-DE" dirty="0" smtClean="0"/>
+              <a:t> </a:t>
+            </a:r>
+            <a:r>
+              <a:rPr lang="de-DE" dirty="0" err="1" smtClean="0"/>
+              <a:t>for</a:t>
+            </a:r>
+            <a:r>
+              <a:rPr lang="de-DE" dirty="0" smtClean="0"/>
+              <a:t> Java (</a:t>
+            </a:r>
+            <a:r>
+              <a:rPr lang="de-DE" dirty="0" err="1" smtClean="0"/>
+              <a:t>outdated</a:t>
+            </a:r>
+            <a:r>
+              <a:rPr lang="de-DE" dirty="0"/>
+              <a:t>)</a:t>
+            </a:r>
+            <a:br>
+              <a:rPr lang="de-DE" dirty="0"/>
+            </a:br>
+            <a:r>
+              <a:rPr lang="de-DE" dirty="0"/>
+              <a:t/>
+            </a:r>
+            <a:br>
+              <a:rPr lang="de-DE" dirty="0"/>
+            </a:br>
+            <a:r>
+              <a:rPr lang="de-DE" sz="2000" dirty="0" smtClean="0">
+                <a:latin typeface="Consolas"/>
+                <a:cs typeface="Consolas"/>
+              </a:rPr>
+              <a:t>(</a:t>
+            </a:r>
+            <a:r>
+              <a:rPr lang="de-DE" sz="2000" dirty="0" err="1" smtClean="0">
+                <a:latin typeface="Consolas"/>
+                <a:cs typeface="Consolas"/>
+              </a:rPr>
+              <a:t>ns</a:t>
+            </a:r>
+            <a:r>
+              <a:rPr lang="de-DE" sz="2000" dirty="0" smtClean="0">
+                <a:latin typeface="Consolas"/>
+                <a:cs typeface="Consolas"/>
+              </a:rPr>
+              <a:t> </a:t>
+            </a:r>
+            <a:r>
+              <a:rPr lang="de-DE" sz="2000" dirty="0" err="1" smtClean="0">
+                <a:latin typeface="Consolas"/>
+                <a:cs typeface="Consolas"/>
+              </a:rPr>
+              <a:t>de.coruco.binomial</a:t>
+            </a:r>
+            <a:r>
+              <a:rPr lang="de-DE" sz="2000" dirty="0" smtClean="0">
+                <a:latin typeface="Consolas"/>
+                <a:cs typeface="Consolas"/>
+              </a:rPr>
+              <a:t/>
+            </a:r>
+            <a:br>
+              <a:rPr lang="de-DE" sz="2000" dirty="0" smtClean="0">
+                <a:latin typeface="Consolas"/>
+                <a:cs typeface="Consolas"/>
+              </a:rPr>
+            </a:br>
+            <a:r>
+              <a:rPr lang="de-DE" sz="2000" dirty="0" smtClean="0">
+                <a:latin typeface="Consolas"/>
+                <a:cs typeface="Consolas"/>
+              </a:rPr>
+              <a:t>  (:</a:t>
+            </a:r>
+            <a:r>
+              <a:rPr lang="de-DE" sz="2000" dirty="0">
+                <a:latin typeface="Consolas"/>
+                <a:cs typeface="Consolas"/>
+              </a:rPr>
+              <a:t>gen-</a:t>
+            </a:r>
+            <a:r>
+              <a:rPr lang="de-DE" sz="2000" dirty="0" err="1" smtClean="0">
+                <a:latin typeface="Consolas"/>
+                <a:cs typeface="Consolas"/>
+              </a:rPr>
+              <a:t>class</a:t>
+            </a:r>
+            <a:r>
+              <a:rPr lang="de-DE" sz="2000" dirty="0" smtClean="0">
+                <a:latin typeface="Consolas"/>
+                <a:cs typeface="Consolas"/>
+              </a:rPr>
+              <a:t>)</a:t>
+            </a:r>
+            <a:r>
+              <a:rPr lang="de-DE" sz="2000" dirty="0" smtClean="0">
+                <a:latin typeface="Consolas"/>
+                <a:cs typeface="Consolas"/>
+              </a:rPr>
+              <a:t/>
+            </a:r>
+            <a:br>
+              <a:rPr lang="de-DE" sz="2000" dirty="0" smtClean="0">
+                <a:latin typeface="Consolas"/>
+                <a:cs typeface="Consolas"/>
+              </a:rPr>
+            </a:br>
+            <a:r>
+              <a:rPr lang="de-DE" sz="2000" dirty="0" smtClean="0">
+                <a:latin typeface="Consolas"/>
+                <a:cs typeface="Consolas"/>
+              </a:rPr>
+              <a:t/>
+            </a:r>
+            <a:br>
+              <a:rPr lang="de-DE" sz="2000" dirty="0" smtClean="0">
+                <a:latin typeface="Consolas"/>
+                <a:cs typeface="Consolas"/>
+              </a:rPr>
+            </a:br>
+            <a:r>
+              <a:rPr lang="de-DE" sz="2000" dirty="0" smtClean="0">
+                <a:latin typeface="Consolas"/>
+                <a:cs typeface="Consolas"/>
+              </a:rPr>
+              <a:t>(</a:t>
+            </a:r>
+            <a:r>
+              <a:rPr lang="de-DE" sz="2000" dirty="0" err="1" smtClean="0">
+                <a:latin typeface="Consolas"/>
+                <a:cs typeface="Consolas"/>
+              </a:rPr>
+              <a:t>defn</a:t>
+            </a:r>
+            <a:r>
+              <a:rPr lang="de-DE" sz="2000" dirty="0" smtClean="0">
+                <a:latin typeface="Consolas"/>
+                <a:cs typeface="Consolas"/>
+              </a:rPr>
+              <a:t> </a:t>
+            </a:r>
+            <a:r>
+              <a:rPr lang="de-DE" sz="2000" dirty="0" err="1" smtClean="0">
+                <a:latin typeface="Consolas"/>
+                <a:cs typeface="Consolas"/>
+              </a:rPr>
+              <a:t>binomial</a:t>
+            </a:r>
+            <a:r>
+              <a:rPr lang="de-DE" sz="2000" dirty="0">
+                <a:latin typeface="Consolas"/>
+                <a:cs typeface="Consolas"/>
+              </a:rPr>
+              <a:t> ...)</a:t>
+            </a:r>
+            <a:br>
+              <a:rPr lang="de-DE" sz="2000" dirty="0">
+                <a:latin typeface="Consolas"/>
+                <a:cs typeface="Consolas"/>
+              </a:rPr>
+            </a:br>
+            <a:endParaRPr lang="de-DE" sz="2000" dirty="0">
+              <a:latin typeface="Consolas"/>
+              <a:cs typeface="Consolas"/>
+            </a:endParaRPr>
+          </a:p>
+        </p:txBody>
+      </p:sp>
+    </p:spTree>
+    <p:extLst>
+      <p:ext uri="{BB962C8B-B14F-4D97-AF65-F5344CB8AC3E}">
+        <p14:creationId xmlns:p14="http://schemas.microsoft.com/office/powerpoint/2010/main" val="2285099617"/>
+      </p:ext>
+    </p:extLst>
+  </p:cSld>
+  <p:clrMapOvr>
+    <a:masterClrMapping/>
+  </p:clrMapOvr>
+  <p:timing>
+    <p:tnLst>
+      <p:par>
+        <p:cTn xmlns:p14="http://schemas.microsoft.com/office/powerpoint/2010/main" id="1" dur="indefinite" restart="never" nodeType="tmRoot"/>
+      </p:par>
+    </p:tnLst>
+  </p:timing>
+</p:sld>
+</file>
+
+<file path=ppt/slides/slide31.xml><?xml version="1.0" encoding="utf-8"?>
+<p:sld xmlns:a="http://schemas.openxmlformats.org/drawingml/2006/main" xmlns:r="http://schemas.openxmlformats.org/officeDocument/2006/relationships" xmlns:p="http://schemas.openxmlformats.org/presentationml/2006/main">
+  <p:cSld>
+    <p:spTree>
+      <p:nvGrpSpPr>
+        <p:cNvPr id="1" name=""/>
+        <p:cNvGrpSpPr/>
+        <p:nvPr/>
+      </p:nvGrpSpPr>
+      <p:grpSpPr>
+        <a:xfrm>
+          <a:off x="0" y="0"/>
+          <a:ext cx="0" cy="0"/>
+          <a:chOff x="0" y="0"/>
+          <a:chExt cx="0" cy="0"/>
+        </a:xfrm>
+      </p:grpSpPr>
+      <p:sp>
+        <p:nvSpPr>
+          <p:cNvPr id="2" name="Titel 1"/>
+          <p:cNvSpPr>
+            <a:spLocks noGrp="1"/>
+          </p:cNvSpPr>
+          <p:nvPr>
+            <p:ph type="title"/>
+          </p:nvPr>
+        </p:nvSpPr>
+        <p:spPr/>
+        <p:txBody>
+          <a:bodyPr/>
+          <a:lstStyle/>
+          <a:p>
+            <a:r>
+              <a:rPr lang="de-DE" dirty="0" err="1" smtClean="0"/>
+              <a:t>Clojure</a:t>
+            </a:r>
+            <a:r>
+              <a:rPr lang="de-DE" dirty="0" smtClean="0"/>
+              <a:t> </a:t>
+            </a:r>
+            <a:r>
+              <a:rPr lang="de-DE" dirty="0" smtClean="0"/>
+              <a:t>in Java</a:t>
+            </a:r>
+            <a:endParaRPr lang="de-DE" dirty="0"/>
+          </a:p>
+        </p:txBody>
+      </p:sp>
+      <p:sp>
+        <p:nvSpPr>
+          <p:cNvPr id="3" name="Inhaltsplatzhalter 2"/>
+          <p:cNvSpPr>
+            <a:spLocks noGrp="1"/>
+          </p:cNvSpPr>
+          <p:nvPr>
+            <p:ph idx="1"/>
+          </p:nvPr>
+        </p:nvSpPr>
+        <p:spPr/>
+        <p:txBody>
+          <a:bodyPr>
+            <a:normAutofit/>
+          </a:bodyPr>
+          <a:lstStyle/>
+          <a:p>
+            <a:r>
+              <a:rPr lang="de-DE" dirty="0" smtClean="0"/>
+              <a:t>As </a:t>
+            </a:r>
+            <a:r>
+              <a:rPr lang="de-DE" dirty="0" err="1" smtClean="0"/>
+              <a:t>of</a:t>
+            </a:r>
+            <a:r>
+              <a:rPr lang="de-DE" dirty="0" smtClean="0"/>
+              <a:t> </a:t>
+            </a:r>
+            <a:r>
+              <a:rPr lang="de-DE" dirty="0" err="1" smtClean="0"/>
+              <a:t>Clojure</a:t>
+            </a:r>
+            <a:r>
+              <a:rPr lang="de-DE" dirty="0" smtClean="0"/>
+              <a:t> </a:t>
+            </a:r>
+            <a:r>
+              <a:rPr lang="de-DE" dirty="0" smtClean="0"/>
+              <a:t>1.6.0:</a:t>
+            </a:r>
+            <a:r>
+              <a:rPr lang="de-DE" dirty="0"/>
+              <a:t/>
+            </a:r>
+            <a:br>
+              <a:rPr lang="de-DE" dirty="0"/>
+            </a:br>
+            <a:r>
+              <a:rPr lang="de-DE" dirty="0"/>
+              <a:t/>
+            </a:r>
+            <a:br>
+              <a:rPr lang="de-DE" dirty="0"/>
+            </a:br>
+            <a:r>
+              <a:rPr lang="de-DE" sz="2000" dirty="0" err="1" smtClean="0">
+                <a:latin typeface="Consolas"/>
+                <a:cs typeface="Consolas"/>
+              </a:rPr>
+              <a:t>import</a:t>
+            </a:r>
+            <a:r>
+              <a:rPr lang="de-DE" sz="2000" dirty="0" smtClean="0">
+                <a:latin typeface="Consolas"/>
+                <a:cs typeface="Consolas"/>
+              </a:rPr>
+              <a:t> </a:t>
+            </a:r>
+            <a:r>
+              <a:rPr lang="de-DE" sz="2000" dirty="0" err="1" smtClean="0">
+                <a:latin typeface="Consolas"/>
+                <a:cs typeface="Consolas"/>
+              </a:rPr>
+              <a:t>clojure.java.api.Clojure</a:t>
+            </a:r>
+            <a:r>
+              <a:rPr lang="de-DE" sz="2000" dirty="0" smtClean="0">
+                <a:latin typeface="Consolas"/>
+                <a:cs typeface="Consolas"/>
+              </a:rPr>
+              <a:t>;</a:t>
+            </a:r>
+            <a:br>
+              <a:rPr lang="de-DE" sz="2000" dirty="0" smtClean="0">
+                <a:latin typeface="Consolas"/>
+                <a:cs typeface="Consolas"/>
+              </a:rPr>
+            </a:br>
+            <a:r>
+              <a:rPr lang="de-DE" sz="2000" dirty="0" err="1" smtClean="0">
+                <a:latin typeface="Consolas"/>
+                <a:cs typeface="Consolas"/>
+              </a:rPr>
+              <a:t>import</a:t>
+            </a:r>
+            <a:r>
+              <a:rPr lang="de-DE" sz="2000" dirty="0" smtClean="0">
+                <a:latin typeface="Consolas"/>
+                <a:cs typeface="Consolas"/>
+              </a:rPr>
+              <a:t> </a:t>
+            </a:r>
+            <a:r>
+              <a:rPr lang="de-DE" sz="2000" dirty="0" err="1" smtClean="0">
+                <a:latin typeface="Consolas"/>
+                <a:cs typeface="Consolas"/>
+              </a:rPr>
+              <a:t>clojure.lang.Ifn</a:t>
+            </a:r>
+            <a:r>
+              <a:rPr lang="de-DE" sz="2000" dirty="0" smtClean="0">
+                <a:latin typeface="Consolas"/>
+                <a:cs typeface="Consolas"/>
+              </a:rPr>
+              <a:t>;</a:t>
+            </a:r>
+            <a:br>
+              <a:rPr lang="de-DE" sz="2000" dirty="0" smtClean="0">
+                <a:latin typeface="Consolas"/>
+                <a:cs typeface="Consolas"/>
+              </a:rPr>
+            </a:br>
+            <a:r>
+              <a:rPr lang="de-DE" sz="2000" dirty="0" smtClean="0">
+                <a:latin typeface="Consolas"/>
+                <a:cs typeface="Consolas"/>
+              </a:rPr>
+              <a:t/>
+            </a:r>
+            <a:br>
+              <a:rPr lang="de-DE" sz="2000" dirty="0" smtClean="0">
+                <a:latin typeface="Consolas"/>
+                <a:cs typeface="Consolas"/>
+              </a:rPr>
+            </a:br>
+            <a:r>
+              <a:rPr lang="de-DE" sz="2000" dirty="0" smtClean="0">
+                <a:latin typeface="Consolas"/>
+                <a:cs typeface="Consolas"/>
+              </a:rPr>
+              <a:t>...</a:t>
+            </a:r>
+            <a:br>
+              <a:rPr lang="de-DE" sz="2000" dirty="0" smtClean="0">
+                <a:latin typeface="Consolas"/>
+                <a:cs typeface="Consolas"/>
+              </a:rPr>
+            </a:br>
+            <a:r>
+              <a:rPr lang="de-DE" sz="2000" dirty="0" smtClean="0">
+                <a:latin typeface="Consolas"/>
+                <a:cs typeface="Consolas"/>
+              </a:rPr>
+              <a:t/>
+            </a:r>
+            <a:br>
+              <a:rPr lang="de-DE" sz="2000" dirty="0" smtClean="0">
+                <a:latin typeface="Consolas"/>
+                <a:cs typeface="Consolas"/>
+              </a:rPr>
+            </a:br>
+            <a:r>
+              <a:rPr lang="de-DE" sz="2000" dirty="0" err="1" smtClean="0">
+                <a:latin typeface="Consolas"/>
+                <a:cs typeface="Consolas"/>
+              </a:rPr>
+              <a:t>Ifn</a:t>
+            </a:r>
+            <a:r>
+              <a:rPr lang="de-DE" sz="2000" dirty="0" smtClean="0">
+                <a:latin typeface="Consolas"/>
+                <a:cs typeface="Consolas"/>
+              </a:rPr>
+              <a:t> </a:t>
+            </a:r>
+            <a:r>
+              <a:rPr lang="de-DE" sz="2000" dirty="0" err="1" smtClean="0">
+                <a:latin typeface="Consolas"/>
+                <a:cs typeface="Consolas"/>
+              </a:rPr>
+              <a:t>require</a:t>
+            </a:r>
+            <a:r>
+              <a:rPr lang="de-DE" sz="2000" dirty="0" smtClean="0">
+                <a:latin typeface="Consolas"/>
+                <a:cs typeface="Consolas"/>
+              </a:rPr>
+              <a:t> = </a:t>
+            </a:r>
+            <a:r>
+              <a:rPr lang="de-DE" sz="2000" dirty="0" err="1" smtClean="0">
+                <a:latin typeface="Consolas"/>
+                <a:cs typeface="Consolas"/>
+              </a:rPr>
+              <a:t>Clojure.var</a:t>
+            </a:r>
+            <a:r>
+              <a:rPr lang="de-DE" sz="2000" dirty="0" smtClean="0">
+                <a:latin typeface="Consolas"/>
+                <a:cs typeface="Consolas"/>
+              </a:rPr>
+              <a:t>( „</a:t>
+            </a:r>
+            <a:r>
+              <a:rPr lang="de-DE" sz="2000" dirty="0" err="1" smtClean="0">
+                <a:latin typeface="Consolas"/>
+                <a:cs typeface="Consolas"/>
+              </a:rPr>
+              <a:t>clojure.core</a:t>
+            </a:r>
+            <a:r>
+              <a:rPr lang="de-DE" sz="2000" dirty="0" smtClean="0">
+                <a:latin typeface="Consolas"/>
+                <a:cs typeface="Consolas"/>
+              </a:rPr>
+              <a:t>“, „</a:t>
+            </a:r>
+            <a:r>
+              <a:rPr lang="de-DE" sz="2000" dirty="0" err="1" smtClean="0">
+                <a:latin typeface="Consolas"/>
+                <a:cs typeface="Consolas"/>
+              </a:rPr>
+              <a:t>require</a:t>
+            </a:r>
+            <a:r>
+              <a:rPr lang="de-DE" sz="2000" dirty="0" smtClean="0">
+                <a:latin typeface="Consolas"/>
+                <a:cs typeface="Consolas"/>
+              </a:rPr>
+              <a:t>“ );</a:t>
+            </a:r>
+            <a:br>
+              <a:rPr lang="de-DE" sz="2000" dirty="0" smtClean="0">
+                <a:latin typeface="Consolas"/>
+                <a:cs typeface="Consolas"/>
+              </a:rPr>
+            </a:br>
+            <a:r>
+              <a:rPr lang="de-DE" sz="2000" dirty="0" err="1" smtClean="0">
+                <a:latin typeface="Consolas"/>
+                <a:cs typeface="Consolas"/>
+              </a:rPr>
+              <a:t>require.invoke</a:t>
+            </a:r>
+            <a:r>
+              <a:rPr lang="de-DE" sz="2000" dirty="0" smtClean="0">
+                <a:latin typeface="Consolas"/>
+                <a:cs typeface="Consolas"/>
+              </a:rPr>
+              <a:t>( </a:t>
+            </a:r>
+            <a:r>
+              <a:rPr lang="de-DE" sz="2000" dirty="0" err="1" smtClean="0">
+                <a:latin typeface="Consolas"/>
+                <a:cs typeface="Consolas"/>
+              </a:rPr>
+              <a:t>Clojure.read</a:t>
+            </a:r>
+            <a:r>
+              <a:rPr lang="de-DE" sz="2000" dirty="0" smtClean="0">
+                <a:latin typeface="Consolas"/>
+                <a:cs typeface="Consolas"/>
+              </a:rPr>
+              <a:t>( </a:t>
+            </a:r>
+            <a:r>
+              <a:rPr lang="de-DE" sz="2000" dirty="0" smtClean="0">
+                <a:latin typeface="Consolas"/>
+                <a:cs typeface="Consolas"/>
+              </a:rPr>
+              <a:t>„</a:t>
+            </a:r>
+            <a:r>
+              <a:rPr lang="de-DE" sz="2000" dirty="0" err="1" smtClean="0">
+                <a:latin typeface="Consolas"/>
+                <a:cs typeface="Consolas"/>
+              </a:rPr>
+              <a:t>de.coruco.binomial</a:t>
+            </a:r>
+            <a:r>
+              <a:rPr lang="de-DE" sz="2000" dirty="0" smtClean="0">
+                <a:latin typeface="Consolas"/>
+                <a:cs typeface="Consolas"/>
+              </a:rPr>
+              <a:t>“ </a:t>
+            </a:r>
+            <a:r>
+              <a:rPr lang="de-DE" sz="2000" dirty="0" smtClean="0">
+                <a:latin typeface="Consolas"/>
+                <a:cs typeface="Consolas"/>
+              </a:rPr>
+              <a:t>) );</a:t>
+            </a:r>
+            <a:br>
+              <a:rPr lang="de-DE" sz="2000" dirty="0" smtClean="0">
+                <a:latin typeface="Consolas"/>
+                <a:cs typeface="Consolas"/>
+              </a:rPr>
+            </a:br>
+            <a:r>
+              <a:rPr lang="de-DE" sz="2000" dirty="0" smtClean="0">
+                <a:latin typeface="Consolas"/>
+                <a:cs typeface="Consolas"/>
+              </a:rPr>
+              <a:t/>
+            </a:r>
+            <a:br>
+              <a:rPr lang="de-DE" sz="2000" dirty="0" smtClean="0">
+                <a:latin typeface="Consolas"/>
+                <a:cs typeface="Consolas"/>
+              </a:rPr>
+            </a:br>
+            <a:r>
+              <a:rPr lang="de-DE" sz="2000" dirty="0" err="1" smtClean="0">
+                <a:latin typeface="Consolas"/>
+                <a:cs typeface="Consolas"/>
+              </a:rPr>
+              <a:t>Ifn</a:t>
+            </a:r>
+            <a:r>
+              <a:rPr lang="de-DE" sz="2000" dirty="0" smtClean="0">
+                <a:latin typeface="Consolas"/>
+                <a:cs typeface="Consolas"/>
+              </a:rPr>
+              <a:t> </a:t>
+            </a:r>
+            <a:r>
+              <a:rPr lang="de-DE" sz="2000" dirty="0" err="1" smtClean="0">
+                <a:latin typeface="Consolas"/>
+                <a:cs typeface="Consolas"/>
+              </a:rPr>
+              <a:t>binomi</a:t>
+            </a:r>
+            <a:r>
+              <a:rPr lang="de-DE" sz="2000" dirty="0" smtClean="0">
+                <a:latin typeface="Consolas"/>
+                <a:cs typeface="Consolas"/>
+              </a:rPr>
+              <a:t> = </a:t>
+            </a:r>
+            <a:r>
+              <a:rPr lang="de-DE" sz="2000" dirty="0" err="1" smtClean="0">
+                <a:latin typeface="Consolas"/>
+                <a:cs typeface="Consolas"/>
+              </a:rPr>
+              <a:t>Clojure.var</a:t>
+            </a:r>
+            <a:r>
+              <a:rPr lang="de-DE" sz="2000" dirty="0" smtClean="0">
+                <a:latin typeface="Consolas"/>
+                <a:cs typeface="Consolas"/>
+              </a:rPr>
+              <a:t>( </a:t>
+            </a:r>
+            <a:r>
+              <a:rPr lang="de-DE" sz="2000" dirty="0" smtClean="0">
+                <a:latin typeface="Consolas"/>
+                <a:cs typeface="Consolas"/>
+              </a:rPr>
+              <a:t>„</a:t>
+            </a:r>
+            <a:r>
+              <a:rPr lang="de-DE" sz="2000" dirty="0" err="1" smtClean="0">
+                <a:latin typeface="Consolas"/>
+                <a:cs typeface="Consolas"/>
+              </a:rPr>
+              <a:t>de.coruco.binomial</a:t>
+            </a:r>
+            <a:r>
+              <a:rPr lang="de-DE" sz="2000" dirty="0" smtClean="0">
+                <a:latin typeface="Consolas"/>
+                <a:cs typeface="Consolas"/>
+              </a:rPr>
+              <a:t>“</a:t>
+            </a:r>
+            <a:r>
+              <a:rPr lang="de-DE" sz="2000" dirty="0" smtClean="0">
+                <a:latin typeface="Consolas"/>
+                <a:cs typeface="Consolas"/>
+              </a:rPr>
+              <a:t>, „</a:t>
+            </a:r>
+            <a:r>
+              <a:rPr lang="de-DE" sz="2000" dirty="0" err="1" smtClean="0">
+                <a:latin typeface="Consolas"/>
+                <a:cs typeface="Consolas"/>
+              </a:rPr>
+              <a:t>binomial</a:t>
+            </a:r>
+            <a:r>
+              <a:rPr lang="de-DE" sz="2000" dirty="0" smtClean="0">
+                <a:latin typeface="Consolas"/>
+                <a:cs typeface="Consolas"/>
+              </a:rPr>
+              <a:t>“ );</a:t>
+            </a:r>
+            <a:r>
+              <a:rPr lang="de-DE" sz="2000" dirty="0">
+                <a:latin typeface="Consolas"/>
+                <a:cs typeface="Consolas"/>
+              </a:rPr>
+              <a:t/>
+            </a:r>
+            <a:br>
+              <a:rPr lang="de-DE" sz="2000" dirty="0">
+                <a:latin typeface="Consolas"/>
+                <a:cs typeface="Consolas"/>
+              </a:rPr>
+            </a:br>
+            <a:r>
+              <a:rPr lang="de-DE" sz="2000" dirty="0" err="1" smtClean="0">
+                <a:latin typeface="Consolas"/>
+                <a:cs typeface="Consolas"/>
+              </a:rPr>
+              <a:t>Object</a:t>
+            </a:r>
+            <a:r>
+              <a:rPr lang="de-DE" sz="2000" dirty="0" smtClean="0">
+                <a:latin typeface="Consolas"/>
+                <a:cs typeface="Consolas"/>
+              </a:rPr>
+              <a:t> </a:t>
+            </a:r>
+            <a:r>
+              <a:rPr lang="de-DE" sz="2000" dirty="0" err="1" smtClean="0">
+                <a:latin typeface="Consolas"/>
+                <a:cs typeface="Consolas"/>
+              </a:rPr>
+              <a:t>result</a:t>
+            </a:r>
+            <a:r>
+              <a:rPr lang="de-DE" sz="2000" dirty="0" smtClean="0">
+                <a:latin typeface="Consolas"/>
+                <a:cs typeface="Consolas"/>
+              </a:rPr>
+              <a:t> = </a:t>
+            </a:r>
+            <a:r>
+              <a:rPr lang="de-DE" sz="2000" dirty="0" err="1" smtClean="0">
+                <a:latin typeface="Consolas"/>
+                <a:cs typeface="Consolas"/>
+              </a:rPr>
+              <a:t>binomi.invoke</a:t>
+            </a:r>
+            <a:r>
+              <a:rPr lang="de-DE" sz="2000" dirty="0" smtClean="0">
+                <a:latin typeface="Consolas"/>
+                <a:cs typeface="Consolas"/>
+              </a:rPr>
+              <a:t>( 7, 6 );</a:t>
+            </a:r>
+          </a:p>
+        </p:txBody>
+      </p:sp>
+    </p:spTree>
+    <p:extLst>
+      <p:ext uri="{BB962C8B-B14F-4D97-AF65-F5344CB8AC3E}">
+        <p14:creationId xmlns:p14="http://schemas.microsoft.com/office/powerpoint/2010/main" val="1278712096"/>
+      </p:ext>
+    </p:extLst>
+  </p:cSld>
+  <p:clrMapOvr>
+    <a:masterClrMapping/>
+  </p:clrMapOvr>
+  <p:timing>
+    <p:tnLst>
+      <p:par>
+        <p:cTn xmlns:p14="http://schemas.microsoft.com/office/powerpoint/2010/main" id="1" dur="indefinite" restart="never" nodeType="tmRoot"/>
+      </p:par>
+    </p:tnLst>
+  </p:timing>
+</p:sld>
+</file>
+
+<file path=ppt/slides/slide32.xml><?xml version="1.0" encoding="utf-8"?>
+<p:sld xmlns:a="http://schemas.openxmlformats.org/drawingml/2006/main" xmlns:r="http://schemas.openxmlformats.org/officeDocument/2006/relationships" xmlns:p="http://schemas.openxmlformats.org/presentationml/2006/main">
+  <p:cSld>
+    <p:spTree>
+      <p:nvGrpSpPr>
+        <p:cNvPr id="1" name=""/>
+        <p:cNvGrpSpPr/>
+        <p:nvPr/>
+      </p:nvGrpSpPr>
+      <p:grpSpPr>
+        <a:xfrm>
+          <a:off x="0" y="0"/>
+          <a:ext cx="0" cy="0"/>
+          <a:chOff x="0" y="0"/>
+          <a:chExt cx="0" cy="0"/>
+        </a:xfrm>
+      </p:grpSpPr>
+      <p:sp>
+        <p:nvSpPr>
+          <p:cNvPr id="2" name="Titel 1"/>
+          <p:cNvSpPr>
+            <a:spLocks noGrp="1"/>
+          </p:cNvSpPr>
+          <p:nvPr>
+            <p:ph type="title"/>
+          </p:nvPr>
+        </p:nvSpPr>
+        <p:spPr/>
+        <p:txBody>
+          <a:bodyPr>
+            <a:normAutofit fontScale="90000"/>
+          </a:bodyPr>
+          <a:lstStyle/>
+          <a:p>
+            <a:r>
+              <a:rPr lang="de-DE" dirty="0" smtClean="0"/>
+              <a:t>Sechs Regeln der </a:t>
+            </a:r>
+            <a:r>
+              <a:rPr lang="de-DE" dirty="0" err="1" smtClean="0"/>
+              <a:t>Clojure</a:t>
+            </a:r>
+            <a:r>
+              <a:rPr lang="de-DE" dirty="0" smtClean="0"/>
+              <a:t> Programmierung</a:t>
+            </a:r>
+            <a:endParaRPr lang="de-DE" dirty="0"/>
+          </a:p>
+        </p:txBody>
+      </p:sp>
+      <p:sp>
+        <p:nvSpPr>
+          <p:cNvPr id="3" name="Inhaltsplatzhalter 2"/>
+          <p:cNvSpPr>
+            <a:spLocks noGrp="1"/>
+          </p:cNvSpPr>
+          <p:nvPr>
+            <p:ph idx="1"/>
+          </p:nvPr>
+        </p:nvSpPr>
+        <p:spPr/>
+        <p:txBody>
+          <a:bodyPr/>
+          <a:lstStyle/>
+          <a:p>
+            <a:pPr marL="457200" indent="-457200">
+              <a:buFont typeface="+mj-lt"/>
+              <a:buAutoNum type="arabicPeriod"/>
+            </a:pPr>
+            <a:r>
+              <a:rPr lang="de-DE" dirty="0" smtClean="0"/>
+              <a:t>Vermeide direkte Rekursion</a:t>
+            </a:r>
+          </a:p>
+          <a:p>
+            <a:pPr marL="457200" indent="-457200">
+              <a:buFont typeface="+mj-lt"/>
+              <a:buAutoNum type="arabicPeriod"/>
+            </a:pPr>
+            <a:r>
+              <a:rPr lang="de-DE" dirty="0" smtClean="0"/>
+              <a:t>Benutze </a:t>
+            </a:r>
+            <a:r>
+              <a:rPr lang="de-DE" dirty="0" err="1" smtClean="0">
+                <a:latin typeface="Consolas"/>
+                <a:cs typeface="Consolas"/>
+              </a:rPr>
+              <a:t>recur</a:t>
+            </a:r>
+            <a:r>
+              <a:rPr lang="de-DE" dirty="0" smtClean="0"/>
+              <a:t> um Skalare oder  kurze Sequenzen zu verarbeiten</a:t>
+            </a:r>
+          </a:p>
+          <a:p>
+            <a:pPr marL="457200" indent="-457200">
+              <a:buFont typeface="+mj-lt"/>
+              <a:buAutoNum type="arabicPeriod"/>
+            </a:pPr>
+            <a:r>
+              <a:rPr lang="de-DE" dirty="0" smtClean="0"/>
+              <a:t>Verwende </a:t>
+            </a:r>
+            <a:r>
+              <a:rPr lang="de-DE" dirty="0" err="1" smtClean="0"/>
+              <a:t>lazy</a:t>
+            </a:r>
+            <a:r>
+              <a:rPr lang="de-DE" dirty="0" smtClean="0"/>
+              <a:t> Sequenzen um lange Sequenzen zu verarbeiten</a:t>
+            </a:r>
+          </a:p>
+          <a:p>
+            <a:pPr marL="457200" indent="-457200">
+              <a:buFont typeface="+mj-lt"/>
+              <a:buAutoNum type="arabicPeriod"/>
+            </a:pPr>
+            <a:r>
+              <a:rPr lang="de-DE" dirty="0" smtClean="0"/>
+              <a:t>Erzeuge nicht unnötige Teile einer </a:t>
+            </a:r>
+            <a:r>
+              <a:rPr lang="de-DE" dirty="0" err="1" smtClean="0"/>
+              <a:t>lazy</a:t>
+            </a:r>
+            <a:r>
+              <a:rPr lang="de-DE" dirty="0" smtClean="0"/>
+              <a:t> Sequenz</a:t>
+            </a:r>
+          </a:p>
+          <a:p>
+            <a:pPr marL="457200" indent="-457200">
+              <a:buFont typeface="+mj-lt"/>
+              <a:buAutoNum type="arabicPeriod"/>
+            </a:pPr>
+            <a:r>
+              <a:rPr lang="de-DE" dirty="0" smtClean="0"/>
+              <a:t>Lernen Du musst die Funktionen von Sequenzen</a:t>
+            </a:r>
+          </a:p>
+          <a:p>
+            <a:pPr marL="457200" indent="-457200">
+              <a:buFont typeface="+mj-lt"/>
+              <a:buAutoNum type="arabicPeriod"/>
+            </a:pPr>
+            <a:r>
+              <a:rPr lang="de-DE" dirty="0" smtClean="0"/>
+              <a:t>Zerteile selbst einfache Probleme in triviale Probleme und Du wirst eine Lösung in der Standard-Bibliothek finden (Teile und Herrsche)</a:t>
+            </a:r>
+          </a:p>
+          <a:p>
+            <a:pPr marL="457200" indent="-457200">
+              <a:buFont typeface="+mj-lt"/>
+              <a:buAutoNum type="arabicPeriod"/>
+            </a:pPr>
+            <a:endParaRPr lang="de-DE" dirty="0"/>
+          </a:p>
+        </p:txBody>
+      </p:sp>
+    </p:spTree>
+    <p:extLst>
+      <p:ext uri="{BB962C8B-B14F-4D97-AF65-F5344CB8AC3E}">
+        <p14:creationId xmlns:p14="http://schemas.microsoft.com/office/powerpoint/2010/main" val="2871621972"/>
+      </p:ext>
+    </p:extLst>
+  </p:cSld>
+  <p:clrMapOvr>
+    <a:masterClrMapping/>
+  </p:clrMapOvr>
+  <p:timing>
+    <p:tnLst>
+      <p:par>
+        <p:cTn xmlns:p14="http://schemas.microsoft.com/office/powerpoint/2010/main" id="1" dur="indefinite" restart="never" nodeType="tmRoot"/>
+      </p:par>
+    </p:tnLst>
+  </p:timing>
+</p:sld>
+</file>
+
+<file path=ppt/slides/slide33.xml><?xml version="1.0" encoding="utf-8"?>
+<p:sld xmlns:a="http://schemas.openxmlformats.org/drawingml/2006/main" xmlns:r="http://schemas.openxmlformats.org/officeDocument/2006/relationships" xmlns:p="http://schemas.openxmlformats.org/presentationml/2006/main">
+  <p:cSld>
+    <p:spTree>
+      <p:nvGrpSpPr>
+        <p:cNvPr id="1" name=""/>
+        <p:cNvGrpSpPr/>
+        <p:nvPr/>
+      </p:nvGrpSpPr>
+      <p:grpSpPr>
+        <a:xfrm>
+          <a:off x="0" y="0"/>
+          <a:ext cx="0" cy="0"/>
+          <a:chOff x="0" y="0"/>
+          <a:chExt cx="0" cy="0"/>
+        </a:xfrm>
+      </p:grpSpPr>
+      <p:sp>
+        <p:nvSpPr>
+          <p:cNvPr id="2" name="Titel 1"/>
+          <p:cNvSpPr>
+            <a:spLocks noGrp="1"/>
+          </p:cNvSpPr>
+          <p:nvPr>
+            <p:ph type="title"/>
+          </p:nvPr>
+        </p:nvSpPr>
+        <p:spPr/>
+        <p:txBody>
+          <a:bodyPr/>
+          <a:lstStyle/>
+          <a:p>
+            <a:r>
+              <a:rPr lang="de-DE" dirty="0" smtClean="0"/>
+              <a:t>Agenda</a:t>
+            </a:r>
+            <a:endParaRPr lang="de-DE" dirty="0"/>
+          </a:p>
+        </p:txBody>
+      </p:sp>
+      <p:sp>
+        <p:nvSpPr>
+          <p:cNvPr id="3" name="Inhaltsplatzhalter 2"/>
+          <p:cNvSpPr>
+            <a:spLocks noGrp="1"/>
+          </p:cNvSpPr>
+          <p:nvPr>
+            <p:ph idx="1"/>
+          </p:nvPr>
+        </p:nvSpPr>
+        <p:spPr/>
+        <p:txBody>
+          <a:bodyPr/>
+          <a:lstStyle/>
+          <a:p>
+            <a:r>
+              <a:rPr lang="de-DE" dirty="0" smtClean="0">
+                <a:solidFill>
+                  <a:schemeClr val="tx1">
+                    <a:lumMod val="25000"/>
+                    <a:lumOff val="75000"/>
+                  </a:schemeClr>
+                </a:solidFill>
+              </a:rPr>
+              <a:t>Einführung in die funktionale Programmierung </a:t>
+            </a:r>
+            <a:r>
+              <a:rPr lang="de-DE" dirty="0">
+                <a:solidFill>
+                  <a:schemeClr val="accent1"/>
+                </a:solidFill>
+                <a:latin typeface="Zapf Dingbats"/>
+                <a:ea typeface="Zapf Dingbats"/>
+                <a:cs typeface="Zapf Dingbats"/>
+                <a:sym typeface="Zapf Dingbats"/>
+              </a:rPr>
+              <a:t>✔</a:t>
+            </a:r>
+            <a:endParaRPr lang="de-DE" dirty="0" smtClean="0">
+              <a:solidFill>
+                <a:schemeClr val="tx1">
+                  <a:lumMod val="25000"/>
+                  <a:lumOff val="75000"/>
+                </a:schemeClr>
+              </a:solidFill>
+            </a:endParaRPr>
+          </a:p>
+          <a:p>
+            <a:r>
+              <a:rPr lang="de-DE" dirty="0" smtClean="0">
+                <a:solidFill>
+                  <a:schemeClr val="tx1">
+                    <a:lumMod val="25000"/>
+                    <a:lumOff val="75000"/>
+                  </a:schemeClr>
+                </a:solidFill>
+              </a:rPr>
+              <a:t>Reine FP in der JVM an Hand von </a:t>
+            </a:r>
+            <a:r>
+              <a:rPr lang="de-DE" dirty="0" err="1" smtClean="0">
+                <a:solidFill>
+                  <a:schemeClr val="tx1">
+                    <a:lumMod val="25000"/>
+                    <a:lumOff val="75000"/>
+                  </a:schemeClr>
+                </a:solidFill>
+              </a:rPr>
+              <a:t>Clojure</a:t>
+            </a:r>
+            <a:r>
+              <a:rPr lang="de-DE" dirty="0" smtClean="0">
+                <a:solidFill>
+                  <a:schemeClr val="tx1">
+                    <a:lumMod val="25000"/>
+                    <a:lumOff val="75000"/>
+                  </a:schemeClr>
+                </a:solidFill>
+              </a:rPr>
+              <a:t> </a:t>
+            </a:r>
+            <a:r>
+              <a:rPr lang="de-DE" dirty="0">
+                <a:solidFill>
+                  <a:schemeClr val="accent1"/>
+                </a:solidFill>
+                <a:latin typeface="Zapf Dingbats"/>
+                <a:ea typeface="Zapf Dingbats"/>
+                <a:cs typeface="Zapf Dingbats"/>
+                <a:sym typeface="Zapf Dingbats"/>
+              </a:rPr>
+              <a:t>✔</a:t>
+            </a:r>
+            <a:endParaRPr lang="de-DE" dirty="0" smtClean="0">
+              <a:solidFill>
+                <a:schemeClr val="tx1">
+                  <a:lumMod val="25000"/>
+                  <a:lumOff val="75000"/>
+                </a:schemeClr>
+              </a:solidFill>
+            </a:endParaRPr>
+          </a:p>
+          <a:p>
+            <a:endParaRPr lang="de-DE" dirty="0"/>
+          </a:p>
+          <a:p>
+            <a:r>
+              <a:rPr lang="de-DE" dirty="0" err="1" smtClean="0"/>
+              <a:t>Semi</a:t>
+            </a:r>
+            <a:r>
+              <a:rPr lang="de-DE" dirty="0" smtClean="0"/>
+              <a:t> / </a:t>
+            </a:r>
+            <a:r>
+              <a:rPr lang="de-DE" dirty="0" err="1" smtClean="0"/>
+              <a:t>Practical</a:t>
+            </a:r>
+            <a:r>
+              <a:rPr lang="de-DE" dirty="0" smtClean="0"/>
+              <a:t> FP an Hand von </a:t>
+            </a:r>
+            <a:r>
+              <a:rPr lang="de-DE" dirty="0" err="1" smtClean="0"/>
+              <a:t>Guava</a:t>
+            </a:r>
+            <a:endParaRPr lang="de-DE" dirty="0" smtClean="0"/>
+          </a:p>
+          <a:p>
+            <a:r>
+              <a:rPr lang="de-DE" dirty="0" err="1" smtClean="0"/>
+              <a:t>Closures</a:t>
+            </a:r>
+            <a:r>
+              <a:rPr lang="de-DE" dirty="0" smtClean="0"/>
+              <a:t> in Java 8</a:t>
+            </a:r>
+          </a:p>
+          <a:p>
+            <a:r>
+              <a:rPr lang="de-DE" dirty="0" smtClean="0"/>
+              <a:t>Ausblick</a:t>
+            </a:r>
+            <a:endParaRPr lang="de-DE" dirty="0"/>
+          </a:p>
+        </p:txBody>
+      </p:sp>
+    </p:spTree>
+    <p:extLst>
+      <p:ext uri="{BB962C8B-B14F-4D97-AF65-F5344CB8AC3E}">
+        <p14:creationId xmlns:p14="http://schemas.microsoft.com/office/powerpoint/2010/main" val="3309263823"/>
       </p:ext>
     </p:extLst>
   </p:cSld>

--- a/jugbi-fp-20141119/20141119_FP.pptx
+++ b/jugbi-fp-20141119/20141119_FP.pptx
@@ -5,7 +5,7 @@
     <p:sldMasterId id="2147484370" r:id="rId1"/>
   </p:sldMasterIdLst>
   <p:notesMasterIdLst>
-    <p:notesMasterId r:id="rId35"/>
+    <p:notesMasterId r:id="rId37"/>
   </p:notesMasterIdLst>
   <p:sldIdLst>
     <p:sldId id="258" r:id="rId2"/>
@@ -25,22 +25,24 @@
     <p:sldId id="286" r:id="rId16"/>
     <p:sldId id="271" r:id="rId17"/>
     <p:sldId id="278" r:id="rId18"/>
-    <p:sldId id="281" r:id="rId19"/>
-    <p:sldId id="282" r:id="rId20"/>
-    <p:sldId id="287" r:id="rId21"/>
-    <p:sldId id="279" r:id="rId22"/>
-    <p:sldId id="289" r:id="rId23"/>
-    <p:sldId id="290" r:id="rId24"/>
-    <p:sldId id="291" r:id="rId25"/>
-    <p:sldId id="293" r:id="rId26"/>
-    <p:sldId id="294" r:id="rId27"/>
-    <p:sldId id="292" r:id="rId28"/>
-    <p:sldId id="295" r:id="rId29"/>
-    <p:sldId id="288" r:id="rId30"/>
-    <p:sldId id="284" r:id="rId31"/>
-    <p:sldId id="285" r:id="rId32"/>
-    <p:sldId id="280" r:id="rId33"/>
-    <p:sldId id="276" r:id="rId34"/>
+    <p:sldId id="298" r:id="rId19"/>
+    <p:sldId id="281" r:id="rId20"/>
+    <p:sldId id="282" r:id="rId21"/>
+    <p:sldId id="287" r:id="rId22"/>
+    <p:sldId id="279" r:id="rId23"/>
+    <p:sldId id="289" r:id="rId24"/>
+    <p:sldId id="290" r:id="rId25"/>
+    <p:sldId id="291" r:id="rId26"/>
+    <p:sldId id="293" r:id="rId27"/>
+    <p:sldId id="297" r:id="rId28"/>
+    <p:sldId id="292" r:id="rId29"/>
+    <p:sldId id="295" r:id="rId30"/>
+    <p:sldId id="296" r:id="rId31"/>
+    <p:sldId id="288" r:id="rId32"/>
+    <p:sldId id="284" r:id="rId33"/>
+    <p:sldId id="285" r:id="rId34"/>
+    <p:sldId id="280" r:id="rId35"/>
+    <p:sldId id="276" r:id="rId36"/>
   </p:sldIdLst>
   <p:sldSz cx="9144000" cy="6858000" type="screen4x3"/>
   <p:notesSz cx="6858000" cy="9144000"/>
@@ -759,7 +761,7 @@
           <a:p>
             <a:fld id="{F8A39296-B31D-DC45-87B0-E02527FDCF1A}" type="slidenum">
               <a:rPr lang="de-DE" smtClean="0"/>
-              <a:t>22</a:t>
+              <a:t>23</a:t>
             </a:fld>
             <a:endParaRPr lang="de-DE"/>
           </a:p>
@@ -822,200 +824,6 @@
           <a:bodyPr/>
           <a:lstStyle/>
           <a:p>
-            <a:r>
-              <a:rPr lang="de-DE" dirty="0" smtClean="0"/>
-              <a:t>Syntax </a:t>
-            </a:r>
-            <a:r>
-              <a:rPr lang="de-DE" dirty="0" err="1" smtClean="0"/>
-              <a:t>based</a:t>
-            </a:r>
-            <a:r>
-              <a:rPr lang="de-DE" dirty="0" smtClean="0"/>
-              <a:t> on S-</a:t>
-            </a:r>
-            <a:r>
-              <a:rPr lang="de-DE" dirty="0" err="1" smtClean="0"/>
-              <a:t>Expressions</a:t>
-            </a:r>
-            <a:endParaRPr lang="de-DE" dirty="0" smtClean="0"/>
-          </a:p>
-          <a:p>
-            <a:r>
-              <a:rPr lang="de-DE" dirty="0" smtClean="0"/>
-              <a:t>S-</a:t>
-            </a:r>
-            <a:r>
-              <a:rPr lang="de-DE" dirty="0" err="1" smtClean="0"/>
-              <a:t>Expressions</a:t>
-            </a:r>
-            <a:r>
-              <a:rPr lang="de-DE" dirty="0" smtClean="0"/>
-              <a:t> </a:t>
-            </a:r>
-            <a:r>
-              <a:rPr lang="de-DE" dirty="0" err="1" smtClean="0"/>
-              <a:t>are</a:t>
-            </a:r>
-            <a:r>
-              <a:rPr lang="de-DE" dirty="0" smtClean="0"/>
-              <a:t> </a:t>
-            </a:r>
-            <a:r>
-              <a:rPr lang="de-DE" dirty="0" err="1" smtClean="0"/>
-              <a:t>parsed</a:t>
-            </a:r>
-            <a:r>
-              <a:rPr lang="de-DE" dirty="0" smtClean="0"/>
-              <a:t> </a:t>
-            </a:r>
-            <a:r>
-              <a:rPr lang="de-DE" dirty="0" err="1" smtClean="0"/>
-              <a:t>by</a:t>
-            </a:r>
-            <a:r>
-              <a:rPr lang="de-DE" dirty="0" smtClean="0"/>
-              <a:t> </a:t>
-            </a:r>
-            <a:r>
-              <a:rPr lang="de-DE" dirty="0" err="1" smtClean="0"/>
-              <a:t>the</a:t>
-            </a:r>
-            <a:r>
-              <a:rPr lang="de-DE" dirty="0" smtClean="0"/>
-              <a:t> Reader </a:t>
-            </a:r>
-            <a:r>
-              <a:rPr lang="de-DE" dirty="0" err="1" smtClean="0"/>
-              <a:t>into</a:t>
-            </a:r>
-            <a:r>
-              <a:rPr lang="de-DE" dirty="0" smtClean="0"/>
-              <a:t> </a:t>
-            </a:r>
-            <a:r>
-              <a:rPr lang="de-DE" dirty="0" err="1" smtClean="0"/>
-              <a:t>data</a:t>
-            </a:r>
-            <a:r>
-              <a:rPr lang="de-DE" dirty="0" smtClean="0"/>
-              <a:t> </a:t>
-            </a:r>
-            <a:r>
-              <a:rPr lang="de-DE" dirty="0" err="1" smtClean="0"/>
-              <a:t>structures</a:t>
-            </a:r>
-            <a:r>
-              <a:rPr lang="de-DE" dirty="0" smtClean="0"/>
-              <a:t> </a:t>
-            </a:r>
-            <a:r>
-              <a:rPr lang="de-DE" dirty="0" err="1" smtClean="0"/>
-              <a:t>before</a:t>
-            </a:r>
-            <a:r>
-              <a:rPr lang="de-DE" dirty="0" smtClean="0"/>
-              <a:t> </a:t>
-            </a:r>
-            <a:r>
-              <a:rPr lang="de-DE" dirty="0" err="1" smtClean="0"/>
-              <a:t>being</a:t>
-            </a:r>
-            <a:r>
-              <a:rPr lang="de-DE" dirty="0" smtClean="0"/>
-              <a:t> </a:t>
-            </a:r>
-            <a:r>
-              <a:rPr lang="de-DE" dirty="0" err="1" smtClean="0"/>
-              <a:t>executed</a:t>
-            </a:r>
-            <a:endParaRPr lang="de-DE" dirty="0" smtClean="0"/>
-          </a:p>
-          <a:p>
-            <a:endParaRPr lang="de-DE" dirty="0"/>
-          </a:p>
-        </p:txBody>
-      </p:sp>
-      <p:sp>
-        <p:nvSpPr>
-          <p:cNvPr id="4" name="Foliennummernplatzhalter 3"/>
-          <p:cNvSpPr>
-            <a:spLocks noGrp="1"/>
-          </p:cNvSpPr>
-          <p:nvPr>
-            <p:ph type="sldNum" sz="quarter" idx="10"/>
-          </p:nvPr>
-        </p:nvSpPr>
-        <p:spPr/>
-        <p:txBody>
-          <a:bodyPr/>
-          <a:lstStyle/>
-          <a:p>
-            <a:fld id="{F8A39296-B31D-DC45-87B0-E02527FDCF1A}" type="slidenum">
-              <a:rPr lang="de-DE" smtClean="0"/>
-              <a:t>26</a:t>
-            </a:fld>
-            <a:endParaRPr lang="de-DE"/>
-          </a:p>
-        </p:txBody>
-      </p:sp>
-    </p:spTree>
-    <p:extLst>
-      <p:ext uri="{BB962C8B-B14F-4D97-AF65-F5344CB8AC3E}">
-        <p14:creationId xmlns:p14="http://schemas.microsoft.com/office/powerpoint/2010/main" val="3277319441"/>
-      </p:ext>
-    </p:extLst>
-  </p:cSld>
-  <p:clrMapOvr>
-    <a:masterClrMapping/>
-  </p:clrMapOvr>
-</p:notes>
-</file>
-
-<file path=ppt/notesSlides/notesSlide12.xml><?xml version="1.0" encoding="utf-8"?>
-<p:notes xmlns:a="http://schemas.openxmlformats.org/drawingml/2006/main" xmlns:r="http://schemas.openxmlformats.org/officeDocument/2006/relationships" xmlns:p="http://schemas.openxmlformats.org/presentationml/2006/main">
-  <p:cSld>
-    <p:spTree>
-      <p:nvGrpSpPr>
-        <p:cNvPr id="1" name=""/>
-        <p:cNvGrpSpPr/>
-        <p:nvPr/>
-      </p:nvGrpSpPr>
-      <p:grpSpPr>
-        <a:xfrm>
-          <a:off x="0" y="0"/>
-          <a:ext cx="0" cy="0"/>
-          <a:chOff x="0" y="0"/>
-          <a:chExt cx="0" cy="0"/>
-        </a:xfrm>
-      </p:grpSpPr>
-      <p:sp>
-        <p:nvSpPr>
-          <p:cNvPr id="2" name="Folienbildplatzhalter 1"/>
-          <p:cNvSpPr>
-            <a:spLocks noGrp="1" noRot="1" noChangeAspect="1"/>
-          </p:cNvSpPr>
-          <p:nvPr>
-            <p:ph type="sldImg"/>
-          </p:nvPr>
-        </p:nvSpPr>
-        <p:spPr/>
-      </p:sp>
-      <p:sp>
-        <p:nvSpPr>
-          <p:cNvPr id="3" name="Notizenplatzhalter 2"/>
-          <p:cNvSpPr>
-            <a:spLocks noGrp="1"/>
-          </p:cNvSpPr>
-          <p:nvPr>
-            <p:ph type="body" idx="1"/>
-          </p:nvPr>
-        </p:nvSpPr>
-        <p:spPr/>
-        <p:txBody>
-          <a:bodyPr/>
-          <a:lstStyle/>
-          <a:p>
             <a:pPr marL="228600" indent="-228600">
               <a:buAutoNum type="arabicPeriod"/>
             </a:pPr>
@@ -1070,7 +878,7 @@
           <a:p>
             <a:fld id="{F8A39296-B31D-DC45-87B0-E02527FDCF1A}" type="slidenum">
               <a:rPr lang="de-DE" smtClean="0"/>
-              <a:t>32</a:t>
+              <a:t>34</a:t>
             </a:fld>
             <a:endParaRPr lang="de-DE"/>
           </a:p>
@@ -1764,7 +1572,7 @@
           <a:p>
             <a:fld id="{F8A39296-B31D-DC45-87B0-E02527FDCF1A}" type="slidenum">
               <a:rPr lang="de-DE" smtClean="0"/>
-              <a:t>18</a:t>
+              <a:t>19</a:t>
             </a:fld>
             <a:endParaRPr lang="de-DE"/>
           </a:p>
@@ -1876,7 +1684,7 @@
           <a:p>
             <a:fld id="{F8A39296-B31D-DC45-87B0-E02527FDCF1A}" type="slidenum">
               <a:rPr lang="de-DE" smtClean="0"/>
-              <a:t>19</a:t>
+              <a:t>20</a:t>
             </a:fld>
             <a:endParaRPr lang="de-DE"/>
           </a:p>
@@ -2070,7 +1878,7 @@
           <a:p>
             <a:fld id="{F8A39296-B31D-DC45-87B0-E02527FDCF1A}" type="slidenum">
               <a:rPr lang="de-DE" smtClean="0"/>
-              <a:t>21</a:t>
+              <a:t>22</a:t>
             </a:fld>
             <a:endParaRPr lang="de-DE"/>
           </a:p>
@@ -7281,6 +7089,13 @@
   <p:clrMapOvr>
     <a:masterClrMapping/>
   </p:clrMapOvr>
+  <p:timing>
+    <p:tnLst>
+      <p:par>
+        <p:cTn xmlns:p14="http://schemas.microsoft.com/office/powerpoint/2010/main" id="1" dur="indefinite" restart="never" nodeType="tmRoot"/>
+      </p:par>
+    </p:tnLst>
+  </p:timing>
 </p:sld>
 </file>
 
@@ -7588,282 +7403,124 @@
       </p:grpSpPr>
       <p:sp>
         <p:nvSpPr>
-          <p:cNvPr id="2" name="Titel 1"/>
-          <p:cNvSpPr>
-            <a:spLocks noGrp="1"/>
-          </p:cNvSpPr>
-          <p:nvPr>
-            <p:ph type="title"/>
-          </p:nvPr>
-        </p:nvSpPr>
-        <p:spPr/>
-        <p:txBody>
-          <a:bodyPr/>
-          <a:lstStyle/>
-          <a:p>
-            <a:r>
-              <a:rPr lang="de-DE" dirty="0" smtClean="0"/>
-              <a:t>Installation</a:t>
-            </a:r>
-            <a:endParaRPr lang="de-DE" dirty="0"/>
-          </a:p>
-        </p:txBody>
-      </p:sp>
-      <p:sp>
-        <p:nvSpPr>
-          <p:cNvPr id="3" name="Inhaltsplatzhalter 2"/>
-          <p:cNvSpPr>
-            <a:spLocks noGrp="1"/>
-          </p:cNvSpPr>
-          <p:nvPr>
-            <p:ph idx="1"/>
-          </p:nvPr>
-        </p:nvSpPr>
-        <p:spPr/>
-        <p:txBody>
-          <a:bodyPr/>
-          <a:lstStyle/>
-          <a:p>
-            <a:pPr marL="457200" indent="-457200">
-              <a:buFont typeface="+mj-lt"/>
-              <a:buAutoNum type="arabicPeriod"/>
-            </a:pPr>
-            <a:r>
-              <a:rPr lang="de-DE" dirty="0" smtClean="0"/>
-              <a:t>Download </a:t>
-            </a:r>
-            <a:r>
-              <a:rPr lang="de-DE" dirty="0" err="1" smtClean="0"/>
-              <a:t>latest</a:t>
-            </a:r>
-            <a:r>
-              <a:rPr lang="de-DE" dirty="0" smtClean="0"/>
+          <p:cNvPr id="2" name="Textfeld 1"/>
+          <p:cNvSpPr txBox="1"/>
+          <p:nvPr/>
+        </p:nvSpPr>
+        <p:spPr>
+          <a:xfrm>
+            <a:off x="1093382" y="2533386"/>
+            <a:ext cx="7053734" cy="1569660"/>
+          </a:xfrm>
+          <a:prstGeom prst="rect">
+            <a:avLst/>
+          </a:prstGeom>
+          <a:noFill/>
+        </p:spPr>
+        <p:txBody>
+          <a:bodyPr wrap="none" rtlCol="0">
+            <a:spAutoFit/>
+          </a:bodyPr>
+          <a:lstStyle/>
+          <a:p>
+            <a:r>
+              <a:rPr lang="de-DE" sz="9600" dirty="0" err="1" smtClean="0">
+                <a:solidFill>
+                  <a:schemeClr val="accent3"/>
+                </a:solidFill>
+              </a:rPr>
+              <a:t>i</a:t>
+            </a:r>
+            <a:r>
+              <a:rPr lang="de-DE" sz="9600" dirty="0" err="1" smtClean="0">
+                <a:solidFill>
+                  <a:schemeClr val="accent3"/>
+                </a:solidFill>
+              </a:rPr>
+              <a:t>ncrement</a:t>
+            </a:r>
+            <a:r>
+              <a:rPr lang="de-DE" sz="9600" dirty="0">
+                <a:solidFill>
+                  <a:schemeClr val="accent2"/>
+                </a:solidFill>
+              </a:rPr>
               <a:t> </a:t>
             </a:r>
             <a:r>
-              <a:rPr lang="de-DE" dirty="0" err="1" smtClean="0"/>
-              <a:t>clojure.jar</a:t>
-            </a:r>
-            <a:r>
-              <a:rPr lang="de-DE" dirty="0" smtClean="0"/>
-              <a:t> (</a:t>
-            </a:r>
-            <a:r>
-              <a:rPr lang="de-DE" dirty="0" smtClean="0">
-                <a:hlinkClick r:id="rId3"/>
-              </a:rPr>
-              <a:t>http</a:t>
-            </a:r>
-            <a:r>
-              <a:rPr lang="de-DE" dirty="0">
-                <a:hlinkClick r:id="rId3"/>
-              </a:rPr>
-              <a:t>://clojure.org/</a:t>
-            </a:r>
-            <a:r>
-              <a:rPr lang="de-DE" dirty="0" smtClean="0">
-                <a:hlinkClick r:id="rId3"/>
-              </a:rPr>
-              <a:t>downloads</a:t>
-            </a:r>
-            <a:r>
-              <a:rPr lang="de-DE" dirty="0" smtClean="0"/>
+              <a:rPr lang="de-DE" sz="9600" dirty="0" smtClean="0">
+                <a:solidFill>
+                  <a:schemeClr val="accent2"/>
+                </a:solidFill>
+              </a:rPr>
+              <a:t> </a:t>
+            </a:r>
+            <a:r>
+              <a:rPr lang="de-DE" sz="9600" dirty="0" smtClean="0">
+                <a:solidFill>
+                  <a:schemeClr val="accent3"/>
+                </a:solidFill>
+              </a:rPr>
+              <a:t>1 </a:t>
+            </a:r>
+            <a:r>
+              <a:rPr lang="de-DE" sz="9600" dirty="0" smtClean="0">
+                <a:solidFill>
+                  <a:schemeClr val="accent2"/>
+                </a:solidFill>
+              </a:rPr>
               <a:t>)</a:t>
             </a:r>
-          </a:p>
-          <a:p>
-            <a:pPr marL="457200" indent="-457200">
-              <a:buFont typeface="+mj-lt"/>
-              <a:buAutoNum type="arabicPeriod"/>
-            </a:pPr>
-            <a:r>
-              <a:rPr lang="de-DE" dirty="0" err="1" smtClean="0"/>
-              <a:t>Clone</a:t>
-            </a:r>
-            <a:r>
-              <a:rPr lang="de-DE" dirty="0" smtClean="0"/>
-              <a:t> </a:t>
-            </a:r>
-            <a:r>
-              <a:rPr lang="de-DE" dirty="0" err="1" smtClean="0"/>
-              <a:t>and</a:t>
-            </a:r>
-            <a:r>
-              <a:rPr lang="de-DE" dirty="0" smtClean="0"/>
-              <a:t> </a:t>
-            </a:r>
-            <a:r>
-              <a:rPr lang="de-DE" dirty="0" err="1" smtClean="0"/>
-              <a:t>build</a:t>
-            </a:r>
-            <a:r>
-              <a:rPr lang="de-DE" dirty="0" smtClean="0"/>
-              <a:t> </a:t>
-            </a:r>
-            <a:r>
-              <a:rPr lang="de-DE" dirty="0" err="1" smtClean="0"/>
-              <a:t>from</a:t>
-            </a:r>
-            <a:r>
-              <a:rPr lang="de-DE" dirty="0" smtClean="0"/>
-              <a:t> </a:t>
-            </a:r>
-            <a:r>
-              <a:rPr lang="de-DE" dirty="0" err="1" smtClean="0"/>
-              <a:t>GitHub</a:t>
-            </a:r>
-            <a:r>
-              <a:rPr lang="de-DE" dirty="0" smtClean="0"/>
-              <a:t/>
-            </a:r>
-            <a:br>
-              <a:rPr lang="de-DE" dirty="0" smtClean="0"/>
-            </a:br>
-            <a:r>
-              <a:rPr lang="de-DE" dirty="0" smtClean="0"/>
-              <a:t>$ </a:t>
-            </a:r>
-            <a:r>
-              <a:rPr lang="de-DE" dirty="0" err="1" smtClean="0"/>
-              <a:t>git</a:t>
-            </a:r>
-            <a:r>
-              <a:rPr lang="de-DE" dirty="0" smtClean="0"/>
-              <a:t> </a:t>
-            </a:r>
-            <a:r>
-              <a:rPr lang="de-DE" dirty="0" err="1" smtClean="0"/>
-              <a:t>clone</a:t>
-            </a:r>
-            <a:r>
-              <a:rPr lang="de-DE" dirty="0"/>
-              <a:t> https://</a:t>
-            </a:r>
-            <a:r>
-              <a:rPr lang="de-DE" dirty="0" err="1"/>
-              <a:t>github.com</a:t>
-            </a:r>
-            <a:r>
-              <a:rPr lang="de-DE" dirty="0"/>
-              <a:t>/</a:t>
-            </a:r>
-            <a:r>
-              <a:rPr lang="de-DE" dirty="0" err="1"/>
-              <a:t>clojure</a:t>
-            </a:r>
-            <a:r>
-              <a:rPr lang="de-DE" dirty="0"/>
-              <a:t>/</a:t>
-            </a:r>
-            <a:r>
-              <a:rPr lang="de-DE" dirty="0" err="1" smtClean="0"/>
-              <a:t>clojure</a:t>
-            </a:r>
-            <a:r>
-              <a:rPr lang="de-DE" dirty="0" smtClean="0"/>
-              <a:t/>
-            </a:r>
-            <a:br>
-              <a:rPr lang="de-DE" dirty="0" smtClean="0"/>
-            </a:br>
-            <a:r>
-              <a:rPr lang="de-DE" dirty="0" smtClean="0"/>
-              <a:t>$ </a:t>
-            </a:r>
-            <a:r>
-              <a:rPr lang="de-DE" dirty="0" err="1" smtClean="0"/>
-              <a:t>mvn</a:t>
-            </a:r>
-            <a:r>
-              <a:rPr lang="de-DE" dirty="0" smtClean="0"/>
-              <a:t> clean </a:t>
-            </a:r>
-            <a:r>
-              <a:rPr lang="de-DE" dirty="0" err="1" smtClean="0"/>
-              <a:t>install</a:t>
-            </a:r>
-            <a:endParaRPr lang="de-DE" dirty="0" smtClean="0"/>
-          </a:p>
-          <a:p>
-            <a:endParaRPr lang="de-DE" dirty="0" smtClean="0"/>
-          </a:p>
-          <a:p>
-            <a:endParaRPr lang="de-DE" dirty="0" smtClean="0"/>
-          </a:p>
-          <a:p>
-            <a:r>
-              <a:rPr lang="de-DE" dirty="0" err="1" smtClean="0"/>
-              <a:t>To</a:t>
-            </a:r>
-            <a:r>
-              <a:rPr lang="de-DE" dirty="0" smtClean="0"/>
-              <a:t> </a:t>
-            </a:r>
-            <a:r>
-              <a:rPr lang="de-DE" dirty="0" err="1" smtClean="0"/>
-              <a:t>start</a:t>
-            </a:r>
-            <a:r>
-              <a:rPr lang="de-DE" dirty="0" smtClean="0"/>
-              <a:t> </a:t>
-            </a:r>
-            <a:r>
-              <a:rPr lang="de-DE" dirty="0" err="1" smtClean="0"/>
-              <a:t>the</a:t>
-            </a:r>
-            <a:r>
-              <a:rPr lang="de-DE" dirty="0" smtClean="0"/>
-              <a:t> REPL: </a:t>
-            </a:r>
-            <a:br>
-              <a:rPr lang="de-DE" dirty="0" smtClean="0"/>
-            </a:br>
-            <a:r>
-              <a:rPr lang="de-DE" dirty="0" smtClean="0"/>
-              <a:t>$ </a:t>
-            </a:r>
-            <a:r>
-              <a:rPr lang="de-DE" dirty="0" err="1" smtClean="0"/>
-              <a:t>rlwrap</a:t>
-            </a:r>
-            <a:r>
-              <a:rPr lang="de-DE" dirty="0" smtClean="0"/>
-              <a:t> </a:t>
-            </a:r>
-            <a:r>
-              <a:rPr lang="de-DE" dirty="0" err="1" smtClean="0"/>
-              <a:t>java</a:t>
-            </a:r>
-            <a:r>
-              <a:rPr lang="de-DE" dirty="0" smtClean="0"/>
-              <a:t> –</a:t>
-            </a:r>
-            <a:r>
-              <a:rPr lang="de-DE" dirty="0" err="1" smtClean="0"/>
-              <a:t>jar</a:t>
-            </a:r>
-            <a:r>
-              <a:rPr lang="de-DE" dirty="0" smtClean="0"/>
-              <a:t> </a:t>
-            </a:r>
-            <a:r>
-              <a:rPr lang="de-DE" dirty="0" err="1" smtClean="0"/>
-              <a:t>clojure-x.y.z.jar</a:t>
-            </a:r>
-            <a:endParaRPr lang="de-DE" dirty="0" smtClean="0"/>
-          </a:p>
-          <a:p>
-            <a:pPr marL="0" indent="0">
-              <a:buNone/>
-            </a:pPr>
-            <a:endParaRPr lang="de-DE" dirty="0" smtClean="0"/>
+            <a:endParaRPr lang="de-DE" sz="9600" dirty="0">
+              <a:solidFill>
+                <a:schemeClr val="accent2"/>
+              </a:solidFill>
+            </a:endParaRPr>
+          </a:p>
+        </p:txBody>
+      </p:sp>
+      <p:sp>
+        <p:nvSpPr>
+          <p:cNvPr id="3" name="Textfeld 2"/>
+          <p:cNvSpPr txBox="1"/>
+          <p:nvPr/>
+        </p:nvSpPr>
+        <p:spPr>
+          <a:xfrm>
+            <a:off x="6216924" y="2533386"/>
+            <a:ext cx="553757" cy="1569660"/>
+          </a:xfrm>
+          <a:prstGeom prst="rect">
+            <a:avLst/>
+          </a:prstGeom>
+          <a:noFill/>
+        </p:spPr>
+        <p:txBody>
+          <a:bodyPr wrap="none" rtlCol="0">
+            <a:spAutoFit/>
+          </a:bodyPr>
+          <a:lstStyle/>
+          <a:p>
+            <a:r>
+              <a:rPr lang="de-DE" sz="9600" dirty="0" smtClean="0">
+                <a:solidFill>
+                  <a:schemeClr val="accent2"/>
+                </a:solidFill>
+              </a:rPr>
+              <a:t>(</a:t>
+            </a:r>
+            <a:endParaRPr lang="de-DE" sz="9600" dirty="0">
+              <a:solidFill>
+                <a:schemeClr val="accent2"/>
+              </a:solidFill>
+            </a:endParaRPr>
           </a:p>
         </p:txBody>
       </p:sp>
     </p:spTree>
     <p:extLst>
       <p:ext uri="{BB962C8B-B14F-4D97-AF65-F5344CB8AC3E}">
-        <p14:creationId xmlns:p14="http://schemas.microsoft.com/office/powerpoint/2010/main" val="1145430169"/>
+        <p14:creationId xmlns:p14="http://schemas.microsoft.com/office/powerpoint/2010/main" val="1032733861"/>
       </p:ext>
     </p:extLst>
   </p:cSld>
@@ -7873,9 +7530,74 @@
   <p:timing>
     <p:tnLst>
       <p:par>
-        <p:cTn xmlns:p14="http://schemas.microsoft.com/office/powerpoint/2010/main" id="1" dur="indefinite" restart="never" nodeType="tmRoot"/>
+        <p:cTn xmlns:p14="http://schemas.microsoft.com/office/powerpoint/2010/main" id="1" dur="indefinite" restart="never" nodeType="tmRoot">
+          <p:childTnLst>
+            <p:seq concurrent="1" nextAc="seek">
+              <p:cTn id="2" dur="indefinite" nodeType="mainSeq">
+                <p:childTnLst>
+                  <p:par>
+                    <p:cTn id="3" fill="hold">
+                      <p:stCondLst>
+                        <p:cond delay="indefinite"/>
+                      </p:stCondLst>
+                      <p:childTnLst>
+                        <p:par>
+                          <p:cTn id="4" fill="hold">
+                            <p:stCondLst>
+                              <p:cond delay="0"/>
+                            </p:stCondLst>
+                            <p:childTnLst>
+                              <p:par>
+                                <p:cTn id="5" presetID="0" presetClass="path" presetSubtype="0" accel="50000" decel="50000" fill="hold" grpId="0" nodeType="clickEffect">
+                                  <p:stCondLst>
+                                    <p:cond delay="0"/>
+                                  </p:stCondLst>
+                                  <p:childTnLst>
+                                    <p:animMotion origin="layout" path="M -3.61111E-6 3.46945E-18 L -0.59913 0.00277 " pathEditMode="relative" ptsTypes="AA">
+                                      <p:cBhvr>
+                                        <p:cTn id="6" dur="2000" fill="hold"/>
+                                        <p:tgtEl>
+                                          <p:spTgt spid="3"/>
+                                        </p:tgtEl>
+                                        <p:attrNameLst>
+                                          <p:attrName>ppt_x</p:attrName>
+                                          <p:attrName>ppt_y</p:attrName>
+                                        </p:attrNameLst>
+                                      </p:cBhvr>
+                                    </p:animMotion>
+                                  </p:childTnLst>
+                                </p:cTn>
+                              </p:par>
+                            </p:childTnLst>
+                          </p:cTn>
+                        </p:par>
+                      </p:childTnLst>
+                    </p:cTn>
+                  </p:par>
+                </p:childTnLst>
+              </p:cTn>
+              <p:prevCondLst>
+                <p:cond evt="onPrev" delay="0">
+                  <p:tgtEl>
+                    <p:sldTgt/>
+                  </p:tgtEl>
+                </p:cond>
+              </p:prevCondLst>
+              <p:nextCondLst>
+                <p:cond evt="onNext" delay="0">
+                  <p:tgtEl>
+                    <p:sldTgt/>
+                  </p:tgtEl>
+                </p:cond>
+              </p:nextCondLst>
+            </p:seq>
+          </p:childTnLst>
+        </p:cTn>
       </p:par>
     </p:tnLst>
+    <p:bldLst>
+      <p:bldP spid="3" grpId="0"/>
+    </p:bldLst>
   </p:timing>
 </p:sld>
 </file>
@@ -7935,29 +7657,33 @@
           <a:bodyPr/>
           <a:lstStyle/>
           <a:p>
-            <a:r>
-              <a:rPr lang="de-DE" dirty="0" err="1" smtClean="0"/>
-              <a:t>Install</a:t>
+            <a:pPr marL="457200" indent="-457200">
+              <a:buFont typeface="+mj-lt"/>
+              <a:buAutoNum type="arabicPeriod"/>
+            </a:pPr>
+            <a:r>
+              <a:rPr lang="de-DE" dirty="0" smtClean="0"/>
+              <a:t>Aktuelles </a:t>
+            </a:r>
+            <a:r>
+              <a:rPr lang="de-DE" dirty="0" err="1" smtClean="0"/>
+              <a:t>clojure.jar</a:t>
             </a:r>
             <a:r>
               <a:rPr lang="de-DE" dirty="0" smtClean="0"/>
               <a:t> </a:t>
             </a:r>
             <a:r>
-              <a:rPr lang="de-DE" dirty="0" err="1" smtClean="0"/>
-              <a:t>latest</a:t>
+              <a:rPr lang="de-DE" dirty="0" smtClean="0"/>
+              <a:t>laden</a:t>
             </a:r>
             <a:r>
               <a:rPr lang="de-DE" dirty="0" smtClean="0"/>
               <a:t> </a:t>
             </a:r>
             <a:r>
-              <a:rPr lang="de-DE" dirty="0" err="1" smtClean="0"/>
-              <a:t>Leiningen</a:t>
-            </a:r>
-            <a:r>
-              <a:rPr lang="de-DE" dirty="0" smtClean="0"/>
-              <a:t> (</a:t>
+              <a:rPr lang="de-DE" dirty="0" smtClean="0"/>
+              <a:t>(</a:t>
             </a:r>
             <a:r>
               <a:rPr lang="de-DE" dirty="0" smtClean="0">
@@ -7969,303 +7695,180 @@
               <a:rPr lang="de-DE" dirty="0">
                 <a:hlinkClick r:id="rId3"/>
               </a:rPr>
-              <a:t>:/</a:t>
+              <a:t>://clojure.org/</a:t>
             </a:r>
             <a:r>
               <a:rPr lang="de-DE" dirty="0" smtClean="0">
                 <a:hlinkClick r:id="rId3"/>
               </a:rPr>
-              <a:t>/leiningen.org</a:t>
+              <a:t>downloads</a:t>
             </a:r>
             <a:r>
               <a:rPr lang="de-DE" dirty="0" smtClean="0"/>
               <a:t>)</a:t>
             </a:r>
+          </a:p>
+          <a:p>
+            <a:pPr marL="457200" indent="-457200">
+              <a:buFont typeface="+mj-lt"/>
+              <a:buAutoNum type="arabicPeriod"/>
+            </a:pPr>
+            <a:r>
+              <a:rPr lang="de-DE" dirty="0" err="1" smtClean="0"/>
+              <a:t>Clone</a:t>
+            </a:r>
+            <a:r>
+              <a:rPr lang="de-DE" dirty="0" smtClean="0"/>
+              <a:t> und </a:t>
+            </a:r>
+            <a:r>
+              <a:rPr lang="de-DE" dirty="0" err="1" smtClean="0"/>
+              <a:t>build</a:t>
+            </a:r>
+            <a:r>
+              <a:rPr lang="de-DE" dirty="0" smtClean="0"/>
+              <a:t> von </a:t>
+            </a:r>
+            <a:r>
+              <a:rPr lang="de-DE" dirty="0" err="1" smtClean="0"/>
+              <a:t>GitHub</a:t>
+            </a:r>
+            <a:r>
+              <a:rPr lang="de-DE" dirty="0" smtClean="0"/>
+              <a:t/>
+            </a:r>
             <a:br>
               <a:rPr lang="de-DE" dirty="0" smtClean="0"/>
             </a:br>
+            <a:r>
+              <a:rPr lang="de-DE" dirty="0" smtClean="0"/>
+              <a:t>$ </a:t>
+            </a:r>
+            <a:r>
+              <a:rPr lang="de-DE" dirty="0" err="1" smtClean="0"/>
+              <a:t>git</a:t>
+            </a:r>
+            <a:r>
+              <a:rPr lang="de-DE" dirty="0" smtClean="0"/>
+              <a:t> </a:t>
+            </a:r>
+            <a:r>
+              <a:rPr lang="de-DE" dirty="0" err="1" smtClean="0"/>
+              <a:t>clone</a:t>
+            </a:r>
+            <a:r>
+              <a:rPr lang="de-DE" dirty="0"/>
+              <a:t> https://</a:t>
+            </a:r>
+            <a:r>
+              <a:rPr lang="de-DE" dirty="0" err="1"/>
+              <a:t>github.com</a:t>
+            </a:r>
+            <a:r>
+              <a:rPr lang="de-DE" dirty="0"/>
+              <a:t>/</a:t>
+            </a:r>
+            <a:r>
+              <a:rPr lang="de-DE" dirty="0" err="1"/>
+              <a:t>clojure</a:t>
+            </a:r>
+            <a:r>
+              <a:rPr lang="de-DE" dirty="0"/>
+              <a:t>/</a:t>
+            </a:r>
+            <a:r>
+              <a:rPr lang="de-DE" dirty="0" err="1" smtClean="0"/>
+              <a:t>clojure</a:t>
+            </a:r>
+            <a:r>
+              <a:rPr lang="de-DE" dirty="0" smtClean="0"/>
+              <a:t/>
+            </a:r>
+            <a:br>
+              <a:rPr lang="de-DE" dirty="0" smtClean="0"/>
+            </a:br>
+            <a:r>
+              <a:rPr lang="de-DE" dirty="0" smtClean="0"/>
+              <a:t>$ </a:t>
+            </a:r>
+            <a:r>
+              <a:rPr lang="de-DE" dirty="0" err="1" smtClean="0"/>
+              <a:t>mvn</a:t>
+            </a:r>
+            <a:r>
+              <a:rPr lang="de-DE" dirty="0" smtClean="0"/>
+              <a:t> clean </a:t>
+            </a:r>
+            <a:r>
+              <a:rPr lang="de-DE" dirty="0" err="1" smtClean="0"/>
+              <a:t>install</a:t>
+            </a:r>
+            <a:endParaRPr lang="de-DE" dirty="0" smtClean="0"/>
+          </a:p>
+          <a:p>
+            <a:endParaRPr lang="de-DE" dirty="0" smtClean="0"/>
+          </a:p>
+          <a:p>
+            <a:endParaRPr lang="de-DE" dirty="0" smtClean="0"/>
+          </a:p>
+          <a:p>
+            <a:r>
+              <a:rPr lang="de-DE" dirty="0" smtClean="0"/>
+              <a:t>REPL starten: </a:t>
+            </a:r>
+            <a:r>
+              <a:rPr lang="de-DE" dirty="0" smtClean="0"/>
+              <a:t/>
+            </a:r>
+            <a:br>
+              <a:rPr lang="de-DE" dirty="0" smtClean="0"/>
+            </a:br>
+            <a:r>
+              <a:rPr lang="de-DE" dirty="0" smtClean="0"/>
+              <a:t>$ </a:t>
+            </a:r>
+            <a:r>
+              <a:rPr lang="de-DE" dirty="0" err="1" smtClean="0"/>
+              <a:t>rlwrap</a:t>
+            </a:r>
+            <a:r>
+              <a:rPr lang="de-DE" dirty="0" smtClean="0"/>
+              <a:t> </a:t>
+            </a:r>
+            <a:r>
+              <a:rPr lang="de-DE" dirty="0" err="1" smtClean="0"/>
+              <a:t>java</a:t>
+            </a:r>
+            <a:r>
+              <a:rPr lang="de-DE" dirty="0" smtClean="0"/>
+              <a:t> –</a:t>
+            </a:r>
+            <a:r>
+              <a:rPr lang="de-DE" dirty="0" err="1" smtClean="0"/>
+              <a:t>jar</a:t>
+            </a:r>
+            <a:r>
+              <a:rPr lang="de-DE" dirty="0" smtClean="0"/>
+              <a:t> </a:t>
+            </a:r>
+            <a:r>
+              <a:rPr lang="de-DE" dirty="0" err="1" smtClean="0"/>
+              <a:t>clojure-x.y.z.jar</a:t>
+            </a:r>
             <a:endParaRPr lang="de-DE" dirty="0" smtClean="0"/>
           </a:p>
           <a:p>
             <a:pPr marL="0" indent="0">
               <a:buNone/>
             </a:pPr>
-            <a:r>
-              <a:rPr lang="de-DE" sz="2000" dirty="0" smtClean="0">
-                <a:latin typeface="Consolas"/>
-                <a:cs typeface="Consolas"/>
-              </a:rPr>
-              <a:t>$ lein </a:t>
-            </a:r>
-            <a:r>
-              <a:rPr lang="de-DE" sz="2000" dirty="0" err="1" smtClean="0">
-                <a:latin typeface="Consolas"/>
-                <a:cs typeface="Consolas"/>
-              </a:rPr>
-              <a:t>repl</a:t>
-            </a:r>
-            <a:r>
-              <a:rPr lang="de-DE" sz="2000" dirty="0" smtClean="0">
-                <a:latin typeface="Consolas"/>
-                <a:cs typeface="Consolas"/>
-              </a:rPr>
-              <a:t/>
-            </a:r>
-            <a:br>
-              <a:rPr lang="de-DE" sz="2000" dirty="0" smtClean="0">
-                <a:latin typeface="Consolas"/>
-                <a:cs typeface="Consolas"/>
-              </a:rPr>
-            </a:br>
-            <a:r>
-              <a:rPr lang="de-DE" sz="2000" dirty="0" smtClean="0">
-                <a:latin typeface="Consolas"/>
-                <a:cs typeface="Consolas"/>
-              </a:rPr>
-              <a:t>$ lein </a:t>
-            </a:r>
-            <a:r>
-              <a:rPr lang="de-DE" sz="2000" dirty="0" err="1" smtClean="0">
-                <a:latin typeface="Consolas"/>
-                <a:cs typeface="Consolas"/>
-              </a:rPr>
-              <a:t>new</a:t>
-            </a:r>
-            <a:r>
-              <a:rPr lang="de-DE" sz="2000" dirty="0" smtClean="0">
-                <a:latin typeface="Consolas"/>
-                <a:cs typeface="Consolas"/>
-              </a:rPr>
-              <a:t> </a:t>
-            </a:r>
-            <a:r>
-              <a:rPr lang="de-DE" sz="2000" dirty="0" err="1" smtClean="0">
-                <a:latin typeface="Consolas"/>
-                <a:cs typeface="Consolas"/>
-              </a:rPr>
-              <a:t>project</a:t>
-            </a:r>
-            <a:r>
-              <a:rPr lang="de-DE" sz="2000" dirty="0" smtClean="0">
-                <a:latin typeface="Consolas"/>
-                <a:cs typeface="Consolas"/>
-              </a:rPr>
-              <a:t/>
-            </a:r>
-            <a:br>
-              <a:rPr lang="de-DE" sz="2000" dirty="0" smtClean="0">
-                <a:latin typeface="Consolas"/>
-                <a:cs typeface="Consolas"/>
-              </a:rPr>
-            </a:br>
-            <a:r>
-              <a:rPr lang="de-DE" sz="2000" dirty="0" smtClean="0">
-                <a:latin typeface="Consolas"/>
-                <a:cs typeface="Consolas"/>
-              </a:rPr>
-              <a:t>$ lein </a:t>
-            </a:r>
-            <a:r>
-              <a:rPr lang="de-DE" sz="2000" dirty="0" err="1" smtClean="0">
-                <a:latin typeface="Consolas"/>
-                <a:cs typeface="Consolas"/>
-              </a:rPr>
-              <a:t>test</a:t>
-            </a:r>
-            <a:r>
-              <a:rPr lang="de-DE" sz="2000" dirty="0" smtClean="0">
-                <a:latin typeface="Consolas"/>
-                <a:cs typeface="Consolas"/>
-              </a:rPr>
-              <a:t/>
-            </a:r>
-            <a:br>
-              <a:rPr lang="de-DE" sz="2000" dirty="0" smtClean="0">
-                <a:latin typeface="Consolas"/>
-                <a:cs typeface="Consolas"/>
-              </a:rPr>
-            </a:br>
-            <a:r>
-              <a:rPr lang="de-DE" sz="2000" dirty="0" smtClean="0">
-                <a:latin typeface="Consolas"/>
-                <a:cs typeface="Consolas"/>
-              </a:rPr>
-              <a:t>$ lein </a:t>
-            </a:r>
-            <a:r>
-              <a:rPr lang="de-DE" sz="2000" dirty="0" err="1" smtClean="0">
-                <a:latin typeface="Consolas"/>
-                <a:cs typeface="Consolas"/>
-              </a:rPr>
-              <a:t>run</a:t>
-            </a:r>
-            <a:r>
-              <a:rPr lang="de-DE" sz="2000" dirty="0" smtClean="0">
-                <a:latin typeface="Consolas"/>
-                <a:cs typeface="Consolas"/>
-              </a:rPr>
-              <a:t/>
-            </a:r>
-            <a:br>
-              <a:rPr lang="de-DE" sz="2000" dirty="0" smtClean="0">
-                <a:latin typeface="Consolas"/>
-                <a:cs typeface="Consolas"/>
-              </a:rPr>
-            </a:br>
-            <a:r>
-              <a:rPr lang="de-DE" sz="2000" dirty="0" smtClean="0">
-                <a:latin typeface="Consolas"/>
-                <a:cs typeface="Consolas"/>
-              </a:rPr>
-              <a:t>$ lein </a:t>
-            </a:r>
-            <a:r>
-              <a:rPr lang="de-DE" sz="2000" dirty="0" err="1" smtClean="0">
-                <a:latin typeface="Consolas"/>
-                <a:cs typeface="Consolas"/>
-              </a:rPr>
-              <a:t>jar</a:t>
-            </a:r>
-            <a:r>
-              <a:rPr lang="de-DE" sz="2000" dirty="0" smtClean="0">
-                <a:latin typeface="Consolas"/>
-                <a:cs typeface="Consolas"/>
-              </a:rPr>
-              <a:t/>
-            </a:r>
-            <a:br>
-              <a:rPr lang="de-DE" sz="2000" dirty="0" smtClean="0">
-                <a:latin typeface="Consolas"/>
-                <a:cs typeface="Consolas"/>
-              </a:rPr>
-            </a:br>
-            <a:r>
-              <a:rPr lang="de-DE" sz="2000" dirty="0" smtClean="0">
-                <a:latin typeface="Consolas"/>
-                <a:cs typeface="Consolas"/>
-              </a:rPr>
-              <a:t>$ lein </a:t>
-            </a:r>
-            <a:r>
-              <a:rPr lang="de-DE" sz="2000" dirty="0" err="1" smtClean="0">
-                <a:latin typeface="Consolas"/>
-                <a:cs typeface="Consolas"/>
-              </a:rPr>
-              <a:t>uberjar</a:t>
-            </a:r>
-            <a:r>
-              <a:rPr lang="de-DE" sz="2000" dirty="0" smtClean="0">
-                <a:latin typeface="Consolas"/>
-                <a:cs typeface="Consolas"/>
-              </a:rPr>
-              <a:t/>
-            </a:r>
-            <a:br>
-              <a:rPr lang="de-DE" sz="2000" dirty="0" smtClean="0">
-                <a:latin typeface="Consolas"/>
-                <a:cs typeface="Consolas"/>
-              </a:rPr>
-            </a:br>
-            <a:r>
-              <a:rPr lang="de-DE" sz="2000" dirty="0" smtClean="0">
-                <a:latin typeface="Consolas"/>
-                <a:cs typeface="Consolas"/>
-              </a:rPr>
-              <a:t>$ lein </a:t>
-            </a:r>
-            <a:r>
-              <a:rPr lang="de-DE" sz="2000" dirty="0" err="1" smtClean="0">
-                <a:latin typeface="Consolas"/>
-                <a:cs typeface="Consolas"/>
-              </a:rPr>
-              <a:t>deploy</a:t>
-            </a:r>
-            <a:r>
-              <a:rPr lang="de-DE" sz="2000" dirty="0" smtClean="0">
-                <a:latin typeface="Consolas"/>
-                <a:cs typeface="Consolas"/>
-              </a:rPr>
-              <a:t> </a:t>
-            </a:r>
-            <a:r>
-              <a:rPr lang="de-DE" sz="2000" dirty="0" err="1" smtClean="0">
-                <a:latin typeface="Consolas"/>
-                <a:cs typeface="Consolas"/>
-              </a:rPr>
-              <a:t>clojars</a:t>
-            </a:r>
-            <a:r>
-              <a:rPr lang="de-DE" dirty="0" smtClean="0"/>
-              <a:t>	</a:t>
-            </a:r>
-            <a:r>
-              <a:rPr lang="de-DE" dirty="0" smtClean="0">
-                <a:solidFill>
-                  <a:schemeClr val="accent2"/>
-                </a:solidFill>
-              </a:rPr>
-              <a:t>(</a:t>
-            </a:r>
-            <a:r>
-              <a:rPr lang="de-DE" dirty="0" err="1" smtClean="0">
-                <a:solidFill>
-                  <a:schemeClr val="accent2"/>
-                </a:solidFill>
-              </a:rPr>
-              <a:t>requires</a:t>
-            </a:r>
-            <a:r>
-              <a:rPr lang="de-DE" dirty="0" smtClean="0">
-                <a:solidFill>
-                  <a:schemeClr val="accent2"/>
-                </a:solidFill>
-              </a:rPr>
-              <a:t> </a:t>
-            </a:r>
-            <a:r>
-              <a:rPr lang="de-DE" dirty="0" err="1" smtClean="0">
-                <a:solidFill>
-                  <a:schemeClr val="accent2"/>
-                </a:solidFill>
-              </a:rPr>
-              <a:t>clojars.org</a:t>
-            </a:r>
-            <a:r>
-              <a:rPr lang="de-DE" dirty="0" smtClean="0">
-                <a:solidFill>
-                  <a:schemeClr val="accent2"/>
-                </a:solidFill>
-              </a:rPr>
-              <a:t> </a:t>
-            </a:r>
-            <a:r>
-              <a:rPr lang="de-DE" dirty="0" err="1" smtClean="0">
-                <a:solidFill>
-                  <a:schemeClr val="accent2"/>
-                </a:solidFill>
-              </a:rPr>
-              <a:t>account</a:t>
-            </a:r>
-            <a:r>
-              <a:rPr lang="de-DE" dirty="0" smtClean="0">
-                <a:solidFill>
-                  <a:schemeClr val="accent2"/>
-                </a:solidFill>
-              </a:rPr>
-              <a:t>)</a:t>
-            </a:r>
-            <a:endParaRPr lang="de-DE" dirty="0">
-              <a:solidFill>
-                <a:schemeClr val="accent2"/>
-              </a:solidFill>
-            </a:endParaRPr>
+            <a:endParaRPr lang="de-DE" dirty="0" smtClean="0"/>
           </a:p>
         </p:txBody>
       </p:sp>
     </p:spTree>
     <p:extLst>
       <p:ext uri="{BB962C8B-B14F-4D97-AF65-F5344CB8AC3E}">
-        <p14:creationId xmlns:p14="http://schemas.microsoft.com/office/powerpoint/2010/main" val="1937409284"/>
+        <p14:creationId xmlns:p14="http://schemas.microsoft.com/office/powerpoint/2010/main" val="1145430169"/>
       </p:ext>
     </p:extLst>
   </p:cSld>
@@ -8452,23 +8055,7 @@
           <a:p>
             <a:r>
               <a:rPr lang="de-DE" dirty="0" smtClean="0"/>
-              <a:t>S-</a:t>
-            </a:r>
-            <a:r>
-              <a:rPr lang="de-DE" dirty="0" err="1" smtClean="0"/>
-              <a:t>Expressions</a:t>
-            </a:r>
-            <a:r>
-              <a:rPr lang="de-DE" dirty="0" smtClean="0"/>
-              <a:t>, Reader </a:t>
-            </a:r>
-            <a:r>
-              <a:rPr lang="de-DE" dirty="0" err="1" smtClean="0"/>
-              <a:t>Macros</a:t>
-            </a:r>
-            <a:r>
-              <a:rPr lang="de-DE" dirty="0" smtClean="0"/>
-              <a:t>, ...</a:t>
+              <a:t>Installation</a:t>
             </a:r>
             <a:endParaRPr lang="de-DE" dirty="0"/>
           </a:p>
@@ -8490,128 +8077,325 @@
           <a:lstStyle/>
           <a:p>
             <a:r>
-              <a:rPr lang="de-DE" dirty="0" err="1" smtClean="0"/>
-              <a:t>Clojure</a:t>
+              <a:rPr lang="de-DE" dirty="0" smtClean="0"/>
+              <a:t>Installiere aktuelles </a:t>
+            </a:r>
+            <a:r>
+              <a:rPr lang="de-DE" dirty="0" err="1" smtClean="0"/>
+              <a:t>Leiningen</a:t>
             </a:r>
             <a:r>
               <a:rPr lang="de-DE" dirty="0" smtClean="0"/>
               <a:t> </a:t>
             </a:r>
             <a:r>
-              <a:rPr lang="de-DE" dirty="0" err="1" smtClean="0"/>
-              <a:t>syntax</a:t>
-            </a:r>
-            <a:r>
-              <a:rPr lang="de-DE" dirty="0" smtClean="0"/>
+              <a:rPr lang="de-DE" dirty="0" smtClean="0"/>
+              <a:t>(</a:t>
+            </a:r>
+            <a:r>
+              <a:rPr lang="de-DE" dirty="0" smtClean="0">
+                <a:hlinkClick r:id="rId3"/>
+              </a:rPr>
+              <a:t>http</a:t>
+            </a:r>
+            <a:r>
+              <a:rPr lang="de-DE" dirty="0">
+                <a:hlinkClick r:id="rId3"/>
+              </a:rPr>
+              <a:t>:/</a:t>
+            </a:r>
+            <a:r>
+              <a:rPr lang="de-DE" dirty="0" smtClean="0">
+                <a:hlinkClick r:id="rId3"/>
+              </a:rPr>
+              <a:t>/leiningen.org</a:t>
+            </a:r>
+            <a:r>
+              <a:rPr lang="de-DE" dirty="0" smtClean="0"/>
+              <a:t>)</a:t>
+            </a:r>
+            <a:br>
+              <a:rPr lang="de-DE" dirty="0" smtClean="0"/>
+            </a:br>
+            <a:endParaRPr lang="de-DE" dirty="0" smtClean="0"/>
+          </a:p>
+          <a:p>
+            <a:pPr marL="0" indent="0">
+              <a:buNone/>
+            </a:pPr>
+            <a:r>
+              <a:rPr lang="de-DE" sz="2000" dirty="0" smtClean="0">
+                <a:latin typeface="Consolas"/>
+                <a:cs typeface="Consolas"/>
+              </a:rPr>
+              <a:t>$ lein </a:t>
+            </a:r>
+            <a:r>
+              <a:rPr lang="de-DE" sz="2000" dirty="0" err="1" smtClean="0">
+                <a:latin typeface="Consolas"/>
+                <a:cs typeface="Consolas"/>
+              </a:rPr>
+              <a:t>repl</a:t>
+            </a:r>
+            <a:r>
+              <a:rPr lang="de-DE" sz="2000" dirty="0" smtClean="0">
+                <a:latin typeface="Consolas"/>
+                <a:cs typeface="Consolas"/>
+              </a:rPr>
+              <a:t/>
+            </a:r>
+            <a:br>
+              <a:rPr lang="de-DE" sz="2000" dirty="0" smtClean="0">
+                <a:latin typeface="Consolas"/>
+                <a:cs typeface="Consolas"/>
+              </a:rPr>
+            </a:br>
+            <a:r>
+              <a:rPr lang="de-DE" sz="2000" dirty="0" smtClean="0">
+                <a:latin typeface="Consolas"/>
+                <a:cs typeface="Consolas"/>
+              </a:rPr>
+              <a:t>$ lein </a:t>
+            </a:r>
+            <a:r>
+              <a:rPr lang="de-DE" sz="2000" dirty="0" err="1" smtClean="0">
+                <a:latin typeface="Consolas"/>
+                <a:cs typeface="Consolas"/>
+              </a:rPr>
+              <a:t>new</a:t>
+            </a:r>
+            <a:r>
+              <a:rPr lang="de-DE" sz="2000" dirty="0" smtClean="0">
+                <a:latin typeface="Consolas"/>
+                <a:cs typeface="Consolas"/>
+              </a:rPr>
               <a:t> </a:t>
             </a:r>
             <a:r>
-              <a:rPr lang="de-DE" dirty="0" err="1" smtClean="0"/>
-              <a:t>is</a:t>
-            </a:r>
-            <a:r>
-              <a:rPr lang="de-DE" dirty="0" smtClean="0"/>
+              <a:rPr lang="de-DE" sz="2000" dirty="0" err="1" smtClean="0">
+                <a:latin typeface="Consolas"/>
+                <a:cs typeface="Consolas"/>
+              </a:rPr>
+              <a:t>project</a:t>
+            </a:r>
+            <a:r>
+              <a:rPr lang="de-DE" sz="2000" dirty="0" smtClean="0">
+                <a:latin typeface="Consolas"/>
+                <a:cs typeface="Consolas"/>
+              </a:rPr>
+              <a:t/>
+            </a:r>
+            <a:br>
+              <a:rPr lang="de-DE" sz="2000" dirty="0" smtClean="0">
+                <a:latin typeface="Consolas"/>
+                <a:cs typeface="Consolas"/>
+              </a:rPr>
+            </a:br>
+            <a:r>
+              <a:rPr lang="de-DE" sz="2000" dirty="0" smtClean="0">
+                <a:latin typeface="Consolas"/>
+                <a:cs typeface="Consolas"/>
+              </a:rPr>
+              <a:t>$ lein </a:t>
+            </a:r>
+            <a:r>
+              <a:rPr lang="de-DE" sz="2000" dirty="0" err="1" smtClean="0">
+                <a:latin typeface="Consolas"/>
+                <a:cs typeface="Consolas"/>
+              </a:rPr>
+              <a:t>test</a:t>
+            </a:r>
+            <a:r>
+              <a:rPr lang="de-DE" sz="2000" dirty="0" smtClean="0">
+                <a:latin typeface="Consolas"/>
+                <a:cs typeface="Consolas"/>
+              </a:rPr>
+              <a:t/>
+            </a:r>
+            <a:br>
+              <a:rPr lang="de-DE" sz="2000" dirty="0" smtClean="0">
+                <a:latin typeface="Consolas"/>
+                <a:cs typeface="Consolas"/>
+              </a:rPr>
+            </a:br>
+            <a:r>
+              <a:rPr lang="de-DE" sz="2000" dirty="0" smtClean="0">
+                <a:latin typeface="Consolas"/>
+                <a:cs typeface="Consolas"/>
+              </a:rPr>
+              <a:t>$ lein </a:t>
+            </a:r>
+            <a:r>
+              <a:rPr lang="de-DE" sz="2000" dirty="0" err="1" smtClean="0">
+                <a:latin typeface="Consolas"/>
+                <a:cs typeface="Consolas"/>
+              </a:rPr>
+              <a:t>run</a:t>
+            </a:r>
+            <a:r>
+              <a:rPr lang="de-DE" sz="2000" dirty="0" smtClean="0">
+                <a:latin typeface="Consolas"/>
+                <a:cs typeface="Consolas"/>
+              </a:rPr>
+              <a:t/>
+            </a:r>
+            <a:br>
+              <a:rPr lang="de-DE" sz="2000" dirty="0" smtClean="0">
+                <a:latin typeface="Consolas"/>
+                <a:cs typeface="Consolas"/>
+              </a:rPr>
+            </a:br>
+            <a:r>
+              <a:rPr lang="de-DE" sz="2000" dirty="0" smtClean="0">
+                <a:latin typeface="Consolas"/>
+                <a:cs typeface="Consolas"/>
+              </a:rPr>
+              <a:t>$ lein </a:t>
+            </a:r>
+            <a:r>
+              <a:rPr lang="de-DE" sz="2000" dirty="0" err="1" smtClean="0">
+                <a:latin typeface="Consolas"/>
+                <a:cs typeface="Consolas"/>
+              </a:rPr>
+              <a:t>jar</a:t>
+            </a:r>
+            <a:r>
+              <a:rPr lang="de-DE" sz="2000" dirty="0" smtClean="0">
+                <a:latin typeface="Consolas"/>
+                <a:cs typeface="Consolas"/>
+              </a:rPr>
+              <a:t/>
+            </a:r>
+            <a:br>
+              <a:rPr lang="de-DE" sz="2000" dirty="0" smtClean="0">
+                <a:latin typeface="Consolas"/>
+                <a:cs typeface="Consolas"/>
+              </a:rPr>
+            </a:br>
+            <a:r>
+              <a:rPr lang="de-DE" sz="2000" dirty="0" smtClean="0">
+                <a:latin typeface="Consolas"/>
+                <a:cs typeface="Consolas"/>
+              </a:rPr>
+              <a:t>$ lein </a:t>
+            </a:r>
+            <a:r>
+              <a:rPr lang="de-DE" sz="2000" dirty="0" err="1" smtClean="0">
+                <a:latin typeface="Consolas"/>
+                <a:cs typeface="Consolas"/>
+              </a:rPr>
+              <a:t>uberjar</a:t>
+            </a:r>
+            <a:r>
+              <a:rPr lang="de-DE" sz="2000" dirty="0" smtClean="0">
+                <a:latin typeface="Consolas"/>
+                <a:cs typeface="Consolas"/>
+              </a:rPr>
+              <a:t/>
+            </a:r>
+            <a:br>
+              <a:rPr lang="de-DE" sz="2000" dirty="0" smtClean="0">
+                <a:latin typeface="Consolas"/>
+                <a:cs typeface="Consolas"/>
+              </a:rPr>
+            </a:br>
+            <a:r>
+              <a:rPr lang="de-DE" sz="2000" dirty="0" smtClean="0">
+                <a:latin typeface="Consolas"/>
+                <a:cs typeface="Consolas"/>
+              </a:rPr>
+              <a:t>$ lein </a:t>
+            </a:r>
+            <a:r>
+              <a:rPr lang="de-DE" sz="2000" dirty="0" err="1" smtClean="0">
+                <a:latin typeface="Consolas"/>
+                <a:cs typeface="Consolas"/>
+              </a:rPr>
+              <a:t>deploy</a:t>
+            </a:r>
+            <a:r>
+              <a:rPr lang="de-DE" sz="2000" dirty="0" smtClean="0">
+                <a:latin typeface="Consolas"/>
+                <a:cs typeface="Consolas"/>
+              </a:rPr>
               <a:t> </a:t>
             </a:r>
             <a:r>
-              <a:rPr lang="de-DE" dirty="0" err="1" smtClean="0"/>
-              <a:t>based</a:t>
-            </a:r>
-            <a:r>
-              <a:rPr lang="de-DE" dirty="0" smtClean="0"/>
-              <a:t> on S-</a:t>
-            </a:r>
-            <a:r>
-              <a:rPr lang="de-DE" dirty="0" err="1" smtClean="0"/>
-              <a:t>Expressions</a:t>
-            </a:r>
-            <a:endParaRPr lang="de-DE" dirty="0" smtClean="0"/>
-          </a:p>
-          <a:p>
-            <a:endParaRPr lang="de-DE" dirty="0"/>
-          </a:p>
-          <a:p>
-            <a:r>
-              <a:rPr lang="de-DE" dirty="0" smtClean="0"/>
-              <a:t>S-</a:t>
-            </a:r>
-            <a:r>
-              <a:rPr lang="de-DE" dirty="0" err="1" smtClean="0"/>
-              <a:t>Expressions</a:t>
-            </a:r>
-            <a:r>
-              <a:rPr lang="de-DE" dirty="0" smtClean="0"/>
+              <a:rPr lang="de-DE" sz="2000" dirty="0" err="1" smtClean="0">
+                <a:latin typeface="Consolas"/>
+                <a:cs typeface="Consolas"/>
+              </a:rPr>
+              <a:t>clojars</a:t>
+            </a:r>
+            <a:r>
+              <a:rPr lang="de-DE" dirty="0" smtClean="0"/>
+              <a:t>	</a:t>
+            </a:r>
+            <a:r>
+              <a:rPr lang="de-DE" dirty="0" smtClean="0">
+                <a:solidFill>
+                  <a:schemeClr val="accent2"/>
+                </a:solidFill>
+              </a:rPr>
+              <a:t>(benötigt </a:t>
+            </a:r>
+            <a:r>
+              <a:rPr lang="de-DE" dirty="0" err="1" smtClean="0">
+                <a:solidFill>
+                  <a:schemeClr val="accent2"/>
+                </a:solidFill>
+              </a:rPr>
+              <a:t>clojars.org</a:t>
+            </a:r>
+            <a:r>
+              <a:rPr lang="de-DE" dirty="0" smtClean="0">
+                <a:solidFill>
+                  <a:schemeClr val="accent2"/>
+                </a:solidFill>
+              </a:rPr>
               <a:t> </a:t>
             </a:r>
             <a:r>
-              <a:rPr lang="de-DE" dirty="0" err="1" smtClean="0"/>
-              <a:t>are</a:t>
-            </a:r>
-            <a:r>
-              <a:rPr lang="de-DE" dirty="0" smtClean="0"/>
-              <a:t> </a:t>
-            </a:r>
-            <a:r>
-              <a:rPr lang="de-DE" dirty="0" err="1" smtClean="0"/>
-              <a:t>parsed</a:t>
-            </a:r>
-            <a:r>
-              <a:rPr lang="de-DE" dirty="0" smtClean="0"/>
-              <a:t> </a:t>
-            </a:r>
-            <a:r>
-              <a:rPr lang="de-DE" dirty="0" err="1" smtClean="0"/>
-              <a:t>by</a:t>
-            </a:r>
-            <a:r>
-              <a:rPr lang="de-DE" dirty="0" smtClean="0"/>
-              <a:t> </a:t>
-            </a:r>
-            <a:r>
-              <a:rPr lang="de-DE" dirty="0" err="1" smtClean="0"/>
-              <a:t>the</a:t>
-            </a:r>
-            <a:r>
-              <a:rPr lang="de-DE" dirty="0" smtClean="0"/>
-              <a:t> Reader </a:t>
-            </a:r>
-            <a:r>
-              <a:rPr lang="de-DE" dirty="0" err="1" smtClean="0"/>
-              <a:t>into</a:t>
-            </a:r>
-            <a:r>
-              <a:rPr lang="de-DE" dirty="0" smtClean="0"/>
-              <a:t> </a:t>
-            </a:r>
-            <a:r>
-              <a:rPr lang="de-DE" dirty="0" err="1" smtClean="0"/>
-              <a:t>data</a:t>
-            </a:r>
-            <a:r>
-              <a:rPr lang="de-DE" dirty="0" smtClean="0"/>
-              <a:t> </a:t>
-            </a:r>
-            <a:r>
-              <a:rPr lang="de-DE" dirty="0" err="1" smtClean="0"/>
-              <a:t>structures</a:t>
-            </a:r>
-            <a:endParaRPr lang="de-DE" dirty="0" smtClean="0"/>
-          </a:p>
-          <a:p>
-            <a:endParaRPr lang="de-DE" dirty="0"/>
+              <a:rPr lang="de-DE" dirty="0" err="1" smtClean="0">
+                <a:solidFill>
+                  <a:schemeClr val="accent2"/>
+                </a:solidFill>
+              </a:rPr>
+              <a:t>account</a:t>
+            </a:r>
+            <a:r>
+              <a:rPr lang="de-DE" dirty="0" smtClean="0">
+                <a:solidFill>
+                  <a:schemeClr val="accent2"/>
+                </a:solidFill>
+              </a:rPr>
+              <a:t>)</a:t>
+            </a:r>
+            <a:endParaRPr lang="de-DE" dirty="0">
+              <a:solidFill>
+                <a:schemeClr val="accent2"/>
+              </a:solidFill>
+            </a:endParaRPr>
           </a:p>
         </p:txBody>
       </p:sp>
     </p:spTree>
     <p:extLst>
       <p:ext uri="{BB962C8B-B14F-4D97-AF65-F5344CB8AC3E}">
-        <p14:creationId xmlns:p14="http://schemas.microsoft.com/office/powerpoint/2010/main" val="676450961"/>
+        <p14:creationId xmlns:p14="http://schemas.microsoft.com/office/powerpoint/2010/main" val="1937409284"/>
       </p:ext>
     </p:extLst>
   </p:cSld>
   <p:clrMapOvr>
     <a:masterClrMapping/>
   </p:clrMapOvr>
+  <p:timing>
+    <p:tnLst>
+      <p:par>
+        <p:cTn xmlns:p14="http://schemas.microsoft.com/office/powerpoint/2010/main" id="1" dur="indefinite" restart="never" nodeType="tmRoot"/>
+      </p:par>
+    </p:tnLst>
+  </p:timing>
 </p:sld>
 </file>
 
@@ -8634,226 +8418,114 @@
       </p:grpSpPr>
       <p:sp>
         <p:nvSpPr>
-          <p:cNvPr id="2" name="Textfeld 1"/>
-          <p:cNvSpPr txBox="1"/>
-          <p:nvPr/>
-        </p:nvSpPr>
-        <p:spPr>
-          <a:xfrm>
-            <a:off x="616967" y="107545"/>
-            <a:ext cx="905216" cy="2000548"/>
-          </a:xfrm>
-          <a:prstGeom prst="rect">
-            <a:avLst/>
-          </a:prstGeom>
-          <a:noFill/>
-        </p:spPr>
-        <p:txBody>
-          <a:bodyPr wrap="none" rtlCol="0">
-            <a:spAutoFit/>
-          </a:bodyPr>
-          <a:lstStyle/>
-          <a:p>
-            <a:r>
-              <a:rPr lang="de-DE" sz="12400" dirty="0" smtClean="0">
-                <a:solidFill>
-                  <a:schemeClr val="bg1"/>
-                </a:solidFill>
-              </a:rPr>
-              <a:t>3</a:t>
-            </a:r>
-            <a:endParaRPr lang="de-DE" sz="12400" dirty="0">
-              <a:solidFill>
-                <a:schemeClr val="bg1"/>
-              </a:solidFill>
-            </a:endParaRPr>
-          </a:p>
-        </p:txBody>
-      </p:sp>
-      <p:sp>
-        <p:nvSpPr>
-          <p:cNvPr id="3" name="Textfeld 2"/>
-          <p:cNvSpPr txBox="1"/>
-          <p:nvPr/>
-        </p:nvSpPr>
-        <p:spPr>
-          <a:xfrm>
-            <a:off x="564779" y="2156123"/>
-            <a:ext cx="4973837" cy="2000548"/>
-          </a:xfrm>
-          <a:prstGeom prst="rect">
-            <a:avLst/>
-          </a:prstGeom>
-          <a:noFill/>
-        </p:spPr>
-        <p:txBody>
-          <a:bodyPr wrap="none" rtlCol="0">
-            <a:spAutoFit/>
-          </a:bodyPr>
-          <a:lstStyle/>
-          <a:p>
-            <a:r>
-              <a:rPr lang="de-DE" sz="12400" dirty="0" smtClean="0">
-                <a:solidFill>
-                  <a:schemeClr val="bg1"/>
-                </a:solidFill>
-              </a:rPr>
-              <a:t>(</a:t>
-            </a:r>
-            <a:r>
-              <a:rPr lang="de-DE" sz="12400" dirty="0" err="1" smtClean="0">
-                <a:solidFill>
-                  <a:schemeClr val="bg1"/>
-                </a:solidFill>
-              </a:rPr>
-              <a:t>let</a:t>
-            </a:r>
-            <a:r>
-              <a:rPr lang="de-DE" sz="12400" dirty="0" smtClean="0">
-                <a:solidFill>
-                  <a:schemeClr val="bg1"/>
-                </a:solidFill>
-              </a:rPr>
+          <p:cNvPr id="2" name="Titel 1"/>
+          <p:cNvSpPr>
+            <a:spLocks noGrp="1"/>
+          </p:cNvSpPr>
+          <p:nvPr>
+            <p:ph type="title"/>
+          </p:nvPr>
+        </p:nvSpPr>
+        <p:spPr/>
+        <p:txBody>
+          <a:bodyPr/>
+          <a:lstStyle/>
+          <a:p>
+            <a:r>
+              <a:rPr lang="de-DE" dirty="0" smtClean="0"/>
+              <a:t>S-</a:t>
+            </a:r>
+            <a:r>
+              <a:rPr lang="de-DE" dirty="0" err="1" smtClean="0"/>
+              <a:t>Expressions</a:t>
+            </a:r>
+            <a:r>
+              <a:rPr lang="de-DE" dirty="0" smtClean="0"/>
+              <a:t>, Reader </a:t>
+            </a:r>
+            <a:r>
+              <a:rPr lang="de-DE" dirty="0" err="1" smtClean="0"/>
+              <a:t>Macros</a:t>
+            </a:r>
+            <a:r>
+              <a:rPr lang="de-DE" dirty="0" smtClean="0"/>
+              <a:t>, ...</a:t>
+            </a:r>
+            <a:endParaRPr lang="de-DE" dirty="0"/>
+          </a:p>
+        </p:txBody>
+      </p:sp>
+      <p:sp>
+        <p:nvSpPr>
+          <p:cNvPr id="3" name="Inhaltsplatzhalter 2"/>
+          <p:cNvSpPr>
+            <a:spLocks noGrp="1"/>
+          </p:cNvSpPr>
+          <p:nvPr>
+            <p:ph idx="1"/>
+          </p:nvPr>
+        </p:nvSpPr>
+        <p:spPr/>
+        <p:txBody>
+          <a:bodyPr/>
+          <a:lstStyle/>
+          <a:p>
+            <a:r>
+              <a:rPr lang="de-DE" dirty="0" err="1" smtClean="0"/>
+              <a:t>Clojure</a:t>
+            </a:r>
+            <a:r>
+              <a:rPr lang="de-DE" dirty="0" smtClean="0"/>
               <a:t> </a:t>
             </a:r>
             <a:r>
-              <a:rPr lang="de-DE" sz="12400" dirty="0">
-                <a:solidFill>
-                  <a:schemeClr val="bg1"/>
-                </a:solidFill>
-              </a:rPr>
-              <a:t>x</a:t>
-            </a:r>
-            <a:r>
-              <a:rPr lang="de-DE" sz="12400" dirty="0" smtClean="0">
-                <a:solidFill>
-                  <a:schemeClr val="bg1"/>
-                </a:solidFill>
-              </a:rPr>
-              <a:t> </a:t>
-            </a:r>
-            <a:r>
-              <a:rPr lang="de-DE" sz="12400" dirty="0">
-                <a:solidFill>
-                  <a:schemeClr val="bg1"/>
-                </a:solidFill>
-              </a:rPr>
-              <a:t>5</a:t>
-            </a:r>
-            <a:r>
-              <a:rPr lang="de-DE" sz="12400" dirty="0" smtClean="0">
-                <a:solidFill>
-                  <a:schemeClr val="bg1"/>
-                </a:solidFill>
-              </a:rPr>
-              <a:t>)</a:t>
-            </a:r>
-            <a:endParaRPr lang="de-DE" sz="12400" dirty="0">
-              <a:solidFill>
-                <a:schemeClr val="bg1"/>
-              </a:solidFill>
-            </a:endParaRPr>
-          </a:p>
-        </p:txBody>
-      </p:sp>
-      <p:sp>
-        <p:nvSpPr>
-          <p:cNvPr id="4" name="Textfeld 3"/>
-          <p:cNvSpPr txBox="1"/>
-          <p:nvPr/>
-        </p:nvSpPr>
-        <p:spPr>
-          <a:xfrm>
-            <a:off x="529987" y="4199681"/>
-            <a:ext cx="8409649" cy="2000548"/>
-          </a:xfrm>
-          <a:prstGeom prst="rect">
-            <a:avLst/>
-          </a:prstGeom>
-          <a:noFill/>
-        </p:spPr>
-        <p:txBody>
-          <a:bodyPr wrap="none" rtlCol="0">
-            <a:spAutoFit/>
-          </a:bodyPr>
-          <a:lstStyle/>
-          <a:p>
-            <a:r>
-              <a:rPr lang="de-DE" sz="12400" dirty="0" smtClean="0">
-                <a:solidFill>
-                  <a:schemeClr val="bg1"/>
-                </a:solidFill>
-              </a:rPr>
-              <a:t>(</a:t>
-            </a:r>
-            <a:r>
-              <a:rPr lang="de-DE" sz="12400" dirty="0" err="1" smtClean="0">
-                <a:solidFill>
-                  <a:schemeClr val="bg1"/>
-                </a:solidFill>
-              </a:rPr>
-              <a:t>var</a:t>
-            </a:r>
-            <a:r>
-              <a:rPr lang="de-DE" sz="12400" dirty="0" smtClean="0">
-                <a:solidFill>
-                  <a:schemeClr val="bg1"/>
-                </a:solidFill>
-              </a:rPr>
-              <a:t> </a:t>
-            </a:r>
-            <a:r>
-              <a:rPr lang="de-DE" sz="12400" dirty="0" err="1" smtClean="0">
-                <a:solidFill>
-                  <a:schemeClr val="bg1"/>
-                </a:solidFill>
-              </a:rPr>
-              <a:t>y</a:t>
-            </a:r>
-            <a:r>
-              <a:rPr lang="de-DE" sz="12400" dirty="0" smtClean="0">
-                <a:solidFill>
-                  <a:schemeClr val="bg1"/>
-                </a:solidFill>
-              </a:rPr>
-              <a:t> </a:t>
-            </a:r>
-            <a:r>
-              <a:rPr lang="de-DE" sz="12400" dirty="0" smtClean="0">
-                <a:solidFill>
-                  <a:schemeClr val="bg1"/>
-                </a:solidFill>
-              </a:rPr>
-              <a:t>(+ </a:t>
-            </a:r>
-            <a:r>
-              <a:rPr lang="de-DE" sz="12400" dirty="0" smtClean="0">
-                <a:solidFill>
-                  <a:schemeClr val="bg1"/>
-                </a:solidFill>
-              </a:rPr>
-              <a:t>3 x)</a:t>
-            </a:r>
-            <a:r>
-              <a:rPr lang="de-DE" sz="12400" dirty="0" smtClean="0">
-                <a:solidFill>
-                  <a:schemeClr val="bg1"/>
-                </a:solidFill>
-              </a:rPr>
-              <a:t>)</a:t>
-            </a:r>
-            <a:endParaRPr lang="de-DE" sz="12400" dirty="0">
-              <a:solidFill>
-                <a:schemeClr val="bg1"/>
-              </a:solidFill>
-            </a:endParaRPr>
+              <a:rPr lang="de-DE" dirty="0" err="1" smtClean="0"/>
+              <a:t>syntax</a:t>
+            </a:r>
+            <a:r>
+              <a:rPr lang="de-DE" dirty="0" smtClean="0"/>
+              <a:t> basiert auf S-</a:t>
+            </a:r>
+            <a:r>
+              <a:rPr lang="de-DE" dirty="0" err="1" smtClean="0"/>
+              <a:t>Expressions</a:t>
+            </a:r>
+            <a:endParaRPr lang="de-DE" dirty="0" smtClean="0"/>
+          </a:p>
+          <a:p>
+            <a:endParaRPr lang="de-DE" dirty="0"/>
+          </a:p>
+          <a:p>
+            <a:r>
+              <a:rPr lang="de-DE" dirty="0" smtClean="0"/>
+              <a:t>S-</a:t>
+            </a:r>
+            <a:r>
+              <a:rPr lang="de-DE" dirty="0" err="1" smtClean="0"/>
+              <a:t>Expressions</a:t>
+            </a:r>
+            <a:r>
+              <a:rPr lang="de-DE" dirty="0" smtClean="0"/>
+              <a:t> werden vom Reader </a:t>
+            </a:r>
+            <a:r>
+              <a:rPr lang="de-DE" dirty="0" err="1" smtClean="0"/>
+              <a:t>geparsed</a:t>
+            </a:r>
+            <a:r>
+              <a:rPr lang="de-DE" dirty="0" smtClean="0"/>
+              <a:t> und in Datenstrukturen gewandelt</a:t>
+            </a:r>
+          </a:p>
+          <a:p>
+            <a:endParaRPr lang="de-DE" dirty="0"/>
           </a:p>
         </p:txBody>
       </p:sp>
     </p:spTree>
     <p:extLst>
       <p:ext uri="{BB962C8B-B14F-4D97-AF65-F5344CB8AC3E}">
-        <p14:creationId xmlns:p14="http://schemas.microsoft.com/office/powerpoint/2010/main" val="1667670172"/>
+        <p14:creationId xmlns:p14="http://schemas.microsoft.com/office/powerpoint/2010/main" val="676450961"/>
       </p:ext>
     </p:extLst>
   </p:cSld>
@@ -8896,7 +8568,7 @@
         <p:spPr>
           <a:xfrm>
             <a:off x="616967" y="107545"/>
-            <a:ext cx="5126799" cy="2000548"/>
+            <a:ext cx="905216" cy="2000548"/>
           </a:xfrm>
           <a:prstGeom prst="rect">
             <a:avLst/>
@@ -8915,7 +8587,7 @@
                   <a:schemeClr val="bg1"/>
                 </a:solidFill>
               </a:rPr>
-              <a:t>(type 3)</a:t>
+              <a:t>3</a:t>
             </a:r>
             <a:endParaRPr lang="de-DE" sz="12400" dirty="0">
               <a:solidFill>
@@ -8934,7 +8606,7 @@
         <p:spPr>
           <a:xfrm>
             <a:off x="564779" y="2156123"/>
-            <a:ext cx="4637633" cy="2000548"/>
+            <a:ext cx="4973837" cy="2000548"/>
           </a:xfrm>
           <a:prstGeom prst="rect">
             <a:avLst/>
@@ -8961,7 +8633,7 @@
                   <a:schemeClr val="bg1"/>
                 </a:solidFill>
               </a:rPr>
-              <a:t>doc</a:t>
+              <a:t>let</a:t>
             </a:r>
             <a:r>
               <a:rPr lang="de-DE" sz="12400" dirty="0" smtClean="0">
@@ -8969,7 +8641,39 @@
                   <a:schemeClr val="bg1"/>
                 </a:solidFill>
               </a:rPr>
-              <a:t> +)</a:t>
+              <a:t> </a:t>
+            </a:r>
+            <a:r>
+              <a:rPr lang="de-DE" sz="12400" dirty="0">
+                <a:solidFill>
+                  <a:schemeClr val="bg1"/>
+                </a:solidFill>
+              </a:rPr>
+              <a:t>x</a:t>
+            </a:r>
+            <a:r>
+              <a:rPr lang="de-DE" sz="12400" dirty="0" smtClean="0">
+                <a:solidFill>
+                  <a:schemeClr val="bg1"/>
+                </a:solidFill>
+              </a:rPr>
+              <a:t> </a:t>
+            </a:r>
+            <a:r>
+              <a:rPr lang="de-DE" sz="12400" dirty="0">
+                <a:solidFill>
+                  <a:schemeClr val="bg1"/>
+                </a:solidFill>
+              </a:rPr>
+              <a:t>5</a:t>
+            </a:r>
+            <a:r>
+              <a:rPr lang="de-DE" sz="12400" dirty="0" smtClean="0">
+                <a:solidFill>
+                  <a:schemeClr val="bg1"/>
+                </a:solidFill>
+              </a:rPr>
+              <a:t>)</a:t>
             </a:r>
             <a:endParaRPr lang="de-DE" sz="12400" dirty="0">
               <a:solidFill>
@@ -8988,7 +8692,7 @@
         <p:spPr>
           <a:xfrm>
             <a:off x="529987" y="4199681"/>
-            <a:ext cx="1138152" cy="2000548"/>
+            <a:ext cx="8409649" cy="2000548"/>
           </a:xfrm>
           <a:prstGeom prst="rect">
             <a:avLst/>
@@ -9007,7 +8711,63 @@
                   <a:schemeClr val="bg1"/>
                 </a:solidFill>
               </a:rPr>
-              <a:t>()</a:t>
+              <a:t>(</a:t>
+            </a:r>
+            <a:r>
+              <a:rPr lang="de-DE" sz="12400" dirty="0" err="1" smtClean="0">
+                <a:solidFill>
+                  <a:schemeClr val="bg1"/>
+                </a:solidFill>
+              </a:rPr>
+              <a:t>var</a:t>
+            </a:r>
+            <a:r>
+              <a:rPr lang="de-DE" sz="12400" dirty="0" smtClean="0">
+                <a:solidFill>
+                  <a:schemeClr val="bg1"/>
+                </a:solidFill>
+              </a:rPr>
+              <a:t> </a:t>
+            </a:r>
+            <a:r>
+              <a:rPr lang="de-DE" sz="12400" dirty="0" err="1" smtClean="0">
+                <a:solidFill>
+                  <a:schemeClr val="bg1"/>
+                </a:solidFill>
+              </a:rPr>
+              <a:t>y</a:t>
+            </a:r>
+            <a:r>
+              <a:rPr lang="de-DE" sz="12400" dirty="0" smtClean="0">
+                <a:solidFill>
+                  <a:schemeClr val="bg1"/>
+                </a:solidFill>
+              </a:rPr>
+              <a:t> </a:t>
+            </a:r>
+            <a:r>
+              <a:rPr lang="de-DE" sz="12400" dirty="0" smtClean="0">
+                <a:solidFill>
+                  <a:schemeClr val="bg1"/>
+                </a:solidFill>
+              </a:rPr>
+              <a:t>(+ </a:t>
+            </a:r>
+            <a:r>
+              <a:rPr lang="de-DE" sz="12400" dirty="0" smtClean="0">
+                <a:solidFill>
+                  <a:schemeClr val="bg1"/>
+                </a:solidFill>
+              </a:rPr>
+              <a:t>3 x)</a:t>
+            </a:r>
+            <a:r>
+              <a:rPr lang="de-DE" sz="12400" dirty="0" smtClean="0">
+                <a:solidFill>
+                  <a:schemeClr val="bg1"/>
+                </a:solidFill>
+              </a:rPr>
+              <a:t>)</a:t>
             </a:r>
             <a:endParaRPr lang="de-DE" sz="12400" dirty="0">
               <a:solidFill>
@@ -9020,7 +8780,7 @@
     </p:spTree>
     <p:extLst>
       <p:ext uri="{BB962C8B-B14F-4D97-AF65-F5344CB8AC3E}">
-        <p14:creationId xmlns:p14="http://schemas.microsoft.com/office/powerpoint/2010/main" val="1055211385"/>
+        <p14:creationId xmlns:p14="http://schemas.microsoft.com/office/powerpoint/2010/main" val="1667670172"/>
       </p:ext>
     </p:extLst>
   </p:cSld>
@@ -9056,97 +8816,167 @@
       </p:grpSpPr>
       <p:sp>
         <p:nvSpPr>
-          <p:cNvPr id="2" name="Titel 1"/>
-          <p:cNvSpPr>
-            <a:spLocks noGrp="1"/>
-          </p:cNvSpPr>
-          <p:nvPr>
-            <p:ph type="title"/>
-          </p:nvPr>
-        </p:nvSpPr>
-        <p:spPr/>
-        <p:txBody>
-          <a:bodyPr/>
-          <a:lstStyle/>
-          <a:p>
-            <a:r>
-              <a:rPr lang="de-DE" dirty="0" smtClean="0"/>
-              <a:t>Der Reader</a:t>
-            </a:r>
-            <a:endParaRPr lang="de-DE" dirty="0"/>
-          </a:p>
-        </p:txBody>
-      </p:sp>
-      <p:sp>
-        <p:nvSpPr>
-          <p:cNvPr id="3" name="Inhaltsplatzhalter 2"/>
-          <p:cNvSpPr>
-            <a:spLocks noGrp="1"/>
-          </p:cNvSpPr>
-          <p:nvPr>
-            <p:ph idx="1"/>
-          </p:nvPr>
-        </p:nvSpPr>
-        <p:spPr/>
-        <p:txBody>
-          <a:bodyPr/>
-          <a:lstStyle/>
-          <a:p>
-            <a:r>
-              <a:rPr lang="de-DE" dirty="0" err="1" smtClean="0"/>
-              <a:t>Clojure</a:t>
-            </a:r>
-            <a:r>
-              <a:rPr lang="de-DE" dirty="0" smtClean="0"/>
-              <a:t> ist </a:t>
-            </a:r>
-            <a:r>
-              <a:rPr lang="de-DE" dirty="0" err="1" smtClean="0"/>
-              <a:t>homoiconic</a:t>
-            </a:r>
-            <a:endParaRPr lang="de-DE" dirty="0" smtClean="0"/>
-          </a:p>
-          <a:p>
-            <a:pPr marL="0" indent="0">
-              <a:buNone/>
-            </a:pPr>
-            <a:endParaRPr lang="de-DE" dirty="0"/>
-          </a:p>
-          <a:p>
-            <a:r>
-              <a:rPr lang="de-DE" dirty="0" smtClean="0"/>
-              <a:t>Weitere Informationen: http</a:t>
-            </a:r>
-            <a:r>
-              <a:rPr lang="de-DE" dirty="0"/>
-              <a:t>://</a:t>
-            </a:r>
-            <a:r>
-              <a:rPr lang="de-DE" dirty="0" err="1"/>
-              <a:t>clojure.org</a:t>
-            </a:r>
-            <a:r>
-              <a:rPr lang="de-DE" dirty="0"/>
-              <a:t>/</a:t>
-            </a:r>
-            <a:r>
-              <a:rPr lang="de-DE" dirty="0" err="1"/>
-              <a:t>reader</a:t>
-            </a:r>
-            <a:endParaRPr lang="de-DE" dirty="0"/>
+          <p:cNvPr id="2" name="Textfeld 1"/>
+          <p:cNvSpPr txBox="1"/>
+          <p:nvPr/>
+        </p:nvSpPr>
+        <p:spPr>
+          <a:xfrm>
+            <a:off x="616967" y="107545"/>
+            <a:ext cx="5126799" cy="2000548"/>
+          </a:xfrm>
+          <a:prstGeom prst="rect">
+            <a:avLst/>
+          </a:prstGeom>
+          <a:noFill/>
+        </p:spPr>
+        <p:txBody>
+          <a:bodyPr wrap="none" rtlCol="0">
+            <a:spAutoFit/>
+          </a:bodyPr>
+          <a:lstStyle/>
+          <a:p>
+            <a:r>
+              <a:rPr lang="de-DE" sz="12400" dirty="0" smtClean="0">
+                <a:solidFill>
+                  <a:schemeClr val="bg1"/>
+                </a:solidFill>
+              </a:rPr>
+              <a:t>(type 3)</a:t>
+            </a:r>
+            <a:endParaRPr lang="de-DE" sz="12400" dirty="0">
+              <a:solidFill>
+                <a:schemeClr val="bg1"/>
+              </a:solidFill>
+            </a:endParaRPr>
+          </a:p>
+        </p:txBody>
+      </p:sp>
+      <p:sp>
+        <p:nvSpPr>
+          <p:cNvPr id="3" name="Textfeld 2"/>
+          <p:cNvSpPr txBox="1"/>
+          <p:nvPr/>
+        </p:nvSpPr>
+        <p:spPr>
+          <a:xfrm>
+            <a:off x="564779" y="2156123"/>
+            <a:ext cx="4637633" cy="2000548"/>
+          </a:xfrm>
+          <a:prstGeom prst="rect">
+            <a:avLst/>
+          </a:prstGeom>
+          <a:noFill/>
+        </p:spPr>
+        <p:txBody>
+          <a:bodyPr wrap="none" rtlCol="0">
+            <a:spAutoFit/>
+          </a:bodyPr>
+          <a:lstStyle/>
+          <a:p>
+            <a:r>
+              <a:rPr lang="de-DE" sz="12400" dirty="0" smtClean="0">
+                <a:solidFill>
+                  <a:schemeClr val="bg1"/>
+                </a:solidFill>
+              </a:rPr>
+              <a:t>(</a:t>
+            </a:r>
+            <a:r>
+              <a:rPr lang="de-DE" sz="12400" dirty="0" err="1" smtClean="0">
+                <a:solidFill>
+                  <a:schemeClr val="bg1"/>
+                </a:solidFill>
+              </a:rPr>
+              <a:t>doc</a:t>
+            </a:r>
+            <a:r>
+              <a:rPr lang="de-DE" sz="12400" dirty="0" smtClean="0">
+                <a:solidFill>
+                  <a:schemeClr val="bg1"/>
+                </a:solidFill>
+              </a:rPr>
+              <a:t> +)</a:t>
+            </a:r>
+            <a:endParaRPr lang="de-DE" sz="12400" dirty="0">
+              <a:solidFill>
+                <a:schemeClr val="bg1"/>
+              </a:solidFill>
+            </a:endParaRPr>
+          </a:p>
+        </p:txBody>
+      </p:sp>
+      <p:sp>
+        <p:nvSpPr>
+          <p:cNvPr id="4" name="Textfeld 3"/>
+          <p:cNvSpPr txBox="1"/>
+          <p:nvPr/>
+        </p:nvSpPr>
+        <p:spPr>
+          <a:xfrm>
+            <a:off x="529987" y="4199681"/>
+            <a:ext cx="6571004" cy="2000548"/>
+          </a:xfrm>
+          <a:prstGeom prst="rect">
+            <a:avLst/>
+          </a:prstGeom>
+          <a:noFill/>
+        </p:spPr>
+        <p:txBody>
+          <a:bodyPr wrap="none" rtlCol="0">
+            <a:spAutoFit/>
+          </a:bodyPr>
+          <a:lstStyle/>
+          <a:p>
+            <a:r>
+              <a:rPr lang="de-DE" sz="12400" dirty="0" smtClean="0">
+                <a:solidFill>
+                  <a:schemeClr val="bg1"/>
+                </a:solidFill>
+              </a:rPr>
+              <a:t>(</a:t>
+            </a:r>
+            <a:r>
+              <a:rPr lang="de-DE" sz="12400" dirty="0" err="1" smtClean="0">
+                <a:solidFill>
+                  <a:schemeClr val="bg1"/>
+                </a:solidFill>
+              </a:rPr>
+              <a:t>class</a:t>
+            </a:r>
+            <a:r>
+              <a:rPr lang="de-DE" sz="12400" dirty="0" smtClean="0">
+                <a:solidFill>
+                  <a:schemeClr val="bg1"/>
+                </a:solidFill>
+              </a:rPr>
+              <a:t> ‘(1))</a:t>
+            </a:r>
+            <a:endParaRPr lang="de-DE" sz="12400" dirty="0">
+              <a:solidFill>
+                <a:schemeClr val="bg1"/>
+              </a:solidFill>
+            </a:endParaRPr>
           </a:p>
         </p:txBody>
       </p:sp>
     </p:spTree>
     <p:extLst>
       <p:ext uri="{BB962C8B-B14F-4D97-AF65-F5344CB8AC3E}">
-        <p14:creationId xmlns:p14="http://schemas.microsoft.com/office/powerpoint/2010/main" val="3962356383"/>
+        <p14:creationId xmlns:p14="http://schemas.microsoft.com/office/powerpoint/2010/main" val="1055211385"/>
       </p:ext>
     </p:extLst>
   </p:cSld>
   <p:clrMapOvr>
     <a:masterClrMapping/>
   </p:clrMapOvr>
+  <p:timing>
+    <p:tnLst>
+      <p:par>
+        <p:cTn xmlns:p14="http://schemas.microsoft.com/office/powerpoint/2010/main" id="1" dur="indefinite" restart="never" nodeType="tmRoot"/>
+      </p:par>
+    </p:tnLst>
+  </p:timing>
 </p:sld>
 </file>
 
@@ -9184,7 +9014,7 @@
           <a:p>
             <a:r>
               <a:rPr lang="de-DE" dirty="0" smtClean="0"/>
-              <a:t>Reader Forms</a:t>
+              <a:t>Der Reader</a:t>
             </a:r>
             <a:endParaRPr lang="de-DE" dirty="0"/>
           </a:p>
@@ -9202,301 +9032,50 @@
         </p:nvSpPr>
         <p:spPr/>
         <p:txBody>
-          <a:bodyPr>
-            <a:normAutofit lnSpcReduction="10000"/>
-          </a:bodyPr>
-          <a:lstStyle/>
-          <a:p>
-            <a:r>
-              <a:rPr lang="de-DE" dirty="0" smtClean="0"/>
-              <a:t>Symbols (</a:t>
-            </a:r>
-            <a:r>
-              <a:rPr lang="de-DE" dirty="0" err="1" smtClean="0"/>
-              <a:t>alphanumeric</a:t>
-            </a:r>
-            <a:r>
-              <a:rPr lang="de-DE" dirty="0" smtClean="0"/>
-              <a:t> </a:t>
-            </a:r>
-            <a:r>
-              <a:rPr lang="de-DE" dirty="0" err="1" smtClean="0"/>
-              <a:t>characters</a:t>
-            </a:r>
-            <a:r>
-              <a:rPr lang="de-DE" dirty="0" smtClean="0"/>
-              <a:t>, </a:t>
-            </a:r>
-            <a:r>
-              <a:rPr lang="de-DE" dirty="0" err="1" smtClean="0"/>
-              <a:t>start</a:t>
-            </a:r>
-            <a:r>
-              <a:rPr lang="de-DE" dirty="0" smtClean="0"/>
-              <a:t> </a:t>
-            </a:r>
-            <a:r>
-              <a:rPr lang="de-DE" dirty="0" err="1" smtClean="0"/>
-              <a:t>with</a:t>
-            </a:r>
-            <a:r>
-              <a:rPr lang="de-DE" dirty="0" smtClean="0"/>
-              <a:t> non </a:t>
-            </a:r>
-            <a:r>
-              <a:rPr lang="de-DE" dirty="0" err="1" smtClean="0"/>
-              <a:t>numeric</a:t>
-            </a:r>
-            <a:r>
-              <a:rPr lang="de-DE" dirty="0" smtClean="0"/>
-              <a:t>)</a:t>
-            </a:r>
-          </a:p>
-          <a:p>
-            <a:r>
-              <a:rPr lang="de-DE" dirty="0" err="1" smtClean="0"/>
-              <a:t>Literals</a:t>
-            </a:r>
+          <a:bodyPr/>
+          <a:lstStyle/>
+          <a:p>
+            <a:r>
+              <a:rPr lang="de-DE" dirty="0" err="1" smtClean="0"/>
+              <a:t>Clojure</a:t>
+            </a:r>
+            <a:r>
+              <a:rPr lang="de-DE" dirty="0" smtClean="0"/>
+              <a:t> ist </a:t>
+            </a:r>
+            <a:r>
+              <a:rPr lang="de-DE" dirty="0" err="1" smtClean="0"/>
+              <a:t>homoiconic</a:t>
+            </a:r>
+            <a:endParaRPr lang="de-DE" dirty="0" smtClean="0"/>
+          </a:p>
+          <a:p>
+            <a:pPr marL="0" indent="0">
+              <a:buNone/>
+            </a:pPr>
             <a:endParaRPr lang="de-DE" dirty="0"/>
           </a:p>
           <a:p>
-            <a:pPr lvl="1"/>
-            <a:r>
-              <a:rPr lang="de-DE" dirty="0" smtClean="0"/>
-              <a:t>Strings</a:t>
-            </a:r>
-          </a:p>
-          <a:p>
-            <a:pPr lvl="1"/>
-            <a:r>
-              <a:rPr lang="de-DE" dirty="0" smtClean="0"/>
-              <a:t>Numbers</a:t>
-            </a:r>
-          </a:p>
-          <a:p>
-            <a:pPr lvl="1"/>
-            <a:r>
-              <a:rPr lang="de-DE" dirty="0" err="1" smtClean="0"/>
-              <a:t>Character</a:t>
-            </a:r>
-            <a:endParaRPr lang="de-DE" dirty="0" smtClean="0"/>
-          </a:p>
-          <a:p>
-            <a:pPr lvl="1"/>
-            <a:r>
-              <a:rPr lang="de-DE" dirty="0" smtClean="0"/>
-              <a:t> </a:t>
-            </a:r>
-            <a:r>
-              <a:rPr lang="de-DE" dirty="0" err="1" smtClean="0"/>
-              <a:t>nil</a:t>
-            </a:r>
-            <a:endParaRPr lang="de-DE" dirty="0"/>
-          </a:p>
-          <a:p>
-            <a:pPr lvl="1"/>
-            <a:r>
-              <a:rPr lang="de-DE" dirty="0" err="1" smtClean="0"/>
-              <a:t>Booleans</a:t>
-            </a:r>
-            <a:endParaRPr lang="de-DE" dirty="0"/>
-          </a:p>
-          <a:p>
-            <a:pPr lvl="1"/>
-            <a:r>
-              <a:rPr lang="de-DE" dirty="0" err="1" smtClean="0"/>
-              <a:t>keywords</a:t>
-            </a:r>
-            <a:r>
-              <a:rPr lang="de-DE" dirty="0" smtClean="0"/>
-              <a:t> – </a:t>
-            </a:r>
-            <a:r>
-              <a:rPr lang="de-DE" dirty="0" err="1" smtClean="0"/>
-              <a:t>symbols</a:t>
-            </a:r>
-            <a:r>
-              <a:rPr lang="de-DE" dirty="0" smtClean="0"/>
-              <a:t> </a:t>
-            </a:r>
-            <a:r>
-              <a:rPr lang="de-DE" dirty="0" err="1" smtClean="0"/>
-              <a:t>with</a:t>
-            </a:r>
-            <a:r>
-              <a:rPr lang="de-DE" dirty="0" smtClean="0"/>
-              <a:t> </a:t>
-            </a:r>
-            <a:r>
-              <a:rPr lang="de-DE" dirty="0" err="1" smtClean="0"/>
-              <a:t>colon</a:t>
-            </a:r>
-            <a:endParaRPr lang="de-DE" dirty="0" smtClean="0"/>
-          </a:p>
-          <a:p>
-            <a:r>
-              <a:rPr lang="de-DE" dirty="0" smtClean="0"/>
-              <a:t>Lists (</a:t>
-            </a:r>
-            <a:r>
-              <a:rPr lang="de-DE" dirty="0" err="1" smtClean="0"/>
-              <a:t>enconclosed</a:t>
-            </a:r>
-            <a:r>
-              <a:rPr lang="de-DE" dirty="0" smtClean="0"/>
-              <a:t> in </a:t>
-            </a:r>
-            <a:r>
-              <a:rPr lang="de-DE" dirty="0" err="1" smtClean="0"/>
-              <a:t>paranthesis</a:t>
-            </a:r>
-            <a:r>
-              <a:rPr lang="de-DE" dirty="0" smtClean="0"/>
-              <a:t>)</a:t>
-            </a:r>
-          </a:p>
-          <a:p>
-            <a:r>
-              <a:rPr lang="de-DE" dirty="0" err="1" smtClean="0"/>
-              <a:t>Vectors</a:t>
-            </a:r>
-            <a:r>
-              <a:rPr lang="de-DE" dirty="0" smtClean="0"/>
-              <a:t> (</a:t>
-            </a:r>
-            <a:r>
-              <a:rPr lang="de-DE" dirty="0" err="1" smtClean="0"/>
-              <a:t>enclosed</a:t>
-            </a:r>
-            <a:r>
-              <a:rPr lang="de-DE" dirty="0" smtClean="0"/>
-              <a:t> in </a:t>
-            </a:r>
-            <a:r>
-              <a:rPr lang="de-DE" dirty="0" err="1" smtClean="0"/>
-              <a:t>square</a:t>
-            </a:r>
-            <a:r>
-              <a:rPr lang="de-DE" dirty="0" smtClean="0"/>
-              <a:t> </a:t>
-            </a:r>
-            <a:r>
-              <a:rPr lang="de-DE" dirty="0" err="1" smtClean="0"/>
-              <a:t>brackets</a:t>
-            </a:r>
-            <a:r>
-              <a:rPr lang="de-DE" dirty="0" smtClean="0"/>
-              <a:t>)</a:t>
-            </a:r>
-          </a:p>
-          <a:p>
-            <a:r>
-              <a:rPr lang="de-DE" dirty="0" err="1" smtClean="0"/>
-              <a:t>Maps</a:t>
-            </a:r>
-            <a:r>
-              <a:rPr lang="de-DE" dirty="0" smtClean="0"/>
-              <a:t> (</a:t>
-            </a:r>
-            <a:r>
-              <a:rPr lang="de-DE" dirty="0" err="1" smtClean="0"/>
-              <a:t>enclosed</a:t>
-            </a:r>
-            <a:r>
-              <a:rPr lang="de-DE" dirty="0" smtClean="0"/>
-              <a:t> in </a:t>
-            </a:r>
-            <a:r>
-              <a:rPr lang="de-DE" dirty="0" err="1" smtClean="0"/>
-              <a:t>braces</a:t>
-            </a:r>
-            <a:r>
-              <a:rPr lang="de-DE" dirty="0" smtClean="0"/>
-              <a:t>)</a:t>
-            </a:r>
-          </a:p>
-          <a:p>
-            <a:r>
-              <a:rPr lang="de-DE" dirty="0" smtClean="0"/>
-              <a:t>Sets (</a:t>
-            </a:r>
-            <a:r>
-              <a:rPr lang="de-DE" dirty="0" err="1" smtClean="0"/>
-              <a:t>enclosed</a:t>
-            </a:r>
-            <a:r>
-              <a:rPr lang="de-DE" dirty="0" smtClean="0"/>
-              <a:t> in </a:t>
-            </a:r>
-            <a:r>
-              <a:rPr lang="de-DE" dirty="0" err="1" smtClean="0"/>
-              <a:t>braces</a:t>
-            </a:r>
-            <a:r>
-              <a:rPr lang="de-DE" dirty="0" smtClean="0"/>
-              <a:t>, </a:t>
-            </a:r>
-            <a:r>
-              <a:rPr lang="de-DE" dirty="0" err="1" smtClean="0"/>
-              <a:t>preceded</a:t>
-            </a:r>
-            <a:r>
-              <a:rPr lang="de-DE" dirty="0" smtClean="0"/>
-              <a:t> </a:t>
-            </a:r>
-            <a:r>
-              <a:rPr lang="de-DE" dirty="0" err="1" smtClean="0"/>
-              <a:t>by</a:t>
-            </a:r>
-            <a:r>
-              <a:rPr lang="de-DE" dirty="0" smtClean="0"/>
-              <a:t> #)</a:t>
-            </a:r>
-          </a:p>
-          <a:p>
+            <a:r>
+              <a:rPr lang="de-DE" dirty="0" smtClean="0"/>
+              <a:t>Weitere Informationen: http</a:t>
+            </a:r>
+            <a:r>
+              <a:rPr lang="de-DE" dirty="0"/>
+              <a:t>://</a:t>
+            </a:r>
             <a:r>
               <a:rPr lang="de-DE" dirty="0" err="1"/>
-              <a:t>d</a:t>
-            </a:r>
-            <a:r>
-              <a:rPr lang="de-DE" dirty="0" err="1" smtClean="0"/>
-              <a:t>eftype</a:t>
-            </a:r>
-            <a:r>
-              <a:rPr lang="de-DE" dirty="0" smtClean="0"/>
-              <a:t>, </a:t>
-            </a:r>
-            <a:r>
-              <a:rPr lang="de-DE" dirty="0" err="1" smtClean="0"/>
-              <a:t>defrecord</a:t>
+              <a:t>clojure.org</a:t>
             </a:r>
             <a:r>
               <a:rPr lang="de-DE" dirty="0"/>
-              <a:t> </a:t>
-            </a:r>
-            <a:r>
-              <a:rPr lang="de-DE" dirty="0" err="1" smtClean="0"/>
-              <a:t>and</a:t>
-            </a:r>
-            <a:r>
-              <a:rPr lang="de-DE" dirty="0" smtClean="0"/>
-              <a:t> </a:t>
-            </a:r>
-            <a:r>
-              <a:rPr lang="de-DE" dirty="0" err="1" smtClean="0"/>
-              <a:t>constructor</a:t>
-            </a:r>
-            <a:r>
-              <a:rPr lang="de-DE" dirty="0" smtClean="0"/>
-              <a:t> </a:t>
-            </a:r>
-            <a:r>
-              <a:rPr lang="de-DE" dirty="0" err="1" smtClean="0"/>
-              <a:t>calls</a:t>
-            </a:r>
-            <a:endParaRPr lang="de-DE" dirty="0" smtClean="0"/>
-          </a:p>
-          <a:p>
+              <a:t>/</a:t>
+            </a:r>
+            <a:r>
+              <a:rPr lang="de-DE" dirty="0" err="1"/>
+              <a:t>reader</a:t>
+            </a:r>
             <a:endParaRPr lang="de-DE" dirty="0"/>
           </a:p>
         </p:txBody>
@@ -9504,13 +9083,20 @@
     </p:spTree>
     <p:extLst>
       <p:ext uri="{BB962C8B-B14F-4D97-AF65-F5344CB8AC3E}">
-        <p14:creationId xmlns:p14="http://schemas.microsoft.com/office/powerpoint/2010/main" val="1428227649"/>
+        <p14:creationId xmlns:p14="http://schemas.microsoft.com/office/powerpoint/2010/main" val="3962356383"/>
       </p:ext>
     </p:extLst>
   </p:cSld>
   <p:clrMapOvr>
     <a:masterClrMapping/>
   </p:clrMapOvr>
+  <p:timing>
+    <p:tnLst>
+      <p:par>
+        <p:cTn xmlns:p14="http://schemas.microsoft.com/office/powerpoint/2010/main" id="1" dur="indefinite" restart="never" nodeType="tmRoot"/>
+      </p:par>
+    </p:tnLst>
+  </p:timing>
 </p:sld>
 </file>
 
@@ -9548,11 +9134,36 @@
           <a:p>
             <a:r>
               <a:rPr lang="de-DE" dirty="0" smtClean="0"/>
-              <a:t>Reader </a:t>
-            </a:r>
-            <a:r>
-              <a:rPr lang="de-DE" dirty="0" err="1" smtClean="0"/>
-              <a:t>Macro</a:t>
+              <a:t>Reader Forms</a:t>
+            </a:r>
+            <a:endParaRPr lang="de-DE" dirty="0"/>
+          </a:p>
+        </p:txBody>
+      </p:sp>
+      <p:sp>
+        <p:nvSpPr>
+          <p:cNvPr id="3" name="Inhaltsplatzhalter 2"/>
+          <p:cNvSpPr>
+            <a:spLocks noGrp="1"/>
+          </p:cNvSpPr>
+          <p:nvPr>
+            <p:ph idx="1"/>
+          </p:nvPr>
+        </p:nvSpPr>
+        <p:spPr/>
+        <p:txBody>
+          <a:bodyPr>
+            <a:normAutofit lnSpcReduction="10000"/>
+          </a:bodyPr>
+          <a:lstStyle/>
+          <a:p>
+            <a:r>
+              <a:rPr lang="de-DE" dirty="0" smtClean="0"/>
+              <a:t>Symbols (</a:t>
+            </a:r>
+            <a:r>
+              <a:rPr lang="de-DE" dirty="0" err="1" smtClean="0"/>
+              <a:t>alphanumeric</a:t>
             </a:r>
             <a:r>
               <a:rPr lang="de-DE" dirty="0" smtClean="0"/>
@@ -9560,93 +9171,160 @@
             </a:r>
             <a:r>
               <a:rPr lang="de-DE" dirty="0" err="1" smtClean="0"/>
-              <a:t>Characters</a:t>
+              <a:t>characters</a:t>
+            </a:r>
+            <a:r>
+              <a:rPr lang="de-DE" dirty="0" smtClean="0"/>
+              <a:t>, </a:t>
+            </a:r>
+            <a:r>
+              <a:rPr lang="de-DE" dirty="0" err="1" smtClean="0"/>
+              <a:t>start</a:t>
+            </a:r>
+            <a:r>
+              <a:rPr lang="de-DE" dirty="0" smtClean="0"/>
+              <a:t> </a:t>
+            </a:r>
+            <a:r>
+              <a:rPr lang="de-DE" dirty="0" err="1" smtClean="0"/>
+              <a:t>with</a:t>
+            </a:r>
+            <a:r>
+              <a:rPr lang="de-DE" dirty="0" smtClean="0"/>
+              <a:t> non </a:t>
+            </a:r>
+            <a:r>
+              <a:rPr lang="de-DE" dirty="0" err="1" smtClean="0"/>
+              <a:t>numeric</a:t>
+            </a:r>
+            <a:r>
+              <a:rPr lang="de-DE" dirty="0" smtClean="0"/>
+              <a:t>)</a:t>
+            </a:r>
+          </a:p>
+          <a:p>
+            <a:r>
+              <a:rPr lang="de-DE" dirty="0" err="1" smtClean="0"/>
+              <a:t>Literals</a:t>
             </a:r>
             <a:endParaRPr lang="de-DE" dirty="0"/>
           </a:p>
-        </p:txBody>
-      </p:sp>
-      <p:sp>
-        <p:nvSpPr>
-          <p:cNvPr id="3" name="Inhaltsplatzhalter 2"/>
-          <p:cNvSpPr>
-            <a:spLocks noGrp="1"/>
-          </p:cNvSpPr>
-          <p:nvPr>
-            <p:ph idx="1"/>
-          </p:nvPr>
-        </p:nvSpPr>
-        <p:spPr/>
-        <p:txBody>
-          <a:bodyPr>
-            <a:normAutofit/>
-          </a:bodyPr>
-          <a:lstStyle/>
-          <a:p>
-            <a:r>
-              <a:rPr lang="de-DE" dirty="0" smtClean="0"/>
-              <a:t>Quote (‘)</a:t>
-            </a:r>
-          </a:p>
-          <a:p>
+          <a:p>
+            <a:pPr lvl="1"/>
+            <a:r>
+              <a:rPr lang="de-DE" dirty="0" smtClean="0"/>
+              <a:t>Strings</a:t>
+            </a:r>
+          </a:p>
+          <a:p>
+            <a:pPr lvl="1"/>
+            <a:r>
+              <a:rPr lang="de-DE" dirty="0" smtClean="0"/>
+              <a:t>Numbers</a:t>
+            </a:r>
+          </a:p>
+          <a:p>
+            <a:pPr lvl="1"/>
+            <a:r>
+              <a:rPr lang="de-DE" dirty="0" err="1" smtClean="0"/>
+              <a:t>Character</a:t>
+            </a:r>
+            <a:endParaRPr lang="de-DE" dirty="0" smtClean="0"/>
+          </a:p>
+          <a:p>
+            <a:pPr lvl="1"/>
             <a:r>
               <a:rPr lang="de-DE" dirty="0" smtClean="0"/>
               <a:t> </a:t>
             </a:r>
             <a:r>
               <a:rPr lang="de-DE" dirty="0" err="1" smtClean="0"/>
-              <a:t>Character</a:t>
-            </a:r>
-            <a:r>
-              <a:rPr lang="de-DE" dirty="0" smtClean="0"/>
-              <a:t> (\)</a:t>
-            </a:r>
-          </a:p>
-          <a:p>
-            <a:r>
-              <a:rPr lang="de-DE" dirty="0" smtClean="0"/>
-              <a:t>Comment (;)</a:t>
-            </a:r>
-          </a:p>
-          <a:p>
-            <a:r>
-              <a:rPr lang="de-DE" dirty="0" err="1" smtClean="0"/>
-              <a:t>Deref</a:t>
-            </a:r>
-            <a:r>
-              <a:rPr lang="de-DE" dirty="0" smtClean="0"/>
-              <a:t> (@)</a:t>
-            </a:r>
-          </a:p>
-          <a:p>
-            <a:r>
-              <a:rPr lang="de-DE" dirty="0" err="1" smtClean="0"/>
-              <a:t>Metadata</a:t>
+              <a:t>nil</a:t>
+            </a:r>
+            <a:endParaRPr lang="de-DE" dirty="0"/>
+          </a:p>
+          <a:p>
+            <a:pPr lvl="1"/>
+            <a:r>
+              <a:rPr lang="de-DE" dirty="0" err="1" smtClean="0"/>
+              <a:t>Booleans</a:t>
+            </a:r>
+            <a:endParaRPr lang="de-DE" dirty="0"/>
+          </a:p>
+          <a:p>
+            <a:pPr lvl="1"/>
+            <a:r>
+              <a:rPr lang="de-DE" dirty="0" err="1" smtClean="0"/>
+              <a:t>keywords</a:t>
+            </a:r>
+            <a:r>
+              <a:rPr lang="de-DE" dirty="0" smtClean="0"/>
+              <a:t> – </a:t>
+            </a:r>
+            <a:r>
+              <a:rPr lang="de-DE" dirty="0" err="1" smtClean="0"/>
+              <a:t>symbols</a:t>
+            </a:r>
+            <a:r>
+              <a:rPr lang="de-DE" dirty="0" smtClean="0"/>
+              <a:t> </a:t>
+            </a:r>
+            <a:r>
+              <a:rPr lang="de-DE" dirty="0" err="1" smtClean="0"/>
+              <a:t>with</a:t>
+            </a:r>
+            <a:r>
+              <a:rPr lang="de-DE" dirty="0" smtClean="0"/>
+              <a:t> </a:t>
+            </a:r>
+            <a:r>
+              <a:rPr lang="de-DE" dirty="0" err="1" smtClean="0"/>
+              <a:t>colon</a:t>
+            </a:r>
+            <a:endParaRPr lang="de-DE" dirty="0" smtClean="0"/>
+          </a:p>
+          <a:p>
+            <a:r>
+              <a:rPr lang="de-DE" dirty="0" smtClean="0"/>
+              <a:t>Lists (</a:t>
+            </a:r>
+            <a:r>
+              <a:rPr lang="de-DE" dirty="0" err="1" smtClean="0"/>
+              <a:t>enconclosed</a:t>
+            </a:r>
+            <a:r>
+              <a:rPr lang="de-DE" dirty="0" smtClean="0"/>
+              <a:t> in </a:t>
+            </a:r>
+            <a:r>
+              <a:rPr lang="de-DE" dirty="0" err="1" smtClean="0"/>
+              <a:t>paranthesis</a:t>
+            </a:r>
+            <a:r>
+              <a:rPr lang="de-DE" dirty="0" smtClean="0"/>
+              <a:t>)</a:t>
+            </a:r>
+          </a:p>
+          <a:p>
+            <a:r>
+              <a:rPr lang="de-DE" dirty="0" err="1" smtClean="0"/>
+              <a:t>Vectors</a:t>
             </a:r>
             <a:r>
               <a:rPr lang="de-DE" dirty="0" smtClean="0"/>
               <a:t> (</a:t>
             </a:r>
             <a:r>
-              <a:rPr lang="de-DE" dirty="0" smtClean="0"/>
-              <a:t>^)</a:t>
-            </a:r>
-          </a:p>
-          <a:p>
-            <a:r>
-              <a:rPr lang="de-DE" dirty="0" err="1" smtClean="0"/>
-              <a:t>Dispatch</a:t>
-            </a:r>
-            <a:r>
-              <a:rPr lang="de-DE" dirty="0" smtClean="0"/>
-              <a:t> (#)</a:t>
-            </a:r>
-          </a:p>
-          <a:p>
-            <a:pPr lvl="1"/>
-            <a:r>
-              <a:rPr lang="de-DE" dirty="0" err="1" smtClean="0"/>
-              <a:t>Regex</a:t>
+              <a:rPr lang="de-DE" dirty="0" err="1" smtClean="0"/>
+              <a:t>enclosed</a:t>
+            </a:r>
+            <a:r>
+              <a:rPr lang="de-DE" dirty="0" smtClean="0"/>
+              <a:t> in </a:t>
+            </a:r>
+            <a:r>
+              <a:rPr lang="de-DE" dirty="0" err="1" smtClean="0"/>
+              <a:t>square</a:t>
             </a:r>
             <a:r>
               <a:rPr lang="de-DE" dirty="0" smtClean="0"/>
@@ -9654,71 +9332,117 @@
             </a:r>
             <a:r>
               <a:rPr lang="de-DE" dirty="0" err="1" smtClean="0"/>
-              <a:t>patterns</a:t>
-            </a:r>
-            <a:r>
-              <a:rPr lang="de-DE" dirty="0" smtClean="0"/>
-              <a:t> (#“</a:t>
-            </a:r>
-            <a:r>
-              <a:rPr lang="de-DE" dirty="0" err="1" smtClean="0"/>
-              <a:t>pattern</a:t>
-            </a:r>
-            <a:r>
-              <a:rPr lang="de-DE" dirty="0" smtClean="0"/>
-              <a:t>“)</a:t>
-            </a:r>
-          </a:p>
-          <a:p>
-            <a:pPr lvl="1"/>
-            <a:r>
-              <a:rPr lang="de-DE" dirty="0" err="1" smtClean="0"/>
-              <a:t>Var</a:t>
-            </a:r>
-            <a:r>
-              <a:rPr lang="de-DE" dirty="0" smtClean="0"/>
-              <a:t>-quote (#‘)</a:t>
-            </a:r>
-          </a:p>
-          <a:p>
-            <a:pPr lvl="1"/>
-            <a:r>
-              <a:rPr lang="de-DE" dirty="0" smtClean="0"/>
-              <a:t>Anonymous </a:t>
-            </a:r>
-            <a:r>
-              <a:rPr lang="de-DE" dirty="0" err="1" smtClean="0"/>
-              <a:t>function</a:t>
-            </a:r>
-            <a:r>
-              <a:rPr lang="de-DE" dirty="0" smtClean="0"/>
-              <a:t> (#())</a:t>
-            </a:r>
-          </a:p>
-          <a:p>
-            <a:r>
-              <a:rPr lang="de-DE" dirty="0" smtClean="0"/>
-              <a:t>Syntax-quote (</a:t>
-            </a:r>
-            <a:r>
-              <a:rPr lang="de-DE" dirty="0" smtClean="0"/>
-              <a:t>`), </a:t>
-            </a:r>
-            <a:r>
-              <a:rPr lang="de-DE" dirty="0" err="1" smtClean="0"/>
-              <a:t>Unquote</a:t>
-            </a:r>
-            <a:r>
-              <a:rPr lang="de-DE" dirty="0" smtClean="0"/>
-              <a:t> (~), </a:t>
-            </a:r>
-            <a:r>
-              <a:rPr lang="de-DE" dirty="0" err="1" smtClean="0"/>
-              <a:t>Unquote-splicing</a:t>
-            </a:r>
-            <a:r>
-              <a:rPr lang="de-DE" dirty="0" smtClean="0"/>
-              <a:t> (~@)</a:t>
+              <a:t>brackets</a:t>
+            </a:r>
+            <a:r>
+              <a:rPr lang="de-DE" dirty="0" smtClean="0"/>
+              <a:t>)</a:t>
+            </a:r>
+          </a:p>
+          <a:p>
+            <a:r>
+              <a:rPr lang="de-DE" dirty="0" err="1" smtClean="0"/>
+              <a:t>Maps</a:t>
+            </a:r>
+            <a:r>
+              <a:rPr lang="de-DE" dirty="0" smtClean="0"/>
+              <a:t> (</a:t>
+            </a:r>
+            <a:r>
+              <a:rPr lang="de-DE" dirty="0" err="1" smtClean="0"/>
+              <a:t>enclosed</a:t>
+            </a:r>
+            <a:r>
+              <a:rPr lang="de-DE" dirty="0" smtClean="0"/>
+              <a:t> in </a:t>
+            </a:r>
+            <a:r>
+              <a:rPr lang="de-DE" dirty="0" err="1" smtClean="0"/>
+              <a:t>braces</a:t>
+            </a:r>
+            <a:r>
+              <a:rPr lang="de-DE" dirty="0" smtClean="0"/>
+              <a:t>)</a:t>
+            </a:r>
+          </a:p>
+          <a:p>
+            <a:r>
+              <a:rPr lang="de-DE" dirty="0" smtClean="0"/>
+              <a:t>Sets (</a:t>
+            </a:r>
+            <a:r>
+              <a:rPr lang="de-DE" dirty="0" err="1" smtClean="0"/>
+              <a:t>enclosed</a:t>
+            </a:r>
+            <a:r>
+              <a:rPr lang="de-DE" dirty="0" smtClean="0"/>
+              <a:t> in </a:t>
+            </a:r>
+            <a:r>
+              <a:rPr lang="de-DE" dirty="0" err="1" smtClean="0"/>
+              <a:t>braces</a:t>
+            </a:r>
+            <a:r>
+              <a:rPr lang="de-DE" dirty="0" smtClean="0"/>
+              <a:t>, </a:t>
+            </a:r>
+            <a:r>
+              <a:rPr lang="de-DE" dirty="0" err="1" smtClean="0"/>
+              <a:t>preceded</a:t>
+            </a:r>
+            <a:r>
+              <a:rPr lang="de-DE" dirty="0" smtClean="0"/>
+              <a:t> </a:t>
+            </a:r>
+            <a:r>
+              <a:rPr lang="de-DE" dirty="0" err="1" smtClean="0"/>
+              <a:t>by</a:t>
+            </a:r>
+            <a:r>
+              <a:rPr lang="de-DE" dirty="0" smtClean="0"/>
+              <a:t> #)</a:t>
+            </a:r>
+          </a:p>
+          <a:p>
+            <a:r>
+              <a:rPr lang="de-DE" dirty="0" err="1"/>
+              <a:t>d</a:t>
+            </a:r>
+            <a:r>
+              <a:rPr lang="de-DE" dirty="0" err="1" smtClean="0"/>
+              <a:t>eftype</a:t>
+            </a:r>
+            <a:r>
+              <a:rPr lang="de-DE" dirty="0" smtClean="0"/>
+              <a:t>, </a:t>
+            </a:r>
+            <a:r>
+              <a:rPr lang="de-DE" dirty="0" err="1" smtClean="0"/>
+              <a:t>defrecord</a:t>
+            </a:r>
+            <a:r>
+              <a:rPr lang="de-DE" dirty="0"/>
+              <a:t> </a:t>
+            </a:r>
+            <a:r>
+              <a:rPr lang="de-DE" dirty="0" err="1" smtClean="0"/>
+              <a:t>and</a:t>
+            </a:r>
+            <a:r>
+              <a:rPr lang="de-DE" dirty="0" smtClean="0"/>
+              <a:t> </a:t>
+            </a:r>
+            <a:r>
+              <a:rPr lang="de-DE" dirty="0" err="1" smtClean="0"/>
+              <a:t>constructor</a:t>
+            </a:r>
+            <a:r>
+              <a:rPr lang="de-DE" dirty="0" smtClean="0"/>
+              <a:t> </a:t>
+            </a:r>
+            <a:r>
+              <a:rPr lang="de-DE" dirty="0" err="1" smtClean="0"/>
+              <a:t>calls</a:t>
             </a:r>
             <a:endParaRPr lang="de-DE" dirty="0" smtClean="0"/>
           </a:p>
@@ -9730,13 +9454,20 @@
     </p:spTree>
     <p:extLst>
       <p:ext uri="{BB962C8B-B14F-4D97-AF65-F5344CB8AC3E}">
-        <p14:creationId xmlns:p14="http://schemas.microsoft.com/office/powerpoint/2010/main" val="3768548668"/>
+        <p14:creationId xmlns:p14="http://schemas.microsoft.com/office/powerpoint/2010/main" val="1428227649"/>
       </p:ext>
     </p:extLst>
   </p:cSld>
   <p:clrMapOvr>
     <a:masterClrMapping/>
   </p:clrMapOvr>
+  <p:timing>
+    <p:tnLst>
+      <p:par>
+        <p:cTn xmlns:p14="http://schemas.microsoft.com/office/powerpoint/2010/main" id="1" dur="indefinite" restart="never" nodeType="tmRoot"/>
+      </p:par>
+    </p:tnLst>
+  </p:timing>
 </p:sld>
 </file>
 
@@ -9759,154 +9490,204 @@
       </p:grpSpPr>
       <p:sp>
         <p:nvSpPr>
-          <p:cNvPr id="2" name="Textfeld 1"/>
-          <p:cNvSpPr txBox="1"/>
-          <p:nvPr/>
-        </p:nvSpPr>
-        <p:spPr>
-          <a:xfrm>
-            <a:off x="616967" y="107545"/>
-            <a:ext cx="5241715" cy="2000548"/>
-          </a:xfrm>
-          <a:prstGeom prst="rect">
-            <a:avLst/>
-          </a:prstGeom>
-          <a:noFill/>
-        </p:spPr>
-        <p:txBody>
-          <a:bodyPr wrap="none" rtlCol="0">
-            <a:spAutoFit/>
+          <p:cNvPr id="2" name="Titel 1"/>
+          <p:cNvSpPr>
+            <a:spLocks noGrp="1"/>
+          </p:cNvSpPr>
+          <p:nvPr>
+            <p:ph type="title"/>
+          </p:nvPr>
+        </p:nvSpPr>
+        <p:spPr/>
+        <p:txBody>
+          <a:bodyPr/>
+          <a:lstStyle/>
+          <a:p>
+            <a:r>
+              <a:rPr lang="de-DE" dirty="0" smtClean="0"/>
+              <a:t>Reader </a:t>
+            </a:r>
+            <a:r>
+              <a:rPr lang="de-DE" dirty="0" err="1" smtClean="0"/>
+              <a:t>Macro</a:t>
+            </a:r>
+            <a:r>
+              <a:rPr lang="de-DE" dirty="0" smtClean="0"/>
+              <a:t> </a:t>
+            </a:r>
+            <a:r>
+              <a:rPr lang="de-DE" dirty="0" err="1" smtClean="0"/>
+              <a:t>Characters</a:t>
+            </a:r>
+            <a:endParaRPr lang="de-DE" dirty="0"/>
+          </a:p>
+        </p:txBody>
+      </p:sp>
+      <p:sp>
+        <p:nvSpPr>
+          <p:cNvPr id="3" name="Inhaltsplatzhalter 2"/>
+          <p:cNvSpPr>
+            <a:spLocks noGrp="1"/>
+          </p:cNvSpPr>
+          <p:nvPr>
+            <p:ph idx="1"/>
+          </p:nvPr>
+        </p:nvSpPr>
+        <p:spPr/>
+        <p:txBody>
+          <a:bodyPr>
+            <a:normAutofit/>
           </a:bodyPr>
           <a:lstStyle/>
           <a:p>
             <a:r>
-              <a:rPr lang="de-DE" sz="12400" dirty="0" smtClean="0">
-                <a:solidFill>
-                  <a:schemeClr val="bg1"/>
-                </a:solidFill>
-              </a:rPr>
-              <a:t>(</a:t>
-            </a:r>
-            <a:r>
-              <a:rPr lang="de-DE" sz="12400" dirty="0" err="1" smtClean="0">
-                <a:solidFill>
-                  <a:schemeClr val="bg1"/>
-                </a:solidFill>
-              </a:rPr>
-              <a:t>var</a:t>
-            </a:r>
-            <a:r>
-              <a:rPr lang="de-DE" sz="12400" dirty="0" smtClean="0">
-                <a:solidFill>
-                  <a:schemeClr val="bg1"/>
-                </a:solidFill>
-              </a:rPr>
-              <a:t> x 3)</a:t>
-            </a:r>
-            <a:endParaRPr lang="de-DE" sz="12400" dirty="0">
-              <a:solidFill>
-                <a:schemeClr val="bg1"/>
-              </a:solidFill>
-            </a:endParaRPr>
-          </a:p>
-        </p:txBody>
-      </p:sp>
-      <p:sp>
-        <p:nvSpPr>
-          <p:cNvPr id="3" name="Textfeld 2"/>
-          <p:cNvSpPr txBox="1"/>
-          <p:nvPr/>
-        </p:nvSpPr>
-        <p:spPr>
-          <a:xfrm>
-            <a:off x="564779" y="2156123"/>
-            <a:ext cx="4294440" cy="2000548"/>
-          </a:xfrm>
-          <a:prstGeom prst="rect">
-            <a:avLst/>
-          </a:prstGeom>
-          <a:noFill/>
-        </p:spPr>
-        <p:txBody>
-          <a:bodyPr wrap="none" rtlCol="0">
-            <a:spAutoFit/>
-          </a:bodyPr>
-          <a:lstStyle/>
-          <a:p>
-            <a:r>
-              <a:rPr lang="de-DE" sz="12400" dirty="0" smtClean="0">
-                <a:solidFill>
-                  <a:schemeClr val="bg1"/>
-                </a:solidFill>
-              </a:rPr>
-              <a:t>(</a:t>
-            </a:r>
-            <a:r>
-              <a:rPr lang="de-DE" sz="12400" dirty="0" err="1" smtClean="0">
-                <a:solidFill>
-                  <a:schemeClr val="bg1"/>
-                </a:solidFill>
-              </a:rPr>
-              <a:t>var</a:t>
-            </a:r>
-            <a:r>
-              <a:rPr lang="de-DE" sz="12400" dirty="0" smtClean="0">
-                <a:solidFill>
-                  <a:schemeClr val="bg1"/>
-                </a:solidFill>
-              </a:rPr>
-              <a:t> +)</a:t>
-            </a:r>
-            <a:endParaRPr lang="de-DE" sz="12400" dirty="0">
-              <a:solidFill>
-                <a:schemeClr val="bg1"/>
-              </a:solidFill>
-            </a:endParaRPr>
-          </a:p>
-        </p:txBody>
-      </p:sp>
-      <p:sp>
-        <p:nvSpPr>
-          <p:cNvPr id="4" name="Textfeld 3"/>
-          <p:cNvSpPr txBox="1"/>
-          <p:nvPr/>
-        </p:nvSpPr>
-        <p:spPr>
-          <a:xfrm>
-            <a:off x="529987" y="4199681"/>
-            <a:ext cx="1138152" cy="2000548"/>
-          </a:xfrm>
-          <a:prstGeom prst="rect">
-            <a:avLst/>
-          </a:prstGeom>
-          <a:noFill/>
-        </p:spPr>
-        <p:txBody>
-          <a:bodyPr wrap="none" rtlCol="0">
-            <a:spAutoFit/>
-          </a:bodyPr>
-          <a:lstStyle/>
-          <a:p>
-            <a:r>
-              <a:rPr lang="de-DE" sz="12400" dirty="0" smtClean="0">
-                <a:solidFill>
-                  <a:schemeClr val="bg1"/>
-                </a:solidFill>
-              </a:rPr>
-              <a:t>()</a:t>
-            </a:r>
-            <a:endParaRPr lang="de-DE" sz="12400" dirty="0">
-              <a:solidFill>
-                <a:schemeClr val="bg1"/>
-              </a:solidFill>
-            </a:endParaRPr>
+              <a:rPr lang="de-DE" dirty="0" smtClean="0"/>
+              <a:t>Quote (‘)</a:t>
+            </a:r>
+          </a:p>
+          <a:p>
+            <a:r>
+              <a:rPr lang="de-DE" dirty="0" smtClean="0"/>
+              <a:t> </a:t>
+            </a:r>
+            <a:r>
+              <a:rPr lang="de-DE" dirty="0" err="1" smtClean="0"/>
+              <a:t>Character</a:t>
+            </a:r>
+            <a:r>
+              <a:rPr lang="de-DE" dirty="0" smtClean="0"/>
+              <a:t> (\)</a:t>
+            </a:r>
+          </a:p>
+          <a:p>
+            <a:r>
+              <a:rPr lang="de-DE" dirty="0" smtClean="0"/>
+              <a:t>Comment (;)</a:t>
+            </a:r>
+          </a:p>
+          <a:p>
+            <a:r>
+              <a:rPr lang="de-DE" dirty="0" err="1" smtClean="0"/>
+              <a:t>Deref</a:t>
+            </a:r>
+            <a:r>
+              <a:rPr lang="de-DE" dirty="0" smtClean="0"/>
+              <a:t> (@)</a:t>
+            </a:r>
+          </a:p>
+          <a:p>
+            <a:r>
+              <a:rPr lang="de-DE" dirty="0" err="1" smtClean="0"/>
+              <a:t>Metadata</a:t>
+            </a:r>
+            <a:r>
+              <a:rPr lang="de-DE" dirty="0" smtClean="0"/>
+              <a:t> (</a:t>
+            </a:r>
+            <a:r>
+              <a:rPr lang="de-DE" dirty="0" smtClean="0"/>
+              <a:t>^)</a:t>
+            </a:r>
+          </a:p>
+          <a:p>
+            <a:r>
+              <a:rPr lang="de-DE" dirty="0" err="1" smtClean="0"/>
+              <a:t>Dispatch</a:t>
+            </a:r>
+            <a:r>
+              <a:rPr lang="de-DE" dirty="0" smtClean="0"/>
+              <a:t> (#)</a:t>
+            </a:r>
+          </a:p>
+          <a:p>
+            <a:pPr lvl="1"/>
+            <a:r>
+              <a:rPr lang="de-DE" dirty="0" err="1" smtClean="0"/>
+              <a:t>Regex</a:t>
+            </a:r>
+            <a:r>
+              <a:rPr lang="de-DE" dirty="0" smtClean="0"/>
+              <a:t> </a:t>
+            </a:r>
+            <a:r>
+              <a:rPr lang="de-DE" dirty="0" err="1" smtClean="0"/>
+              <a:t>patterns</a:t>
+            </a:r>
+            <a:r>
+              <a:rPr lang="de-DE" dirty="0" smtClean="0"/>
+              <a:t> (#“</a:t>
+            </a:r>
+            <a:r>
+              <a:rPr lang="de-DE" dirty="0" err="1" smtClean="0"/>
+              <a:t>pattern</a:t>
+            </a:r>
+            <a:r>
+              <a:rPr lang="de-DE" dirty="0" smtClean="0"/>
+              <a:t>“)</a:t>
+            </a:r>
+          </a:p>
+          <a:p>
+            <a:pPr lvl="1"/>
+            <a:r>
+              <a:rPr lang="de-DE" dirty="0" err="1" smtClean="0"/>
+              <a:t>Var</a:t>
+            </a:r>
+            <a:r>
+              <a:rPr lang="de-DE" dirty="0" smtClean="0"/>
+              <a:t>-quote (#‘)</a:t>
+            </a:r>
+          </a:p>
+          <a:p>
+            <a:pPr lvl="1"/>
+            <a:r>
+              <a:rPr lang="de-DE" dirty="0" smtClean="0"/>
+              <a:t>Anonymous </a:t>
+            </a:r>
+            <a:r>
+              <a:rPr lang="de-DE" dirty="0" err="1" smtClean="0"/>
+              <a:t>function</a:t>
+            </a:r>
+            <a:r>
+              <a:rPr lang="de-DE" dirty="0" smtClean="0"/>
+              <a:t> (#())</a:t>
+            </a:r>
+          </a:p>
+          <a:p>
+            <a:r>
+              <a:rPr lang="de-DE" dirty="0" smtClean="0"/>
+              <a:t>Syntax-quote (</a:t>
+            </a:r>
+            <a:r>
+              <a:rPr lang="de-DE" dirty="0" smtClean="0"/>
+              <a:t>`), </a:t>
+            </a:r>
+            <a:r>
+              <a:rPr lang="de-DE" dirty="0" err="1" smtClean="0"/>
+              <a:t>Unquote</a:t>
+            </a:r>
+            <a:r>
+              <a:rPr lang="de-DE" dirty="0" smtClean="0"/>
+              <a:t> (~), </a:t>
+            </a:r>
+            <a:r>
+              <a:rPr lang="de-DE" dirty="0" err="1" smtClean="0"/>
+              <a:t>Unquote-splicing</a:t>
+            </a:r>
+            <a:r>
+              <a:rPr lang="de-DE" dirty="0" smtClean="0"/>
+              <a:t> (~@)</a:t>
+            </a:r>
+            <a:endParaRPr lang="de-DE" dirty="0" smtClean="0"/>
+          </a:p>
+          <a:p>
+            <a:endParaRPr lang="de-DE" dirty="0"/>
           </a:p>
         </p:txBody>
       </p:sp>
     </p:spTree>
     <p:extLst>
       <p:ext uri="{BB962C8B-B14F-4D97-AF65-F5344CB8AC3E}">
-        <p14:creationId xmlns:p14="http://schemas.microsoft.com/office/powerpoint/2010/main" val="583558998"/>
+        <p14:creationId xmlns:p14="http://schemas.microsoft.com/office/powerpoint/2010/main" val="3768548668"/>
       </p:ext>
     </p:extLst>
   </p:cSld>
@@ -9942,96 +9723,46 @@
       </p:grpSpPr>
       <p:sp>
         <p:nvSpPr>
-          <p:cNvPr id="2" name="Titel 1"/>
-          <p:cNvSpPr>
-            <a:spLocks noGrp="1"/>
-          </p:cNvSpPr>
-          <p:nvPr>
-            <p:ph type="title"/>
-          </p:nvPr>
-        </p:nvSpPr>
-        <p:spPr/>
-        <p:txBody>
-          <a:bodyPr/>
-          <a:lstStyle/>
-          <a:p>
-            <a:r>
-              <a:rPr lang="de-DE" dirty="0" err="1" smtClean="0"/>
-              <a:t>Macros</a:t>
-            </a:r>
-            <a:endParaRPr lang="de-DE" dirty="0"/>
-          </a:p>
-        </p:txBody>
-      </p:sp>
-      <p:sp>
-        <p:nvSpPr>
-          <p:cNvPr id="3" name="Inhaltsplatzhalter 2"/>
-          <p:cNvSpPr>
-            <a:spLocks noGrp="1"/>
-          </p:cNvSpPr>
-          <p:nvPr>
-            <p:ph idx="1"/>
-          </p:nvPr>
-        </p:nvSpPr>
-        <p:spPr/>
-        <p:txBody>
-          <a:bodyPr/>
-          <a:lstStyle/>
-          <a:p>
-            <a:r>
-              <a:rPr lang="de-DE" dirty="0" err="1" smtClean="0"/>
-              <a:t>defmacro</a:t>
-            </a:r>
-            <a:endParaRPr lang="de-DE" dirty="0" smtClean="0"/>
-          </a:p>
-          <a:p>
-            <a:endParaRPr lang="de-DE" dirty="0" smtClean="0"/>
-          </a:p>
-          <a:p>
-            <a:r>
-              <a:rPr lang="de-DE" dirty="0" err="1" smtClean="0"/>
-              <a:t>macroexpand</a:t>
-            </a:r>
-            <a:r>
-              <a:rPr lang="de-DE" dirty="0" smtClean="0"/>
-              <a:t> </a:t>
-            </a:r>
-          </a:p>
-          <a:p>
-            <a:pPr marL="0" indent="0">
-              <a:buNone/>
-            </a:pPr>
-            <a:endParaRPr lang="de-DE" dirty="0"/>
-          </a:p>
-          <a:p>
-            <a:r>
-              <a:rPr lang="de-DE" dirty="0" smtClean="0"/>
-              <a:t>Weitere Informationen</a:t>
-            </a:r>
-            <a:r>
-              <a:rPr lang="de-DE" dirty="0"/>
-              <a:t>: http://</a:t>
-            </a:r>
-            <a:r>
-              <a:rPr lang="de-DE" dirty="0" err="1"/>
-              <a:t>clojure.org</a:t>
-            </a:r>
-            <a:r>
-              <a:rPr lang="de-DE" dirty="0"/>
-              <a:t>/</a:t>
-            </a:r>
-            <a:r>
-              <a:rPr lang="de-DE" dirty="0" err="1"/>
-              <a:t>macros</a:t>
-            </a:r>
-            <a:endParaRPr lang="de-DE" dirty="0"/>
+          <p:cNvPr id="2" name="Textfeld 1"/>
+          <p:cNvSpPr txBox="1"/>
+          <p:nvPr/>
+        </p:nvSpPr>
+        <p:spPr>
+          <a:xfrm>
+            <a:off x="930095" y="2243098"/>
+            <a:ext cx="7248849" cy="2000548"/>
+          </a:xfrm>
+          <a:prstGeom prst="rect">
+            <a:avLst/>
+          </a:prstGeom>
+          <a:noFill/>
+        </p:spPr>
+        <p:txBody>
+          <a:bodyPr wrap="none" rtlCol="0">
+            <a:spAutoFit/>
+          </a:bodyPr>
+          <a:lstStyle/>
+          <a:p>
+            <a:r>
+              <a:rPr lang="de-DE" sz="12400" dirty="0" smtClean="0">
+                <a:solidFill>
+                  <a:schemeClr val="bg1"/>
+                </a:solidFill>
+              </a:rPr>
+              <a:t>Live Demo</a:t>
+            </a:r>
+            <a:endParaRPr lang="de-DE" sz="12400" dirty="0">
+              <a:solidFill>
+                <a:schemeClr val="bg1"/>
+              </a:solidFill>
+            </a:endParaRPr>
           </a:p>
         </p:txBody>
       </p:sp>
     </p:spTree>
     <p:extLst>
       <p:ext uri="{BB962C8B-B14F-4D97-AF65-F5344CB8AC3E}">
-        <p14:creationId xmlns:p14="http://schemas.microsoft.com/office/powerpoint/2010/main" val="184561787"/>
+        <p14:creationId xmlns:p14="http://schemas.microsoft.com/office/powerpoint/2010/main" val="3596708143"/>
       </p:ext>
     </p:extLst>
   </p:cSld>
@@ -10075,144 +9806,72 @@
           <a:p>
             <a:r>
               <a:rPr lang="de-DE" dirty="0" err="1" smtClean="0"/>
-              <a:t>Finally</a:t>
+              <a:t>Macros</a:t>
+            </a:r>
+            <a:endParaRPr lang="de-DE" dirty="0"/>
+          </a:p>
+        </p:txBody>
+      </p:sp>
+      <p:sp>
+        <p:nvSpPr>
+          <p:cNvPr id="3" name="Inhaltsplatzhalter 2"/>
+          <p:cNvSpPr>
+            <a:spLocks noGrp="1"/>
+          </p:cNvSpPr>
+          <p:nvPr>
+            <p:ph idx="1"/>
+          </p:nvPr>
+        </p:nvSpPr>
+        <p:spPr/>
+        <p:txBody>
+          <a:bodyPr/>
+          <a:lstStyle/>
+          <a:p>
+            <a:r>
+              <a:rPr lang="de-DE" dirty="0" err="1" smtClean="0"/>
+              <a:t>defmacro</a:t>
+            </a:r>
+            <a:endParaRPr lang="de-DE" dirty="0" smtClean="0"/>
+          </a:p>
+          <a:p>
+            <a:endParaRPr lang="de-DE" dirty="0" smtClean="0"/>
+          </a:p>
+          <a:p>
+            <a:r>
+              <a:rPr lang="de-DE" dirty="0" err="1" smtClean="0"/>
+              <a:t>macroexpand</a:t>
             </a:r>
             <a:r>
               <a:rPr lang="de-DE" dirty="0" smtClean="0"/>
               <a:t> </a:t>
             </a:r>
-            <a:r>
-              <a:rPr lang="de-DE" dirty="0" err="1" smtClean="0"/>
-              <a:t>Functions</a:t>
-            </a:r>
-            <a:r>
-              <a:rPr lang="de-DE" dirty="0" smtClean="0"/>
-              <a:t> </a:t>
-            </a:r>
+          </a:p>
+          <a:p>
+            <a:pPr marL="0" indent="0">
+              <a:buNone/>
+            </a:pPr>
             <a:endParaRPr lang="de-DE" dirty="0"/>
           </a:p>
-        </p:txBody>
-      </p:sp>
-      <p:sp>
-        <p:nvSpPr>
-          <p:cNvPr id="3" name="Inhaltsplatzhalter 2"/>
-          <p:cNvSpPr>
-            <a:spLocks noGrp="1"/>
-          </p:cNvSpPr>
-          <p:nvPr>
-            <p:ph idx="1"/>
-          </p:nvPr>
-        </p:nvSpPr>
-        <p:spPr/>
-        <p:txBody>
-          <a:bodyPr/>
-          <a:lstStyle/>
-          <a:p>
-            <a:r>
-              <a:rPr lang="de-DE" dirty="0" err="1" smtClean="0"/>
-              <a:t>Hello</a:t>
-            </a:r>
-            <a:r>
-              <a:rPr lang="de-DE" dirty="0" smtClean="0"/>
-              <a:t> </a:t>
-            </a:r>
-            <a:r>
-              <a:rPr lang="de-DE" dirty="0" err="1" smtClean="0"/>
-              <a:t>world</a:t>
-            </a:r>
-            <a:r>
-              <a:rPr lang="de-DE" dirty="0" smtClean="0"/>
-              <a:t> </a:t>
-            </a:r>
-            <a:r>
-              <a:rPr lang="de-DE" dirty="0" err="1" smtClean="0"/>
-              <a:t>equivalent</a:t>
-            </a:r>
-            <a:r>
-              <a:rPr lang="de-DE" dirty="0" smtClean="0"/>
-              <a:t>: </a:t>
-            </a:r>
-            <a:r>
-              <a:rPr lang="de-DE" dirty="0" err="1" smtClean="0"/>
-              <a:t>factorial</a:t>
-            </a:r>
-            <a:endParaRPr lang="de-DE" dirty="0" smtClean="0"/>
-          </a:p>
-          <a:p>
-            <a:endParaRPr lang="de-DE" dirty="0"/>
-          </a:p>
-          <a:p>
-            <a:r>
-              <a:rPr lang="de-DE" dirty="0" err="1" smtClean="0"/>
-              <a:t>Several</a:t>
-            </a:r>
-            <a:r>
-              <a:rPr lang="de-DE" dirty="0" smtClean="0"/>
-              <a:t> </a:t>
-            </a:r>
-            <a:r>
-              <a:rPr lang="de-DE" dirty="0" err="1" smtClean="0"/>
-              <a:t>versions</a:t>
-            </a:r>
-            <a:endParaRPr lang="de-DE" dirty="0" smtClean="0"/>
-          </a:p>
-          <a:p>
-            <a:pPr marL="731520" lvl="1" indent="-457200">
-              <a:buFont typeface="+mj-lt"/>
-              <a:buAutoNum type="arabicPeriod"/>
-            </a:pPr>
-            <a:r>
-              <a:rPr lang="de-DE" dirty="0" smtClean="0"/>
-              <a:t>Simple </a:t>
-            </a:r>
-            <a:r>
-              <a:rPr lang="de-DE" dirty="0" err="1" smtClean="0"/>
-              <a:t>approach</a:t>
-            </a:r>
-            <a:endParaRPr lang="de-DE" dirty="0" smtClean="0"/>
-          </a:p>
-          <a:p>
-            <a:pPr marL="731520" lvl="1" indent="-457200">
-              <a:buFont typeface="+mj-lt"/>
-              <a:buAutoNum type="arabicPeriod"/>
-            </a:pPr>
-            <a:r>
-              <a:rPr lang="de-DE" dirty="0" smtClean="0"/>
-              <a:t>Extended </a:t>
-            </a:r>
-            <a:r>
-              <a:rPr lang="de-DE" dirty="0" err="1" smtClean="0"/>
-              <a:t>multiplication</a:t>
-            </a:r>
-            <a:r>
-              <a:rPr lang="de-DE" dirty="0" smtClean="0"/>
-              <a:t> </a:t>
-            </a:r>
-            <a:r>
-              <a:rPr lang="de-DE" dirty="0" err="1" smtClean="0"/>
-              <a:t>operator</a:t>
-            </a:r>
-            <a:r>
-              <a:rPr lang="de-DE" dirty="0" smtClean="0"/>
-              <a:t>: *‘</a:t>
-            </a:r>
-          </a:p>
-          <a:p>
-            <a:pPr marL="731520" lvl="1" indent="-457200">
-              <a:buFont typeface="+mj-lt"/>
-              <a:buAutoNum type="arabicPeriod"/>
-            </a:pPr>
-            <a:r>
-              <a:rPr lang="de-DE" dirty="0" smtClean="0"/>
-              <a:t>Loop-</a:t>
-            </a:r>
-            <a:r>
-              <a:rPr lang="de-DE" dirty="0" err="1" smtClean="0"/>
-              <a:t>Recur</a:t>
-            </a:r>
-            <a:r>
-              <a:rPr lang="de-DE" dirty="0" smtClean="0"/>
-              <a:t>-Pattern</a:t>
+          <a:p>
+            <a:r>
+              <a:rPr lang="de-DE" dirty="0" smtClean="0"/>
+              <a:t>Weitere Informationen</a:t>
+            </a:r>
+            <a:r>
+              <a:rPr lang="de-DE" dirty="0"/>
+              <a:t>: http://</a:t>
+            </a:r>
+            <a:r>
+              <a:rPr lang="de-DE" dirty="0" err="1"/>
+              <a:t>clojure.org</a:t>
+            </a:r>
+            <a:r>
+              <a:rPr lang="de-DE" dirty="0"/>
+              <a:t>/</a:t>
+            </a:r>
+            <a:r>
+              <a:rPr lang="de-DE" dirty="0" err="1"/>
+              <a:t>macros</a:t>
             </a:r>
             <a:endParaRPr lang="de-DE" dirty="0"/>
           </a:p>
@@ -10221,13 +9880,20 @@
     </p:spTree>
     <p:extLst>
       <p:ext uri="{BB962C8B-B14F-4D97-AF65-F5344CB8AC3E}">
-        <p14:creationId xmlns:p14="http://schemas.microsoft.com/office/powerpoint/2010/main" val="1247605478"/>
+        <p14:creationId xmlns:p14="http://schemas.microsoft.com/office/powerpoint/2010/main" val="184561787"/>
       </p:ext>
     </p:extLst>
   </p:cSld>
   <p:clrMapOvr>
     <a:masterClrMapping/>
   </p:clrMapOvr>
+  <p:timing>
+    <p:tnLst>
+      <p:par>
+        <p:cTn xmlns:p14="http://schemas.microsoft.com/office/powerpoint/2010/main" id="1" dur="indefinite" restart="never" nodeType="tmRoot"/>
+      </p:par>
+    </p:tnLst>
+  </p:timing>
 </p:sld>
 </file>
 
@@ -10264,16 +9930,20 @@
           <a:lstStyle/>
           <a:p>
             <a:r>
-              <a:rPr lang="de-DE" dirty="0" smtClean="0"/>
-              <a:t>Java </a:t>
-            </a:r>
-            <a:r>
-              <a:rPr lang="de-DE" dirty="0" smtClean="0"/>
-              <a:t>in </a:t>
-            </a:r>
-            <a:r>
-              <a:rPr lang="de-DE" dirty="0" err="1" smtClean="0"/>
-              <a:t>Clojure</a:t>
+              <a:rPr lang="de-DE" dirty="0" err="1" smtClean="0"/>
+              <a:t>Finally</a:t>
+            </a:r>
+            <a:r>
+              <a:rPr lang="de-DE" dirty="0" smtClean="0"/>
+              <a:t> </a:t>
+            </a:r>
+            <a:r>
+              <a:rPr lang="de-DE" dirty="0" err="1" smtClean="0"/>
+              <a:t>Functions</a:t>
+            </a:r>
+            <a:r>
+              <a:rPr lang="de-DE" dirty="0" smtClean="0"/>
+              <a:t> </a:t>
             </a:r>
             <a:endParaRPr lang="de-DE" dirty="0"/>
           </a:p>
@@ -10295,251 +9965,129 @@
           <a:lstStyle/>
           <a:p>
             <a:r>
-              <a:rPr lang="de-DE" dirty="0" smtClean="0"/>
-              <a:t>Sehr einfach:</a:t>
-            </a:r>
-            <a:r>
-              <a:rPr lang="de-DE" dirty="0" smtClean="0"/>
-              <a:t/>
-            </a:r>
-            <a:br>
-              <a:rPr lang="de-DE" dirty="0" smtClean="0"/>
-            </a:br>
-            <a:r>
-              <a:rPr lang="de-DE" dirty="0"/>
-              <a:t/>
-            </a:r>
-            <a:br>
-              <a:rPr lang="de-DE" dirty="0"/>
-            </a:br>
-            <a:r>
-              <a:rPr lang="de-DE" sz="2000" dirty="0">
-                <a:latin typeface="Consolas"/>
-                <a:cs typeface="Consolas"/>
-              </a:rPr>
-              <a:t>(</a:t>
-            </a:r>
-            <a:r>
-              <a:rPr lang="de-DE" sz="2000" dirty="0" err="1">
-                <a:latin typeface="Consolas"/>
-                <a:cs typeface="Consolas"/>
-              </a:rPr>
-              <a:t>def</a:t>
-            </a:r>
-            <a:r>
-              <a:rPr lang="de-DE" sz="2000" dirty="0">
-                <a:latin typeface="Consolas"/>
-                <a:cs typeface="Consolas"/>
-              </a:rPr>
-              <a:t> cal (</a:t>
-            </a:r>
-            <a:r>
-              <a:rPr lang="de-DE" sz="2000" dirty="0" err="1">
-                <a:latin typeface="Consolas"/>
-                <a:cs typeface="Consolas"/>
-              </a:rPr>
-              <a:t>java.util.Calendar</a:t>
-            </a:r>
-            <a:r>
-              <a:rPr lang="de-DE" sz="2000" dirty="0">
-                <a:latin typeface="Consolas"/>
-                <a:cs typeface="Consolas"/>
-              </a:rPr>
-              <a:t>/</a:t>
-            </a:r>
-            <a:r>
-              <a:rPr lang="de-DE" sz="2000" dirty="0" err="1">
-                <a:latin typeface="Consolas"/>
-                <a:cs typeface="Consolas"/>
-              </a:rPr>
-              <a:t>getInstance</a:t>
-            </a:r>
-            <a:r>
-              <a:rPr lang="de-DE" sz="2000" dirty="0">
-                <a:latin typeface="Consolas"/>
-                <a:cs typeface="Consolas"/>
-              </a:rPr>
-              <a:t>)</a:t>
-            </a:r>
-            <a:r>
-              <a:rPr lang="de-DE" sz="2000" dirty="0" smtClean="0">
-                <a:latin typeface="Consolas"/>
-                <a:cs typeface="Consolas"/>
-              </a:rPr>
-              <a:t>)</a:t>
-            </a:r>
-            <a:br>
-              <a:rPr lang="de-DE" sz="2000" dirty="0" smtClean="0">
-                <a:latin typeface="Consolas"/>
-                <a:cs typeface="Consolas"/>
-              </a:rPr>
-            </a:br>
-            <a:r>
-              <a:rPr lang="de-DE" sz="2000" dirty="0" smtClean="0">
-                <a:latin typeface="Consolas"/>
-                <a:cs typeface="Consolas"/>
-              </a:rPr>
-              <a:t>#‘</a:t>
-            </a:r>
-            <a:r>
-              <a:rPr lang="de-DE" sz="2000" dirty="0" err="1" smtClean="0">
-                <a:latin typeface="Consolas"/>
-                <a:cs typeface="Consolas"/>
-              </a:rPr>
-              <a:t>user</a:t>
-            </a:r>
-            <a:r>
-              <a:rPr lang="de-DE" sz="2000" dirty="0" smtClean="0">
-                <a:latin typeface="Consolas"/>
-                <a:cs typeface="Consolas"/>
-              </a:rPr>
-              <a:t>/</a:t>
-            </a:r>
-            <a:r>
-              <a:rPr lang="de-DE" sz="2000" dirty="0">
-                <a:latin typeface="Consolas"/>
-                <a:cs typeface="Consolas"/>
-              </a:rPr>
-              <a:t>cal</a:t>
-            </a:r>
-            <a:r>
-              <a:rPr lang="hr-HR" sz="2000" dirty="0" smtClean="0">
-                <a:latin typeface="Consolas"/>
-                <a:cs typeface="Consolas"/>
-              </a:rPr>
-              <a:t/>
-            </a:r>
-            <a:br>
-              <a:rPr lang="hr-HR" sz="2000" dirty="0" smtClean="0">
-                <a:latin typeface="Consolas"/>
-                <a:cs typeface="Consolas"/>
-              </a:rPr>
-            </a:br>
-            <a:r>
-              <a:rPr lang="hr-HR" sz="2000" dirty="0" smtClean="0">
-                <a:latin typeface="Consolas"/>
-                <a:cs typeface="Consolas"/>
-              </a:rPr>
-              <a:t/>
-            </a:r>
-            <a:br>
-              <a:rPr lang="hr-HR" sz="2000" dirty="0" smtClean="0">
-                <a:latin typeface="Consolas"/>
-                <a:cs typeface="Consolas"/>
-              </a:rPr>
-            </a:br>
-            <a:r>
-              <a:rPr lang="fi-FI" sz="2000" dirty="0">
-                <a:latin typeface="Consolas"/>
-                <a:cs typeface="Consolas"/>
-              </a:rPr>
-              <a:t>(.</a:t>
-            </a:r>
-            <a:r>
-              <a:rPr lang="fi-FI" sz="2000" dirty="0" err="1">
-                <a:latin typeface="Consolas"/>
-                <a:cs typeface="Consolas"/>
-              </a:rPr>
-              <a:t>getTimeInMillis</a:t>
-            </a:r>
-            <a:r>
-              <a:rPr lang="fi-FI" sz="2000" dirty="0">
-                <a:latin typeface="Consolas"/>
-                <a:cs typeface="Consolas"/>
-              </a:rPr>
+              <a:rPr lang="de-DE" dirty="0" err="1" smtClean="0"/>
+              <a:t>Hello</a:t>
+            </a:r>
+            <a:r>
+              <a:rPr lang="de-DE" dirty="0" smtClean="0"/>
               <a:t> </a:t>
             </a:r>
             <a:r>
-              <a:rPr lang="fi-FI" sz="2000" dirty="0" err="1">
-                <a:latin typeface="Consolas"/>
-                <a:cs typeface="Consolas"/>
-              </a:rPr>
-              <a:t>cal</a:t>
-            </a:r>
-            <a:r>
-              <a:rPr lang="fi-FI" sz="2000" dirty="0" smtClean="0">
-                <a:latin typeface="Consolas"/>
-                <a:cs typeface="Consolas"/>
-              </a:rPr>
-              <a:t>)</a:t>
-            </a:r>
-            <a:br>
-              <a:rPr lang="fi-FI" sz="2000" dirty="0" smtClean="0">
-                <a:latin typeface="Consolas"/>
-                <a:cs typeface="Consolas"/>
-              </a:rPr>
-            </a:br>
-            <a:r>
-              <a:rPr lang="fi-FI" sz="2000" dirty="0" smtClean="0">
-                <a:latin typeface="Consolas"/>
-                <a:cs typeface="Consolas"/>
-              </a:rPr>
-              <a:t>1415399321833</a:t>
-            </a:r>
-            <a:br>
-              <a:rPr lang="fi-FI" sz="2000" dirty="0" smtClean="0">
-                <a:latin typeface="Consolas"/>
-                <a:cs typeface="Consolas"/>
-              </a:rPr>
-            </a:br>
-            <a:r>
-              <a:rPr lang="fi-FI" sz="2000" dirty="0" smtClean="0">
-                <a:latin typeface="Consolas"/>
-                <a:cs typeface="Consolas"/>
-              </a:rPr>
-              <a:t/>
-            </a:r>
-            <a:br>
-              <a:rPr lang="fi-FI" sz="2000" dirty="0" smtClean="0">
-                <a:latin typeface="Consolas"/>
-                <a:cs typeface="Consolas"/>
-              </a:rPr>
-            </a:br>
-            <a:r>
-              <a:rPr lang="fi-FI" sz="2000" dirty="0" smtClean="0">
-                <a:latin typeface="Consolas"/>
-                <a:cs typeface="Consolas"/>
-              </a:rPr>
-              <a:t>(</a:t>
-            </a:r>
-            <a:r>
-              <a:rPr lang="fi-FI" sz="2000" dirty="0" err="1" smtClean="0">
-                <a:latin typeface="Consolas"/>
-                <a:cs typeface="Consolas"/>
-              </a:rPr>
-              <a:t>System/currentTimeMillis</a:t>
-            </a:r>
-            <a:r>
-              <a:rPr lang="fi-FI" sz="2000" dirty="0" smtClean="0">
-                <a:latin typeface="Consolas"/>
-                <a:cs typeface="Consolas"/>
-              </a:rPr>
-              <a:t>)</a:t>
-            </a:r>
-            <a:br>
-              <a:rPr lang="fi-FI" sz="2000" dirty="0" smtClean="0">
-                <a:latin typeface="Consolas"/>
-                <a:cs typeface="Consolas"/>
-              </a:rPr>
-            </a:br>
-            <a:r>
-              <a:rPr lang="fi-FI" sz="2000" dirty="0" smtClean="0">
-                <a:latin typeface="Consolas"/>
-                <a:cs typeface="Consolas"/>
-              </a:rPr>
-              <a:t>1415703691973</a:t>
-            </a:r>
-            <a:endParaRPr lang="de-DE" sz="2000" dirty="0">
-              <a:latin typeface="Consolas"/>
-              <a:cs typeface="Consolas"/>
-            </a:endParaRPr>
+              <a:rPr lang="de-DE" dirty="0" err="1" smtClean="0"/>
+              <a:t>world</a:t>
+            </a:r>
+            <a:r>
+              <a:rPr lang="de-DE" dirty="0" smtClean="0"/>
+              <a:t> </a:t>
+            </a:r>
+            <a:r>
+              <a:rPr lang="de-DE" dirty="0" err="1" smtClean="0"/>
+              <a:t>equivalent</a:t>
+            </a:r>
+            <a:r>
+              <a:rPr lang="de-DE" dirty="0" smtClean="0"/>
+              <a:t>: </a:t>
+            </a:r>
+            <a:r>
+              <a:rPr lang="de-DE" dirty="0" err="1" smtClean="0"/>
+              <a:t>factorial</a:t>
+            </a:r>
+            <a:endParaRPr lang="de-DE" dirty="0" smtClean="0"/>
+          </a:p>
+          <a:p>
+            <a:endParaRPr lang="de-DE" dirty="0"/>
+          </a:p>
+          <a:p>
+            <a:r>
+              <a:rPr lang="de-DE" dirty="0" err="1" smtClean="0"/>
+              <a:t>Several</a:t>
+            </a:r>
+            <a:r>
+              <a:rPr lang="de-DE" dirty="0" smtClean="0"/>
+              <a:t> </a:t>
+            </a:r>
+            <a:r>
+              <a:rPr lang="de-DE" dirty="0" err="1" smtClean="0"/>
+              <a:t>versions</a:t>
+            </a:r>
+            <a:endParaRPr lang="de-DE" dirty="0" smtClean="0"/>
+          </a:p>
+          <a:p>
+            <a:pPr marL="731520" lvl="1" indent="-457200">
+              <a:buFont typeface="+mj-lt"/>
+              <a:buAutoNum type="arabicPeriod"/>
+            </a:pPr>
+            <a:r>
+              <a:rPr lang="de-DE" dirty="0" smtClean="0"/>
+              <a:t>Simple </a:t>
+            </a:r>
+            <a:r>
+              <a:rPr lang="de-DE" dirty="0" err="1" smtClean="0"/>
+              <a:t>approach</a:t>
+            </a:r>
+            <a:endParaRPr lang="de-DE" dirty="0" smtClean="0"/>
+          </a:p>
+          <a:p>
+            <a:pPr marL="731520" lvl="1" indent="-457200">
+              <a:buFont typeface="+mj-lt"/>
+              <a:buAutoNum type="arabicPeriod"/>
+            </a:pPr>
+            <a:r>
+              <a:rPr lang="de-DE" dirty="0" smtClean="0"/>
+              <a:t>Extended </a:t>
+            </a:r>
+            <a:r>
+              <a:rPr lang="de-DE" dirty="0" err="1" smtClean="0"/>
+              <a:t>multiplication</a:t>
+            </a:r>
+            <a:r>
+              <a:rPr lang="de-DE" dirty="0" smtClean="0"/>
+              <a:t> </a:t>
+            </a:r>
+            <a:r>
+              <a:rPr lang="de-DE" dirty="0" err="1" smtClean="0"/>
+              <a:t>operator</a:t>
+            </a:r>
+            <a:r>
+              <a:rPr lang="de-DE" dirty="0" smtClean="0"/>
+              <a:t>: *‘</a:t>
+            </a:r>
+          </a:p>
+          <a:p>
+            <a:pPr marL="731520" lvl="1" indent="-457200">
+              <a:buFont typeface="+mj-lt"/>
+              <a:buAutoNum type="arabicPeriod"/>
+            </a:pPr>
+            <a:r>
+              <a:rPr lang="de-DE" dirty="0" smtClean="0"/>
+              <a:t>Loop-</a:t>
+            </a:r>
+            <a:r>
+              <a:rPr lang="de-DE" dirty="0" err="1" smtClean="0"/>
+              <a:t>Recur</a:t>
+            </a:r>
+            <a:r>
+              <a:rPr lang="de-DE" dirty="0" smtClean="0"/>
+              <a:t>-Pattern</a:t>
+            </a:r>
+          </a:p>
+          <a:p>
+            <a:pPr marL="731520" lvl="1" indent="-457200">
+              <a:buFont typeface="+mj-lt"/>
+              <a:buAutoNum type="arabicPeriod"/>
+            </a:pPr>
+            <a:r>
+              <a:rPr lang="de-DE" dirty="0" err="1" smtClean="0"/>
+              <a:t>reduce</a:t>
+            </a:r>
+            <a:endParaRPr lang="de-DE" dirty="0"/>
           </a:p>
         </p:txBody>
       </p:sp>
     </p:spTree>
     <p:extLst>
       <p:ext uri="{BB962C8B-B14F-4D97-AF65-F5344CB8AC3E}">
-        <p14:creationId xmlns:p14="http://schemas.microsoft.com/office/powerpoint/2010/main" val="3226257409"/>
+        <p14:creationId xmlns:p14="http://schemas.microsoft.com/office/powerpoint/2010/main" val="1247605478"/>
       </p:ext>
     </p:extLst>
   </p:cSld>
@@ -10650,233 +10198,38 @@
       </p:grpSpPr>
       <p:sp>
         <p:nvSpPr>
-          <p:cNvPr id="2" name="Titel 1"/>
-          <p:cNvSpPr>
-            <a:spLocks noGrp="1"/>
-          </p:cNvSpPr>
-          <p:nvPr>
-            <p:ph type="title"/>
-          </p:nvPr>
-        </p:nvSpPr>
-        <p:spPr/>
-        <p:txBody>
-          <a:bodyPr/>
-          <a:lstStyle/>
-          <a:p>
-            <a:r>
-              <a:rPr lang="de-DE" dirty="0" err="1" smtClean="0"/>
-              <a:t>Clojure</a:t>
-            </a:r>
-            <a:r>
-              <a:rPr lang="de-DE" dirty="0" smtClean="0"/>
-              <a:t> </a:t>
-            </a:r>
-            <a:r>
-              <a:rPr lang="de-DE" dirty="0" smtClean="0"/>
-              <a:t>in Java</a:t>
-            </a:r>
-            <a:endParaRPr lang="de-DE" dirty="0"/>
-          </a:p>
-        </p:txBody>
-      </p:sp>
-      <p:sp>
-        <p:nvSpPr>
-          <p:cNvPr id="3" name="Inhaltsplatzhalter 2"/>
-          <p:cNvSpPr>
-            <a:spLocks noGrp="1"/>
-          </p:cNvSpPr>
-          <p:nvPr>
-            <p:ph idx="1"/>
-          </p:nvPr>
-        </p:nvSpPr>
-        <p:spPr/>
-        <p:txBody>
-          <a:bodyPr>
-            <a:normAutofit/>
+          <p:cNvPr id="2" name="Textfeld 1"/>
+          <p:cNvSpPr txBox="1"/>
+          <p:nvPr/>
+        </p:nvSpPr>
+        <p:spPr>
+          <a:xfrm>
+            <a:off x="930095" y="2243098"/>
+            <a:ext cx="7248849" cy="2000548"/>
+          </a:xfrm>
+          <a:prstGeom prst="rect">
+            <a:avLst/>
+          </a:prstGeom>
+          <a:noFill/>
+        </p:spPr>
+        <p:txBody>
+          <a:bodyPr wrap="none" rtlCol="0">
+            <a:spAutoFit/>
           </a:bodyPr>
           <a:lstStyle/>
           <a:p>
             <a:r>
-              <a:rPr lang="de-DE" dirty="0" err="1" smtClean="0"/>
-              <a:t>Generate</a:t>
-            </a:r>
-            <a:r>
-              <a:rPr lang="de-DE" dirty="0" smtClean="0"/>
-              <a:t> </a:t>
-            </a:r>
-            <a:r>
-              <a:rPr lang="de-DE" dirty="0" err="1" smtClean="0"/>
-              <a:t>classes</a:t>
-            </a:r>
-            <a:r>
-              <a:rPr lang="de-DE" dirty="0" smtClean="0"/>
-              <a:t> </a:t>
-            </a:r>
-            <a:r>
-              <a:rPr lang="de-DE" dirty="0" err="1" smtClean="0"/>
-              <a:t>for</a:t>
-            </a:r>
-            <a:r>
-              <a:rPr lang="de-DE" dirty="0" smtClean="0"/>
-              <a:t> Java (</a:t>
-            </a:r>
-            <a:r>
-              <a:rPr lang="de-DE" dirty="0" err="1" smtClean="0"/>
-              <a:t>outdated</a:t>
-            </a:r>
-            <a:r>
-              <a:rPr lang="de-DE" dirty="0"/>
-              <a:t>)</a:t>
-            </a:r>
-            <a:br>
-              <a:rPr lang="de-DE" dirty="0"/>
-            </a:br>
-            <a:r>
-              <a:rPr lang="de-DE" dirty="0"/>
-              <a:t/>
-            </a:r>
-            <a:br>
-              <a:rPr lang="de-DE" dirty="0"/>
-            </a:br>
-            <a:r>
-              <a:rPr lang="de-DE" sz="2000" dirty="0" smtClean="0">
-                <a:latin typeface="Consolas"/>
-                <a:cs typeface="Consolas"/>
-              </a:rPr>
-              <a:t>(</a:t>
-            </a:r>
-            <a:r>
-              <a:rPr lang="de-DE" sz="2000" dirty="0" err="1" smtClean="0">
-                <a:latin typeface="Consolas"/>
-                <a:cs typeface="Consolas"/>
-              </a:rPr>
-              <a:t>ns</a:t>
-            </a:r>
-            <a:r>
-              <a:rPr lang="de-DE" sz="2000" dirty="0" smtClean="0">
-                <a:latin typeface="Consolas"/>
-                <a:cs typeface="Consolas"/>
-              </a:rPr>
-              <a:t> </a:t>
-            </a:r>
-            <a:r>
-              <a:rPr lang="de-DE" sz="2000" dirty="0" err="1" smtClean="0">
-                <a:latin typeface="Consolas"/>
-                <a:cs typeface="Consolas"/>
-              </a:rPr>
-              <a:t>de.coruco.binomial</a:t>
-            </a:r>
-            <a:r>
-              <a:rPr lang="de-DE" sz="2000" dirty="0" smtClean="0">
-                <a:latin typeface="Consolas"/>
-                <a:cs typeface="Consolas"/>
-              </a:rPr>
-              <a:t/>
-            </a:r>
-            <a:br>
-              <a:rPr lang="de-DE" sz="2000" dirty="0" smtClean="0">
-                <a:latin typeface="Consolas"/>
-                <a:cs typeface="Consolas"/>
-              </a:rPr>
-            </a:br>
-            <a:r>
-              <a:rPr lang="de-DE" sz="2000" dirty="0" smtClean="0">
-                <a:latin typeface="Consolas"/>
-                <a:cs typeface="Consolas"/>
-              </a:rPr>
-              <a:t>  (:</a:t>
-            </a:r>
-            <a:r>
-              <a:rPr lang="de-DE" sz="2000" dirty="0">
-                <a:latin typeface="Consolas"/>
-                <a:cs typeface="Consolas"/>
-              </a:rPr>
-              <a:t>gen-</a:t>
-            </a:r>
-            <a:r>
-              <a:rPr lang="de-DE" sz="2000" dirty="0" err="1" smtClean="0">
-                <a:latin typeface="Consolas"/>
-                <a:cs typeface="Consolas"/>
-              </a:rPr>
-              <a:t>class</a:t>
-            </a:r>
-            <a:r>
-              <a:rPr lang="de-DE" sz="2000" dirty="0" smtClean="0">
-                <a:latin typeface="Consolas"/>
-                <a:cs typeface="Consolas"/>
-              </a:rPr>
-              <a:t>)</a:t>
-            </a:r>
-            <a:r>
-              <a:rPr lang="de-DE" sz="2000" dirty="0" smtClean="0">
-                <a:latin typeface="Consolas"/>
-                <a:cs typeface="Consolas"/>
-              </a:rPr>
-              <a:t/>
-            </a:r>
-            <a:br>
-              <a:rPr lang="de-DE" sz="2000" dirty="0" smtClean="0">
-                <a:latin typeface="Consolas"/>
-                <a:cs typeface="Consolas"/>
-              </a:rPr>
-            </a:br>
-            <a:r>
-              <a:rPr lang="de-DE" sz="2000" dirty="0" smtClean="0">
-                <a:latin typeface="Consolas"/>
-                <a:cs typeface="Consolas"/>
-              </a:rPr>
-              <a:t/>
-            </a:r>
-            <a:br>
-              <a:rPr lang="de-DE" sz="2000" dirty="0" smtClean="0">
-                <a:latin typeface="Consolas"/>
-                <a:cs typeface="Consolas"/>
-              </a:rPr>
-            </a:br>
-            <a:r>
-              <a:rPr lang="de-DE" sz="2000" dirty="0" smtClean="0">
-                <a:latin typeface="Consolas"/>
-                <a:cs typeface="Consolas"/>
-              </a:rPr>
-              <a:t>(</a:t>
-            </a:r>
-            <a:r>
-              <a:rPr lang="de-DE" sz="2000" dirty="0" err="1" smtClean="0">
-                <a:latin typeface="Consolas"/>
-                <a:cs typeface="Consolas"/>
-              </a:rPr>
-              <a:t>defn</a:t>
-            </a:r>
-            <a:r>
-              <a:rPr lang="de-DE" sz="2000" dirty="0" smtClean="0">
-                <a:latin typeface="Consolas"/>
-                <a:cs typeface="Consolas"/>
-              </a:rPr>
-              <a:t> </a:t>
-            </a:r>
-            <a:r>
-              <a:rPr lang="de-DE" sz="2000" dirty="0" err="1" smtClean="0">
-                <a:latin typeface="Consolas"/>
-                <a:cs typeface="Consolas"/>
-              </a:rPr>
-              <a:t>binomial</a:t>
-            </a:r>
-            <a:r>
-              <a:rPr lang="de-DE" sz="2000" dirty="0">
-                <a:latin typeface="Consolas"/>
-                <a:cs typeface="Consolas"/>
-              </a:rPr>
-              <a:t> ...)</a:t>
-            </a:r>
-            <a:br>
-              <a:rPr lang="de-DE" sz="2000" dirty="0">
-                <a:latin typeface="Consolas"/>
-                <a:cs typeface="Consolas"/>
-              </a:rPr>
-            </a:br>
-            <a:endParaRPr lang="de-DE" sz="2000" dirty="0">
-              <a:latin typeface="Consolas"/>
-              <a:cs typeface="Consolas"/>
+              <a:rPr lang="de-DE" sz="12400" dirty="0" smtClean="0">
+                <a:solidFill>
+                  <a:schemeClr val="bg1"/>
+                </a:solidFill>
+              </a:rPr>
+              <a:t>Live Demo</a:t>
+            </a:r>
+            <a:endParaRPr lang="de-DE" sz="12400" dirty="0">
+              <a:solidFill>
+                <a:schemeClr val="bg1"/>
+              </a:solidFill>
             </a:endParaRPr>
           </a:p>
         </p:txBody>
@@ -10884,20 +10237,13 @@
     </p:spTree>
     <p:extLst>
       <p:ext uri="{BB962C8B-B14F-4D97-AF65-F5344CB8AC3E}">
-        <p14:creationId xmlns:p14="http://schemas.microsoft.com/office/powerpoint/2010/main" val="2285099617"/>
+        <p14:creationId xmlns:p14="http://schemas.microsoft.com/office/powerpoint/2010/main" val="1991633873"/>
       </p:ext>
     </p:extLst>
   </p:cSld>
   <p:clrMapOvr>
     <a:masterClrMapping/>
   </p:clrMapOvr>
-  <p:timing>
-    <p:tnLst>
-      <p:par>
-        <p:cTn xmlns:p14="http://schemas.microsoft.com/office/powerpoint/2010/main" id="1" dur="indefinite" restart="never" nodeType="tmRoot"/>
-      </p:par>
-    </p:tnLst>
-  </p:timing>
 </p:sld>
 </file>
 
@@ -10934,17 +10280,17 @@
           <a:lstStyle/>
           <a:p>
             <a:r>
+              <a:rPr lang="de-DE" dirty="0" smtClean="0"/>
+              <a:t>Java </a:t>
+            </a:r>
+            <a:r>
+              <a:rPr lang="de-DE" dirty="0" smtClean="0"/>
+              <a:t>in </a:t>
+            </a:r>
+            <a:r>
               <a:rPr lang="de-DE" dirty="0" err="1" smtClean="0"/>
               <a:t>Clojure</a:t>
             </a:r>
-            <a:r>
-              <a:rPr lang="de-DE" dirty="0" smtClean="0"/>
-              <a:t> </a:t>
-            </a:r>
-            <a:r>
-              <a:rPr lang="de-DE" dirty="0" smtClean="0"/>
-              <a:t>in Java</a:t>
-            </a:r>
             <a:endParaRPr lang="de-DE" dirty="0"/>
           </a:p>
         </p:txBody>
@@ -10961,35 +10307,20 @@
         </p:nvSpPr>
         <p:spPr/>
         <p:txBody>
-          <a:bodyPr>
-            <a:normAutofit/>
-          </a:bodyPr>
-          <a:lstStyle/>
-          <a:p>
-            <a:r>
-              <a:rPr lang="de-DE" dirty="0" smtClean="0"/>
-              <a:t>As </a:t>
-            </a:r>
-            <a:r>
-              <a:rPr lang="de-DE" dirty="0" err="1" smtClean="0"/>
-              <a:t>of</a:t>
-            </a:r>
-            <a:r>
-              <a:rPr lang="de-DE" dirty="0" smtClean="0"/>
-              <a:t> </a:t>
-            </a:r>
-            <a:r>
-              <a:rPr lang="de-DE" dirty="0" err="1" smtClean="0"/>
-              <a:t>Clojure</a:t>
-            </a:r>
-            <a:r>
-              <a:rPr lang="de-DE" dirty="0" smtClean="0"/>
-              <a:t> </a:t>
-            </a:r>
-            <a:r>
-              <a:rPr lang="de-DE" dirty="0" smtClean="0"/>
-              <a:t>1.6.0:</a:t>
-            </a:r>
+          <a:bodyPr/>
+          <a:lstStyle/>
+          <a:p>
+            <a:r>
+              <a:rPr lang="de-DE" dirty="0" smtClean="0"/>
+              <a:t>Sehr einfach:</a:t>
+            </a:r>
+            <a:r>
+              <a:rPr lang="de-DE" dirty="0" smtClean="0"/>
+              <a:t/>
+            </a:r>
+            <a:br>
+              <a:rPr lang="de-DE" dirty="0" smtClean="0"/>
+            </a:br>
             <a:r>
               <a:rPr lang="de-DE" dirty="0"/>
               <a:t/>
@@ -10998,39 +10329,60 @@
               <a:rPr lang="de-DE" dirty="0"/>
             </a:br>
             <a:r>
-              <a:rPr lang="de-DE" dirty="0"/>
-              <a:t/>
-            </a:r>
-            <a:br>
-              <a:rPr lang="de-DE" dirty="0"/>
-            </a:br>
-            <a:r>
-              <a:rPr lang="de-DE" sz="2000" dirty="0" err="1" smtClean="0">
-                <a:latin typeface="Consolas"/>
-                <a:cs typeface="Consolas"/>
-              </a:rPr>
-              <a:t>import</a:t>
+              <a:rPr lang="de-DE" sz="2000" dirty="0">
+                <a:latin typeface="Consolas"/>
+                <a:cs typeface="Consolas"/>
+              </a:rPr>
+              <a:t>(</a:t>
+            </a:r>
+            <a:r>
+              <a:rPr lang="de-DE" sz="2000" dirty="0" err="1">
+                <a:latin typeface="Consolas"/>
+                <a:cs typeface="Consolas"/>
+              </a:rPr>
+              <a:t>def</a:t>
+            </a:r>
+            <a:r>
+              <a:rPr lang="de-DE" sz="2000" dirty="0">
+                <a:latin typeface="Consolas"/>
+                <a:cs typeface="Consolas"/>
+              </a:rPr>
+              <a:t> cal (</a:t>
+            </a:r>
+            <a:r>
+              <a:rPr lang="de-DE" sz="2000" dirty="0" err="1">
+                <a:latin typeface="Consolas"/>
+                <a:cs typeface="Consolas"/>
+              </a:rPr>
+              <a:t>java.util.Calendar</a:t>
+            </a:r>
+            <a:r>
+              <a:rPr lang="de-DE" sz="2000" dirty="0">
+                <a:latin typeface="Consolas"/>
+                <a:cs typeface="Consolas"/>
+              </a:rPr>
+              <a:t>/</a:t>
+            </a:r>
+            <a:r>
+              <a:rPr lang="de-DE" sz="2000" dirty="0" err="1">
+                <a:latin typeface="Consolas"/>
+                <a:cs typeface="Consolas"/>
+              </a:rPr>
+              <a:t>getInstance</a:t>
+            </a:r>
+            <a:r>
+              <a:rPr lang="de-DE" sz="2000" dirty="0">
+                <a:latin typeface="Consolas"/>
+                <a:cs typeface="Consolas"/>
+              </a:rPr>
+              <a:t>)</a:t>
             </a:r>
             <a:r>
               <a:rPr lang="de-DE" sz="2000" dirty="0" smtClean="0">
                 <a:latin typeface="Consolas"/>
                 <a:cs typeface="Consolas"/>
               </a:rPr>
-              <a:t> </a:t>
-            </a:r>
-            <a:r>
-              <a:rPr lang="de-DE" sz="2000" dirty="0" err="1" smtClean="0">
-                <a:latin typeface="Consolas"/>
-                <a:cs typeface="Consolas"/>
-              </a:rPr>
-              <a:t>clojure.java.api.Clojure</a:t>
-            </a:r>
-            <a:r>
-              <a:rPr lang="de-DE" sz="2000" dirty="0" smtClean="0">
-                <a:latin typeface="Consolas"/>
-                <a:cs typeface="Consolas"/>
-              </a:rPr>
-              <a:t>;</a:t>
+              <a:t>)</a:t>
             </a:r>
             <a:br>
               <a:rPr lang="de-DE" sz="2000" dirty="0" smtClean="0">
@@ -11039,375 +10391,171 @@
               </a:rPr>
             </a:br>
             <a:r>
+              <a:rPr lang="de-DE" sz="2000" dirty="0" smtClean="0">
+                <a:latin typeface="Consolas"/>
+                <a:cs typeface="Consolas"/>
+              </a:rPr>
+              <a:t>#‘</a:t>
+            </a:r>
+            <a:r>
               <a:rPr lang="de-DE" sz="2000" dirty="0" err="1" smtClean="0">
                 <a:latin typeface="Consolas"/>
                 <a:cs typeface="Consolas"/>
               </a:rPr>
-              <a:t>import</a:t>
+              <a:t>user</a:t>
             </a:r>
             <a:r>
               <a:rPr lang="de-DE" sz="2000" dirty="0" smtClean="0">
                 <a:latin typeface="Consolas"/>
                 <a:cs typeface="Consolas"/>
               </a:rPr>
+              <a:t>/</a:t>
+            </a:r>
+            <a:r>
+              <a:rPr lang="de-DE" sz="2000" dirty="0">
+                <a:latin typeface="Consolas"/>
+                <a:cs typeface="Consolas"/>
+              </a:rPr>
+              <a:t>cal</a:t>
+            </a:r>
+            <a:r>
+              <a:rPr lang="hr-HR" sz="2000" dirty="0" smtClean="0">
+                <a:latin typeface="Consolas"/>
+                <a:cs typeface="Consolas"/>
+              </a:rPr>
+              <a:t/>
+            </a:r>
+            <a:br>
+              <a:rPr lang="hr-HR" sz="2000" dirty="0" smtClean="0">
+                <a:latin typeface="Consolas"/>
+                <a:cs typeface="Consolas"/>
+              </a:rPr>
+            </a:br>
+            <a:r>
+              <a:rPr lang="hr-HR" sz="2000" dirty="0" smtClean="0">
+                <a:latin typeface="Consolas"/>
+                <a:cs typeface="Consolas"/>
+              </a:rPr>
+              <a:t/>
+            </a:r>
+            <a:br>
+              <a:rPr lang="hr-HR" sz="2000" dirty="0" smtClean="0">
+                <a:latin typeface="Consolas"/>
+                <a:cs typeface="Consolas"/>
+              </a:rPr>
+            </a:br>
+            <a:r>
+              <a:rPr lang="fi-FI" sz="2000" dirty="0">
+                <a:latin typeface="Consolas"/>
+                <a:cs typeface="Consolas"/>
+              </a:rPr>
+              <a:t>(.</a:t>
+            </a:r>
+            <a:r>
+              <a:rPr lang="fi-FI" sz="2000" dirty="0" err="1">
+                <a:latin typeface="Consolas"/>
+                <a:cs typeface="Consolas"/>
+              </a:rPr>
+              <a:t>getTimeInMillis</a:t>
+            </a:r>
+            <a:r>
+              <a:rPr lang="fi-FI" sz="2000" dirty="0">
+                <a:latin typeface="Consolas"/>
+                <a:cs typeface="Consolas"/>
+              </a:rPr>
               <a:t> </a:t>
             </a:r>
             <a:r>
-              <a:rPr lang="de-DE" sz="2000" dirty="0" err="1" smtClean="0">
-                <a:latin typeface="Consolas"/>
-                <a:cs typeface="Consolas"/>
-              </a:rPr>
-              <a:t>clojure.lang.Ifn</a:t>
-            </a:r>
-            <a:r>
-              <a:rPr lang="de-DE" sz="2000" dirty="0" smtClean="0">
-                <a:latin typeface="Consolas"/>
-                <a:cs typeface="Consolas"/>
-              </a:rPr>
-              <a:t>;</a:t>
+              <a:rPr lang="fi-FI" sz="2000" dirty="0" err="1">
+                <a:latin typeface="Consolas"/>
+                <a:cs typeface="Consolas"/>
+              </a:rPr>
+              <a:t>cal</a:t>
+            </a:r>
+            <a:r>
+              <a:rPr lang="fi-FI" sz="2000" dirty="0" smtClean="0">
+                <a:latin typeface="Consolas"/>
+                <a:cs typeface="Consolas"/>
+              </a:rPr>
+              <a:t>)</a:t>
             </a:r>
             <a:br>
-              <a:rPr lang="de-DE" sz="2000" dirty="0" smtClean="0">
+              <a:rPr lang="fi-FI" sz="2000" dirty="0" smtClean="0">
                 <a:latin typeface="Consolas"/>
                 <a:cs typeface="Consolas"/>
               </a:rPr>
             </a:br>
             <a:r>
-              <a:rPr lang="de-DE" sz="2000" dirty="0" smtClean="0">
+              <a:rPr lang="fi-FI" sz="2000" dirty="0" smtClean="0">
+                <a:latin typeface="Consolas"/>
+                <a:cs typeface="Consolas"/>
+              </a:rPr>
+              <a:t>1415399321833</a:t>
+            </a:r>
+            <a:br>
+              <a:rPr lang="fi-FI" sz="2000" dirty="0" smtClean="0">
+                <a:latin typeface="Consolas"/>
+                <a:cs typeface="Consolas"/>
+              </a:rPr>
+            </a:br>
+            <a:r>
+              <a:rPr lang="fi-FI" sz="2000" dirty="0" smtClean="0">
                 <a:latin typeface="Consolas"/>
                 <a:cs typeface="Consolas"/>
               </a:rPr>
               <a:t/>
             </a:r>
             <a:br>
-              <a:rPr lang="de-DE" sz="2000" dirty="0" smtClean="0">
+              <a:rPr lang="fi-FI" sz="2000" dirty="0" smtClean="0">
                 <a:latin typeface="Consolas"/>
                 <a:cs typeface="Consolas"/>
               </a:rPr>
             </a:br>
             <a:r>
-              <a:rPr lang="de-DE" sz="2000" dirty="0" smtClean="0">
-                <a:latin typeface="Consolas"/>
-                <a:cs typeface="Consolas"/>
-              </a:rPr>
-              <a:t>...</a:t>
+              <a:rPr lang="fi-FI" sz="2000" dirty="0" smtClean="0">
+                <a:latin typeface="Consolas"/>
+                <a:cs typeface="Consolas"/>
+              </a:rPr>
+              <a:t>(</a:t>
+            </a:r>
+            <a:r>
+              <a:rPr lang="fi-FI" sz="2000" dirty="0" err="1" smtClean="0">
+                <a:latin typeface="Consolas"/>
+                <a:cs typeface="Consolas"/>
+              </a:rPr>
+              <a:t>System/currentTimeMillis</a:t>
+            </a:r>
+            <a:r>
+              <a:rPr lang="fi-FI" sz="2000" dirty="0" smtClean="0">
+                <a:latin typeface="Consolas"/>
+                <a:cs typeface="Consolas"/>
+              </a:rPr>
+              <a:t>)</a:t>
             </a:r>
             <a:br>
-              <a:rPr lang="de-DE" sz="2000" dirty="0" smtClean="0">
+              <a:rPr lang="fi-FI" sz="2000" dirty="0" smtClean="0">
                 <a:latin typeface="Consolas"/>
                 <a:cs typeface="Consolas"/>
               </a:rPr>
             </a:br>
             <a:r>
-              <a:rPr lang="de-DE" sz="2000" dirty="0" smtClean="0">
-                <a:latin typeface="Consolas"/>
-                <a:cs typeface="Consolas"/>
-              </a:rPr>
-              <a:t/>
-            </a:r>
-            <a:br>
-              <a:rPr lang="de-DE" sz="2000" dirty="0" smtClean="0">
-                <a:latin typeface="Consolas"/>
-                <a:cs typeface="Consolas"/>
-              </a:rPr>
-            </a:br>
-            <a:r>
-              <a:rPr lang="de-DE" sz="2000" dirty="0" err="1" smtClean="0">
-                <a:latin typeface="Consolas"/>
-                <a:cs typeface="Consolas"/>
-              </a:rPr>
-              <a:t>Ifn</a:t>
-            </a:r>
-            <a:r>
-              <a:rPr lang="de-DE" sz="2000" dirty="0" smtClean="0">
-                <a:latin typeface="Consolas"/>
-                <a:cs typeface="Consolas"/>
-              </a:rPr>
-              <a:t> </a:t>
-            </a:r>
-            <a:r>
-              <a:rPr lang="de-DE" sz="2000" dirty="0" err="1" smtClean="0">
-                <a:latin typeface="Consolas"/>
-                <a:cs typeface="Consolas"/>
-              </a:rPr>
-              <a:t>require</a:t>
-            </a:r>
-            <a:r>
-              <a:rPr lang="de-DE" sz="2000" dirty="0" smtClean="0">
-                <a:latin typeface="Consolas"/>
-                <a:cs typeface="Consolas"/>
-              </a:rPr>
-              <a:t> = </a:t>
-            </a:r>
-            <a:r>
-              <a:rPr lang="de-DE" sz="2000" dirty="0" err="1" smtClean="0">
-                <a:latin typeface="Consolas"/>
-                <a:cs typeface="Consolas"/>
-              </a:rPr>
-              <a:t>Clojure.var</a:t>
-            </a:r>
-            <a:r>
-              <a:rPr lang="de-DE" sz="2000" dirty="0" smtClean="0">
-                <a:latin typeface="Consolas"/>
-                <a:cs typeface="Consolas"/>
-              </a:rPr>
-              <a:t>( „</a:t>
-            </a:r>
-            <a:r>
-              <a:rPr lang="de-DE" sz="2000" dirty="0" err="1" smtClean="0">
-                <a:latin typeface="Consolas"/>
-                <a:cs typeface="Consolas"/>
-              </a:rPr>
-              <a:t>clojure.core</a:t>
-            </a:r>
-            <a:r>
-              <a:rPr lang="de-DE" sz="2000" dirty="0" smtClean="0">
-                <a:latin typeface="Consolas"/>
-                <a:cs typeface="Consolas"/>
-              </a:rPr>
-              <a:t>“, „</a:t>
-            </a:r>
-            <a:r>
-              <a:rPr lang="de-DE" sz="2000" dirty="0" err="1" smtClean="0">
-                <a:latin typeface="Consolas"/>
-                <a:cs typeface="Consolas"/>
-              </a:rPr>
-              <a:t>require</a:t>
-            </a:r>
-            <a:r>
-              <a:rPr lang="de-DE" sz="2000" dirty="0" smtClean="0">
-                <a:latin typeface="Consolas"/>
-                <a:cs typeface="Consolas"/>
-              </a:rPr>
-              <a:t>“ );</a:t>
-            </a:r>
-            <a:br>
-              <a:rPr lang="de-DE" sz="2000" dirty="0" smtClean="0">
-                <a:latin typeface="Consolas"/>
-                <a:cs typeface="Consolas"/>
-              </a:rPr>
-            </a:br>
-            <a:r>
-              <a:rPr lang="de-DE" sz="2000" dirty="0" err="1" smtClean="0">
-                <a:latin typeface="Consolas"/>
-                <a:cs typeface="Consolas"/>
-              </a:rPr>
-              <a:t>require.invoke</a:t>
-            </a:r>
-            <a:r>
-              <a:rPr lang="de-DE" sz="2000" dirty="0" smtClean="0">
-                <a:latin typeface="Consolas"/>
-                <a:cs typeface="Consolas"/>
-              </a:rPr>
-              <a:t>( </a:t>
-            </a:r>
-            <a:r>
-              <a:rPr lang="de-DE" sz="2000" dirty="0" err="1" smtClean="0">
-                <a:latin typeface="Consolas"/>
-                <a:cs typeface="Consolas"/>
-              </a:rPr>
-              <a:t>Clojure.read</a:t>
-            </a:r>
-            <a:r>
-              <a:rPr lang="de-DE" sz="2000" dirty="0" smtClean="0">
-                <a:latin typeface="Consolas"/>
-                <a:cs typeface="Consolas"/>
-              </a:rPr>
-              <a:t>( </a:t>
-            </a:r>
-            <a:r>
-              <a:rPr lang="de-DE" sz="2000" dirty="0" smtClean="0">
-                <a:latin typeface="Consolas"/>
-                <a:cs typeface="Consolas"/>
-              </a:rPr>
-              <a:t>„</a:t>
-            </a:r>
-            <a:r>
-              <a:rPr lang="de-DE" sz="2000" dirty="0" err="1" smtClean="0">
-                <a:latin typeface="Consolas"/>
-                <a:cs typeface="Consolas"/>
-              </a:rPr>
-              <a:t>de.coruco.binomial</a:t>
-            </a:r>
-            <a:r>
-              <a:rPr lang="de-DE" sz="2000" dirty="0" smtClean="0">
-                <a:latin typeface="Consolas"/>
-                <a:cs typeface="Consolas"/>
-              </a:rPr>
-              <a:t>“ </a:t>
-            </a:r>
-            <a:r>
-              <a:rPr lang="de-DE" sz="2000" dirty="0" smtClean="0">
-                <a:latin typeface="Consolas"/>
-                <a:cs typeface="Consolas"/>
-              </a:rPr>
-              <a:t>) );</a:t>
-            </a:r>
-            <a:br>
-              <a:rPr lang="de-DE" sz="2000" dirty="0" smtClean="0">
-                <a:latin typeface="Consolas"/>
-                <a:cs typeface="Consolas"/>
-              </a:rPr>
-            </a:br>
-            <a:r>
-              <a:rPr lang="de-DE" sz="2000" dirty="0" smtClean="0">
-                <a:latin typeface="Consolas"/>
-                <a:cs typeface="Consolas"/>
-              </a:rPr>
-              <a:t/>
-            </a:r>
-            <a:br>
-              <a:rPr lang="de-DE" sz="2000" dirty="0" smtClean="0">
-                <a:latin typeface="Consolas"/>
-                <a:cs typeface="Consolas"/>
-              </a:rPr>
-            </a:br>
-            <a:r>
-              <a:rPr lang="de-DE" sz="2000" dirty="0" err="1" smtClean="0">
-                <a:latin typeface="Consolas"/>
-                <a:cs typeface="Consolas"/>
-              </a:rPr>
-              <a:t>Ifn</a:t>
-            </a:r>
-            <a:r>
-              <a:rPr lang="de-DE" sz="2000" dirty="0" smtClean="0">
-                <a:latin typeface="Consolas"/>
-                <a:cs typeface="Consolas"/>
-              </a:rPr>
-              <a:t> </a:t>
-            </a:r>
-            <a:r>
-              <a:rPr lang="de-DE" sz="2000" dirty="0" err="1" smtClean="0">
-                <a:latin typeface="Consolas"/>
-                <a:cs typeface="Consolas"/>
-              </a:rPr>
-              <a:t>binomi</a:t>
-            </a:r>
-            <a:r>
-              <a:rPr lang="de-DE" sz="2000" dirty="0" smtClean="0">
-                <a:latin typeface="Consolas"/>
-                <a:cs typeface="Consolas"/>
-              </a:rPr>
-              <a:t> = </a:t>
-            </a:r>
-            <a:r>
-              <a:rPr lang="de-DE" sz="2000" dirty="0" err="1" smtClean="0">
-                <a:latin typeface="Consolas"/>
-                <a:cs typeface="Consolas"/>
-              </a:rPr>
-              <a:t>Clojure.var</a:t>
-            </a:r>
-            <a:r>
-              <a:rPr lang="de-DE" sz="2000" dirty="0" smtClean="0">
-                <a:latin typeface="Consolas"/>
-                <a:cs typeface="Consolas"/>
-              </a:rPr>
-              <a:t>( </a:t>
-            </a:r>
-            <a:r>
-              <a:rPr lang="de-DE" sz="2000" dirty="0" smtClean="0">
-                <a:latin typeface="Consolas"/>
-                <a:cs typeface="Consolas"/>
-              </a:rPr>
-              <a:t>„</a:t>
-            </a:r>
-            <a:r>
-              <a:rPr lang="de-DE" sz="2000" dirty="0" err="1" smtClean="0">
-                <a:latin typeface="Consolas"/>
-                <a:cs typeface="Consolas"/>
-              </a:rPr>
-              <a:t>de.coruco.binomial</a:t>
-            </a:r>
-            <a:r>
-              <a:rPr lang="de-DE" sz="2000" dirty="0" smtClean="0">
-                <a:latin typeface="Consolas"/>
-                <a:cs typeface="Consolas"/>
-              </a:rPr>
-              <a:t>“</a:t>
-            </a:r>
-            <a:r>
-              <a:rPr lang="de-DE" sz="2000" dirty="0" smtClean="0">
-                <a:latin typeface="Consolas"/>
-                <a:cs typeface="Consolas"/>
-              </a:rPr>
-              <a:t>, „</a:t>
-            </a:r>
-            <a:r>
-              <a:rPr lang="de-DE" sz="2000" dirty="0" err="1" smtClean="0">
-                <a:latin typeface="Consolas"/>
-                <a:cs typeface="Consolas"/>
-              </a:rPr>
-              <a:t>binomial</a:t>
-            </a:r>
-            <a:r>
-              <a:rPr lang="de-DE" sz="2000" dirty="0" smtClean="0">
-                <a:latin typeface="Consolas"/>
-                <a:cs typeface="Consolas"/>
-              </a:rPr>
-              <a:t>“ );</a:t>
-            </a:r>
-            <a:r>
-              <a:rPr lang="de-DE" sz="2000" dirty="0">
-                <a:latin typeface="Consolas"/>
-                <a:cs typeface="Consolas"/>
-              </a:rPr>
-              <a:t/>
-            </a:r>
-            <a:br>
-              <a:rPr lang="de-DE" sz="2000" dirty="0">
-                <a:latin typeface="Consolas"/>
-                <a:cs typeface="Consolas"/>
-              </a:rPr>
-            </a:br>
-            <a:r>
-              <a:rPr lang="de-DE" sz="2000" dirty="0" err="1" smtClean="0">
-                <a:latin typeface="Consolas"/>
-                <a:cs typeface="Consolas"/>
-              </a:rPr>
-              <a:t>Object</a:t>
-            </a:r>
-            <a:r>
-              <a:rPr lang="de-DE" sz="2000" dirty="0" smtClean="0">
-                <a:latin typeface="Consolas"/>
-                <a:cs typeface="Consolas"/>
-              </a:rPr>
-              <a:t> </a:t>
-            </a:r>
-            <a:r>
-              <a:rPr lang="de-DE" sz="2000" dirty="0" err="1" smtClean="0">
-                <a:latin typeface="Consolas"/>
-                <a:cs typeface="Consolas"/>
-              </a:rPr>
-              <a:t>result</a:t>
-            </a:r>
-            <a:r>
-              <a:rPr lang="de-DE" sz="2000" dirty="0" smtClean="0">
-                <a:latin typeface="Consolas"/>
-                <a:cs typeface="Consolas"/>
-              </a:rPr>
-              <a:t> = </a:t>
-            </a:r>
-            <a:r>
-              <a:rPr lang="de-DE" sz="2000" dirty="0" err="1" smtClean="0">
-                <a:latin typeface="Consolas"/>
-                <a:cs typeface="Consolas"/>
-              </a:rPr>
-              <a:t>binomi.invoke</a:t>
-            </a:r>
-            <a:r>
-              <a:rPr lang="de-DE" sz="2000" dirty="0" smtClean="0">
-                <a:latin typeface="Consolas"/>
-                <a:cs typeface="Consolas"/>
-              </a:rPr>
-              <a:t>( 7, 6 );</a:t>
-            </a:r>
+              <a:rPr lang="fi-FI" sz="2000" dirty="0" smtClean="0">
+                <a:latin typeface="Consolas"/>
+                <a:cs typeface="Consolas"/>
+              </a:rPr>
+              <a:t>1415703691973</a:t>
+            </a:r>
+            <a:endParaRPr lang="de-DE" sz="2000" dirty="0">
+              <a:latin typeface="Consolas"/>
+              <a:cs typeface="Consolas"/>
+            </a:endParaRPr>
           </a:p>
         </p:txBody>
       </p:sp>
     </p:spTree>
     <p:extLst>
       <p:ext uri="{BB962C8B-B14F-4D97-AF65-F5344CB8AC3E}">
-        <p14:creationId xmlns:p14="http://schemas.microsoft.com/office/powerpoint/2010/main" val="1278712096"/>
+        <p14:creationId xmlns:p14="http://schemas.microsoft.com/office/powerpoint/2010/main" val="3226257409"/>
       </p:ext>
     </p:extLst>
   </p:cSld>
@@ -11453,6 +10601,799 @@
         </p:nvSpPr>
         <p:spPr/>
         <p:txBody>
+          <a:bodyPr/>
+          <a:lstStyle/>
+          <a:p>
+            <a:r>
+              <a:rPr lang="de-DE" dirty="0" err="1" smtClean="0"/>
+              <a:t>Clojure</a:t>
+            </a:r>
+            <a:r>
+              <a:rPr lang="de-DE" dirty="0" smtClean="0"/>
+              <a:t> </a:t>
+            </a:r>
+            <a:r>
+              <a:rPr lang="de-DE" dirty="0" smtClean="0"/>
+              <a:t>in Java</a:t>
+            </a:r>
+            <a:endParaRPr lang="de-DE" dirty="0"/>
+          </a:p>
+        </p:txBody>
+      </p:sp>
+      <p:sp>
+        <p:nvSpPr>
+          <p:cNvPr id="3" name="Inhaltsplatzhalter 2"/>
+          <p:cNvSpPr>
+            <a:spLocks noGrp="1"/>
+          </p:cNvSpPr>
+          <p:nvPr>
+            <p:ph idx="1"/>
+          </p:nvPr>
+        </p:nvSpPr>
+        <p:spPr/>
+        <p:txBody>
+          <a:bodyPr>
+            <a:normAutofit/>
+          </a:bodyPr>
+          <a:lstStyle/>
+          <a:p>
+            <a:r>
+              <a:rPr lang="de-DE" dirty="0" err="1" smtClean="0"/>
+              <a:t>Generate</a:t>
+            </a:r>
+            <a:r>
+              <a:rPr lang="de-DE" dirty="0" smtClean="0"/>
+              <a:t> </a:t>
+            </a:r>
+            <a:r>
+              <a:rPr lang="de-DE" dirty="0" err="1" smtClean="0"/>
+              <a:t>classes</a:t>
+            </a:r>
+            <a:r>
+              <a:rPr lang="de-DE" dirty="0" smtClean="0"/>
+              <a:t> </a:t>
+            </a:r>
+            <a:r>
+              <a:rPr lang="de-DE" dirty="0" err="1" smtClean="0"/>
+              <a:t>for</a:t>
+            </a:r>
+            <a:r>
+              <a:rPr lang="de-DE" dirty="0" smtClean="0"/>
+              <a:t> Java (</a:t>
+            </a:r>
+            <a:r>
+              <a:rPr lang="de-DE" dirty="0" err="1" smtClean="0"/>
+              <a:t>outdated</a:t>
+            </a:r>
+            <a:r>
+              <a:rPr lang="de-DE" dirty="0"/>
+              <a:t>)</a:t>
+            </a:r>
+            <a:br>
+              <a:rPr lang="de-DE" dirty="0"/>
+            </a:br>
+            <a:r>
+              <a:rPr lang="de-DE" dirty="0"/>
+              <a:t/>
+            </a:r>
+            <a:br>
+              <a:rPr lang="de-DE" dirty="0"/>
+            </a:br>
+            <a:r>
+              <a:rPr lang="de-DE" sz="2000" dirty="0" smtClean="0">
+                <a:latin typeface="Consolas"/>
+                <a:cs typeface="Consolas"/>
+              </a:rPr>
+              <a:t>(</a:t>
+            </a:r>
+            <a:r>
+              <a:rPr lang="de-DE" sz="2000" dirty="0" err="1" smtClean="0">
+                <a:latin typeface="Consolas"/>
+                <a:cs typeface="Consolas"/>
+              </a:rPr>
+              <a:t>ns</a:t>
+            </a:r>
+            <a:r>
+              <a:rPr lang="de-DE" sz="2000" dirty="0" smtClean="0">
+                <a:latin typeface="Consolas"/>
+                <a:cs typeface="Consolas"/>
+              </a:rPr>
+              <a:t> </a:t>
+            </a:r>
+            <a:r>
+              <a:rPr lang="de-DE" sz="2000" dirty="0" err="1" smtClean="0">
+                <a:latin typeface="Consolas"/>
+                <a:cs typeface="Consolas"/>
+              </a:rPr>
+              <a:t>de.coruco.binomial</a:t>
+            </a:r>
+            <a:r>
+              <a:rPr lang="de-DE" sz="2000" dirty="0" smtClean="0">
+                <a:latin typeface="Consolas"/>
+                <a:cs typeface="Consolas"/>
+              </a:rPr>
+              <a:t/>
+            </a:r>
+            <a:br>
+              <a:rPr lang="de-DE" sz="2000" dirty="0" smtClean="0">
+                <a:latin typeface="Consolas"/>
+                <a:cs typeface="Consolas"/>
+              </a:rPr>
+            </a:br>
+            <a:r>
+              <a:rPr lang="de-DE" sz="2000" dirty="0" smtClean="0">
+                <a:latin typeface="Consolas"/>
+                <a:cs typeface="Consolas"/>
+              </a:rPr>
+              <a:t>  (:</a:t>
+            </a:r>
+            <a:r>
+              <a:rPr lang="de-DE" sz="2000" dirty="0">
+                <a:latin typeface="Consolas"/>
+                <a:cs typeface="Consolas"/>
+              </a:rPr>
+              <a:t>gen-</a:t>
+            </a:r>
+            <a:r>
+              <a:rPr lang="de-DE" sz="2000" dirty="0" err="1" smtClean="0">
+                <a:latin typeface="Consolas"/>
+                <a:cs typeface="Consolas"/>
+              </a:rPr>
+              <a:t>class</a:t>
+            </a:r>
+            <a:r>
+              <a:rPr lang="de-DE" sz="2000" dirty="0" smtClean="0">
+                <a:latin typeface="Consolas"/>
+                <a:cs typeface="Consolas"/>
+              </a:rPr>
+              <a:t>)</a:t>
+            </a:r>
+            <a:r>
+              <a:rPr lang="de-DE" sz="2000" dirty="0" smtClean="0">
+                <a:latin typeface="Consolas"/>
+                <a:cs typeface="Consolas"/>
+              </a:rPr>
+              <a:t/>
+            </a:r>
+            <a:br>
+              <a:rPr lang="de-DE" sz="2000" dirty="0" smtClean="0">
+                <a:latin typeface="Consolas"/>
+                <a:cs typeface="Consolas"/>
+              </a:rPr>
+            </a:br>
+            <a:r>
+              <a:rPr lang="de-DE" sz="2000" dirty="0" smtClean="0">
+                <a:latin typeface="Consolas"/>
+                <a:cs typeface="Consolas"/>
+              </a:rPr>
+              <a:t/>
+            </a:r>
+            <a:br>
+              <a:rPr lang="de-DE" sz="2000" dirty="0" smtClean="0">
+                <a:latin typeface="Consolas"/>
+                <a:cs typeface="Consolas"/>
+              </a:rPr>
+            </a:br>
+            <a:r>
+              <a:rPr lang="de-DE" sz="2000" dirty="0" smtClean="0">
+                <a:latin typeface="Consolas"/>
+                <a:cs typeface="Consolas"/>
+              </a:rPr>
+              <a:t>(</a:t>
+            </a:r>
+            <a:r>
+              <a:rPr lang="de-DE" sz="2000" dirty="0" err="1" smtClean="0">
+                <a:latin typeface="Consolas"/>
+                <a:cs typeface="Consolas"/>
+              </a:rPr>
+              <a:t>defn</a:t>
+            </a:r>
+            <a:r>
+              <a:rPr lang="de-DE" sz="2000" dirty="0" smtClean="0">
+                <a:latin typeface="Consolas"/>
+                <a:cs typeface="Consolas"/>
+              </a:rPr>
+              <a:t> </a:t>
+            </a:r>
+            <a:r>
+              <a:rPr lang="de-DE" sz="2000" dirty="0" err="1" smtClean="0">
+                <a:latin typeface="Consolas"/>
+                <a:cs typeface="Consolas"/>
+              </a:rPr>
+              <a:t>binomial</a:t>
+            </a:r>
+            <a:r>
+              <a:rPr lang="de-DE" sz="2000" dirty="0">
+                <a:latin typeface="Consolas"/>
+                <a:cs typeface="Consolas"/>
+              </a:rPr>
+              <a:t> ...)</a:t>
+            </a:r>
+            <a:br>
+              <a:rPr lang="de-DE" sz="2000" dirty="0">
+                <a:latin typeface="Consolas"/>
+                <a:cs typeface="Consolas"/>
+              </a:rPr>
+            </a:br>
+            <a:endParaRPr lang="de-DE" sz="2000" dirty="0">
+              <a:latin typeface="Consolas"/>
+              <a:cs typeface="Consolas"/>
+            </a:endParaRPr>
+          </a:p>
+        </p:txBody>
+      </p:sp>
+    </p:spTree>
+    <p:extLst>
+      <p:ext uri="{BB962C8B-B14F-4D97-AF65-F5344CB8AC3E}">
+        <p14:creationId xmlns:p14="http://schemas.microsoft.com/office/powerpoint/2010/main" val="2285099617"/>
+      </p:ext>
+    </p:extLst>
+  </p:cSld>
+  <p:clrMapOvr>
+    <a:masterClrMapping/>
+  </p:clrMapOvr>
+  <p:timing>
+    <p:tnLst>
+      <p:par>
+        <p:cTn xmlns:p14="http://schemas.microsoft.com/office/powerpoint/2010/main" id="1" dur="indefinite" restart="never" nodeType="tmRoot"/>
+      </p:par>
+    </p:tnLst>
+  </p:timing>
+</p:sld>
+</file>
+
+<file path=ppt/slides/slide33.xml><?xml version="1.0" encoding="utf-8"?>
+<p:sld xmlns:a="http://schemas.openxmlformats.org/drawingml/2006/main" xmlns:r="http://schemas.openxmlformats.org/officeDocument/2006/relationships" xmlns:p="http://schemas.openxmlformats.org/presentationml/2006/main">
+  <p:cSld>
+    <p:spTree>
+      <p:nvGrpSpPr>
+        <p:cNvPr id="1" name=""/>
+        <p:cNvGrpSpPr/>
+        <p:nvPr/>
+      </p:nvGrpSpPr>
+      <p:grpSpPr>
+        <a:xfrm>
+          <a:off x="0" y="0"/>
+          <a:ext cx="0" cy="0"/>
+          <a:chOff x="0" y="0"/>
+          <a:chExt cx="0" cy="0"/>
+        </a:xfrm>
+      </p:grpSpPr>
+      <p:sp>
+        <p:nvSpPr>
+          <p:cNvPr id="2" name="Titel 1"/>
+          <p:cNvSpPr>
+            <a:spLocks noGrp="1"/>
+          </p:cNvSpPr>
+          <p:nvPr>
+            <p:ph type="title"/>
+          </p:nvPr>
+        </p:nvSpPr>
+        <p:spPr/>
+        <p:txBody>
+          <a:bodyPr/>
+          <a:lstStyle/>
+          <a:p>
+            <a:r>
+              <a:rPr lang="de-DE" dirty="0" err="1" smtClean="0"/>
+              <a:t>Clojure</a:t>
+            </a:r>
+            <a:r>
+              <a:rPr lang="de-DE" dirty="0" smtClean="0"/>
+              <a:t> </a:t>
+            </a:r>
+            <a:r>
+              <a:rPr lang="de-DE" dirty="0" smtClean="0"/>
+              <a:t>in Java</a:t>
+            </a:r>
+            <a:endParaRPr lang="de-DE" dirty="0"/>
+          </a:p>
+        </p:txBody>
+      </p:sp>
+      <p:sp>
+        <p:nvSpPr>
+          <p:cNvPr id="3" name="Inhaltsplatzhalter 2"/>
+          <p:cNvSpPr>
+            <a:spLocks noGrp="1"/>
+          </p:cNvSpPr>
+          <p:nvPr>
+            <p:ph idx="1"/>
+          </p:nvPr>
+        </p:nvSpPr>
+        <p:spPr/>
+        <p:txBody>
+          <a:bodyPr>
+            <a:normAutofit/>
+          </a:bodyPr>
+          <a:lstStyle/>
+          <a:p>
+            <a:r>
+              <a:rPr lang="de-DE" dirty="0" smtClean="0"/>
+              <a:t>As </a:t>
+            </a:r>
+            <a:r>
+              <a:rPr lang="de-DE" dirty="0" err="1" smtClean="0"/>
+              <a:t>of</a:t>
+            </a:r>
+            <a:r>
+              <a:rPr lang="de-DE" dirty="0" smtClean="0"/>
+              <a:t> </a:t>
+            </a:r>
+            <a:r>
+              <a:rPr lang="de-DE" dirty="0" err="1" smtClean="0"/>
+              <a:t>Clojure</a:t>
+            </a:r>
+            <a:r>
+              <a:rPr lang="de-DE" dirty="0" smtClean="0"/>
+              <a:t> </a:t>
+            </a:r>
+            <a:r>
+              <a:rPr lang="de-DE" dirty="0" smtClean="0"/>
+              <a:t>1.6.0:</a:t>
+            </a:r>
+            <a:r>
+              <a:rPr lang="de-DE" dirty="0"/>
+              <a:t/>
+            </a:r>
+            <a:br>
+              <a:rPr lang="de-DE" dirty="0"/>
+            </a:br>
+            <a:r>
+              <a:rPr lang="de-DE" dirty="0"/>
+              <a:t/>
+            </a:r>
+            <a:br>
+              <a:rPr lang="de-DE" dirty="0"/>
+            </a:br>
+            <a:r>
+              <a:rPr lang="de-DE" sz="2000" dirty="0" err="1" smtClean="0">
+                <a:latin typeface="Consolas"/>
+                <a:cs typeface="Consolas"/>
+              </a:rPr>
+              <a:t>import</a:t>
+            </a:r>
+            <a:r>
+              <a:rPr lang="de-DE" sz="2000" dirty="0" smtClean="0">
+                <a:latin typeface="Consolas"/>
+                <a:cs typeface="Consolas"/>
+              </a:rPr>
+              <a:t> </a:t>
+            </a:r>
+            <a:r>
+              <a:rPr lang="de-DE" sz="2000" dirty="0" err="1" smtClean="0">
+                <a:latin typeface="Consolas"/>
+                <a:cs typeface="Consolas"/>
+              </a:rPr>
+              <a:t>clojure.java.api.Clojure</a:t>
+            </a:r>
+            <a:r>
+              <a:rPr lang="de-DE" sz="2000" dirty="0" smtClean="0">
+                <a:latin typeface="Consolas"/>
+                <a:cs typeface="Consolas"/>
+              </a:rPr>
+              <a:t>;</a:t>
+            </a:r>
+            <a:br>
+              <a:rPr lang="de-DE" sz="2000" dirty="0" smtClean="0">
+                <a:latin typeface="Consolas"/>
+                <a:cs typeface="Consolas"/>
+              </a:rPr>
+            </a:br>
+            <a:r>
+              <a:rPr lang="de-DE" sz="2000" dirty="0" err="1" smtClean="0">
+                <a:latin typeface="Consolas"/>
+                <a:cs typeface="Consolas"/>
+              </a:rPr>
+              <a:t>import</a:t>
+            </a:r>
+            <a:r>
+              <a:rPr lang="de-DE" sz="2000" dirty="0" smtClean="0">
+                <a:latin typeface="Consolas"/>
+                <a:cs typeface="Consolas"/>
+              </a:rPr>
+              <a:t> </a:t>
+            </a:r>
+            <a:r>
+              <a:rPr lang="de-DE" sz="2000" dirty="0" err="1" smtClean="0">
+                <a:latin typeface="Consolas"/>
+                <a:cs typeface="Consolas"/>
+              </a:rPr>
+              <a:t>clojure.lang.Ifn</a:t>
+            </a:r>
+            <a:r>
+              <a:rPr lang="de-DE" sz="2000" dirty="0" smtClean="0">
+                <a:latin typeface="Consolas"/>
+                <a:cs typeface="Consolas"/>
+              </a:rPr>
+              <a:t>;</a:t>
+            </a:r>
+            <a:br>
+              <a:rPr lang="de-DE" sz="2000" dirty="0" smtClean="0">
+                <a:latin typeface="Consolas"/>
+                <a:cs typeface="Consolas"/>
+              </a:rPr>
+            </a:br>
+            <a:r>
+              <a:rPr lang="de-DE" sz="2000" dirty="0" smtClean="0">
+                <a:latin typeface="Consolas"/>
+                <a:cs typeface="Consolas"/>
+              </a:rPr>
+              <a:t/>
+            </a:r>
+            <a:br>
+              <a:rPr lang="de-DE" sz="2000" dirty="0" smtClean="0">
+                <a:latin typeface="Consolas"/>
+                <a:cs typeface="Consolas"/>
+              </a:rPr>
+            </a:br>
+            <a:r>
+              <a:rPr lang="de-DE" sz="2000" dirty="0" smtClean="0">
+                <a:latin typeface="Consolas"/>
+                <a:cs typeface="Consolas"/>
+              </a:rPr>
+              <a:t>...</a:t>
+            </a:r>
+            <a:br>
+              <a:rPr lang="de-DE" sz="2000" dirty="0" smtClean="0">
+                <a:latin typeface="Consolas"/>
+                <a:cs typeface="Consolas"/>
+              </a:rPr>
+            </a:br>
+            <a:r>
+              <a:rPr lang="de-DE" sz="2000" dirty="0" smtClean="0">
+                <a:latin typeface="Consolas"/>
+                <a:cs typeface="Consolas"/>
+              </a:rPr>
+              <a:t/>
+            </a:r>
+            <a:br>
+              <a:rPr lang="de-DE" sz="2000" dirty="0" smtClean="0">
+                <a:latin typeface="Consolas"/>
+                <a:cs typeface="Consolas"/>
+              </a:rPr>
+            </a:br>
+            <a:r>
+              <a:rPr lang="de-DE" sz="2000" dirty="0" err="1" smtClean="0">
+                <a:latin typeface="Consolas"/>
+                <a:cs typeface="Consolas"/>
+              </a:rPr>
+              <a:t>Ifn</a:t>
+            </a:r>
+            <a:r>
+              <a:rPr lang="de-DE" sz="2000" dirty="0" smtClean="0">
+                <a:latin typeface="Consolas"/>
+                <a:cs typeface="Consolas"/>
+              </a:rPr>
+              <a:t> </a:t>
+            </a:r>
+            <a:r>
+              <a:rPr lang="de-DE" sz="2000" dirty="0" err="1" smtClean="0">
+                <a:latin typeface="Consolas"/>
+                <a:cs typeface="Consolas"/>
+              </a:rPr>
+              <a:t>require</a:t>
+            </a:r>
+            <a:r>
+              <a:rPr lang="de-DE" sz="2000" dirty="0" smtClean="0">
+                <a:latin typeface="Consolas"/>
+                <a:cs typeface="Consolas"/>
+              </a:rPr>
+              <a:t> = </a:t>
+            </a:r>
+            <a:r>
+              <a:rPr lang="de-DE" sz="2000" dirty="0" err="1" smtClean="0">
+                <a:latin typeface="Consolas"/>
+                <a:cs typeface="Consolas"/>
+              </a:rPr>
+              <a:t>Clojure.var</a:t>
+            </a:r>
+            <a:r>
+              <a:rPr lang="de-DE" sz="2000" dirty="0" smtClean="0">
+                <a:latin typeface="Consolas"/>
+                <a:cs typeface="Consolas"/>
+              </a:rPr>
+              <a:t>( „</a:t>
+            </a:r>
+            <a:r>
+              <a:rPr lang="de-DE" sz="2000" dirty="0" err="1" smtClean="0">
+                <a:latin typeface="Consolas"/>
+                <a:cs typeface="Consolas"/>
+              </a:rPr>
+              <a:t>clojure.core</a:t>
+            </a:r>
+            <a:r>
+              <a:rPr lang="de-DE" sz="2000" dirty="0" smtClean="0">
+                <a:latin typeface="Consolas"/>
+                <a:cs typeface="Consolas"/>
+              </a:rPr>
+              <a:t>“, „</a:t>
+            </a:r>
+            <a:r>
+              <a:rPr lang="de-DE" sz="2000" dirty="0" err="1" smtClean="0">
+                <a:latin typeface="Consolas"/>
+                <a:cs typeface="Consolas"/>
+              </a:rPr>
+              <a:t>require</a:t>
+            </a:r>
+            <a:r>
+              <a:rPr lang="de-DE" sz="2000" dirty="0" smtClean="0">
+                <a:latin typeface="Consolas"/>
+                <a:cs typeface="Consolas"/>
+              </a:rPr>
+              <a:t>“ );</a:t>
+            </a:r>
+            <a:br>
+              <a:rPr lang="de-DE" sz="2000" dirty="0" smtClean="0">
+                <a:latin typeface="Consolas"/>
+                <a:cs typeface="Consolas"/>
+              </a:rPr>
+            </a:br>
+            <a:r>
+              <a:rPr lang="de-DE" sz="2000" dirty="0" err="1" smtClean="0">
+                <a:latin typeface="Consolas"/>
+                <a:cs typeface="Consolas"/>
+              </a:rPr>
+              <a:t>require.invoke</a:t>
+            </a:r>
+            <a:r>
+              <a:rPr lang="de-DE" sz="2000" dirty="0" smtClean="0">
+                <a:latin typeface="Consolas"/>
+                <a:cs typeface="Consolas"/>
+              </a:rPr>
+              <a:t>( </a:t>
+            </a:r>
+            <a:r>
+              <a:rPr lang="de-DE" sz="2000" dirty="0" err="1" smtClean="0">
+                <a:latin typeface="Consolas"/>
+                <a:cs typeface="Consolas"/>
+              </a:rPr>
+              <a:t>Clojure.read</a:t>
+            </a:r>
+            <a:r>
+              <a:rPr lang="de-DE" sz="2000" dirty="0" smtClean="0">
+                <a:latin typeface="Consolas"/>
+                <a:cs typeface="Consolas"/>
+              </a:rPr>
+              <a:t>( </a:t>
+            </a:r>
+            <a:r>
+              <a:rPr lang="de-DE" sz="2000" dirty="0" smtClean="0">
+                <a:latin typeface="Consolas"/>
+                <a:cs typeface="Consolas"/>
+              </a:rPr>
+              <a:t>„</a:t>
+            </a:r>
+            <a:r>
+              <a:rPr lang="de-DE" sz="2000" dirty="0" err="1" smtClean="0">
+                <a:latin typeface="Consolas"/>
+                <a:cs typeface="Consolas"/>
+              </a:rPr>
+              <a:t>de.coruco.binomial</a:t>
+            </a:r>
+            <a:r>
+              <a:rPr lang="de-DE" sz="2000" dirty="0" smtClean="0">
+                <a:latin typeface="Consolas"/>
+                <a:cs typeface="Consolas"/>
+              </a:rPr>
+              <a:t>“ </a:t>
+            </a:r>
+            <a:r>
+              <a:rPr lang="de-DE" sz="2000" dirty="0" smtClean="0">
+                <a:latin typeface="Consolas"/>
+                <a:cs typeface="Consolas"/>
+              </a:rPr>
+              <a:t>) );</a:t>
+            </a:r>
+            <a:br>
+              <a:rPr lang="de-DE" sz="2000" dirty="0" smtClean="0">
+                <a:latin typeface="Consolas"/>
+                <a:cs typeface="Consolas"/>
+              </a:rPr>
+            </a:br>
+            <a:r>
+              <a:rPr lang="de-DE" sz="2000" dirty="0" smtClean="0">
+                <a:latin typeface="Consolas"/>
+                <a:cs typeface="Consolas"/>
+              </a:rPr>
+              <a:t/>
+            </a:r>
+            <a:br>
+              <a:rPr lang="de-DE" sz="2000" dirty="0" smtClean="0">
+                <a:latin typeface="Consolas"/>
+                <a:cs typeface="Consolas"/>
+              </a:rPr>
+            </a:br>
+            <a:r>
+              <a:rPr lang="de-DE" sz="2000" dirty="0" err="1" smtClean="0">
+                <a:latin typeface="Consolas"/>
+                <a:cs typeface="Consolas"/>
+              </a:rPr>
+              <a:t>Ifn</a:t>
+            </a:r>
+            <a:r>
+              <a:rPr lang="de-DE" sz="2000" dirty="0" smtClean="0">
+                <a:latin typeface="Consolas"/>
+                <a:cs typeface="Consolas"/>
+              </a:rPr>
+              <a:t> </a:t>
+            </a:r>
+            <a:r>
+              <a:rPr lang="de-DE" sz="2000" dirty="0" err="1" smtClean="0">
+                <a:latin typeface="Consolas"/>
+                <a:cs typeface="Consolas"/>
+              </a:rPr>
+              <a:t>binomi</a:t>
+            </a:r>
+            <a:r>
+              <a:rPr lang="de-DE" sz="2000" dirty="0" smtClean="0">
+                <a:latin typeface="Consolas"/>
+                <a:cs typeface="Consolas"/>
+              </a:rPr>
+              <a:t> = </a:t>
+            </a:r>
+            <a:r>
+              <a:rPr lang="de-DE" sz="2000" dirty="0" err="1" smtClean="0">
+                <a:latin typeface="Consolas"/>
+                <a:cs typeface="Consolas"/>
+              </a:rPr>
+              <a:t>Clojure.var</a:t>
+            </a:r>
+            <a:r>
+              <a:rPr lang="de-DE" sz="2000" dirty="0" smtClean="0">
+                <a:latin typeface="Consolas"/>
+                <a:cs typeface="Consolas"/>
+              </a:rPr>
+              <a:t>( </a:t>
+            </a:r>
+            <a:r>
+              <a:rPr lang="de-DE" sz="2000" dirty="0" smtClean="0">
+                <a:latin typeface="Consolas"/>
+                <a:cs typeface="Consolas"/>
+              </a:rPr>
+              <a:t>„</a:t>
+            </a:r>
+            <a:r>
+              <a:rPr lang="de-DE" sz="2000" dirty="0" err="1" smtClean="0">
+                <a:latin typeface="Consolas"/>
+                <a:cs typeface="Consolas"/>
+              </a:rPr>
+              <a:t>de.coruco.binomial</a:t>
+            </a:r>
+            <a:r>
+              <a:rPr lang="de-DE" sz="2000" dirty="0" smtClean="0">
+                <a:latin typeface="Consolas"/>
+                <a:cs typeface="Consolas"/>
+              </a:rPr>
+              <a:t>“</a:t>
+            </a:r>
+            <a:r>
+              <a:rPr lang="de-DE" sz="2000" dirty="0" smtClean="0">
+                <a:latin typeface="Consolas"/>
+                <a:cs typeface="Consolas"/>
+              </a:rPr>
+              <a:t>, „</a:t>
+            </a:r>
+            <a:r>
+              <a:rPr lang="de-DE" sz="2000" dirty="0" err="1" smtClean="0">
+                <a:latin typeface="Consolas"/>
+                <a:cs typeface="Consolas"/>
+              </a:rPr>
+              <a:t>binomial</a:t>
+            </a:r>
+            <a:r>
+              <a:rPr lang="de-DE" sz="2000" dirty="0" smtClean="0">
+                <a:latin typeface="Consolas"/>
+                <a:cs typeface="Consolas"/>
+              </a:rPr>
+              <a:t>“ );</a:t>
+            </a:r>
+            <a:r>
+              <a:rPr lang="de-DE" sz="2000" dirty="0">
+                <a:latin typeface="Consolas"/>
+                <a:cs typeface="Consolas"/>
+              </a:rPr>
+              <a:t/>
+            </a:r>
+            <a:br>
+              <a:rPr lang="de-DE" sz="2000" dirty="0">
+                <a:latin typeface="Consolas"/>
+                <a:cs typeface="Consolas"/>
+              </a:rPr>
+            </a:br>
+            <a:r>
+              <a:rPr lang="de-DE" sz="2000" dirty="0" err="1" smtClean="0">
+                <a:latin typeface="Consolas"/>
+                <a:cs typeface="Consolas"/>
+              </a:rPr>
+              <a:t>Object</a:t>
+            </a:r>
+            <a:r>
+              <a:rPr lang="de-DE" sz="2000" dirty="0" smtClean="0">
+                <a:latin typeface="Consolas"/>
+                <a:cs typeface="Consolas"/>
+              </a:rPr>
+              <a:t> </a:t>
+            </a:r>
+            <a:r>
+              <a:rPr lang="de-DE" sz="2000" dirty="0" err="1" smtClean="0">
+                <a:latin typeface="Consolas"/>
+                <a:cs typeface="Consolas"/>
+              </a:rPr>
+              <a:t>result</a:t>
+            </a:r>
+            <a:r>
+              <a:rPr lang="de-DE" sz="2000" dirty="0" smtClean="0">
+                <a:latin typeface="Consolas"/>
+                <a:cs typeface="Consolas"/>
+              </a:rPr>
+              <a:t> = </a:t>
+            </a:r>
+            <a:r>
+              <a:rPr lang="de-DE" sz="2000" dirty="0" err="1" smtClean="0">
+                <a:latin typeface="Consolas"/>
+                <a:cs typeface="Consolas"/>
+              </a:rPr>
+              <a:t>binomi.invoke</a:t>
+            </a:r>
+            <a:r>
+              <a:rPr lang="de-DE" sz="2000" dirty="0" smtClean="0">
+                <a:latin typeface="Consolas"/>
+                <a:cs typeface="Consolas"/>
+              </a:rPr>
+              <a:t>( 7, 6 );</a:t>
+            </a:r>
+          </a:p>
+        </p:txBody>
+      </p:sp>
+    </p:spTree>
+    <p:extLst>
+      <p:ext uri="{BB962C8B-B14F-4D97-AF65-F5344CB8AC3E}">
+        <p14:creationId xmlns:p14="http://schemas.microsoft.com/office/powerpoint/2010/main" val="1278712096"/>
+      </p:ext>
+    </p:extLst>
+  </p:cSld>
+  <p:clrMapOvr>
+    <a:masterClrMapping/>
+  </p:clrMapOvr>
+  <p:timing>
+    <p:tnLst>
+      <p:par>
+        <p:cTn xmlns:p14="http://schemas.microsoft.com/office/powerpoint/2010/main" id="1" dur="indefinite" restart="never" nodeType="tmRoot"/>
+      </p:par>
+    </p:tnLst>
+  </p:timing>
+</p:sld>
+</file>
+
+<file path=ppt/slides/slide34.xml><?xml version="1.0" encoding="utf-8"?>
+<p:sld xmlns:a="http://schemas.openxmlformats.org/drawingml/2006/main" xmlns:r="http://schemas.openxmlformats.org/officeDocument/2006/relationships" xmlns:p="http://schemas.openxmlformats.org/presentationml/2006/main">
+  <p:cSld>
+    <p:spTree>
+      <p:nvGrpSpPr>
+        <p:cNvPr id="1" name=""/>
+        <p:cNvGrpSpPr/>
+        <p:nvPr/>
+      </p:nvGrpSpPr>
+      <p:grpSpPr>
+        <a:xfrm>
+          <a:off x="0" y="0"/>
+          <a:ext cx="0" cy="0"/>
+          <a:chOff x="0" y="0"/>
+          <a:chExt cx="0" cy="0"/>
+        </a:xfrm>
+      </p:grpSpPr>
+      <p:sp>
+        <p:nvSpPr>
+          <p:cNvPr id="2" name="Titel 1"/>
+          <p:cNvSpPr>
+            <a:spLocks noGrp="1"/>
+          </p:cNvSpPr>
+          <p:nvPr>
+            <p:ph type="title"/>
+          </p:nvPr>
+        </p:nvSpPr>
+        <p:spPr/>
+        <p:txBody>
           <a:bodyPr>
             <a:normAutofit fontScale="90000"/>
           </a:bodyPr>
@@ -11604,7 +11545,7 @@
 </p:sld>
 </file>
 
-<file path=ppt/slides/slide33.xml><?xml version="1.0" encoding="utf-8"?>
+<file path=ppt/slides/slide35.xml><?xml version="1.0" encoding="utf-8"?>
 <p:sld xmlns:a="http://schemas.openxmlformats.org/drawingml/2006/main" xmlns:r="http://schemas.openxmlformats.org/officeDocument/2006/relationships" xmlns:p="http://schemas.openxmlformats.org/presentationml/2006/main">
   <p:cSld>
     <p:spTree>

--- a/jugbi-fp-20141119/20141119_FP.pptx
+++ b/jugbi-fp-20141119/20141119_FP.pptx
@@ -5,7 +5,7 @@
     <p:sldMasterId id="2147484370" r:id="rId1"/>
   </p:sldMasterIdLst>
   <p:notesMasterIdLst>
-    <p:notesMasterId r:id="rId37"/>
+    <p:notesMasterId r:id="rId38"/>
   </p:notesMasterIdLst>
   <p:sldIdLst>
     <p:sldId id="258" r:id="rId2"/>
@@ -38,11 +38,12 @@
     <p:sldId id="292" r:id="rId29"/>
     <p:sldId id="295" r:id="rId30"/>
     <p:sldId id="296" r:id="rId31"/>
-    <p:sldId id="288" r:id="rId32"/>
-    <p:sldId id="284" r:id="rId33"/>
-    <p:sldId id="285" r:id="rId34"/>
-    <p:sldId id="280" r:id="rId35"/>
-    <p:sldId id="276" r:id="rId36"/>
+    <p:sldId id="299" r:id="rId32"/>
+    <p:sldId id="288" r:id="rId33"/>
+    <p:sldId id="284" r:id="rId34"/>
+    <p:sldId id="285" r:id="rId35"/>
+    <p:sldId id="280" r:id="rId36"/>
+    <p:sldId id="276" r:id="rId37"/>
   </p:sldIdLst>
   <p:sldSz cx="9144000" cy="6858000" type="screen4x3"/>
   <p:notesSz cx="6858000" cy="9144000"/>
@@ -761,7 +762,7 @@
           <a:p>
             <a:fld id="{F8A39296-B31D-DC45-87B0-E02527FDCF1A}" type="slidenum">
               <a:rPr lang="de-DE" smtClean="0"/>
-              <a:t>23</a:t>
+              <a:t>22</a:t>
             </a:fld>
             <a:endParaRPr lang="de-DE"/>
           </a:p>
@@ -824,6 +825,200 @@
           <a:bodyPr/>
           <a:lstStyle/>
           <a:p>
+            <a:r>
+              <a:rPr lang="de-DE" dirty="0" smtClean="0"/>
+              <a:t>Syntax </a:t>
+            </a:r>
+            <a:r>
+              <a:rPr lang="de-DE" dirty="0" err="1" smtClean="0"/>
+              <a:t>based</a:t>
+            </a:r>
+            <a:r>
+              <a:rPr lang="de-DE" dirty="0" smtClean="0"/>
+              <a:t> on S-</a:t>
+            </a:r>
+            <a:r>
+              <a:rPr lang="de-DE" dirty="0" err="1" smtClean="0"/>
+              <a:t>Expressions</a:t>
+            </a:r>
+            <a:endParaRPr lang="de-DE" dirty="0" smtClean="0"/>
+          </a:p>
+          <a:p>
+            <a:r>
+              <a:rPr lang="de-DE" dirty="0" smtClean="0"/>
+              <a:t>S-</a:t>
+            </a:r>
+            <a:r>
+              <a:rPr lang="de-DE" dirty="0" err="1" smtClean="0"/>
+              <a:t>Expressions</a:t>
+            </a:r>
+            <a:r>
+              <a:rPr lang="de-DE" dirty="0" smtClean="0"/>
+              <a:t> </a:t>
+            </a:r>
+            <a:r>
+              <a:rPr lang="de-DE" dirty="0" err="1" smtClean="0"/>
+              <a:t>are</a:t>
+            </a:r>
+            <a:r>
+              <a:rPr lang="de-DE" dirty="0" smtClean="0"/>
+              <a:t> </a:t>
+            </a:r>
+            <a:r>
+              <a:rPr lang="de-DE" dirty="0" err="1" smtClean="0"/>
+              <a:t>parsed</a:t>
+            </a:r>
+            <a:r>
+              <a:rPr lang="de-DE" dirty="0" smtClean="0"/>
+              <a:t> </a:t>
+            </a:r>
+            <a:r>
+              <a:rPr lang="de-DE" dirty="0" err="1" smtClean="0"/>
+              <a:t>by</a:t>
+            </a:r>
+            <a:r>
+              <a:rPr lang="de-DE" dirty="0" smtClean="0"/>
+              <a:t> </a:t>
+            </a:r>
+            <a:r>
+              <a:rPr lang="de-DE" dirty="0" err="1" smtClean="0"/>
+              <a:t>the</a:t>
+            </a:r>
+            <a:r>
+              <a:rPr lang="de-DE" dirty="0" smtClean="0"/>
+              <a:t> Reader </a:t>
+            </a:r>
+            <a:r>
+              <a:rPr lang="de-DE" dirty="0" err="1" smtClean="0"/>
+              <a:t>into</a:t>
+            </a:r>
+            <a:r>
+              <a:rPr lang="de-DE" dirty="0" smtClean="0"/>
+              <a:t> </a:t>
+            </a:r>
+            <a:r>
+              <a:rPr lang="de-DE" dirty="0" err="1" smtClean="0"/>
+              <a:t>data</a:t>
+            </a:r>
+            <a:r>
+              <a:rPr lang="de-DE" dirty="0" smtClean="0"/>
+              <a:t> </a:t>
+            </a:r>
+            <a:r>
+              <a:rPr lang="de-DE" dirty="0" err="1" smtClean="0"/>
+              <a:t>structures</a:t>
+            </a:r>
+            <a:r>
+              <a:rPr lang="de-DE" dirty="0" smtClean="0"/>
+              <a:t> </a:t>
+            </a:r>
+            <a:r>
+              <a:rPr lang="de-DE" dirty="0" err="1" smtClean="0"/>
+              <a:t>before</a:t>
+            </a:r>
+            <a:r>
+              <a:rPr lang="de-DE" dirty="0" smtClean="0"/>
+              <a:t> </a:t>
+            </a:r>
+            <a:r>
+              <a:rPr lang="de-DE" dirty="0" err="1" smtClean="0"/>
+              <a:t>being</a:t>
+            </a:r>
+            <a:r>
+              <a:rPr lang="de-DE" dirty="0" smtClean="0"/>
+              <a:t> </a:t>
+            </a:r>
+            <a:r>
+              <a:rPr lang="de-DE" dirty="0" err="1" smtClean="0"/>
+              <a:t>executed</a:t>
+            </a:r>
+            <a:endParaRPr lang="de-DE" dirty="0" smtClean="0"/>
+          </a:p>
+          <a:p>
+            <a:endParaRPr lang="de-DE" dirty="0"/>
+          </a:p>
+        </p:txBody>
+      </p:sp>
+      <p:sp>
+        <p:nvSpPr>
+          <p:cNvPr id="4" name="Foliennummernplatzhalter 3"/>
+          <p:cNvSpPr>
+            <a:spLocks noGrp="1"/>
+          </p:cNvSpPr>
+          <p:nvPr>
+            <p:ph type="sldNum" sz="quarter" idx="10"/>
+          </p:nvPr>
+        </p:nvSpPr>
+        <p:spPr/>
+        <p:txBody>
+          <a:bodyPr/>
+          <a:lstStyle/>
+          <a:p>
+            <a:fld id="{F8A39296-B31D-DC45-87B0-E02527FDCF1A}" type="slidenum">
+              <a:rPr lang="de-DE" smtClean="0"/>
+              <a:t>23</a:t>
+            </a:fld>
+            <a:endParaRPr lang="de-DE"/>
+          </a:p>
+        </p:txBody>
+      </p:sp>
+    </p:spTree>
+    <p:extLst>
+      <p:ext uri="{BB962C8B-B14F-4D97-AF65-F5344CB8AC3E}">
+        <p14:creationId xmlns:p14="http://schemas.microsoft.com/office/powerpoint/2010/main" val="3277319441"/>
+      </p:ext>
+    </p:extLst>
+  </p:cSld>
+  <p:clrMapOvr>
+    <a:masterClrMapping/>
+  </p:clrMapOvr>
+</p:notes>
+</file>
+
+<file path=ppt/notesSlides/notesSlide12.xml><?xml version="1.0" encoding="utf-8"?>
+<p:notes xmlns:a="http://schemas.openxmlformats.org/drawingml/2006/main" xmlns:r="http://schemas.openxmlformats.org/officeDocument/2006/relationships" xmlns:p="http://schemas.openxmlformats.org/presentationml/2006/main">
+  <p:cSld>
+    <p:spTree>
+      <p:nvGrpSpPr>
+        <p:cNvPr id="1" name=""/>
+        <p:cNvGrpSpPr/>
+        <p:nvPr/>
+      </p:nvGrpSpPr>
+      <p:grpSpPr>
+        <a:xfrm>
+          <a:off x="0" y="0"/>
+          <a:ext cx="0" cy="0"/>
+          <a:chOff x="0" y="0"/>
+          <a:chExt cx="0" cy="0"/>
+        </a:xfrm>
+      </p:grpSpPr>
+      <p:sp>
+        <p:nvSpPr>
+          <p:cNvPr id="2" name="Folienbildplatzhalter 1"/>
+          <p:cNvSpPr>
+            <a:spLocks noGrp="1" noRot="1" noChangeAspect="1"/>
+          </p:cNvSpPr>
+          <p:nvPr>
+            <p:ph type="sldImg"/>
+          </p:nvPr>
+        </p:nvSpPr>
+        <p:spPr/>
+      </p:sp>
+      <p:sp>
+        <p:nvSpPr>
+          <p:cNvPr id="3" name="Notizenplatzhalter 2"/>
+          <p:cNvSpPr>
+            <a:spLocks noGrp="1"/>
+          </p:cNvSpPr>
+          <p:nvPr>
+            <p:ph type="body" idx="1"/>
+          </p:nvPr>
+        </p:nvSpPr>
+        <p:spPr/>
+        <p:txBody>
+          <a:bodyPr/>
+          <a:lstStyle/>
+          <a:p>
             <a:pPr marL="228600" indent="-228600">
               <a:buAutoNum type="arabicPeriod"/>
             </a:pPr>
@@ -878,7 +1073,7 @@
           <a:p>
             <a:fld id="{F8A39296-B31D-DC45-87B0-E02527FDCF1A}" type="slidenum">
               <a:rPr lang="de-DE" smtClean="0"/>
-              <a:t>34</a:t>
+              <a:t>35</a:t>
             </a:fld>
             <a:endParaRPr lang="de-DE"/>
           </a:p>
@@ -1262,8 +1457,64 @@
           <a:p>
             <a:r>
               <a:rPr lang="de-DE" dirty="0" smtClean="0"/>
-              <a:t>Problem: Funktionen mir mehreren Parametern</a:t>
-            </a:r>
+              <a:t>Problem: Funktionen mir mehreren </a:t>
+            </a:r>
+            <a:r>
+              <a:rPr lang="de-DE" dirty="0" smtClean="0"/>
+              <a:t>Parametern</a:t>
+            </a:r>
+          </a:p>
+          <a:p>
+            <a:r>
+              <a:rPr lang="de-DE" dirty="0" smtClean="0"/>
+              <a:t>Funktionen sind links assoziativ</a:t>
+            </a:r>
+          </a:p>
+          <a:p>
+            <a:r>
+              <a:rPr lang="de-DE" dirty="0" smtClean="0"/>
+              <a:t>Formal </a:t>
+            </a:r>
+            <a:r>
+              <a:rPr lang="de-DE" dirty="0" err="1" smtClean="0"/>
+              <a:t>substitution</a:t>
+            </a:r>
+            <a:endParaRPr lang="de-DE" dirty="0" smtClean="0"/>
+          </a:p>
+          <a:p>
+            <a:r>
+              <a:rPr lang="de-DE" dirty="0" err="1" smtClean="0"/>
+              <a:t>Inner</a:t>
+            </a:r>
+            <a:r>
+              <a:rPr lang="de-DE" dirty="0" smtClean="0"/>
+              <a:t> </a:t>
+            </a:r>
+            <a:r>
+              <a:rPr lang="de-DE" dirty="0" err="1" smtClean="0"/>
+              <a:t>parenthesis</a:t>
+            </a:r>
+            <a:r>
+              <a:rPr lang="de-DE" dirty="0" smtClean="0"/>
+              <a:t> </a:t>
+            </a:r>
+            <a:r>
+              <a:rPr lang="de-DE" dirty="0" err="1" smtClean="0"/>
+              <a:t>is</a:t>
+            </a:r>
+            <a:r>
+              <a:rPr lang="de-DE" dirty="0" smtClean="0"/>
+              <a:t> a </a:t>
+            </a:r>
+            <a:r>
+              <a:rPr lang="de-DE" dirty="0" err="1" smtClean="0"/>
+              <a:t>new</a:t>
+            </a:r>
+            <a:r>
+              <a:rPr lang="de-DE" dirty="0" smtClean="0"/>
+              <a:t> </a:t>
+            </a:r>
+            <a:endParaRPr lang="de-DE" dirty="0" smtClean="0"/>
           </a:p>
           <a:p>
             <a:r>
@@ -1363,81 +1614,273 @@
           <a:lstStyle/>
           <a:p>
             <a:r>
-              <a:rPr lang="de-DE" dirty="0" smtClean="0"/>
-              <a:t>Seit</a:t>
-            </a:r>
-            <a:r>
-              <a:rPr lang="de-DE" baseline="0" dirty="0" smtClean="0"/>
-              <a:t> 2007</a:t>
-            </a:r>
-          </a:p>
-          <a:p>
-            <a:r>
-              <a:rPr lang="de-DE" baseline="0" dirty="0" smtClean="0"/>
-              <a:t>Entworfen von Rich </a:t>
-            </a:r>
-            <a:r>
-              <a:rPr lang="de-DE" baseline="0" dirty="0" err="1" smtClean="0"/>
-              <a:t>Hickey</a:t>
-            </a:r>
-            <a:endParaRPr lang="de-DE" baseline="0" dirty="0" smtClean="0"/>
-          </a:p>
-          <a:p>
-            <a:r>
-              <a:rPr lang="de-DE" baseline="0" dirty="0" smtClean="0"/>
-              <a:t>General </a:t>
-            </a:r>
-            <a:r>
-              <a:rPr lang="de-DE" baseline="0" dirty="0" err="1" smtClean="0"/>
-              <a:t>purpose</a:t>
-            </a:r>
-            <a:r>
-              <a:rPr lang="de-DE" baseline="0" dirty="0" smtClean="0"/>
+              <a:rPr lang="en-US" dirty="0" smtClean="0"/>
+              <a:t>zero :: Show t1 =&gt; (t -&gt; t1) -&gt; t1 -&gt; t1</a:t>
+            </a:r>
+          </a:p>
+          <a:p>
+            <a:r>
+              <a:rPr lang="en-US" dirty="0" smtClean="0"/>
+              <a:t>zero s z = z</a:t>
+            </a:r>
+          </a:p>
+          <a:p>
+            <a:endParaRPr lang="en-US" dirty="0" smtClean="0"/>
+          </a:p>
+          <a:p>
+            <a:r>
+              <a:rPr lang="pl-PL" dirty="0" err="1" smtClean="0"/>
+              <a:t>let</a:t>
+            </a:r>
+            <a:r>
+              <a:rPr lang="pl-PL" dirty="0" smtClean="0"/>
+              <a:t> zero :: Show t1 =&gt; (t -&gt; t1) -&gt; t1 -&gt; t1; zero s z = z</a:t>
+            </a:r>
+          </a:p>
+          <a:p>
+            <a:r>
+              <a:rPr lang="pl-PL" dirty="0" err="1" smtClean="0"/>
+              <a:t>let</a:t>
+            </a:r>
+            <a:r>
+              <a:rPr lang="pl-PL" dirty="0" smtClean="0"/>
               <a:t> </a:t>
             </a:r>
             <a:r>
-              <a:rPr lang="de-DE" baseline="0" dirty="0" err="1" smtClean="0"/>
-              <a:t>programming</a:t>
-            </a:r>
-            <a:r>
-              <a:rPr lang="de-DE" baseline="0" dirty="0" smtClean="0"/>
+              <a:rPr lang="pl-PL" dirty="0" err="1" smtClean="0"/>
+              <a:t>succ</a:t>
+            </a:r>
+            <a:r>
+              <a:rPr lang="pl-PL" dirty="0" smtClean="0"/>
+              <a:t> :: Show c =&gt; ((a -&gt; b) -&gt; b -&gt; c) -&gt; (a -&gt; b) -&gt; a -&gt; c; </a:t>
+            </a:r>
+            <a:r>
+              <a:rPr lang="pl-PL" dirty="0" err="1" smtClean="0"/>
+              <a:t>succ</a:t>
+            </a:r>
+            <a:r>
+              <a:rPr lang="pl-PL" dirty="0" smtClean="0"/>
+              <a:t> n s = n s . S</a:t>
+            </a:r>
+          </a:p>
+          <a:p>
+            <a:pPr marL="0" marR="0" indent="0" algn="l" defTabSz="457200" rtl="0" eaLnBrk="1" fontAlgn="auto" latinLnBrk="0" hangingPunct="1">
+              <a:lnSpc>
+                <a:spcPct val="100000"/>
+              </a:lnSpc>
+              <a:spcBef>
+                <a:spcPts val="0"/>
+              </a:spcBef>
+              <a:spcAft>
+                <a:spcPts val="0"/>
+              </a:spcAft>
+              <a:buClrTx/>
+              <a:buSzTx/>
+              <a:buFontTx/>
+              <a:buNone/>
+              <a:tabLst/>
+              <a:defRPr/>
+            </a:pPr>
+            <a:r>
+              <a:rPr lang="pl-PL" dirty="0" smtClean="0"/>
+              <a:t>l</a:t>
+            </a:r>
+            <a:r>
+              <a:rPr lang="en-US" dirty="0" smtClean="0"/>
+              <a:t>et add n m s = n s . m s</a:t>
+            </a:r>
+            <a:endParaRPr lang="de-DE" dirty="0" smtClean="0"/>
+          </a:p>
+          <a:p>
+            <a:endParaRPr lang="pl-PL" dirty="0" smtClean="0"/>
+          </a:p>
+          <a:p>
+            <a:r>
+              <a:rPr lang="it-IT" dirty="0" smtClean="0"/>
+              <a:t>(</a:t>
+            </a:r>
+            <a:r>
+              <a:rPr lang="it-IT" dirty="0" err="1" smtClean="0"/>
+              <a:t>succ</a:t>
+            </a:r>
+            <a:r>
+              <a:rPr lang="it-IT" dirty="0" smtClean="0"/>
+              <a:t> . </a:t>
+            </a:r>
+            <a:r>
+              <a:rPr lang="it-IT" dirty="0" err="1" smtClean="0"/>
+              <a:t>succ</a:t>
+            </a:r>
+            <a:r>
+              <a:rPr lang="it-IT" dirty="0" smtClean="0"/>
+              <a:t> . </a:t>
+            </a:r>
+            <a:r>
+              <a:rPr lang="it-IT" dirty="0" err="1" smtClean="0"/>
+              <a:t>succ</a:t>
+            </a:r>
+            <a:r>
+              <a:rPr lang="it-IT" dirty="0" smtClean="0"/>
+              <a:t>) zero ('*' :) ""</a:t>
+            </a:r>
+            <a:endParaRPr lang="en-US" dirty="0" smtClean="0"/>
+          </a:p>
+          <a:p>
+            <a:r>
+              <a:rPr lang="it-IT" dirty="0" smtClean="0"/>
+              <a:t>(</a:t>
+            </a:r>
+            <a:r>
+              <a:rPr lang="it-IT" dirty="0" err="1" smtClean="0"/>
+              <a:t>succ</a:t>
+            </a:r>
+            <a:r>
+              <a:rPr lang="it-IT" dirty="0" smtClean="0"/>
+              <a:t> . </a:t>
+            </a:r>
+            <a:r>
+              <a:rPr lang="it-IT" dirty="0" err="1" smtClean="0"/>
+              <a:t>succ</a:t>
+            </a:r>
+            <a:r>
+              <a:rPr lang="it-IT" dirty="0" smtClean="0"/>
+              <a:t> . </a:t>
+            </a:r>
+            <a:r>
+              <a:rPr lang="it-IT" dirty="0" err="1" smtClean="0"/>
+              <a:t>succ</a:t>
+            </a:r>
+            <a:r>
+              <a:rPr lang="it-IT" dirty="0" smtClean="0"/>
+              <a:t>) zero (+</a:t>
+            </a:r>
+            <a:r>
+              <a:rPr lang="it-IT" baseline="0" dirty="0" smtClean="0"/>
+              <a:t> 1</a:t>
+            </a:r>
+            <a:r>
+              <a:rPr lang="it-IT" dirty="0" smtClean="0"/>
+              <a:t>) 0</a:t>
+            </a:r>
+            <a:endParaRPr lang="en-US" dirty="0" smtClean="0"/>
+          </a:p>
+          <a:p>
+            <a:r>
+              <a:rPr lang="tr-TR" dirty="0" err="1" smtClean="0"/>
+              <a:t>add</a:t>
+            </a:r>
+            <a:r>
+              <a:rPr lang="tr-TR" dirty="0" smtClean="0"/>
+              <a:t> (</a:t>
+            </a:r>
+            <a:r>
+              <a:rPr lang="tr-TR" dirty="0" err="1" smtClean="0"/>
+              <a:t>succ</a:t>
+            </a:r>
+            <a:r>
+              <a:rPr lang="tr-TR" dirty="0" smtClean="0"/>
               <a:t> </a:t>
             </a:r>
             <a:r>
-              <a:rPr lang="de-DE" baseline="0" dirty="0" err="1" smtClean="0"/>
-              <a:t>language</a:t>
-            </a:r>
-            <a:r>
-              <a:rPr lang="de-DE" baseline="0" dirty="0" smtClean="0"/>
-              <a:t>; </a:t>
-            </a:r>
-            <a:r>
-              <a:rPr lang="de-DE" baseline="0" dirty="0" err="1" smtClean="0"/>
-              <a:t>emphasis</a:t>
-            </a:r>
-            <a:r>
-              <a:rPr lang="de-DE" baseline="0" dirty="0" smtClean="0"/>
-              <a:t> on FP</a:t>
-            </a:r>
-          </a:p>
-          <a:p>
-            <a:r>
-              <a:rPr lang="de-DE" baseline="0" dirty="0" smtClean="0"/>
-              <a:t>Moderne LISP Implementierung</a:t>
-            </a:r>
-          </a:p>
-          <a:p>
-            <a:r>
-              <a:rPr lang="de-DE" baseline="0" dirty="0" smtClean="0"/>
-              <a:t>Runs on </a:t>
-            </a:r>
-            <a:r>
-              <a:rPr lang="de-DE" baseline="0" dirty="0" err="1" smtClean="0"/>
-              <a:t>the</a:t>
-            </a:r>
-            <a:r>
-              <a:rPr lang="de-DE" baseline="0" dirty="0" smtClean="0"/>
-              <a:t> JVM</a:t>
+              <a:rPr lang="tr-TR" dirty="0" err="1" smtClean="0"/>
+              <a:t>zero</a:t>
+            </a:r>
+            <a:r>
+              <a:rPr lang="tr-TR" dirty="0" smtClean="0"/>
+              <a:t>) ((</a:t>
+            </a:r>
+            <a:r>
+              <a:rPr lang="tr-TR" dirty="0" err="1" smtClean="0"/>
+              <a:t>succ.succ</a:t>
+            </a:r>
+            <a:r>
+              <a:rPr lang="tr-TR" dirty="0" smtClean="0"/>
+              <a:t>) </a:t>
+            </a:r>
+            <a:r>
+              <a:rPr lang="tr-TR" dirty="0" err="1" smtClean="0"/>
+              <a:t>zero</a:t>
+            </a:r>
+            <a:r>
+              <a:rPr lang="tr-TR" dirty="0" smtClean="0"/>
+              <a:t>) ('*' :) ""</a:t>
+            </a:r>
+            <a:endParaRPr lang="en-US" dirty="0" smtClean="0"/>
+          </a:p>
+          <a:p>
+            <a:r>
+              <a:rPr lang="en-US" dirty="0" smtClean="0"/>
+              <a:t>--</a:t>
+            </a:r>
+            <a:r>
+              <a:rPr lang="en-US" dirty="0" err="1" smtClean="0"/>
+              <a:t>incr</a:t>
+            </a:r>
+            <a:r>
+              <a:rPr lang="en-US" dirty="0" smtClean="0"/>
+              <a:t> :: Show t1 =&gt; t1 -&gt; t1 -&gt; t -&gt; t1 -&gt; t1</a:t>
+            </a:r>
+          </a:p>
+          <a:p>
+            <a:r>
+              <a:rPr lang="en-US" dirty="0" err="1" smtClean="0"/>
+              <a:t>incr</a:t>
+            </a:r>
+            <a:r>
+              <a:rPr lang="en-US" dirty="0" smtClean="0"/>
+              <a:t> :: Show c =&gt; ((a -&gt; b) -&gt; b -&gt; c) -&gt; (a -&gt; b) -&gt; a -&gt; c</a:t>
+            </a:r>
+          </a:p>
+          <a:p>
+            <a:r>
+              <a:rPr lang="en-US" dirty="0" err="1" smtClean="0"/>
+              <a:t>incr</a:t>
+            </a:r>
+            <a:r>
+              <a:rPr lang="en-US" dirty="0" smtClean="0"/>
+              <a:t> n s = n s . s</a:t>
+            </a:r>
+          </a:p>
+          <a:p>
+            <a:endParaRPr lang="en-US" dirty="0" smtClean="0"/>
+          </a:p>
+          <a:p>
+            <a:r>
+              <a:rPr lang="en-US" dirty="0" smtClean="0"/>
+              <a:t>(</a:t>
+            </a:r>
+            <a:r>
+              <a:rPr lang="en-US" dirty="0" err="1" smtClean="0"/>
+              <a:t>incr</a:t>
+            </a:r>
+            <a:r>
+              <a:rPr lang="en-US" dirty="0" smtClean="0"/>
+              <a:t> . </a:t>
+            </a:r>
+            <a:r>
+              <a:rPr lang="en-US" dirty="0" err="1" smtClean="0"/>
+              <a:t>incr</a:t>
+            </a:r>
+            <a:r>
+              <a:rPr lang="en-US" dirty="0" smtClean="0"/>
+              <a:t> . </a:t>
+            </a:r>
+            <a:r>
+              <a:rPr lang="en-US" dirty="0" err="1" smtClean="0"/>
+              <a:t>incr</a:t>
+            </a:r>
+            <a:r>
+              <a:rPr lang="en-US" dirty="0" smtClean="0"/>
+              <a:t>) zero (+ 1) 0</a:t>
+            </a:r>
+          </a:p>
+          <a:p>
+            <a:endParaRPr lang="en-US" dirty="0" smtClean="0"/>
+          </a:p>
+          <a:p>
+            <a:r>
+              <a:rPr lang="en-US" dirty="0" smtClean="0"/>
+              <a:t>add n m s = n s . m s</a:t>
             </a:r>
             <a:endParaRPr lang="de-DE" dirty="0"/>
           </a:p>
@@ -1460,7 +1903,7 @@
           <a:p>
             <a:fld id="{F8A39296-B31D-DC45-87B0-E02527FDCF1A}" type="slidenum">
               <a:rPr lang="de-DE" smtClean="0"/>
-              <a:t>17</a:t>
+              <a:t>13</a:t>
             </a:fld>
             <a:endParaRPr lang="de-DE"/>
           </a:p>
@@ -1469,7 +1912,7 @@
     </p:spTree>
     <p:extLst>
       <p:ext uri="{BB962C8B-B14F-4D97-AF65-F5344CB8AC3E}">
-        <p14:creationId xmlns:p14="http://schemas.microsoft.com/office/powerpoint/2010/main" val="2580994209"/>
+        <p14:creationId xmlns:p14="http://schemas.microsoft.com/office/powerpoint/2010/main" val="1437889090"/>
       </p:ext>
     </p:extLst>
   </p:cSld>
@@ -1524,32 +1967,81 @@
           <a:lstStyle/>
           <a:p>
             <a:r>
-              <a:rPr lang="de-DE" dirty="0" err="1" smtClean="0"/>
-              <a:t>Leiningen</a:t>
-            </a:r>
-            <a:r>
-              <a:rPr lang="de-DE" dirty="0" smtClean="0"/>
+              <a:rPr lang="de-DE" dirty="0" smtClean="0"/>
+              <a:t>Seit</a:t>
+            </a:r>
+            <a:r>
+              <a:rPr lang="de-DE" baseline="0" dirty="0" smtClean="0"/>
+              <a:t> 2007</a:t>
+            </a:r>
+          </a:p>
+          <a:p>
+            <a:r>
+              <a:rPr lang="de-DE" baseline="0" dirty="0" smtClean="0"/>
+              <a:t>Entworfen von Rich </a:t>
+            </a:r>
+            <a:r>
+              <a:rPr lang="de-DE" baseline="0" dirty="0" err="1" smtClean="0"/>
+              <a:t>Hickey</a:t>
+            </a:r>
+            <a:endParaRPr lang="de-DE" baseline="0" dirty="0" smtClean="0"/>
+          </a:p>
+          <a:p>
+            <a:r>
+              <a:rPr lang="de-DE" baseline="0" dirty="0" smtClean="0"/>
+              <a:t>General </a:t>
+            </a:r>
+            <a:r>
+              <a:rPr lang="de-DE" baseline="0" dirty="0" err="1" smtClean="0"/>
+              <a:t>purpose</a:t>
+            </a:r>
+            <a:r>
+              <a:rPr lang="de-DE" baseline="0" dirty="0" smtClean="0"/>
               <a:t> </a:t>
             </a:r>
             <a:r>
-              <a:rPr lang="de-DE" dirty="0" err="1" smtClean="0"/>
-              <a:t>and</a:t>
-            </a:r>
-            <a:r>
-              <a:rPr lang="de-DE" dirty="0" smtClean="0"/>
+              <a:rPr lang="de-DE" baseline="0" dirty="0" err="1" smtClean="0"/>
+              <a:t>programming</a:t>
+            </a:r>
+            <a:r>
+              <a:rPr lang="de-DE" baseline="0" dirty="0" smtClean="0"/>
               <a:t> </a:t>
             </a:r>
             <a:r>
-              <a:rPr lang="de-DE" dirty="0" err="1" smtClean="0"/>
+              <a:rPr lang="de-DE" baseline="0" dirty="0" err="1" smtClean="0"/>
+              <a:t>language</a:t>
+            </a:r>
+            <a:r>
+              <a:rPr lang="de-DE" baseline="0" dirty="0" smtClean="0"/>
+              <a:t>; </a:t>
+            </a:r>
+            <a:r>
+              <a:rPr lang="de-DE" baseline="0" dirty="0" err="1" smtClean="0"/>
+              <a:t>emphasis</a:t>
+            </a:r>
+            <a:r>
+              <a:rPr lang="de-DE" baseline="0" dirty="0" smtClean="0"/>
+              <a:t> on FP</a:t>
+            </a:r>
+          </a:p>
+          <a:p>
+            <a:r>
+              <a:rPr lang="de-DE" baseline="0" dirty="0" smtClean="0"/>
+              <a:t>Moderne LISP Implementierung</a:t>
+            </a:r>
+          </a:p>
+          <a:p>
+            <a:r>
+              <a:rPr lang="de-DE" baseline="0" dirty="0" smtClean="0"/>
+              <a:t>Runs on </a:t>
+            </a:r>
+            <a:r>
+              <a:rPr lang="de-DE" baseline="0" dirty="0" err="1" smtClean="0"/>
               <a:t>the</a:t>
             </a:r>
             <a:r>
-              <a:rPr lang="de-DE" dirty="0" smtClean="0"/>
-              <a:t> </a:t>
-            </a:r>
-            <a:r>
-              <a:rPr lang="de-DE" dirty="0" err="1" smtClean="0"/>
-              <a:t>ant</a:t>
+              <a:rPr lang="de-DE" baseline="0" dirty="0" smtClean="0"/>
+              <a:t> JVM</a:t>
             </a:r>
             <a:endParaRPr lang="de-DE" dirty="0"/>
           </a:p>
@@ -1572,7 +2064,7 @@
           <a:p>
             <a:fld id="{F8A39296-B31D-DC45-87B0-E02527FDCF1A}" type="slidenum">
               <a:rPr lang="de-DE" smtClean="0"/>
-              <a:t>19</a:t>
+              <a:t>17</a:t>
             </a:fld>
             <a:endParaRPr lang="de-DE"/>
           </a:p>
@@ -1581,7 +2073,7 @@
     </p:spTree>
     <p:extLst>
       <p:ext uri="{BB962C8B-B14F-4D97-AF65-F5344CB8AC3E}">
-        <p14:creationId xmlns:p14="http://schemas.microsoft.com/office/powerpoint/2010/main" val="514692712"/>
+        <p14:creationId xmlns:p14="http://schemas.microsoft.com/office/powerpoint/2010/main" val="2580994209"/>
       </p:ext>
     </p:extLst>
   </p:cSld>
@@ -1684,7 +2176,7 @@
           <a:p>
             <a:fld id="{F8A39296-B31D-DC45-87B0-E02527FDCF1A}" type="slidenum">
               <a:rPr lang="de-DE" smtClean="0"/>
-              <a:t>20</a:t>
+              <a:t>19</a:t>
             </a:fld>
             <a:endParaRPr lang="de-DE"/>
           </a:p>
@@ -1748,31 +2240,8 @@
           <a:lstStyle/>
           <a:p>
             <a:r>
-              <a:rPr lang="de-DE" dirty="0" smtClean="0"/>
-              <a:t>Syntax </a:t>
-            </a:r>
-            <a:r>
-              <a:rPr lang="de-DE" dirty="0" err="1" smtClean="0"/>
-              <a:t>based</a:t>
-            </a:r>
-            <a:r>
-              <a:rPr lang="de-DE" dirty="0" smtClean="0"/>
-              <a:t> on S-</a:t>
-            </a:r>
-            <a:r>
-              <a:rPr lang="de-DE" dirty="0" err="1" smtClean="0"/>
-              <a:t>Expressions</a:t>
-            </a:r>
-            <a:endParaRPr lang="de-DE" dirty="0" smtClean="0"/>
-          </a:p>
-          <a:p>
-            <a:r>
-              <a:rPr lang="de-DE" dirty="0" smtClean="0"/>
-              <a:t>S-</a:t>
-            </a:r>
-            <a:r>
-              <a:rPr lang="de-DE" dirty="0" err="1" smtClean="0"/>
-              <a:t>Expressions</a:t>
+              <a:rPr lang="de-DE" dirty="0" err="1" smtClean="0"/>
+              <a:t>Leiningen</a:t>
             </a:r>
             <a:r>
               <a:rPr lang="de-DE" dirty="0" smtClean="0"/>
@@ -1780,7 +2249,7 @@
             </a:r>
             <a:r>
               <a:rPr lang="de-DE" dirty="0" err="1" smtClean="0"/>
-              <a:t>are</a:t>
+              <a:t>and</a:t>
             </a:r>
             <a:r>
               <a:rPr lang="de-DE" dirty="0" smtClean="0"/>
@@ -1788,7 +2257,7 @@
             </a:r>
             <a:r>
               <a:rPr lang="de-DE" dirty="0" err="1" smtClean="0"/>
-              <a:t>parsed</a:t>
+              <a:t>the</a:t>
             </a:r>
             <a:r>
               <a:rPr lang="de-DE" dirty="0" smtClean="0"/>
@@ -1796,67 +2265,8 @@
             </a:r>
             <a:r>
               <a:rPr lang="de-DE" dirty="0" err="1" smtClean="0"/>
-              <a:t>by</a:t>
-            </a:r>
-            <a:r>
-              <a:rPr lang="de-DE" dirty="0" smtClean="0"/>
-              <a:t> </a:t>
-            </a:r>
-            <a:r>
-              <a:rPr lang="de-DE" dirty="0" err="1" smtClean="0"/>
-              <a:t>the</a:t>
-            </a:r>
-            <a:r>
-              <a:rPr lang="de-DE" dirty="0" smtClean="0"/>
-              <a:t> Reader </a:t>
-            </a:r>
-            <a:r>
-              <a:rPr lang="de-DE" dirty="0" err="1" smtClean="0"/>
-              <a:t>into</a:t>
-            </a:r>
-            <a:r>
-              <a:rPr lang="de-DE" dirty="0" smtClean="0"/>
-              <a:t> </a:t>
-            </a:r>
-            <a:r>
-              <a:rPr lang="de-DE" dirty="0" err="1" smtClean="0"/>
-              <a:t>data</a:t>
-            </a:r>
-            <a:r>
-              <a:rPr lang="de-DE" dirty="0" smtClean="0"/>
-              <a:t> </a:t>
-            </a:r>
-            <a:r>
-              <a:rPr lang="de-DE" dirty="0" err="1" smtClean="0"/>
-              <a:t>structures</a:t>
-            </a:r>
-            <a:r>
-              <a:rPr lang="de-DE" dirty="0" smtClean="0"/>
-              <a:t> </a:t>
-            </a:r>
-            <a:r>
-              <a:rPr lang="de-DE" dirty="0" err="1" smtClean="0"/>
-              <a:t>before</a:t>
-            </a:r>
-            <a:r>
-              <a:rPr lang="de-DE" dirty="0" smtClean="0"/>
-              <a:t> </a:t>
-            </a:r>
-            <a:r>
-              <a:rPr lang="de-DE" dirty="0" err="1" smtClean="0"/>
-              <a:t>being</a:t>
-            </a:r>
-            <a:r>
-              <a:rPr lang="de-DE" dirty="0" smtClean="0"/>
-              <a:t> </a:t>
-            </a:r>
-            <a:r>
-              <a:rPr lang="de-DE" dirty="0" err="1" smtClean="0"/>
-              <a:t>executed</a:t>
-            </a:r>
-            <a:endParaRPr lang="de-DE" dirty="0" smtClean="0"/>
-          </a:p>
-          <a:p>
+              <a:t>ant</a:t>
+            </a:r>
             <a:endParaRPr lang="de-DE" dirty="0"/>
           </a:p>
         </p:txBody>
@@ -1878,7 +2288,7 @@
           <a:p>
             <a:fld id="{F8A39296-B31D-DC45-87B0-E02527FDCF1A}" type="slidenum">
               <a:rPr lang="de-DE" smtClean="0"/>
-              <a:t>22</a:t>
+              <a:t>20</a:t>
             </a:fld>
             <a:endParaRPr lang="de-DE"/>
           </a:p>
@@ -1887,7 +2297,7 @@
     </p:spTree>
     <p:extLst>
       <p:ext uri="{BB962C8B-B14F-4D97-AF65-F5344CB8AC3E}">
-        <p14:creationId xmlns:p14="http://schemas.microsoft.com/office/powerpoint/2010/main" val="3277319441"/>
+        <p14:creationId xmlns:p14="http://schemas.microsoft.com/office/powerpoint/2010/main" val="514692712"/>
       </p:ext>
     </p:extLst>
   </p:cSld>
@@ -5822,14 +6232,14 @@
       </p:grpSpPr>
       <p:sp>
         <p:nvSpPr>
-          <p:cNvPr id="2" name="Textfeld 1"/>
+          <p:cNvPr id="9" name="Textfeld 8"/>
           <p:cNvSpPr txBox="1"/>
           <p:nvPr/>
         </p:nvSpPr>
         <p:spPr>
           <a:xfrm>
-            <a:off x="81441" y="98078"/>
-            <a:ext cx="8116525" cy="1815882"/>
+            <a:off x="81441" y="77081"/>
+            <a:ext cx="7131880" cy="1569660"/>
           </a:xfrm>
           <a:prstGeom prst="rect">
             <a:avLst/>
@@ -5843,7 +6253,7 @@
           <a:lstStyle/>
           <a:p>
             <a:r>
-              <a:rPr lang="de-DE" sz="11200" dirty="0" smtClean="0">
+              <a:rPr lang="de-DE" sz="9600" dirty="0" smtClean="0">
                 <a:solidFill>
                   <a:schemeClr val="bg1"/>
                 </a:solidFill>
@@ -5851,22 +6261,62 @@
               <a:t>(</a:t>
             </a:r>
             <a:r>
-              <a:rPr lang="de-DE" sz="11200" dirty="0" err="1" smtClean="0">
+              <a:rPr lang="de-DE" sz="9600" dirty="0" err="1" smtClean="0">
                 <a:solidFill>
                   <a:schemeClr val="bg1"/>
                 </a:solidFill>
               </a:rPr>
-              <a:t>λx.λy.y</a:t>
-            </a:r>
-            <a:r>
-              <a:rPr lang="de-DE" sz="11200" dirty="0" smtClean="0">
+              <a:t>λx</a:t>
+            </a:r>
+            <a:r>
+              <a:rPr lang="de-DE" sz="9600" dirty="0" smtClean="0">
                 <a:solidFill>
                   <a:schemeClr val="bg1"/>
                 </a:solidFill>
               </a:rPr>
-              <a:t> x) a b</a:t>
-            </a:r>
-            <a:endParaRPr lang="de-DE" sz="11200" dirty="0">
+              <a:t> </a:t>
+            </a:r>
+            <a:r>
+              <a:rPr lang="de-DE" sz="9600" dirty="0" err="1" smtClean="0">
+                <a:solidFill>
+                  <a:schemeClr val="bg1"/>
+                </a:solidFill>
+              </a:rPr>
+              <a:t>y.x</a:t>
+            </a:r>
+            <a:r>
+              <a:rPr lang="de-DE" sz="9600" dirty="0" smtClean="0">
+                <a:solidFill>
+                  <a:schemeClr val="bg1"/>
+                </a:solidFill>
+              </a:rPr>
+              <a:t> + </a:t>
+            </a:r>
+            <a:r>
+              <a:rPr lang="de-DE" sz="9600" dirty="0" err="1" smtClean="0">
+                <a:solidFill>
+                  <a:schemeClr val="bg1"/>
+                </a:solidFill>
+              </a:rPr>
+              <a:t>y</a:t>
+            </a:r>
+            <a:r>
+              <a:rPr lang="de-DE" sz="9600" dirty="0" smtClean="0">
+                <a:solidFill>
+                  <a:schemeClr val="bg1"/>
+                </a:solidFill>
+              </a:rPr>
+              <a:t>) 1 </a:t>
+            </a:r>
+            <a:r>
+              <a:rPr lang="de-DE" sz="9600" dirty="0">
+                <a:solidFill>
+                  <a:schemeClr val="bg1"/>
+                </a:solidFill>
+              </a:rPr>
+              <a:t>2</a:t>
+            </a:r>
+            <a:endParaRPr lang="de-DE" sz="9600" dirty="0">
               <a:solidFill>
                 <a:schemeClr val="bg1"/>
               </a:solidFill>
@@ -5876,14 +6326,14 @@
       </p:sp>
       <p:sp>
         <p:nvSpPr>
-          <p:cNvPr id="7" name="Textfeld 6"/>
+          <p:cNvPr id="10" name="Textfeld 9"/>
           <p:cNvSpPr txBox="1"/>
           <p:nvPr/>
         </p:nvSpPr>
         <p:spPr>
           <a:xfrm>
-            <a:off x="81441" y="3373579"/>
-            <a:ext cx="5443818" cy="1815882"/>
+            <a:off x="124983" y="1765853"/>
+            <a:ext cx="8608246" cy="1569660"/>
           </a:xfrm>
           <a:prstGeom prst="rect">
             <a:avLst/>
@@ -5897,30 +6347,70 @@
           <a:lstStyle/>
           <a:p>
             <a:r>
-              <a:rPr lang="de-DE" sz="11200" dirty="0">
+              <a:rPr lang="de-DE" sz="9600" dirty="0" smtClean="0">
                 <a:solidFill>
                   <a:schemeClr val="bg1"/>
                 </a:solidFill>
               </a:rPr>
-              <a:t>(</a:t>
-            </a:r>
-            <a:r>
-              <a:rPr lang="de-DE" sz="11200" dirty="0" err="1" smtClean="0">
+              <a:t>(((</a:t>
+            </a:r>
+            <a:r>
+              <a:rPr lang="de-DE" sz="9600" dirty="0" err="1" smtClean="0">
                 <a:solidFill>
                   <a:schemeClr val="bg1"/>
                 </a:solidFill>
               </a:rPr>
-              <a:t>λy.y</a:t>
-            </a:r>
-            <a:r>
-              <a:rPr lang="de-DE" sz="11200" dirty="0" smtClean="0">
+              <a:t>λx</a:t>
+            </a:r>
+            <a:r>
+              <a:rPr lang="de-DE" sz="9600" dirty="0" smtClean="0">
                 <a:solidFill>
                   <a:schemeClr val="bg1"/>
                 </a:solidFill>
               </a:rPr>
-              <a:t> a) b</a:t>
-            </a:r>
-            <a:endParaRPr lang="de-DE" sz="11200" dirty="0">
+              <a:t> </a:t>
+            </a:r>
+            <a:r>
+              <a:rPr lang="de-DE" sz="9600" dirty="0" err="1" smtClean="0">
+                <a:solidFill>
+                  <a:schemeClr val="bg1"/>
+                </a:solidFill>
+              </a:rPr>
+              <a:t>y.x</a:t>
+            </a:r>
+            <a:r>
+              <a:rPr lang="de-DE" sz="9600" dirty="0" smtClean="0">
+                <a:solidFill>
+                  <a:schemeClr val="bg1"/>
+                </a:solidFill>
+              </a:rPr>
+              <a:t> + </a:t>
+            </a:r>
+            <a:r>
+              <a:rPr lang="de-DE" sz="9600" dirty="0" err="1" smtClean="0">
+                <a:solidFill>
+                  <a:schemeClr val="bg1"/>
+                </a:solidFill>
+              </a:rPr>
+              <a:t>y</a:t>
+            </a:r>
+            <a:r>
+              <a:rPr lang="de-DE" sz="9600" dirty="0" smtClean="0">
+                <a:solidFill>
+                  <a:schemeClr val="bg1"/>
+                </a:solidFill>
+              </a:rPr>
+              <a:t>) 1) </a:t>
+            </a:r>
+            <a:r>
+              <a:rPr lang="de-DE" sz="9600" dirty="0" smtClean="0">
+                <a:solidFill>
+                  <a:schemeClr val="bg1"/>
+                </a:solidFill>
+              </a:rPr>
+              <a:t>2)</a:t>
+            </a:r>
+            <a:endParaRPr lang="de-DE" sz="9600" dirty="0">
               <a:solidFill>
                 <a:schemeClr val="bg1"/>
               </a:solidFill>
@@ -5930,14 +6420,14 @@
       </p:sp>
       <p:sp>
         <p:nvSpPr>
-          <p:cNvPr id="8" name="Textfeld 7"/>
+          <p:cNvPr id="11" name="Textfeld 10"/>
           <p:cNvSpPr txBox="1"/>
           <p:nvPr/>
         </p:nvSpPr>
         <p:spPr>
           <a:xfrm>
-            <a:off x="81441" y="5018829"/>
-            <a:ext cx="1944964" cy="1815882"/>
+            <a:off x="124983" y="3464880"/>
+            <a:ext cx="6256641" cy="1569660"/>
           </a:xfrm>
           <a:prstGeom prst="rect">
             <a:avLst/>
@@ -5951,14 +6441,38 @@
           <a:lstStyle/>
           <a:p>
             <a:r>
-              <a:rPr lang="de-DE" sz="11200" dirty="0" smtClean="0">
+              <a:rPr lang="de-DE" sz="9600" dirty="0" smtClean="0">
                 <a:solidFill>
                   <a:schemeClr val="bg1"/>
                 </a:solidFill>
               </a:rPr>
-              <a:t>b a</a:t>
-            </a:r>
-            <a:endParaRPr lang="de-DE" sz="11200" dirty="0">
+              <a:t>((λy.1 + </a:t>
+            </a:r>
+            <a:r>
+              <a:rPr lang="de-DE" sz="9600" dirty="0" err="1" smtClean="0">
+                <a:solidFill>
+                  <a:schemeClr val="bg1"/>
+                </a:solidFill>
+              </a:rPr>
+              <a:t>y</a:t>
+            </a:r>
+            <a:r>
+              <a:rPr lang="de-DE" sz="9600" dirty="0" smtClean="0">
+                <a:solidFill>
+                  <a:schemeClr val="bg1"/>
+                </a:solidFill>
+              </a:rPr>
+              <a:t>) </a:t>
+            </a:r>
+            <a:r>
+              <a:rPr lang="de-DE" sz="9600" dirty="0" smtClean="0">
+                <a:solidFill>
+                  <a:schemeClr val="bg1"/>
+                </a:solidFill>
+              </a:rPr>
+              <a:t>2)</a:t>
+            </a:r>
+            <a:endParaRPr lang="de-DE" sz="9600" dirty="0">
               <a:solidFill>
                 <a:schemeClr val="bg1"/>
               </a:solidFill>
@@ -5968,14 +6482,14 @@
       </p:sp>
       <p:sp>
         <p:nvSpPr>
-          <p:cNvPr id="9" name="Textfeld 8"/>
+          <p:cNvPr id="12" name="Textfeld 11"/>
           <p:cNvSpPr txBox="1"/>
           <p:nvPr/>
         </p:nvSpPr>
         <p:spPr>
           <a:xfrm>
-            <a:off x="81441" y="1728083"/>
-            <a:ext cx="7613683" cy="1815882"/>
+            <a:off x="124983" y="5185023"/>
+            <a:ext cx="3905035" cy="1569660"/>
           </a:xfrm>
           <a:prstGeom prst="rect">
             <a:avLst/>
@@ -5989,46 +6503,22 @@
           <a:lstStyle/>
           <a:p>
             <a:r>
-              <a:rPr lang="de-DE" sz="11200" dirty="0" smtClean="0">
+              <a:rPr lang="de-DE" sz="9600" dirty="0" smtClean="0">
                 <a:solidFill>
                   <a:schemeClr val="bg1"/>
                 </a:solidFill>
               </a:rPr>
-              <a:t>(</a:t>
-            </a:r>
-            <a:r>
-              <a:rPr lang="de-DE" sz="11200" dirty="0" err="1" smtClean="0">
+              <a:t>λy.1 + </a:t>
+            </a:r>
+            <a:r>
+              <a:rPr lang="de-DE" sz="9600" dirty="0" err="1" smtClean="0">
                 <a:solidFill>
                   <a:schemeClr val="bg1"/>
                 </a:solidFill>
               </a:rPr>
-              <a:t>λx</a:t>
-            </a:r>
-            <a:r>
-              <a:rPr lang="de-DE" sz="11200" dirty="0" smtClean="0">
-                <a:solidFill>
-                  <a:schemeClr val="bg1"/>
-                </a:solidFill>
-              </a:rPr>
-              <a:t> </a:t>
-            </a:r>
-            <a:r>
-              <a:rPr lang="de-DE" sz="11200" dirty="0" err="1" smtClean="0">
-                <a:solidFill>
-                  <a:schemeClr val="bg1"/>
-                </a:solidFill>
-              </a:rPr>
-              <a:t>y.y</a:t>
-            </a:r>
-            <a:r>
-              <a:rPr lang="de-DE" sz="11200" dirty="0" smtClean="0">
-                <a:solidFill>
-                  <a:schemeClr val="bg1"/>
-                </a:solidFill>
-              </a:rPr>
-              <a:t> x) a b</a:t>
-            </a:r>
-            <a:endParaRPr lang="de-DE" sz="11200" dirty="0">
+              <a:t>y</a:t>
+            </a:r>
+            <a:endParaRPr lang="de-DE" sz="9600" dirty="0">
               <a:solidFill>
                 <a:schemeClr val="bg1"/>
               </a:solidFill>
@@ -6052,9 +6542,218 @@
   <p:timing>
     <p:tnLst>
       <p:par>
-        <p:cTn xmlns:p14="http://schemas.microsoft.com/office/powerpoint/2010/main" id="1" dur="indefinite" restart="never" nodeType="tmRoot"/>
+        <p:cTn xmlns:p14="http://schemas.microsoft.com/office/powerpoint/2010/main" id="1" dur="indefinite" restart="never" nodeType="tmRoot">
+          <p:childTnLst>
+            <p:seq concurrent="1" nextAc="seek">
+              <p:cTn id="2" dur="indefinite" nodeType="mainSeq">
+                <p:childTnLst>
+                  <p:par>
+                    <p:cTn id="3" fill="hold">
+                      <p:stCondLst>
+                        <p:cond delay="indefinite"/>
+                      </p:stCondLst>
+                      <p:childTnLst>
+                        <p:par>
+                          <p:cTn id="4" fill="hold">
+                            <p:stCondLst>
+                              <p:cond delay="0"/>
+                            </p:stCondLst>
+                            <p:childTnLst>
+                              <p:par>
+                                <p:cTn id="5" presetID="1" presetClass="entr" presetSubtype="0" fill="hold" grpId="0" nodeType="clickEffect">
+                                  <p:stCondLst>
+                                    <p:cond delay="0"/>
+                                  </p:stCondLst>
+                                  <p:childTnLst>
+                                    <p:set>
+                                      <p:cBhvr>
+                                        <p:cTn id="6" dur="1" fill="hold">
+                                          <p:stCondLst>
+                                            <p:cond delay="0"/>
+                                          </p:stCondLst>
+                                        </p:cTn>
+                                        <p:tgtEl>
+                                          <p:spTgt spid="9"/>
+                                        </p:tgtEl>
+                                        <p:attrNameLst>
+                                          <p:attrName>style.visibility</p:attrName>
+                                        </p:attrNameLst>
+                                      </p:cBhvr>
+                                      <p:to>
+                                        <p:strVal val="visible"/>
+                                      </p:to>
+                                    </p:set>
+                                  </p:childTnLst>
+                                </p:cTn>
+                              </p:par>
+                            </p:childTnLst>
+                          </p:cTn>
+                        </p:par>
+                      </p:childTnLst>
+                    </p:cTn>
+                  </p:par>
+                  <p:par>
+                    <p:cTn id="7" fill="hold">
+                      <p:stCondLst>
+                        <p:cond delay="indefinite"/>
+                      </p:stCondLst>
+                      <p:childTnLst>
+                        <p:par>
+                          <p:cTn id="8" fill="hold">
+                            <p:stCondLst>
+                              <p:cond delay="0"/>
+                            </p:stCondLst>
+                            <p:childTnLst>
+                              <p:par>
+                                <p:cTn id="9" presetID="1" presetClass="entr" presetSubtype="0" fill="hold" grpId="0" nodeType="clickEffect">
+                                  <p:stCondLst>
+                                    <p:cond delay="0"/>
+                                  </p:stCondLst>
+                                  <p:childTnLst>
+                                    <p:set>
+                                      <p:cBhvr>
+                                        <p:cTn id="10" dur="1" fill="hold">
+                                          <p:stCondLst>
+                                            <p:cond delay="0"/>
+                                          </p:stCondLst>
+                                        </p:cTn>
+                                        <p:tgtEl>
+                                          <p:spTgt spid="10"/>
+                                        </p:tgtEl>
+                                        <p:attrNameLst>
+                                          <p:attrName>style.visibility</p:attrName>
+                                        </p:attrNameLst>
+                                      </p:cBhvr>
+                                      <p:to>
+                                        <p:strVal val="visible"/>
+                                      </p:to>
+                                    </p:set>
+                                  </p:childTnLst>
+                                </p:cTn>
+                              </p:par>
+                            </p:childTnLst>
+                          </p:cTn>
+                        </p:par>
+                      </p:childTnLst>
+                    </p:cTn>
+                  </p:par>
+                  <p:par>
+                    <p:cTn id="11" fill="hold">
+                      <p:stCondLst>
+                        <p:cond delay="indefinite"/>
+                      </p:stCondLst>
+                      <p:childTnLst>
+                        <p:par>
+                          <p:cTn id="12" fill="hold">
+                            <p:stCondLst>
+                              <p:cond delay="0"/>
+                            </p:stCondLst>
+                            <p:childTnLst>
+                              <p:par>
+                                <p:cTn id="13" presetID="1" presetClass="entr" presetSubtype="0" fill="hold" grpId="0" nodeType="clickEffect">
+                                  <p:stCondLst>
+                                    <p:cond delay="0"/>
+                                  </p:stCondLst>
+                                  <p:childTnLst>
+                                    <p:set>
+                                      <p:cBhvr>
+                                        <p:cTn id="14" dur="1" fill="hold">
+                                          <p:stCondLst>
+                                            <p:cond delay="0"/>
+                                          </p:stCondLst>
+                                        </p:cTn>
+                                        <p:tgtEl>
+                                          <p:spTgt spid="11"/>
+                                        </p:tgtEl>
+                                        <p:attrNameLst>
+                                          <p:attrName>style.visibility</p:attrName>
+                                        </p:attrNameLst>
+                                      </p:cBhvr>
+                                      <p:to>
+                                        <p:strVal val="visible"/>
+                                      </p:to>
+                                    </p:set>
+                                  </p:childTnLst>
+                                </p:cTn>
+                              </p:par>
+                            </p:childTnLst>
+                          </p:cTn>
+                        </p:par>
+                      </p:childTnLst>
+                    </p:cTn>
+                  </p:par>
+                  <p:par>
+                    <p:cTn id="15" fill="hold">
+                      <p:stCondLst>
+                        <p:cond delay="indefinite"/>
+                      </p:stCondLst>
+                      <p:childTnLst>
+                        <p:par>
+                          <p:cTn id="16" fill="hold">
+                            <p:stCondLst>
+                              <p:cond delay="0"/>
+                            </p:stCondLst>
+                            <p:childTnLst>
+                              <p:par>
+                                <p:cTn id="17" presetID="1" presetClass="entr" presetSubtype="0" fill="hold" grpId="0" nodeType="clickEffect">
+                                  <p:stCondLst>
+                                    <p:cond delay="0"/>
+                                  </p:stCondLst>
+                                  <p:childTnLst>
+                                    <p:set>
+                                      <p:cBhvr>
+                                        <p:cTn id="18" dur="1" fill="hold">
+                                          <p:stCondLst>
+                                            <p:cond delay="0"/>
+                                          </p:stCondLst>
+                                        </p:cTn>
+                                        <p:tgtEl>
+                                          <p:spTgt spid="12"/>
+                                        </p:tgtEl>
+                                        <p:attrNameLst>
+                                          <p:attrName>style.visibility</p:attrName>
+                                        </p:attrNameLst>
+                                      </p:cBhvr>
+                                      <p:to>
+                                        <p:strVal val="visible"/>
+                                      </p:to>
+                                    </p:set>
+                                  </p:childTnLst>
+                                </p:cTn>
+                              </p:par>
+                            </p:childTnLst>
+                          </p:cTn>
+                        </p:par>
+                      </p:childTnLst>
+                    </p:cTn>
+                  </p:par>
+                </p:childTnLst>
+              </p:cTn>
+              <p:prevCondLst>
+                <p:cond evt="onPrev" delay="0">
+                  <p:tgtEl>
+                    <p:sldTgt/>
+                  </p:tgtEl>
+                </p:cond>
+              </p:prevCondLst>
+              <p:nextCondLst>
+                <p:cond evt="onNext" delay="0">
+                  <p:tgtEl>
+                    <p:sldTgt/>
+                  </p:tgtEl>
+                </p:cond>
+              </p:nextCondLst>
+            </p:seq>
+          </p:childTnLst>
+        </p:cTn>
       </p:par>
     </p:tnLst>
+    <p:bldLst>
+      <p:bldP spid="9" grpId="0"/>
+      <p:bldP spid="10" grpId="0"/>
+      <p:bldP spid="11" grpId="0"/>
+      <p:bldP spid="12" grpId="0"/>
+    </p:bldLst>
   </p:timing>
 </p:sld>
 </file>
@@ -6376,7 +7075,7 @@
                   <a:schemeClr val="bg1"/>
                 </a:solidFill>
               </a:rPr>
-              <a:t> s </a:t>
+              <a:t> </a:t>
             </a:r>
             <a:r>
               <a:rPr lang="de-DE" sz="12400" dirty="0" err="1" smtClean="0">
@@ -6384,7 +7083,23 @@
                   <a:schemeClr val="bg1"/>
                 </a:solidFill>
               </a:rPr>
-              <a:t>z.z</a:t>
+              <a:t>z</a:t>
+            </a:r>
+            <a:r>
+              <a:rPr lang="de-DE" sz="12400" dirty="0" smtClean="0">
+                <a:solidFill>
+                  <a:schemeClr val="bg1"/>
+                </a:solidFill>
+              </a:rPr>
+              <a:t> </a:t>
+            </a:r>
+            <a:r>
+              <a:rPr lang="de-DE" sz="12400" dirty="0" err="1" smtClean="0">
+                <a:solidFill>
+                  <a:schemeClr val="bg1"/>
+                </a:solidFill>
+              </a:rPr>
+              <a:t>s.z</a:t>
             </a:r>
             <a:endParaRPr lang="de-DE" sz="12400" dirty="0">
               <a:solidFill>
@@ -6811,7 +7526,7 @@
             <p:ph idx="1"/>
             <p:extLst>
               <p:ext uri="{D42A27DB-BD31-4B8C-83A1-F6EECF244321}">
-                <p14:modId xmlns:p14="http://schemas.microsoft.com/office/powerpoint/2010/main" val="2696560916"/>
+                <p14:modId xmlns:p14="http://schemas.microsoft.com/office/powerpoint/2010/main" val="1284489291"/>
               </p:ext>
             </p:extLst>
           </p:nvPr>
@@ -6939,6 +7654,10 @@
                     <a:bodyPr/>
                     <a:lstStyle/>
                     <a:p>
+                      <a:r>
+                        <a:rPr lang="de-DE" dirty="0" smtClean="0"/>
+                        <a:t>unveränderlich</a:t>
+                      </a:r>
                       <a:endParaRPr lang="de-DE" dirty="0"/>
                     </a:p>
                   </a:txBody>
@@ -6979,6 +7698,10 @@
                     <a:bodyPr/>
                     <a:lstStyle/>
                     <a:p>
+                      <a:r>
+                        <a:rPr lang="de-DE" dirty="0" smtClean="0"/>
+                        <a:t>An Ausdruck gebunden</a:t>
+                      </a:r>
                       <a:endParaRPr lang="de-DE" dirty="0"/>
                     </a:p>
                   </a:txBody>
@@ -7186,7 +7909,11 @@
           <a:p>
             <a:r>
               <a:rPr lang="de-DE" dirty="0" smtClean="0"/>
-              <a:t>Reine FP in der JVM an Hand von </a:t>
+              <a:t>(Reine) </a:t>
+            </a:r>
+            <a:r>
+              <a:rPr lang="de-DE" dirty="0" smtClean="0"/>
+              <a:t>FP in der JVM an Hand von </a:t>
             </a:r>
             <a:r>
               <a:rPr lang="de-DE" dirty="0" err="1" smtClean="0"/>
@@ -8371,6 +9098,79 @@
               </a:rPr>
               <a:t>)</a:t>
             </a:r>
+          </a:p>
+          <a:p>
+            <a:pPr marL="0" indent="0">
+              <a:buNone/>
+            </a:pPr>
+            <a:endParaRPr lang="de-DE" dirty="0">
+              <a:solidFill>
+                <a:schemeClr val="accent2"/>
+              </a:solidFill>
+            </a:endParaRPr>
+          </a:p>
+          <a:p>
+            <a:pPr marL="0" indent="0">
+              <a:buNone/>
+            </a:pPr>
+            <a:endParaRPr lang="de-DE" dirty="0" smtClean="0">
+              <a:solidFill>
+                <a:schemeClr val="accent2"/>
+              </a:solidFill>
+            </a:endParaRPr>
+          </a:p>
+          <a:p>
+            <a:pPr marL="0" indent="0">
+              <a:buNone/>
+            </a:pPr>
+            <a:r>
+              <a:rPr lang="de-DE" dirty="0">
+                <a:solidFill>
+                  <a:schemeClr val="accent2"/>
+                </a:solidFill>
+              </a:rPr>
+              <a:t>http://</a:t>
+            </a:r>
+            <a:r>
+              <a:rPr lang="de-DE" dirty="0" err="1">
+                <a:solidFill>
+                  <a:schemeClr val="accent2"/>
+                </a:solidFill>
+              </a:rPr>
+              <a:t>www.classicshorts.com</a:t>
+            </a:r>
+            <a:r>
+              <a:rPr lang="de-DE" dirty="0">
+                <a:solidFill>
+                  <a:schemeClr val="accent2"/>
+                </a:solidFill>
+              </a:rPr>
+              <a:t>/</a:t>
+            </a:r>
+            <a:r>
+              <a:rPr lang="de-DE" dirty="0" err="1">
+                <a:solidFill>
+                  <a:schemeClr val="accent2"/>
+                </a:solidFill>
+              </a:rPr>
+              <a:t>stories</a:t>
+            </a:r>
+            <a:r>
+              <a:rPr lang="de-DE" dirty="0">
+                <a:solidFill>
+                  <a:schemeClr val="accent2"/>
+                </a:solidFill>
+              </a:rPr>
+              <a:t>/</a:t>
+            </a:r>
+            <a:r>
+              <a:rPr lang="de-DE" dirty="0" err="1">
+                <a:solidFill>
+                  <a:schemeClr val="accent2"/>
+                </a:solidFill>
+              </a:rPr>
+              <a:t>lvta.html</a:t>
+            </a:r>
             <a:endParaRPr lang="de-DE" dirty="0">
               <a:solidFill>
                 <a:schemeClr val="accent2"/>
@@ -8520,6 +9320,15 @@
           <a:p>
             <a:endParaRPr lang="de-DE" dirty="0"/>
           </a:p>
+          <a:p>
+            <a:r>
+              <a:rPr lang="de-DE" dirty="0" smtClean="0"/>
+              <a:t>Datenstrukturen werden zur Laufzeit ausgewertet</a:t>
+            </a:r>
+          </a:p>
+          <a:p>
+            <a:endParaRPr lang="de-DE" dirty="0"/>
+          </a:p>
         </p:txBody>
       </p:sp>
     </p:spTree>
@@ -9220,7 +10029,23 @@
             <a:pPr lvl="1"/>
             <a:r>
               <a:rPr lang="de-DE" dirty="0" smtClean="0"/>
-              <a:t>Numbers</a:t>
+              <a:t>Numbers (</a:t>
+            </a:r>
+            <a:r>
+              <a:rPr lang="de-DE" dirty="0" err="1" smtClean="0"/>
+              <a:t>to</a:t>
+            </a:r>
+            <a:r>
+              <a:rPr lang="de-DE" dirty="0" smtClean="0"/>
+              <a:t> Long, </a:t>
+            </a:r>
+            <a:r>
+              <a:rPr lang="de-DE" dirty="0" err="1" smtClean="0"/>
+              <a:t>BigInt</a:t>
+            </a:r>
+            <a:r>
+              <a:rPr lang="de-DE" dirty="0" smtClean="0"/>
+              <a:t>, Double)</a:t>
             </a:r>
           </a:p>
           <a:p>
@@ -9769,6 +10594,13 @@
   <p:clrMapOvr>
     <a:masterClrMapping/>
   </p:clrMapOvr>
+  <p:timing>
+    <p:tnLst>
+      <p:par>
+        <p:cTn xmlns:p14="http://schemas.microsoft.com/office/powerpoint/2010/main" id="1" dur="indefinite" restart="never" nodeType="tmRoot"/>
+      </p:par>
+    </p:tnLst>
+  </p:timing>
 </p:sld>
 </file>
 
@@ -10244,6 +11076,13 @@
   <p:clrMapOvr>
     <a:masterClrMapping/>
   </p:clrMapOvr>
+  <p:timing>
+    <p:tnLst>
+      <p:par>
+        <p:cTn xmlns:p14="http://schemas.microsoft.com/office/powerpoint/2010/main" id="1" dur="indefinite" restart="never" nodeType="tmRoot"/>
+      </p:par>
+    </p:tnLst>
+  </p:timing>
 </p:sld>
 </file>
 
@@ -10266,288 +11105,38 @@
       </p:grpSpPr>
       <p:sp>
         <p:nvSpPr>
-          <p:cNvPr id="2" name="Titel 1"/>
-          <p:cNvSpPr>
-            <a:spLocks noGrp="1"/>
-          </p:cNvSpPr>
-          <p:nvPr>
-            <p:ph type="title"/>
-          </p:nvPr>
-        </p:nvSpPr>
-        <p:spPr/>
-        <p:txBody>
-          <a:bodyPr/>
+          <p:cNvPr id="2" name="Textfeld 1"/>
+          <p:cNvSpPr txBox="1"/>
+          <p:nvPr/>
+        </p:nvSpPr>
+        <p:spPr>
+          <a:xfrm>
+            <a:off x="676093" y="2243098"/>
+            <a:ext cx="7519056" cy="2000548"/>
+          </a:xfrm>
+          <a:prstGeom prst="rect">
+            <a:avLst/>
+          </a:prstGeom>
+          <a:noFill/>
+        </p:spPr>
+        <p:txBody>
+          <a:bodyPr wrap="none" rtlCol="0">
+            <a:spAutoFit/>
+          </a:bodyPr>
           <a:lstStyle/>
           <a:p>
             <a:r>
-              <a:rPr lang="de-DE" dirty="0" smtClean="0"/>
-              <a:t>Java </a:t>
-            </a:r>
-            <a:r>
-              <a:rPr lang="de-DE" dirty="0" smtClean="0"/>
-              <a:t>in </a:t>
-            </a:r>
-            <a:r>
-              <a:rPr lang="de-DE" dirty="0" err="1" smtClean="0"/>
-              <a:t>Clojure</a:t>
-            </a:r>
-            <a:endParaRPr lang="de-DE" dirty="0"/>
-          </a:p>
-        </p:txBody>
-      </p:sp>
-      <p:sp>
-        <p:nvSpPr>
-          <p:cNvPr id="3" name="Inhaltsplatzhalter 2"/>
-          <p:cNvSpPr>
-            <a:spLocks noGrp="1"/>
-          </p:cNvSpPr>
-          <p:nvPr>
-            <p:ph idx="1"/>
-          </p:nvPr>
-        </p:nvSpPr>
-        <p:spPr/>
-        <p:txBody>
-          <a:bodyPr/>
-          <a:lstStyle/>
-          <a:p>
-            <a:r>
-              <a:rPr lang="de-DE" dirty="0" smtClean="0"/>
-              <a:t>Sehr einfach:</a:t>
-            </a:r>
-            <a:r>
-              <a:rPr lang="de-DE" dirty="0" smtClean="0"/>
-              <a:t/>
-            </a:r>
-            <a:br>
-              <a:rPr lang="de-DE" dirty="0" smtClean="0"/>
-            </a:br>
-            <a:r>
-              <a:rPr lang="de-DE" dirty="0"/>
-              <a:t/>
-            </a:r>
-            <a:br>
-              <a:rPr lang="de-DE" dirty="0"/>
-            </a:br>
-            <a:r>
-              <a:rPr lang="de-DE" sz="2000" dirty="0">
-                <a:latin typeface="Consolas"/>
-                <a:cs typeface="Consolas"/>
-              </a:rPr>
-              <a:t>(</a:t>
-            </a:r>
-            <a:r>
-              <a:rPr lang="de-DE" sz="2000" dirty="0" err="1">
-                <a:latin typeface="Consolas"/>
-                <a:cs typeface="Consolas"/>
-              </a:rPr>
-              <a:t>def</a:t>
-            </a:r>
-            <a:r>
-              <a:rPr lang="de-DE" sz="2000" dirty="0">
-                <a:latin typeface="Consolas"/>
-                <a:cs typeface="Consolas"/>
-              </a:rPr>
-              <a:t> cal (</a:t>
-            </a:r>
-            <a:r>
-              <a:rPr lang="de-DE" sz="2000" dirty="0" err="1">
-                <a:latin typeface="Consolas"/>
-                <a:cs typeface="Consolas"/>
-              </a:rPr>
-              <a:t>java.util.Calendar</a:t>
-            </a:r>
-            <a:r>
-              <a:rPr lang="de-DE" sz="2000" dirty="0">
-                <a:latin typeface="Consolas"/>
-                <a:cs typeface="Consolas"/>
-              </a:rPr>
-              <a:t>/</a:t>
-            </a:r>
-            <a:r>
-              <a:rPr lang="de-DE" sz="2000" dirty="0" err="1">
-                <a:latin typeface="Consolas"/>
-                <a:cs typeface="Consolas"/>
-              </a:rPr>
-              <a:t>getInstance</a:t>
-            </a:r>
-            <a:r>
-              <a:rPr lang="de-DE" sz="2000" dirty="0">
-                <a:latin typeface="Consolas"/>
-                <a:cs typeface="Consolas"/>
-              </a:rPr>
-              <a:t>)</a:t>
-            </a:r>
-            <a:r>
-              <a:rPr lang="de-DE" sz="2000" dirty="0" smtClean="0">
-                <a:latin typeface="Consolas"/>
-                <a:cs typeface="Consolas"/>
-              </a:rPr>
-              <a:t>)</a:t>
-            </a:r>
-            <a:br>
-              <a:rPr lang="de-DE" sz="2000" dirty="0" smtClean="0">
-                <a:latin typeface="Consolas"/>
-                <a:cs typeface="Consolas"/>
-              </a:rPr>
-            </a:br>
-            <a:r>
-              <a:rPr lang="de-DE" sz="2000" dirty="0" smtClean="0">
-                <a:latin typeface="Consolas"/>
-                <a:cs typeface="Consolas"/>
-              </a:rPr>
-              <a:t>#‘</a:t>
-            </a:r>
-            <a:r>
-              <a:rPr lang="de-DE" sz="2000" dirty="0" err="1" smtClean="0">
-                <a:latin typeface="Consolas"/>
-                <a:cs typeface="Consolas"/>
-              </a:rPr>
-              <a:t>user</a:t>
-            </a:r>
-            <a:r>
-              <a:rPr lang="de-DE" sz="2000" dirty="0" smtClean="0">
-                <a:latin typeface="Consolas"/>
-                <a:cs typeface="Consolas"/>
-              </a:rPr>
-              <a:t>/</a:t>
-            </a:r>
-            <a:r>
-              <a:rPr lang="de-DE" sz="2000" dirty="0">
-                <a:latin typeface="Consolas"/>
-                <a:cs typeface="Consolas"/>
-              </a:rPr>
-              <a:t>cal</a:t>
-            </a:r>
-            <a:r>
-              <a:rPr lang="hr-HR" sz="2000" dirty="0" smtClean="0">
-                <a:latin typeface="Consolas"/>
-                <a:cs typeface="Consolas"/>
-              </a:rPr>
-              <a:t/>
-            </a:r>
-            <a:br>
-              <a:rPr lang="hr-HR" sz="2000" dirty="0" smtClean="0">
-                <a:latin typeface="Consolas"/>
-                <a:cs typeface="Consolas"/>
-              </a:rPr>
-            </a:br>
-            <a:r>
-              <a:rPr lang="hr-HR" sz="2000" dirty="0" smtClean="0">
-                <a:latin typeface="Consolas"/>
-                <a:cs typeface="Consolas"/>
-              </a:rPr>
-              <a:t/>
-            </a:r>
-            <a:br>
-              <a:rPr lang="hr-HR" sz="2000" dirty="0" smtClean="0">
-                <a:latin typeface="Consolas"/>
-                <a:cs typeface="Consolas"/>
-              </a:rPr>
-            </a:br>
-            <a:r>
-              <a:rPr lang="fi-FI" sz="2000" dirty="0">
-                <a:latin typeface="Consolas"/>
-                <a:cs typeface="Consolas"/>
-              </a:rPr>
-              <a:t>(.</a:t>
-            </a:r>
-            <a:r>
-              <a:rPr lang="fi-FI" sz="2000" dirty="0" err="1">
-                <a:latin typeface="Consolas"/>
-                <a:cs typeface="Consolas"/>
-              </a:rPr>
-              <a:t>getTimeInMillis</a:t>
-            </a:r>
-            <a:r>
-              <a:rPr lang="fi-FI" sz="2000" dirty="0">
-                <a:latin typeface="Consolas"/>
-                <a:cs typeface="Consolas"/>
-              </a:rPr>
-              <a:t> </a:t>
-            </a:r>
-            <a:r>
-              <a:rPr lang="fi-FI" sz="2000" dirty="0" err="1">
-                <a:latin typeface="Consolas"/>
-                <a:cs typeface="Consolas"/>
-              </a:rPr>
-              <a:t>cal</a:t>
-            </a:r>
-            <a:r>
-              <a:rPr lang="fi-FI" sz="2000" dirty="0" smtClean="0">
-                <a:latin typeface="Consolas"/>
-                <a:cs typeface="Consolas"/>
-              </a:rPr>
-              <a:t>)</a:t>
-            </a:r>
-            <a:br>
-              <a:rPr lang="fi-FI" sz="2000" dirty="0" smtClean="0">
-                <a:latin typeface="Consolas"/>
-                <a:cs typeface="Consolas"/>
-              </a:rPr>
-            </a:br>
-            <a:r>
-              <a:rPr lang="fi-FI" sz="2000" dirty="0" smtClean="0">
-                <a:latin typeface="Consolas"/>
-                <a:cs typeface="Consolas"/>
-              </a:rPr>
-              <a:t>1415399321833</a:t>
-            </a:r>
-            <a:br>
-              <a:rPr lang="fi-FI" sz="2000" dirty="0" smtClean="0">
-                <a:latin typeface="Consolas"/>
-                <a:cs typeface="Consolas"/>
-              </a:rPr>
-            </a:br>
-            <a:r>
-              <a:rPr lang="fi-FI" sz="2000" dirty="0" smtClean="0">
-                <a:latin typeface="Consolas"/>
-                <a:cs typeface="Consolas"/>
-              </a:rPr>
-              <a:t/>
-            </a:r>
-            <a:br>
-              <a:rPr lang="fi-FI" sz="2000" dirty="0" smtClean="0">
-                <a:latin typeface="Consolas"/>
-                <a:cs typeface="Consolas"/>
-              </a:rPr>
-            </a:br>
-            <a:r>
-              <a:rPr lang="fi-FI" sz="2000" dirty="0" smtClean="0">
-                <a:latin typeface="Consolas"/>
-                <a:cs typeface="Consolas"/>
-              </a:rPr>
-              <a:t>(</a:t>
-            </a:r>
-            <a:r>
-              <a:rPr lang="fi-FI" sz="2000" dirty="0" err="1" smtClean="0">
-                <a:latin typeface="Consolas"/>
-                <a:cs typeface="Consolas"/>
-              </a:rPr>
-              <a:t>System/currentTimeMillis</a:t>
-            </a:r>
-            <a:r>
-              <a:rPr lang="fi-FI" sz="2000" dirty="0" smtClean="0">
-                <a:latin typeface="Consolas"/>
-                <a:cs typeface="Consolas"/>
-              </a:rPr>
-              <a:t>)</a:t>
-            </a:r>
-            <a:br>
-              <a:rPr lang="fi-FI" sz="2000" dirty="0" smtClean="0">
-                <a:latin typeface="Consolas"/>
-                <a:cs typeface="Consolas"/>
-              </a:rPr>
-            </a:br>
-            <a:r>
-              <a:rPr lang="fi-FI" sz="2000" dirty="0" smtClean="0">
-                <a:latin typeface="Consolas"/>
-                <a:cs typeface="Consolas"/>
-              </a:rPr>
-              <a:t>1415703691973</a:t>
-            </a:r>
-            <a:endParaRPr lang="de-DE" sz="2000" dirty="0">
-              <a:latin typeface="Consolas"/>
-              <a:cs typeface="Consolas"/>
+              <a:rPr lang="de-DE" sz="12400" dirty="0" smtClean="0">
+                <a:solidFill>
+                  <a:schemeClr val="bg1"/>
+                </a:solidFill>
+              </a:rPr>
+              <a:t>Ring Demo</a:t>
+            </a:r>
+            <a:endParaRPr lang="de-DE" sz="12400" dirty="0">
+              <a:solidFill>
+                <a:schemeClr val="bg1"/>
+              </a:solidFill>
             </a:endParaRPr>
           </a:p>
         </p:txBody>
@@ -10555,7 +11144,7 @@
     </p:spTree>
     <p:extLst>
       <p:ext uri="{BB962C8B-B14F-4D97-AF65-F5344CB8AC3E}">
-        <p14:creationId xmlns:p14="http://schemas.microsoft.com/office/powerpoint/2010/main" val="3226257409"/>
+        <p14:creationId xmlns:p14="http://schemas.microsoft.com/office/powerpoint/2010/main" val="1047996678"/>
       </p:ext>
     </p:extLst>
   </p:cSld>
@@ -10605,16 +11194,16 @@
           <a:lstStyle/>
           <a:p>
             <a:r>
+              <a:rPr lang="de-DE" dirty="0" smtClean="0"/>
+              <a:t>Java </a:t>
+            </a:r>
+            <a:r>
+              <a:rPr lang="de-DE" dirty="0" smtClean="0"/>
+              <a:t>in </a:t>
+            </a:r>
+            <a:r>
               <a:rPr lang="de-DE" dirty="0" err="1" smtClean="0"/>
               <a:t>Clojure</a:t>
-            </a:r>
-            <a:r>
-              <a:rPr lang="de-DE" dirty="0" smtClean="0"/>
-              <a:t> </a:t>
-            </a:r>
-            <a:r>
-              <a:rPr lang="de-DE" dirty="0" smtClean="0"/>
-              <a:t>in Java</a:t>
             </a:r>
             <a:endParaRPr lang="de-DE" dirty="0"/>
           </a:p>
@@ -10632,87 +11221,82 @@
         </p:nvSpPr>
         <p:spPr/>
         <p:txBody>
-          <a:bodyPr>
-            <a:normAutofit/>
-          </a:bodyPr>
+          <a:bodyPr/>
           <a:lstStyle/>
           <a:p>
             <a:r>
-              <a:rPr lang="de-DE" dirty="0" err="1" smtClean="0"/>
-              <a:t>Generate</a:t>
-            </a:r>
-            <a:r>
-              <a:rPr lang="de-DE" dirty="0" smtClean="0"/>
-              <a:t> </a:t>
-            </a:r>
-            <a:r>
-              <a:rPr lang="de-DE" dirty="0" err="1" smtClean="0"/>
-              <a:t>classes</a:t>
-            </a:r>
-            <a:r>
-              <a:rPr lang="de-DE" dirty="0" smtClean="0"/>
-              <a:t> </a:t>
-            </a:r>
-            <a:r>
-              <a:rPr lang="de-DE" dirty="0" err="1" smtClean="0"/>
-              <a:t>for</a:t>
-            </a:r>
-            <a:r>
-              <a:rPr lang="de-DE" dirty="0" smtClean="0"/>
-              <a:t> Java (</a:t>
-            </a:r>
-            <a:r>
-              <a:rPr lang="de-DE" dirty="0" err="1" smtClean="0"/>
-              <a:t>outdated</a:t>
-            </a:r>
+              <a:rPr lang="de-DE" dirty="0" smtClean="0"/>
+              <a:t>Sehr einfach:</a:t>
+            </a:r>
+            <a:r>
+              <a:rPr lang="de-DE" dirty="0" smtClean="0"/>
+              <a:t/>
+            </a:r>
+            <a:br>
+              <a:rPr lang="de-DE" dirty="0" smtClean="0"/>
+            </a:br>
             <a:r>
               <a:rPr lang="de-DE" dirty="0"/>
-              <a:t>)</a:t>
+              <a:t/>
             </a:r>
             <a:br>
               <a:rPr lang="de-DE" dirty="0"/>
             </a:br>
             <a:r>
-              <a:rPr lang="de-DE" dirty="0"/>
-              <a:t/>
-            </a:r>
-            <a:br>
-              <a:rPr lang="de-DE" dirty="0"/>
-            </a:br>
+              <a:rPr lang="de-DE" sz="2000" dirty="0">
+                <a:latin typeface="Consolas"/>
+                <a:cs typeface="Consolas"/>
+              </a:rPr>
+              <a:t>(</a:t>
+            </a:r>
+            <a:r>
+              <a:rPr lang="de-DE" sz="2000" dirty="0" err="1">
+                <a:latin typeface="Consolas"/>
+                <a:cs typeface="Consolas"/>
+              </a:rPr>
+              <a:t>def</a:t>
+            </a:r>
+            <a:r>
+              <a:rPr lang="de-DE" sz="2000" dirty="0">
+                <a:latin typeface="Consolas"/>
+                <a:cs typeface="Consolas"/>
+              </a:rPr>
+              <a:t> cal (</a:t>
+            </a:r>
+            <a:r>
+              <a:rPr lang="de-DE" sz="2000" dirty="0" err="1">
+                <a:latin typeface="Consolas"/>
+                <a:cs typeface="Consolas"/>
+              </a:rPr>
+              <a:t>java.util.Calendar</a:t>
+            </a:r>
+            <a:r>
+              <a:rPr lang="de-DE" sz="2000" dirty="0">
+                <a:latin typeface="Consolas"/>
+                <a:cs typeface="Consolas"/>
+              </a:rPr>
+              <a:t>/</a:t>
+            </a:r>
+            <a:r>
+              <a:rPr lang="de-DE" sz="2000" dirty="0" err="1">
+                <a:latin typeface="Consolas"/>
+                <a:cs typeface="Consolas"/>
+              </a:rPr>
+              <a:t>getInstance</a:t>
+            </a:r>
+            <a:r>
+              <a:rPr lang="de-DE" sz="2000" dirty="0">
+                <a:latin typeface="Consolas"/>
+                <a:cs typeface="Consolas"/>
+              </a:rPr>
+              <a:t>)</a:t>
+            </a:r>
             <a:r>
               <a:rPr lang="de-DE" sz="2000" dirty="0" smtClean="0">
                 <a:latin typeface="Consolas"/>
                 <a:cs typeface="Consolas"/>
               </a:rPr>
-              <a:t>(</a:t>
-            </a:r>
-            <a:r>
-              <a:rPr lang="de-DE" sz="2000" dirty="0" err="1" smtClean="0">
-                <a:latin typeface="Consolas"/>
-                <a:cs typeface="Consolas"/>
-              </a:rPr>
-              <a:t>ns</a:t>
-            </a:r>
-            <a:r>
-              <a:rPr lang="de-DE" sz="2000" dirty="0" smtClean="0">
-                <a:latin typeface="Consolas"/>
-                <a:cs typeface="Consolas"/>
-              </a:rPr>
-              <a:t> </a:t>
-            </a:r>
-            <a:r>
-              <a:rPr lang="de-DE" sz="2000" dirty="0" err="1" smtClean="0">
-                <a:latin typeface="Consolas"/>
-                <a:cs typeface="Consolas"/>
-              </a:rPr>
-              <a:t>de.coruco.binomial</a:t>
-            </a:r>
-            <a:r>
-              <a:rPr lang="de-DE" sz="2000" dirty="0" smtClean="0">
-                <a:latin typeface="Consolas"/>
-                <a:cs typeface="Consolas"/>
-              </a:rPr>
-              <a:t/>
+              <a:t>)</a:t>
             </a:r>
             <a:br>
               <a:rPr lang="de-DE" sz="2000" dirty="0" smtClean="0">
@@ -10725,96 +11309,156 @@
                 <a:latin typeface="Consolas"/>
                 <a:cs typeface="Consolas"/>
               </a:rPr>
-              <a:t>  (:</a:t>
+              <a:t>#‘</a:t>
+            </a:r>
+            <a:r>
+              <a:rPr lang="de-DE" sz="2000" dirty="0" err="1" smtClean="0">
+                <a:latin typeface="Consolas"/>
+                <a:cs typeface="Consolas"/>
+              </a:rPr>
+              <a:t>user</a:t>
+            </a:r>
+            <a:r>
+              <a:rPr lang="de-DE" sz="2000" dirty="0" smtClean="0">
+                <a:latin typeface="Consolas"/>
+                <a:cs typeface="Consolas"/>
+              </a:rPr>
+              <a:t>/</a:t>
             </a:r>
             <a:r>
               <a:rPr lang="de-DE" sz="2000" dirty="0">
                 <a:latin typeface="Consolas"/>
                 <a:cs typeface="Consolas"/>
               </a:rPr>
-              <a:t>gen-</a:t>
-            </a:r>
-            <a:r>
-              <a:rPr lang="de-DE" sz="2000" dirty="0" err="1" smtClean="0">
+              <a:t>cal</a:t>
+            </a:r>
+            <a:r>
+              <a:rPr lang="hr-HR" sz="2000" dirty="0" smtClean="0">
                 <a:latin typeface="Consolas"/>
                 <a:cs typeface="Consolas"/>
               </a:rPr>
-              <a:t>class</a:t>
-            </a:r>
-            <a:r>
-              <a:rPr lang="de-DE" sz="2000" dirty="0" smtClean="0">
+              <a:t/>
+            </a:r>
+            <a:br>
+              <a:rPr lang="hr-HR" sz="2000" dirty="0" smtClean="0">
                 <a:latin typeface="Consolas"/>
                 <a:cs typeface="Consolas"/>
               </a:rPr>
-              <a:t>)</a:t>
-            </a:r>
-            <a:r>
-              <a:rPr lang="de-DE" sz="2000" dirty="0" smtClean="0">
+            </a:br>
+            <a:r>
+              <a:rPr lang="hr-HR" sz="2000" dirty="0" smtClean="0">
                 <a:latin typeface="Consolas"/>
                 <a:cs typeface="Consolas"/>
               </a:rPr>
               <a:t/>
             </a:r>
             <a:br>
-              <a:rPr lang="de-DE" sz="2000" dirty="0" smtClean="0">
+              <a:rPr lang="hr-HR" sz="2000" dirty="0" smtClean="0">
                 <a:latin typeface="Consolas"/>
                 <a:cs typeface="Consolas"/>
               </a:rPr>
             </a:br>
             <a:r>
-              <a:rPr lang="de-DE" sz="2000" dirty="0" smtClean="0">
+              <a:rPr lang="fi-FI" sz="2000" dirty="0">
                 <a:latin typeface="Consolas"/>
                 <a:cs typeface="Consolas"/>
               </a:rPr>
-              <a:t/>
-            </a:r>
-            <a:br>
-              <a:rPr lang="de-DE" sz="2000" dirty="0" smtClean="0">
+              <a:t>(.</a:t>
+            </a:r>
+            <a:r>
+              <a:rPr lang="fi-FI" sz="2000" dirty="0" err="1">
                 <a:latin typeface="Consolas"/>
                 <a:cs typeface="Consolas"/>
               </a:rPr>
-            </a:br>
-            <a:r>
-              <a:rPr lang="de-DE" sz="2000" dirty="0" smtClean="0">
+              <a:t>getTimeInMillis</a:t>
+            </a:r>
+            <a:r>
+              <a:rPr lang="fi-FI" sz="2000" dirty="0">
                 <a:latin typeface="Consolas"/>
                 <a:cs typeface="Consolas"/>
               </a:rPr>
-              <a:t>(</a:t>
-            </a:r>
-            <a:r>
-              <a:rPr lang="de-DE" sz="2000" dirty="0" err="1" smtClean="0">
+              <a:t> </a:t>
+            </a:r>
+            <a:r>
+              <a:rPr lang="fi-FI" sz="2000" dirty="0" err="1">
                 <a:latin typeface="Consolas"/>
                 <a:cs typeface="Consolas"/>
               </a:rPr>
-              <a:t>defn</a:t>
-            </a:r>
-            <a:r>
-              <a:rPr lang="de-DE" sz="2000" dirty="0" smtClean="0">
+              <a:t>cal</a:t>
+            </a:r>
+            <a:r>
+              <a:rPr lang="fi-FI" sz="2000" dirty="0" smtClean="0">
                 <a:latin typeface="Consolas"/>
                 <a:cs typeface="Consolas"/>
               </a:rPr>
-              <a:t> </a:t>
-            </a:r>
-            <a:r>
-              <a:rPr lang="de-DE" sz="2000" dirty="0" err="1" smtClean="0">
+              <a:t>)</a:t>
+            </a:r>
+            <a:br>
+              <a:rPr lang="fi-FI" sz="2000" dirty="0" smtClean="0">
                 <a:latin typeface="Consolas"/>
                 <a:cs typeface="Consolas"/>
               </a:rPr>
-              <a:t>binomial</a:t>
-            </a:r>
-            <a:r>
-              <a:rPr lang="de-DE" sz="2000" dirty="0">
+            </a:br>
+            <a:r>
+              <a:rPr lang="fi-FI" sz="2000" dirty="0" smtClean="0">
                 <a:latin typeface="Consolas"/>
                 <a:cs typeface="Consolas"/>
               </a:rPr>
-              <a:t> ...)</a:t>
+              <a:t>1415399321833</a:t>
             </a:r>
             <a:br>
-              <a:rPr lang="de-DE" sz="2000" dirty="0">
+              <a:rPr lang="fi-FI" sz="2000" dirty="0" smtClean="0">
                 <a:latin typeface="Consolas"/>
                 <a:cs typeface="Consolas"/>
               </a:rPr>
             </a:br>
+            <a:r>
+              <a:rPr lang="fi-FI" sz="2000" dirty="0" smtClean="0">
+                <a:latin typeface="Consolas"/>
+                <a:cs typeface="Consolas"/>
+              </a:rPr>
+              <a:t/>
+            </a:r>
+            <a:br>
+              <a:rPr lang="fi-FI" sz="2000" dirty="0" smtClean="0">
+                <a:latin typeface="Consolas"/>
+                <a:cs typeface="Consolas"/>
+              </a:rPr>
+            </a:br>
+            <a:r>
+              <a:rPr lang="fi-FI" sz="2000" dirty="0" smtClean="0">
+                <a:latin typeface="Consolas"/>
+                <a:cs typeface="Consolas"/>
+              </a:rPr>
+              <a:t>(</a:t>
+            </a:r>
+            <a:r>
+              <a:rPr lang="fi-FI" sz="2000" dirty="0" err="1" smtClean="0">
+                <a:latin typeface="Consolas"/>
+                <a:cs typeface="Consolas"/>
+              </a:rPr>
+              <a:t>System/currentTimeMillis</a:t>
+            </a:r>
+            <a:r>
+              <a:rPr lang="fi-FI" sz="2000" dirty="0" smtClean="0">
+                <a:latin typeface="Consolas"/>
+                <a:cs typeface="Consolas"/>
+              </a:rPr>
+              <a:t>)</a:t>
+            </a:r>
+            <a:br>
+              <a:rPr lang="fi-FI" sz="2000" dirty="0" smtClean="0">
+                <a:latin typeface="Consolas"/>
+                <a:cs typeface="Consolas"/>
+              </a:rPr>
+            </a:br>
+            <a:r>
+              <a:rPr lang="fi-FI" sz="2000" dirty="0" smtClean="0">
+                <a:latin typeface="Consolas"/>
+                <a:cs typeface="Consolas"/>
+              </a:rPr>
+              <a:t>1415703691973</a:t>
+            </a:r>
             <a:endParaRPr lang="de-DE" sz="2000" dirty="0">
               <a:latin typeface="Consolas"/>
               <a:cs typeface="Consolas"/>
@@ -10825,7 +11469,7 @@
     </p:spTree>
     <p:extLst>
       <p:ext uri="{BB962C8B-B14F-4D97-AF65-F5344CB8AC3E}">
-        <p14:creationId xmlns:p14="http://schemas.microsoft.com/office/powerpoint/2010/main" val="2285099617"/>
+        <p14:creationId xmlns:p14="http://schemas.microsoft.com/office/powerpoint/2010/main" val="3226257409"/>
       </p:ext>
     </p:extLst>
   </p:cSld>
@@ -10908,12 +11552,8 @@
           <a:lstStyle/>
           <a:p>
             <a:r>
-              <a:rPr lang="de-DE" dirty="0" smtClean="0"/>
-              <a:t>As </a:t>
-            </a:r>
-            <a:r>
-              <a:rPr lang="de-DE" dirty="0" err="1" smtClean="0"/>
-              <a:t>of</a:t>
+              <a:rPr lang="de-DE" dirty="0" err="1" smtClean="0"/>
+              <a:t>Generate</a:t>
             </a:r>
             <a:r>
               <a:rPr lang="de-DE" dirty="0" smtClean="0"/>
@@ -10921,19 +11561,27 @@
             </a:r>
             <a:r>
               <a:rPr lang="de-DE" dirty="0" err="1" smtClean="0"/>
-              <a:t>Clojure</a:t>
+              <a:t>classes</a:t>
             </a:r>
             <a:r>
               <a:rPr lang="de-DE" dirty="0" smtClean="0"/>
               <a:t> </a:t>
             </a:r>
             <a:r>
-              <a:rPr lang="de-DE" dirty="0" smtClean="0"/>
-              <a:t>1.6.0:</a:t>
+              <a:rPr lang="de-DE" dirty="0" err="1" smtClean="0"/>
+              <a:t>for</a:t>
+            </a:r>
+            <a:r>
+              <a:rPr lang="de-DE" dirty="0" smtClean="0"/>
+              <a:t> Java (</a:t>
+            </a:r>
+            <a:r>
+              <a:rPr lang="de-DE" dirty="0" err="1" smtClean="0"/>
+              <a:t>outdated</a:t>
             </a:r>
             <a:r>
               <a:rPr lang="de-DE" dirty="0"/>
-              <a:t/>
+              <a:t>)</a:t>
             </a:r>
             <a:br>
               <a:rPr lang="de-DE" dirty="0"/>
@@ -10946,11 +11594,18 @@
               <a:rPr lang="de-DE" dirty="0"/>
             </a:br>
             <a:r>
+              <a:rPr lang="de-DE" sz="2000" dirty="0" smtClean="0">
+                <a:latin typeface="Consolas"/>
+                <a:cs typeface="Consolas"/>
+              </a:rPr>
+              <a:t>(</a:t>
+            </a:r>
+            <a:r>
               <a:rPr lang="de-DE" sz="2000" dirty="0" err="1" smtClean="0">
                 <a:latin typeface="Consolas"/>
                 <a:cs typeface="Consolas"/>
               </a:rPr>
-              <a:t>import</a:t>
+              <a:t>ns</a:t>
             </a:r>
             <a:r>
               <a:rPr lang="de-DE" sz="2000" dirty="0" smtClean="0">
@@ -10964,14 +11619,14 @@
                 <a:latin typeface="Consolas"/>
                 <a:cs typeface="Consolas"/>
               </a:rPr>
-              <a:t>clojure.java.api.Clojure</a:t>
+              <a:t>de.coruco.binomial</a:t>
             </a:r>
             <a:r>
               <a:rPr lang="de-DE" sz="2000" dirty="0" smtClean="0">
                 <a:latin typeface="Consolas"/>
                 <a:cs typeface="Consolas"/>
               </a:rPr>
-              <a:t>;</a:t>
+              <a:t/>
             </a:r>
             <a:br>
               <a:rPr lang="de-DE" sz="2000" dirty="0" smtClean="0">
@@ -10980,32 +11635,39 @@
               </a:rPr>
             </a:br>
             <a:r>
+              <a:rPr lang="de-DE" sz="2000" dirty="0" smtClean="0">
+                <a:latin typeface="Consolas"/>
+                <a:cs typeface="Consolas"/>
+              </a:rPr>
+              <a:t>  (:</a:t>
+            </a:r>
+            <a:r>
+              <a:rPr lang="de-DE" sz="2000" dirty="0">
+                <a:latin typeface="Consolas"/>
+                <a:cs typeface="Consolas"/>
+              </a:rPr>
+              <a:t>gen-</a:t>
+            </a:r>
+            <a:r>
               <a:rPr lang="de-DE" sz="2000" dirty="0" err="1" smtClean="0">
                 <a:latin typeface="Consolas"/>
                 <a:cs typeface="Consolas"/>
               </a:rPr>
-              <a:t>import</a:t>
+              <a:t>class</a:t>
             </a:r>
             <a:r>
               <a:rPr lang="de-DE" sz="2000" dirty="0" smtClean="0">
                 <a:latin typeface="Consolas"/>
                 <a:cs typeface="Consolas"/>
               </a:rPr>
-              <a:t> </a:t>
-            </a:r>
-            <a:r>
-              <a:rPr lang="de-DE" sz="2000" dirty="0" err="1" smtClean="0">
-                <a:latin typeface="Consolas"/>
-                <a:cs typeface="Consolas"/>
-              </a:rPr>
-              <a:t>clojure.lang.Ifn</a:t>
+              <a:t>)</a:t>
             </a:r>
             <a:r>
               <a:rPr lang="de-DE" sz="2000" dirty="0" smtClean="0">
                 <a:latin typeface="Consolas"/>
                 <a:cs typeface="Consolas"/>
               </a:rPr>
-              <a:t>;</a:t>
+              <a:t/>
             </a:r>
             <a:br>
               <a:rPr lang="de-DE" sz="2000" dirty="0" smtClean="0">
@@ -11031,268 +11693,35 @@
                 <a:latin typeface="Consolas"/>
                 <a:cs typeface="Consolas"/>
               </a:rPr>
-              <a:t>...</a:t>
-            </a:r>
-            <a:br>
+              <a:t>(</a:t>
+            </a:r>
+            <a:r>
+              <a:rPr lang="de-DE" sz="2000" dirty="0" err="1" smtClean="0">
+                <a:latin typeface="Consolas"/>
+                <a:cs typeface="Consolas"/>
+              </a:rPr>
+              <a:t>defn</a:t>
+            </a:r>
+            <a:r>
               <a:rPr lang="de-DE" sz="2000" dirty="0" smtClean="0">
                 <a:latin typeface="Consolas"/>
                 <a:cs typeface="Consolas"/>
               </a:rPr>
-            </a:br>
-            <a:r>
-              <a:rPr lang="de-DE" sz="2000" dirty="0" smtClean="0">
-                <a:latin typeface="Consolas"/>
-                <a:cs typeface="Consolas"/>
-              </a:rPr>
-              <a:t/>
-            </a:r>
-            <a:br>
-              <a:rPr lang="de-DE" sz="2000" dirty="0" smtClean="0">
-                <a:latin typeface="Consolas"/>
-                <a:cs typeface="Consolas"/>
-              </a:rPr>
-            </a:br>
+              <a:t> </a:t>
+            </a:r>
             <a:r>
               <a:rPr lang="de-DE" sz="2000" dirty="0" err="1" smtClean="0">
                 <a:latin typeface="Consolas"/>
                 <a:cs typeface="Consolas"/>
               </a:rPr>
-              <a:t>Ifn</a:t>
-            </a:r>
-            <a:r>
-              <a:rPr lang="de-DE" sz="2000" dirty="0" smtClean="0">
-                <a:latin typeface="Consolas"/>
-                <a:cs typeface="Consolas"/>
-              </a:rPr>
-              <a:t> </a:t>
-            </a:r>
-            <a:r>
-              <a:rPr lang="de-DE" sz="2000" dirty="0" err="1" smtClean="0">
-                <a:latin typeface="Consolas"/>
-                <a:cs typeface="Consolas"/>
-              </a:rPr>
-              <a:t>require</a:t>
-            </a:r>
-            <a:r>
-              <a:rPr lang="de-DE" sz="2000" dirty="0" smtClean="0">
-                <a:latin typeface="Consolas"/>
-                <a:cs typeface="Consolas"/>
-              </a:rPr>
-              <a:t> = </a:t>
-            </a:r>
-            <a:r>
-              <a:rPr lang="de-DE" sz="2000" dirty="0" err="1" smtClean="0">
-                <a:latin typeface="Consolas"/>
-                <a:cs typeface="Consolas"/>
-              </a:rPr>
-              <a:t>Clojure.var</a:t>
-            </a:r>
-            <a:r>
-              <a:rPr lang="de-DE" sz="2000" dirty="0" smtClean="0">
-                <a:latin typeface="Consolas"/>
-                <a:cs typeface="Consolas"/>
-              </a:rPr>
-              <a:t>( „</a:t>
-            </a:r>
-            <a:r>
-              <a:rPr lang="de-DE" sz="2000" dirty="0" err="1" smtClean="0">
-                <a:latin typeface="Consolas"/>
-                <a:cs typeface="Consolas"/>
-              </a:rPr>
-              <a:t>clojure.core</a:t>
-            </a:r>
-            <a:r>
-              <a:rPr lang="de-DE" sz="2000" dirty="0" smtClean="0">
-                <a:latin typeface="Consolas"/>
-                <a:cs typeface="Consolas"/>
-              </a:rPr>
-              <a:t>“, „</a:t>
-            </a:r>
-            <a:r>
-              <a:rPr lang="de-DE" sz="2000" dirty="0" err="1" smtClean="0">
-                <a:latin typeface="Consolas"/>
-                <a:cs typeface="Consolas"/>
-              </a:rPr>
-              <a:t>require</a:t>
-            </a:r>
-            <a:r>
-              <a:rPr lang="de-DE" sz="2000" dirty="0" smtClean="0">
-                <a:latin typeface="Consolas"/>
-                <a:cs typeface="Consolas"/>
-              </a:rPr>
-              <a:t>“ );</a:t>
-            </a:r>
-            <a:br>
-              <a:rPr lang="de-DE" sz="2000" dirty="0" smtClean="0">
-                <a:latin typeface="Consolas"/>
-                <a:cs typeface="Consolas"/>
-              </a:rPr>
-            </a:br>
-            <a:r>
-              <a:rPr lang="de-DE" sz="2000" dirty="0" err="1" smtClean="0">
-                <a:latin typeface="Consolas"/>
-                <a:cs typeface="Consolas"/>
-              </a:rPr>
-              <a:t>require.invoke</a:t>
-            </a:r>
-            <a:r>
-              <a:rPr lang="de-DE" sz="2000" dirty="0" smtClean="0">
-                <a:latin typeface="Consolas"/>
-                <a:cs typeface="Consolas"/>
-              </a:rPr>
-              <a:t>( </a:t>
-            </a:r>
-            <a:r>
-              <a:rPr lang="de-DE" sz="2000" dirty="0" err="1" smtClean="0">
-                <a:latin typeface="Consolas"/>
-                <a:cs typeface="Consolas"/>
-              </a:rPr>
-              <a:t>Clojure.read</a:t>
-            </a:r>
-            <a:r>
-              <a:rPr lang="de-DE" sz="2000" dirty="0" smtClean="0">
-                <a:latin typeface="Consolas"/>
-                <a:cs typeface="Consolas"/>
-              </a:rPr>
-              <a:t>( </a:t>
-            </a:r>
-            <a:r>
-              <a:rPr lang="de-DE" sz="2000" dirty="0" smtClean="0">
-                <a:latin typeface="Consolas"/>
-                <a:cs typeface="Consolas"/>
-              </a:rPr>
-              <a:t>„</a:t>
-            </a:r>
-            <a:r>
-              <a:rPr lang="de-DE" sz="2000" dirty="0" err="1" smtClean="0">
-                <a:latin typeface="Consolas"/>
-                <a:cs typeface="Consolas"/>
-              </a:rPr>
-              <a:t>de.coruco.binomial</a:t>
-            </a:r>
-            <a:r>
-              <a:rPr lang="de-DE" sz="2000" dirty="0" smtClean="0">
-                <a:latin typeface="Consolas"/>
-                <a:cs typeface="Consolas"/>
-              </a:rPr>
-              <a:t>“ </a:t>
-            </a:r>
-            <a:r>
-              <a:rPr lang="de-DE" sz="2000" dirty="0" smtClean="0">
-                <a:latin typeface="Consolas"/>
-                <a:cs typeface="Consolas"/>
-              </a:rPr>
-              <a:t>) );</a:t>
-            </a:r>
-            <a:br>
-              <a:rPr lang="de-DE" sz="2000" dirty="0" smtClean="0">
-                <a:latin typeface="Consolas"/>
-                <a:cs typeface="Consolas"/>
-              </a:rPr>
-            </a:br>
-            <a:r>
-              <a:rPr lang="de-DE" sz="2000" dirty="0" smtClean="0">
-                <a:latin typeface="Consolas"/>
-                <a:cs typeface="Consolas"/>
-              </a:rPr>
-              <a:t/>
-            </a:r>
-            <a:br>
-              <a:rPr lang="de-DE" sz="2000" dirty="0" smtClean="0">
-                <a:latin typeface="Consolas"/>
-                <a:cs typeface="Consolas"/>
-              </a:rPr>
-            </a:br>
-            <a:r>
-              <a:rPr lang="de-DE" sz="2000" dirty="0" err="1" smtClean="0">
-                <a:latin typeface="Consolas"/>
-                <a:cs typeface="Consolas"/>
-              </a:rPr>
-              <a:t>Ifn</a:t>
-            </a:r>
-            <a:r>
-              <a:rPr lang="de-DE" sz="2000" dirty="0" smtClean="0">
-                <a:latin typeface="Consolas"/>
-                <a:cs typeface="Consolas"/>
-              </a:rPr>
-              <a:t> </a:t>
-            </a:r>
-            <a:r>
-              <a:rPr lang="de-DE" sz="2000" dirty="0" err="1" smtClean="0">
-                <a:latin typeface="Consolas"/>
-                <a:cs typeface="Consolas"/>
-              </a:rPr>
-              <a:t>binomi</a:t>
-            </a:r>
-            <a:r>
-              <a:rPr lang="de-DE" sz="2000" dirty="0" smtClean="0">
-                <a:latin typeface="Consolas"/>
-                <a:cs typeface="Consolas"/>
-              </a:rPr>
-              <a:t> = </a:t>
-            </a:r>
-            <a:r>
-              <a:rPr lang="de-DE" sz="2000" dirty="0" err="1" smtClean="0">
-                <a:latin typeface="Consolas"/>
-                <a:cs typeface="Consolas"/>
-              </a:rPr>
-              <a:t>Clojure.var</a:t>
-            </a:r>
-            <a:r>
-              <a:rPr lang="de-DE" sz="2000" dirty="0" smtClean="0">
-                <a:latin typeface="Consolas"/>
-                <a:cs typeface="Consolas"/>
-              </a:rPr>
-              <a:t>( </a:t>
-            </a:r>
-            <a:r>
-              <a:rPr lang="de-DE" sz="2000" dirty="0" smtClean="0">
-                <a:latin typeface="Consolas"/>
-                <a:cs typeface="Consolas"/>
-              </a:rPr>
-              <a:t>„</a:t>
-            </a:r>
-            <a:r>
-              <a:rPr lang="de-DE" sz="2000" dirty="0" err="1" smtClean="0">
-                <a:latin typeface="Consolas"/>
-                <a:cs typeface="Consolas"/>
-              </a:rPr>
-              <a:t>de.coruco.binomial</a:t>
-            </a:r>
-            <a:r>
-              <a:rPr lang="de-DE" sz="2000" dirty="0" smtClean="0">
-                <a:latin typeface="Consolas"/>
-                <a:cs typeface="Consolas"/>
-              </a:rPr>
-              <a:t>“</a:t>
-            </a:r>
-            <a:r>
-              <a:rPr lang="de-DE" sz="2000" dirty="0" smtClean="0">
-                <a:latin typeface="Consolas"/>
-                <a:cs typeface="Consolas"/>
-              </a:rPr>
-              <a:t>, „</a:t>
-            </a:r>
-            <a:r>
-              <a:rPr lang="de-DE" sz="2000" dirty="0" err="1" smtClean="0">
-                <a:latin typeface="Consolas"/>
-                <a:cs typeface="Consolas"/>
-              </a:rPr>
               <a:t>binomial</a:t>
-            </a:r>
-            <a:r>
-              <a:rPr lang="de-DE" sz="2000" dirty="0" smtClean="0">
-                <a:latin typeface="Consolas"/>
-                <a:cs typeface="Consolas"/>
-              </a:rPr>
-              <a:t>“ );</a:t>
             </a:r>
             <a:r>
               <a:rPr lang="de-DE" sz="2000" dirty="0">
                 <a:latin typeface="Consolas"/>
                 <a:cs typeface="Consolas"/>
               </a:rPr>
-              <a:t/>
+              <a:t> ...)</a:t>
             </a:r>
             <a:br>
               <a:rPr lang="de-DE" sz="2000" dirty="0">
@@ -11300,55 +11729,17 @@
                 <a:cs typeface="Consolas"/>
               </a:rPr>
             </a:br>
-            <a:r>
-              <a:rPr lang="de-DE" sz="2000" dirty="0" err="1" smtClean="0">
-                <a:latin typeface="Consolas"/>
-                <a:cs typeface="Consolas"/>
-              </a:rPr>
-              <a:t>Object</a:t>
-            </a:r>
-            <a:r>
-              <a:rPr lang="de-DE" sz="2000" dirty="0" smtClean="0">
-                <a:latin typeface="Consolas"/>
-                <a:cs typeface="Consolas"/>
-              </a:rPr>
-              <a:t> </a:t>
-            </a:r>
-            <a:r>
-              <a:rPr lang="de-DE" sz="2000" dirty="0" err="1" smtClean="0">
-                <a:latin typeface="Consolas"/>
-                <a:cs typeface="Consolas"/>
-              </a:rPr>
-              <a:t>result</a:t>
-            </a:r>
-            <a:r>
-              <a:rPr lang="de-DE" sz="2000" dirty="0" smtClean="0">
-                <a:latin typeface="Consolas"/>
-                <a:cs typeface="Consolas"/>
-              </a:rPr>
-              <a:t> = </a:t>
-            </a:r>
-            <a:r>
-              <a:rPr lang="de-DE" sz="2000" dirty="0" err="1" smtClean="0">
-                <a:latin typeface="Consolas"/>
-                <a:cs typeface="Consolas"/>
-              </a:rPr>
-              <a:t>binomi.invoke</a:t>
-            </a:r>
-            <a:r>
-              <a:rPr lang="de-DE" sz="2000" dirty="0" smtClean="0">
-                <a:latin typeface="Consolas"/>
-                <a:cs typeface="Consolas"/>
-              </a:rPr>
-              <a:t>( 7, 6 );</a:t>
-            </a:r>
+            <a:endParaRPr lang="de-DE" sz="2000" dirty="0">
+              <a:latin typeface="Consolas"/>
+              <a:cs typeface="Consolas"/>
+            </a:endParaRPr>
           </a:p>
         </p:txBody>
       </p:sp>
     </p:spTree>
     <p:extLst>
       <p:ext uri="{BB962C8B-B14F-4D97-AF65-F5344CB8AC3E}">
-        <p14:creationId xmlns:p14="http://schemas.microsoft.com/office/powerpoint/2010/main" val="1278712096"/>
+        <p14:creationId xmlns:p14="http://schemas.microsoft.com/office/powerpoint/2010/main" val="2285099617"/>
       </p:ext>
     </p:extLst>
   </p:cSld>
@@ -11394,6 +11785,529 @@
         </p:nvSpPr>
         <p:spPr/>
         <p:txBody>
+          <a:bodyPr/>
+          <a:lstStyle/>
+          <a:p>
+            <a:r>
+              <a:rPr lang="de-DE" dirty="0" err="1" smtClean="0"/>
+              <a:t>Clojure</a:t>
+            </a:r>
+            <a:r>
+              <a:rPr lang="de-DE" dirty="0" smtClean="0"/>
+              <a:t> </a:t>
+            </a:r>
+            <a:r>
+              <a:rPr lang="de-DE" dirty="0" smtClean="0"/>
+              <a:t>in Java</a:t>
+            </a:r>
+            <a:endParaRPr lang="de-DE" dirty="0"/>
+          </a:p>
+        </p:txBody>
+      </p:sp>
+      <p:sp>
+        <p:nvSpPr>
+          <p:cNvPr id="3" name="Inhaltsplatzhalter 2"/>
+          <p:cNvSpPr>
+            <a:spLocks noGrp="1"/>
+          </p:cNvSpPr>
+          <p:nvPr>
+            <p:ph idx="1"/>
+          </p:nvPr>
+        </p:nvSpPr>
+        <p:spPr/>
+        <p:txBody>
+          <a:bodyPr>
+            <a:normAutofit/>
+          </a:bodyPr>
+          <a:lstStyle/>
+          <a:p>
+            <a:r>
+              <a:rPr lang="de-DE" dirty="0" smtClean="0"/>
+              <a:t>As </a:t>
+            </a:r>
+            <a:r>
+              <a:rPr lang="de-DE" dirty="0" err="1" smtClean="0"/>
+              <a:t>of</a:t>
+            </a:r>
+            <a:r>
+              <a:rPr lang="de-DE" dirty="0" smtClean="0"/>
+              <a:t> </a:t>
+            </a:r>
+            <a:r>
+              <a:rPr lang="de-DE" dirty="0" err="1" smtClean="0"/>
+              <a:t>Clojure</a:t>
+            </a:r>
+            <a:r>
+              <a:rPr lang="de-DE" dirty="0" smtClean="0"/>
+              <a:t> </a:t>
+            </a:r>
+            <a:r>
+              <a:rPr lang="de-DE" dirty="0" smtClean="0"/>
+              <a:t>1.6.0:</a:t>
+            </a:r>
+            <a:r>
+              <a:rPr lang="de-DE" dirty="0"/>
+              <a:t/>
+            </a:r>
+            <a:br>
+              <a:rPr lang="de-DE" dirty="0"/>
+            </a:br>
+            <a:r>
+              <a:rPr lang="de-DE" dirty="0"/>
+              <a:t/>
+            </a:r>
+            <a:br>
+              <a:rPr lang="de-DE" dirty="0"/>
+            </a:br>
+            <a:r>
+              <a:rPr lang="de-DE" sz="2000" dirty="0" err="1" smtClean="0">
+                <a:latin typeface="Consolas"/>
+                <a:cs typeface="Consolas"/>
+              </a:rPr>
+              <a:t>import</a:t>
+            </a:r>
+            <a:r>
+              <a:rPr lang="de-DE" sz="2000" dirty="0" smtClean="0">
+                <a:latin typeface="Consolas"/>
+                <a:cs typeface="Consolas"/>
+              </a:rPr>
+              <a:t> </a:t>
+            </a:r>
+            <a:r>
+              <a:rPr lang="de-DE" sz="2000" dirty="0" err="1" smtClean="0">
+                <a:latin typeface="Consolas"/>
+                <a:cs typeface="Consolas"/>
+              </a:rPr>
+              <a:t>clojure.java.api.Clojure</a:t>
+            </a:r>
+            <a:r>
+              <a:rPr lang="de-DE" sz="2000" dirty="0" smtClean="0">
+                <a:latin typeface="Consolas"/>
+                <a:cs typeface="Consolas"/>
+              </a:rPr>
+              <a:t>;</a:t>
+            </a:r>
+            <a:br>
+              <a:rPr lang="de-DE" sz="2000" dirty="0" smtClean="0">
+                <a:latin typeface="Consolas"/>
+                <a:cs typeface="Consolas"/>
+              </a:rPr>
+            </a:br>
+            <a:r>
+              <a:rPr lang="de-DE" sz="2000" dirty="0" err="1" smtClean="0">
+                <a:latin typeface="Consolas"/>
+                <a:cs typeface="Consolas"/>
+              </a:rPr>
+              <a:t>import</a:t>
+            </a:r>
+            <a:r>
+              <a:rPr lang="de-DE" sz="2000" dirty="0" smtClean="0">
+                <a:latin typeface="Consolas"/>
+                <a:cs typeface="Consolas"/>
+              </a:rPr>
+              <a:t> </a:t>
+            </a:r>
+            <a:r>
+              <a:rPr lang="de-DE" sz="2000" dirty="0" err="1" smtClean="0">
+                <a:latin typeface="Consolas"/>
+                <a:cs typeface="Consolas"/>
+              </a:rPr>
+              <a:t>clojure.lang.Ifn</a:t>
+            </a:r>
+            <a:r>
+              <a:rPr lang="de-DE" sz="2000" dirty="0" smtClean="0">
+                <a:latin typeface="Consolas"/>
+                <a:cs typeface="Consolas"/>
+              </a:rPr>
+              <a:t>;</a:t>
+            </a:r>
+            <a:br>
+              <a:rPr lang="de-DE" sz="2000" dirty="0" smtClean="0">
+                <a:latin typeface="Consolas"/>
+                <a:cs typeface="Consolas"/>
+              </a:rPr>
+            </a:br>
+            <a:r>
+              <a:rPr lang="de-DE" sz="2000" dirty="0" smtClean="0">
+                <a:latin typeface="Consolas"/>
+                <a:cs typeface="Consolas"/>
+              </a:rPr>
+              <a:t/>
+            </a:r>
+            <a:br>
+              <a:rPr lang="de-DE" sz="2000" dirty="0" smtClean="0">
+                <a:latin typeface="Consolas"/>
+                <a:cs typeface="Consolas"/>
+              </a:rPr>
+            </a:br>
+            <a:r>
+              <a:rPr lang="de-DE" sz="2000" dirty="0" smtClean="0">
+                <a:latin typeface="Consolas"/>
+                <a:cs typeface="Consolas"/>
+              </a:rPr>
+              <a:t>...</a:t>
+            </a:r>
+            <a:br>
+              <a:rPr lang="de-DE" sz="2000" dirty="0" smtClean="0">
+                <a:latin typeface="Consolas"/>
+                <a:cs typeface="Consolas"/>
+              </a:rPr>
+            </a:br>
+            <a:r>
+              <a:rPr lang="de-DE" sz="2000" dirty="0" smtClean="0">
+                <a:latin typeface="Consolas"/>
+                <a:cs typeface="Consolas"/>
+              </a:rPr>
+              <a:t/>
+            </a:r>
+            <a:br>
+              <a:rPr lang="de-DE" sz="2000" dirty="0" smtClean="0">
+                <a:latin typeface="Consolas"/>
+                <a:cs typeface="Consolas"/>
+              </a:rPr>
+            </a:br>
+            <a:r>
+              <a:rPr lang="de-DE" sz="2000" dirty="0" err="1" smtClean="0">
+                <a:latin typeface="Consolas"/>
+                <a:cs typeface="Consolas"/>
+              </a:rPr>
+              <a:t>Ifn</a:t>
+            </a:r>
+            <a:r>
+              <a:rPr lang="de-DE" sz="2000" dirty="0" smtClean="0">
+                <a:latin typeface="Consolas"/>
+                <a:cs typeface="Consolas"/>
+              </a:rPr>
+              <a:t> </a:t>
+            </a:r>
+            <a:r>
+              <a:rPr lang="de-DE" sz="2000" dirty="0" err="1" smtClean="0">
+                <a:latin typeface="Consolas"/>
+                <a:cs typeface="Consolas"/>
+              </a:rPr>
+              <a:t>require</a:t>
+            </a:r>
+            <a:r>
+              <a:rPr lang="de-DE" sz="2000" dirty="0" smtClean="0">
+                <a:latin typeface="Consolas"/>
+                <a:cs typeface="Consolas"/>
+              </a:rPr>
+              <a:t> = </a:t>
+            </a:r>
+            <a:r>
+              <a:rPr lang="de-DE" sz="2000" dirty="0" err="1" smtClean="0">
+                <a:latin typeface="Consolas"/>
+                <a:cs typeface="Consolas"/>
+              </a:rPr>
+              <a:t>Clojure.var</a:t>
+            </a:r>
+            <a:r>
+              <a:rPr lang="de-DE" sz="2000" dirty="0" smtClean="0">
+                <a:latin typeface="Consolas"/>
+                <a:cs typeface="Consolas"/>
+              </a:rPr>
+              <a:t>( „</a:t>
+            </a:r>
+            <a:r>
+              <a:rPr lang="de-DE" sz="2000" dirty="0" err="1" smtClean="0">
+                <a:latin typeface="Consolas"/>
+                <a:cs typeface="Consolas"/>
+              </a:rPr>
+              <a:t>clojure.core</a:t>
+            </a:r>
+            <a:r>
+              <a:rPr lang="de-DE" sz="2000" dirty="0" smtClean="0">
+                <a:latin typeface="Consolas"/>
+                <a:cs typeface="Consolas"/>
+              </a:rPr>
+              <a:t>“, „</a:t>
+            </a:r>
+            <a:r>
+              <a:rPr lang="de-DE" sz="2000" dirty="0" err="1" smtClean="0">
+                <a:latin typeface="Consolas"/>
+                <a:cs typeface="Consolas"/>
+              </a:rPr>
+              <a:t>require</a:t>
+            </a:r>
+            <a:r>
+              <a:rPr lang="de-DE" sz="2000" dirty="0" smtClean="0">
+                <a:latin typeface="Consolas"/>
+                <a:cs typeface="Consolas"/>
+              </a:rPr>
+              <a:t>“ );</a:t>
+            </a:r>
+            <a:br>
+              <a:rPr lang="de-DE" sz="2000" dirty="0" smtClean="0">
+                <a:latin typeface="Consolas"/>
+                <a:cs typeface="Consolas"/>
+              </a:rPr>
+            </a:br>
+            <a:r>
+              <a:rPr lang="de-DE" sz="2000" dirty="0" err="1" smtClean="0">
+                <a:latin typeface="Consolas"/>
+                <a:cs typeface="Consolas"/>
+              </a:rPr>
+              <a:t>require.invoke</a:t>
+            </a:r>
+            <a:r>
+              <a:rPr lang="de-DE" sz="2000" dirty="0" smtClean="0">
+                <a:latin typeface="Consolas"/>
+                <a:cs typeface="Consolas"/>
+              </a:rPr>
+              <a:t>( </a:t>
+            </a:r>
+            <a:r>
+              <a:rPr lang="de-DE" sz="2000" dirty="0" err="1" smtClean="0">
+                <a:latin typeface="Consolas"/>
+                <a:cs typeface="Consolas"/>
+              </a:rPr>
+              <a:t>Clojure.read</a:t>
+            </a:r>
+            <a:r>
+              <a:rPr lang="de-DE" sz="2000" dirty="0" smtClean="0">
+                <a:latin typeface="Consolas"/>
+                <a:cs typeface="Consolas"/>
+              </a:rPr>
+              <a:t>( </a:t>
+            </a:r>
+            <a:r>
+              <a:rPr lang="de-DE" sz="2000" dirty="0" smtClean="0">
+                <a:latin typeface="Consolas"/>
+                <a:cs typeface="Consolas"/>
+              </a:rPr>
+              <a:t>„</a:t>
+            </a:r>
+            <a:r>
+              <a:rPr lang="de-DE" sz="2000" dirty="0" err="1" smtClean="0">
+                <a:latin typeface="Consolas"/>
+                <a:cs typeface="Consolas"/>
+              </a:rPr>
+              <a:t>de.coruco.binomial</a:t>
+            </a:r>
+            <a:r>
+              <a:rPr lang="de-DE" sz="2000" dirty="0" smtClean="0">
+                <a:latin typeface="Consolas"/>
+                <a:cs typeface="Consolas"/>
+              </a:rPr>
+              <a:t>“ </a:t>
+            </a:r>
+            <a:r>
+              <a:rPr lang="de-DE" sz="2000" dirty="0" smtClean="0">
+                <a:latin typeface="Consolas"/>
+                <a:cs typeface="Consolas"/>
+              </a:rPr>
+              <a:t>) );</a:t>
+            </a:r>
+            <a:br>
+              <a:rPr lang="de-DE" sz="2000" dirty="0" smtClean="0">
+                <a:latin typeface="Consolas"/>
+                <a:cs typeface="Consolas"/>
+              </a:rPr>
+            </a:br>
+            <a:r>
+              <a:rPr lang="de-DE" sz="2000" dirty="0" smtClean="0">
+                <a:latin typeface="Consolas"/>
+                <a:cs typeface="Consolas"/>
+              </a:rPr>
+              <a:t/>
+            </a:r>
+            <a:br>
+              <a:rPr lang="de-DE" sz="2000" dirty="0" smtClean="0">
+                <a:latin typeface="Consolas"/>
+                <a:cs typeface="Consolas"/>
+              </a:rPr>
+            </a:br>
+            <a:r>
+              <a:rPr lang="de-DE" sz="2000" dirty="0" err="1" smtClean="0">
+                <a:latin typeface="Consolas"/>
+                <a:cs typeface="Consolas"/>
+              </a:rPr>
+              <a:t>Ifn</a:t>
+            </a:r>
+            <a:r>
+              <a:rPr lang="de-DE" sz="2000" dirty="0" smtClean="0">
+                <a:latin typeface="Consolas"/>
+                <a:cs typeface="Consolas"/>
+              </a:rPr>
+              <a:t> </a:t>
+            </a:r>
+            <a:r>
+              <a:rPr lang="de-DE" sz="2000" dirty="0" err="1" smtClean="0">
+                <a:latin typeface="Consolas"/>
+                <a:cs typeface="Consolas"/>
+              </a:rPr>
+              <a:t>binomi</a:t>
+            </a:r>
+            <a:r>
+              <a:rPr lang="de-DE" sz="2000" dirty="0" smtClean="0">
+                <a:latin typeface="Consolas"/>
+                <a:cs typeface="Consolas"/>
+              </a:rPr>
+              <a:t> = </a:t>
+            </a:r>
+            <a:r>
+              <a:rPr lang="de-DE" sz="2000" dirty="0" err="1" smtClean="0">
+                <a:latin typeface="Consolas"/>
+                <a:cs typeface="Consolas"/>
+              </a:rPr>
+              <a:t>Clojure.var</a:t>
+            </a:r>
+            <a:r>
+              <a:rPr lang="de-DE" sz="2000" dirty="0" smtClean="0">
+                <a:latin typeface="Consolas"/>
+                <a:cs typeface="Consolas"/>
+              </a:rPr>
+              <a:t>( </a:t>
+            </a:r>
+            <a:r>
+              <a:rPr lang="de-DE" sz="2000" dirty="0" smtClean="0">
+                <a:latin typeface="Consolas"/>
+                <a:cs typeface="Consolas"/>
+              </a:rPr>
+              <a:t>„</a:t>
+            </a:r>
+            <a:r>
+              <a:rPr lang="de-DE" sz="2000" dirty="0" err="1" smtClean="0">
+                <a:latin typeface="Consolas"/>
+                <a:cs typeface="Consolas"/>
+              </a:rPr>
+              <a:t>de.coruco.binomial</a:t>
+            </a:r>
+            <a:r>
+              <a:rPr lang="de-DE" sz="2000" dirty="0" smtClean="0">
+                <a:latin typeface="Consolas"/>
+                <a:cs typeface="Consolas"/>
+              </a:rPr>
+              <a:t>“</a:t>
+            </a:r>
+            <a:r>
+              <a:rPr lang="de-DE" sz="2000" dirty="0" smtClean="0">
+                <a:latin typeface="Consolas"/>
+                <a:cs typeface="Consolas"/>
+              </a:rPr>
+              <a:t>, „</a:t>
+            </a:r>
+            <a:r>
+              <a:rPr lang="de-DE" sz="2000" dirty="0" err="1" smtClean="0">
+                <a:latin typeface="Consolas"/>
+                <a:cs typeface="Consolas"/>
+              </a:rPr>
+              <a:t>binomial</a:t>
+            </a:r>
+            <a:r>
+              <a:rPr lang="de-DE" sz="2000" dirty="0" smtClean="0">
+                <a:latin typeface="Consolas"/>
+                <a:cs typeface="Consolas"/>
+              </a:rPr>
+              <a:t>“ );</a:t>
+            </a:r>
+            <a:r>
+              <a:rPr lang="de-DE" sz="2000" dirty="0">
+                <a:latin typeface="Consolas"/>
+                <a:cs typeface="Consolas"/>
+              </a:rPr>
+              <a:t/>
+            </a:r>
+            <a:br>
+              <a:rPr lang="de-DE" sz="2000" dirty="0">
+                <a:latin typeface="Consolas"/>
+                <a:cs typeface="Consolas"/>
+              </a:rPr>
+            </a:br>
+            <a:r>
+              <a:rPr lang="de-DE" sz="2000" dirty="0" err="1" smtClean="0">
+                <a:latin typeface="Consolas"/>
+                <a:cs typeface="Consolas"/>
+              </a:rPr>
+              <a:t>Object</a:t>
+            </a:r>
+            <a:r>
+              <a:rPr lang="de-DE" sz="2000" dirty="0" smtClean="0">
+                <a:latin typeface="Consolas"/>
+                <a:cs typeface="Consolas"/>
+              </a:rPr>
+              <a:t> </a:t>
+            </a:r>
+            <a:r>
+              <a:rPr lang="de-DE" sz="2000" dirty="0" err="1" smtClean="0">
+                <a:latin typeface="Consolas"/>
+                <a:cs typeface="Consolas"/>
+              </a:rPr>
+              <a:t>result</a:t>
+            </a:r>
+            <a:r>
+              <a:rPr lang="de-DE" sz="2000" dirty="0" smtClean="0">
+                <a:latin typeface="Consolas"/>
+                <a:cs typeface="Consolas"/>
+              </a:rPr>
+              <a:t> = </a:t>
+            </a:r>
+            <a:r>
+              <a:rPr lang="de-DE" sz="2000" dirty="0" err="1" smtClean="0">
+                <a:latin typeface="Consolas"/>
+                <a:cs typeface="Consolas"/>
+              </a:rPr>
+              <a:t>binomi.invoke</a:t>
+            </a:r>
+            <a:r>
+              <a:rPr lang="de-DE" sz="2000" dirty="0" smtClean="0">
+                <a:latin typeface="Consolas"/>
+                <a:cs typeface="Consolas"/>
+              </a:rPr>
+              <a:t>( 7, 6 );</a:t>
+            </a:r>
+          </a:p>
+        </p:txBody>
+      </p:sp>
+    </p:spTree>
+    <p:extLst>
+      <p:ext uri="{BB962C8B-B14F-4D97-AF65-F5344CB8AC3E}">
+        <p14:creationId xmlns:p14="http://schemas.microsoft.com/office/powerpoint/2010/main" val="1278712096"/>
+      </p:ext>
+    </p:extLst>
+  </p:cSld>
+  <p:clrMapOvr>
+    <a:masterClrMapping/>
+  </p:clrMapOvr>
+  <p:timing>
+    <p:tnLst>
+      <p:par>
+        <p:cTn xmlns:p14="http://schemas.microsoft.com/office/powerpoint/2010/main" id="1" dur="indefinite" restart="never" nodeType="tmRoot"/>
+      </p:par>
+    </p:tnLst>
+  </p:timing>
+</p:sld>
+</file>
+
+<file path=ppt/slides/slide35.xml><?xml version="1.0" encoding="utf-8"?>
+<p:sld xmlns:a="http://schemas.openxmlformats.org/drawingml/2006/main" xmlns:r="http://schemas.openxmlformats.org/officeDocument/2006/relationships" xmlns:p="http://schemas.openxmlformats.org/presentationml/2006/main">
+  <p:cSld>
+    <p:spTree>
+      <p:nvGrpSpPr>
+        <p:cNvPr id="1" name=""/>
+        <p:cNvGrpSpPr/>
+        <p:nvPr/>
+      </p:nvGrpSpPr>
+      <p:grpSpPr>
+        <a:xfrm>
+          <a:off x="0" y="0"/>
+          <a:ext cx="0" cy="0"/>
+          <a:chOff x="0" y="0"/>
+          <a:chExt cx="0" cy="0"/>
+        </a:xfrm>
+      </p:grpSpPr>
+      <p:sp>
+        <p:nvSpPr>
+          <p:cNvPr id="2" name="Titel 1"/>
+          <p:cNvSpPr>
+            <a:spLocks noGrp="1"/>
+          </p:cNvSpPr>
+          <p:nvPr>
+            <p:ph type="title"/>
+          </p:nvPr>
+        </p:nvSpPr>
+        <p:spPr/>
+        <p:txBody>
           <a:bodyPr>
             <a:normAutofit fontScale="90000"/>
           </a:bodyPr>
@@ -11545,7 +12459,7 @@
 </p:sld>
 </file>
 
-<file path=ppt/slides/slide35.xml><?xml version="1.0" encoding="utf-8"?>
+<file path=ppt/slides/slide36.xml><?xml version="1.0" encoding="utf-8"?>
 <p:sld xmlns:a="http://schemas.openxmlformats.org/drawingml/2006/main" xmlns:r="http://schemas.openxmlformats.org/officeDocument/2006/relationships" xmlns:p="http://schemas.openxmlformats.org/presentationml/2006/main">
   <p:cSld>
     <p:spTree>
